--- a/diagrams/experimental_setup.pptx
+++ b/diagrams/experimental_setup.pptx
@@ -115,7 +115,7 @@
 <file path=ppt/revisionInfo.xml><?xml version="1.0" encoding="utf-8"?>
 <p1510:revInfo xmlns:a="http://schemas.openxmlformats.org/drawingml/2006/main" xmlns:r="http://schemas.openxmlformats.org/officeDocument/2006/relationships" xmlns:p1510="http://schemas.microsoft.com/office/powerpoint/2015/10/main">
   <p1510:revLst>
-    <p1510:client id="{E6F9DA84-9433-4392-9546-B88347E1A9B1}" v="180" dt="2020-05-28T17:00:01.487"/>
+    <p1510:client id="{E6F9DA84-9433-4392-9546-B88347E1A9B1}" v="313" dt="2020-05-29T18:43:29.274"/>
   </p1510:revLst>
 </p1510:revInfo>
 </file>
@@ -125,18 +125,18 @@
   <pc:docChgLst>
     <pc:chgData name="Laurent P. René de Cotret" userId="f8178667c0a2369a" providerId="LiveId" clId="{E6F9DA84-9433-4392-9546-B88347E1A9B1}"/>
     <pc:docChg chg="undo custSel modSld">
-      <pc:chgData name="Laurent P. René de Cotret" userId="f8178667c0a2369a" providerId="LiveId" clId="{E6F9DA84-9433-4392-9546-B88347E1A9B1}" dt="2020-05-28T17:00:07.387" v="1707" actId="20577"/>
+      <pc:chgData name="Laurent P. René de Cotret" userId="f8178667c0a2369a" providerId="LiveId" clId="{E6F9DA84-9433-4392-9546-B88347E1A9B1}" dt="2020-05-29T18:43:51.994" v="3481" actId="1035"/>
       <pc:docMkLst>
         <pc:docMk/>
       </pc:docMkLst>
       <pc:sldChg chg="addSp delSp modSp mod">
-        <pc:chgData name="Laurent P. René de Cotret" userId="f8178667c0a2369a" providerId="LiveId" clId="{E6F9DA84-9433-4392-9546-B88347E1A9B1}" dt="2020-05-28T17:00:07.387" v="1707" actId="20577"/>
+        <pc:chgData name="Laurent P. René de Cotret" userId="f8178667c0a2369a" providerId="LiveId" clId="{E6F9DA84-9433-4392-9546-B88347E1A9B1}" dt="2020-05-29T18:43:51.994" v="3481" actId="1035"/>
         <pc:sldMkLst>
           <pc:docMk/>
           <pc:sldMk cId="2105944242" sldId="256"/>
         </pc:sldMkLst>
         <pc:spChg chg="mod ord topLvl">
-          <ac:chgData name="Laurent P. René de Cotret" userId="f8178667c0a2369a" providerId="LiveId" clId="{E6F9DA84-9433-4392-9546-B88347E1A9B1}" dt="2020-05-28T16:52:59.028" v="1530" actId="165"/>
+          <ac:chgData name="Laurent P. René de Cotret" userId="f8178667c0a2369a" providerId="LiveId" clId="{E6F9DA84-9433-4392-9546-B88347E1A9B1}" dt="2020-05-29T18:27:29.054" v="3246" actId="1035"/>
           <ac:spMkLst>
             <pc:docMk/>
             <pc:sldMk cId="2105944242" sldId="256"/>
@@ -144,7 +144,7 @@
           </ac:spMkLst>
         </pc:spChg>
         <pc:spChg chg="mod topLvl">
-          <ac:chgData name="Laurent P. René de Cotret" userId="f8178667c0a2369a" providerId="LiveId" clId="{E6F9DA84-9433-4392-9546-B88347E1A9B1}" dt="2020-05-28T16:52:59.028" v="1530" actId="165"/>
+          <ac:chgData name="Laurent P. René de Cotret" userId="f8178667c0a2369a" providerId="LiveId" clId="{E6F9DA84-9433-4392-9546-B88347E1A9B1}" dt="2020-05-29T18:28:29.154" v="3330" actId="1076"/>
           <ac:spMkLst>
             <pc:docMk/>
             <pc:sldMk cId="2105944242" sldId="256"/>
@@ -152,7 +152,7 @@
           </ac:spMkLst>
         </pc:spChg>
         <pc:spChg chg="mod topLvl">
-          <ac:chgData name="Laurent P. René de Cotret" userId="f8178667c0a2369a" providerId="LiveId" clId="{E6F9DA84-9433-4392-9546-B88347E1A9B1}" dt="2020-05-28T16:52:59.028" v="1530" actId="165"/>
+          <ac:chgData name="Laurent P. René de Cotret" userId="f8178667c0a2369a" providerId="LiveId" clId="{E6F9DA84-9433-4392-9546-B88347E1A9B1}" dt="2020-05-29T18:27:29.054" v="3246" actId="1035"/>
           <ac:spMkLst>
             <pc:docMk/>
             <pc:sldMk cId="2105944242" sldId="256"/>
@@ -160,7 +160,7 @@
           </ac:spMkLst>
         </pc:spChg>
         <pc:spChg chg="mod topLvl">
-          <ac:chgData name="Laurent P. René de Cotret" userId="f8178667c0a2369a" providerId="LiveId" clId="{E6F9DA84-9433-4392-9546-B88347E1A9B1}" dt="2020-05-28T16:52:59.028" v="1530" actId="165"/>
+          <ac:chgData name="Laurent P. René de Cotret" userId="f8178667c0a2369a" providerId="LiveId" clId="{E6F9DA84-9433-4392-9546-B88347E1A9B1}" dt="2020-05-29T17:55:32.427" v="2533" actId="165"/>
           <ac:spMkLst>
             <pc:docMk/>
             <pc:sldMk cId="2105944242" sldId="256"/>
@@ -168,7 +168,7 @@
           </ac:spMkLst>
         </pc:spChg>
         <pc:spChg chg="mod topLvl">
-          <ac:chgData name="Laurent P. René de Cotret" userId="f8178667c0a2369a" providerId="LiveId" clId="{E6F9DA84-9433-4392-9546-B88347E1A9B1}" dt="2020-05-28T16:52:59.028" v="1530" actId="165"/>
+          <ac:chgData name="Laurent P. René de Cotret" userId="f8178667c0a2369a" providerId="LiveId" clId="{E6F9DA84-9433-4392-9546-B88347E1A9B1}" dt="2020-05-29T17:55:32.427" v="2533" actId="165"/>
           <ac:spMkLst>
             <pc:docMk/>
             <pc:sldMk cId="2105944242" sldId="256"/>
@@ -176,7 +176,7 @@
           </ac:spMkLst>
         </pc:spChg>
         <pc:spChg chg="mod topLvl">
-          <ac:chgData name="Laurent P. René de Cotret" userId="f8178667c0a2369a" providerId="LiveId" clId="{E6F9DA84-9433-4392-9546-B88347E1A9B1}" dt="2020-05-28T16:52:59.028" v="1530" actId="165"/>
+          <ac:chgData name="Laurent P. René de Cotret" userId="f8178667c0a2369a" providerId="LiveId" clId="{E6F9DA84-9433-4392-9546-B88347E1A9B1}" dt="2020-05-29T17:55:32.427" v="2533" actId="165"/>
           <ac:spMkLst>
             <pc:docMk/>
             <pc:sldMk cId="2105944242" sldId="256"/>
@@ -184,15 +184,23 @@
           </ac:spMkLst>
         </pc:spChg>
         <pc:spChg chg="mod topLvl">
-          <ac:chgData name="Laurent P. René de Cotret" userId="f8178667c0a2369a" providerId="LiveId" clId="{E6F9DA84-9433-4392-9546-B88347E1A9B1}" dt="2020-05-28T16:52:59.028" v="1530" actId="165"/>
+          <ac:chgData name="Laurent P. René de Cotret" userId="f8178667c0a2369a" providerId="LiveId" clId="{E6F9DA84-9433-4392-9546-B88347E1A9B1}" dt="2020-05-29T18:27:29.054" v="3246" actId="1035"/>
           <ac:spMkLst>
             <pc:docMk/>
             <pc:sldMk cId="2105944242" sldId="256"/>
             <ac:spMk id="15" creationId="{5FD60946-6F23-4ECE-93AF-AAFA325E3D69}"/>
           </ac:spMkLst>
         </pc:spChg>
+        <pc:spChg chg="add mod ord">
+          <ac:chgData name="Laurent P. René de Cotret" userId="f8178667c0a2369a" providerId="LiveId" clId="{E6F9DA84-9433-4392-9546-B88347E1A9B1}" dt="2020-05-29T17:55:32.427" v="2533" actId="165"/>
+          <ac:spMkLst>
+            <pc:docMk/>
+            <pc:sldMk cId="2105944242" sldId="256"/>
+            <ac:spMk id="17" creationId="{982863C7-2D10-4890-841F-AB1888110B00}"/>
+          </ac:spMkLst>
+        </pc:spChg>
         <pc:spChg chg="mod">
-          <ac:chgData name="Laurent P. René de Cotret" userId="f8178667c0a2369a" providerId="LiveId" clId="{E6F9DA84-9433-4392-9546-B88347E1A9B1}" dt="2020-05-28T16:52:59.028" v="1530" actId="165"/>
+          <ac:chgData name="Laurent P. René de Cotret" userId="f8178667c0a2369a" providerId="LiveId" clId="{E6F9DA84-9433-4392-9546-B88347E1A9B1}" dt="2020-05-29T18:22:45.476" v="3147" actId="12788"/>
           <ac:spMkLst>
             <pc:docMk/>
             <pc:sldMk cId="2105944242" sldId="256"/>
@@ -200,7 +208,7 @@
           </ac:spMkLst>
         </pc:spChg>
         <pc:spChg chg="mod">
-          <ac:chgData name="Laurent P. René de Cotret" userId="f8178667c0a2369a" providerId="LiveId" clId="{E6F9DA84-9433-4392-9546-B88347E1A9B1}" dt="2020-05-28T16:52:59.028" v="1530" actId="165"/>
+          <ac:chgData name="Laurent P. René de Cotret" userId="f8178667c0a2369a" providerId="LiveId" clId="{E6F9DA84-9433-4392-9546-B88347E1A9B1}" dt="2020-05-29T18:22:45.476" v="3147" actId="12788"/>
           <ac:spMkLst>
             <pc:docMk/>
             <pc:sldMk cId="2105944242" sldId="256"/>
@@ -208,7 +216,7 @@
           </ac:spMkLst>
         </pc:spChg>
         <pc:spChg chg="mod">
-          <ac:chgData name="Laurent P. René de Cotret" userId="f8178667c0a2369a" providerId="LiveId" clId="{E6F9DA84-9433-4392-9546-B88347E1A9B1}" dt="2020-05-28T16:52:59.028" v="1530" actId="165"/>
+          <ac:chgData name="Laurent P. René de Cotret" userId="f8178667c0a2369a" providerId="LiveId" clId="{E6F9DA84-9433-4392-9546-B88347E1A9B1}" dt="2020-05-29T18:22:45.476" v="3147" actId="12788"/>
           <ac:spMkLst>
             <pc:docMk/>
             <pc:sldMk cId="2105944242" sldId="256"/>
@@ -216,7 +224,7 @@
           </ac:spMkLst>
         </pc:spChg>
         <pc:spChg chg="mod">
-          <ac:chgData name="Laurent P. René de Cotret" userId="f8178667c0a2369a" providerId="LiveId" clId="{E6F9DA84-9433-4392-9546-B88347E1A9B1}" dt="2020-05-28T16:52:59.028" v="1530" actId="165"/>
+          <ac:chgData name="Laurent P. René de Cotret" userId="f8178667c0a2369a" providerId="LiveId" clId="{E6F9DA84-9433-4392-9546-B88347E1A9B1}" dt="2020-05-29T18:22:45.476" v="3147" actId="12788"/>
           <ac:spMkLst>
             <pc:docMk/>
             <pc:sldMk cId="2105944242" sldId="256"/>
@@ -248,7 +256,7 @@
           </ac:spMkLst>
         </pc:spChg>
         <pc:spChg chg="mod topLvl">
-          <ac:chgData name="Laurent P. René de Cotret" userId="f8178667c0a2369a" providerId="LiveId" clId="{E6F9DA84-9433-4392-9546-B88347E1A9B1}" dt="2020-05-28T16:52:59.028" v="1530" actId="165"/>
+          <ac:chgData name="Laurent P. René de Cotret" userId="f8178667c0a2369a" providerId="LiveId" clId="{E6F9DA84-9433-4392-9546-B88347E1A9B1}" dt="2020-05-29T18:27:29.054" v="3246" actId="1035"/>
           <ac:spMkLst>
             <pc:docMk/>
             <pc:sldMk cId="2105944242" sldId="256"/>
@@ -256,7 +264,7 @@
           </ac:spMkLst>
         </pc:spChg>
         <pc:spChg chg="mod topLvl">
-          <ac:chgData name="Laurent P. René de Cotret" userId="f8178667c0a2369a" providerId="LiveId" clId="{E6F9DA84-9433-4392-9546-B88347E1A9B1}" dt="2020-05-28T16:52:59.028" v="1530" actId="165"/>
+          <ac:chgData name="Laurent P. René de Cotret" userId="f8178667c0a2369a" providerId="LiveId" clId="{E6F9DA84-9433-4392-9546-B88347E1A9B1}" dt="2020-05-29T18:27:29.054" v="3246" actId="1035"/>
           <ac:spMkLst>
             <pc:docMk/>
             <pc:sldMk cId="2105944242" sldId="256"/>
@@ -272,7 +280,7 @@
           </ac:spMkLst>
         </pc:spChg>
         <pc:spChg chg="mod topLvl">
-          <ac:chgData name="Laurent P. René de Cotret" userId="f8178667c0a2369a" providerId="LiveId" clId="{E6F9DA84-9433-4392-9546-B88347E1A9B1}" dt="2020-05-28T16:53:11.694" v="1568" actId="1037"/>
+          <ac:chgData name="Laurent P. René de Cotret" userId="f8178667c0a2369a" providerId="LiveId" clId="{E6F9DA84-9433-4392-9546-B88347E1A9B1}" dt="2020-05-29T18:27:29.054" v="3246" actId="1035"/>
           <ac:spMkLst>
             <pc:docMk/>
             <pc:sldMk cId="2105944242" sldId="256"/>
@@ -280,7 +288,7 @@
           </ac:spMkLst>
         </pc:spChg>
         <pc:spChg chg="mod topLvl">
-          <ac:chgData name="Laurent P. René de Cotret" userId="f8178667c0a2369a" providerId="LiveId" clId="{E6F9DA84-9433-4392-9546-B88347E1A9B1}" dt="2020-05-28T16:53:11.694" v="1568" actId="1037"/>
+          <ac:chgData name="Laurent P. René de Cotret" userId="f8178667c0a2369a" providerId="LiveId" clId="{E6F9DA84-9433-4392-9546-B88347E1A9B1}" dt="2020-05-29T18:27:29.054" v="3246" actId="1035"/>
           <ac:spMkLst>
             <pc:docMk/>
             <pc:sldMk cId="2105944242" sldId="256"/>
@@ -288,7 +296,7 @@
           </ac:spMkLst>
         </pc:spChg>
         <pc:spChg chg="mod topLvl">
-          <ac:chgData name="Laurent P. René de Cotret" userId="f8178667c0a2369a" providerId="LiveId" clId="{E6F9DA84-9433-4392-9546-B88347E1A9B1}" dt="2020-05-28T16:53:11.694" v="1568" actId="1037"/>
+          <ac:chgData name="Laurent P. René de Cotret" userId="f8178667c0a2369a" providerId="LiveId" clId="{E6F9DA84-9433-4392-9546-B88347E1A9B1}" dt="2020-05-29T18:27:29.054" v="3246" actId="1035"/>
           <ac:spMkLst>
             <pc:docMk/>
             <pc:sldMk cId="2105944242" sldId="256"/>
@@ -296,15 +304,15 @@
           </ac:spMkLst>
         </pc:spChg>
         <pc:spChg chg="mod topLvl">
-          <ac:chgData name="Laurent P. René de Cotret" userId="f8178667c0a2369a" providerId="LiveId" clId="{E6F9DA84-9433-4392-9546-B88347E1A9B1}" dt="2020-05-28T16:53:11.694" v="1568" actId="1037"/>
+          <ac:chgData name="Laurent P. René de Cotret" userId="f8178667c0a2369a" providerId="LiveId" clId="{E6F9DA84-9433-4392-9546-B88347E1A9B1}" dt="2020-05-29T18:27:29.054" v="3246" actId="1035"/>
           <ac:spMkLst>
             <pc:docMk/>
             <pc:sldMk cId="2105944242" sldId="256"/>
             <ac:spMk id="42" creationId="{C2E1C104-1F19-476F-AC79-E78A26F65109}"/>
           </ac:spMkLst>
         </pc:spChg>
-        <pc:spChg chg="mod topLvl">
-          <ac:chgData name="Laurent P. René de Cotret" userId="f8178667c0a2369a" providerId="LiveId" clId="{E6F9DA84-9433-4392-9546-B88347E1A9B1}" dt="2020-05-28T16:52:59.028" v="1530" actId="165"/>
+        <pc:spChg chg="mod ord topLvl">
+          <ac:chgData name="Laurent P. René de Cotret" userId="f8178667c0a2369a" providerId="LiveId" clId="{E6F9DA84-9433-4392-9546-B88347E1A9B1}" dt="2020-05-29T18:27:29.054" v="3246" actId="1035"/>
           <ac:spMkLst>
             <pc:docMk/>
             <pc:sldMk cId="2105944242" sldId="256"/>
@@ -320,7 +328,7 @@
           </ac:spMkLst>
         </pc:spChg>
         <pc:spChg chg="add mod">
-          <ac:chgData name="Laurent P. René de Cotret" userId="f8178667c0a2369a" providerId="LiveId" clId="{E6F9DA84-9433-4392-9546-B88347E1A9B1}" dt="2020-05-28T16:52:59.028" v="1530" actId="165"/>
+          <ac:chgData name="Laurent P. René de Cotret" userId="f8178667c0a2369a" providerId="LiveId" clId="{E6F9DA84-9433-4392-9546-B88347E1A9B1}" dt="2020-05-29T17:55:32.427" v="2533" actId="165"/>
           <ac:spMkLst>
             <pc:docMk/>
             <pc:sldMk cId="2105944242" sldId="256"/>
@@ -344,7 +352,7 @@
           </ac:spMkLst>
         </pc:spChg>
         <pc:spChg chg="mod">
-          <ac:chgData name="Laurent P. René de Cotret" userId="f8178667c0a2369a" providerId="LiveId" clId="{E6F9DA84-9433-4392-9546-B88347E1A9B1}" dt="2020-05-28T16:52:59.028" v="1530" actId="165"/>
+          <ac:chgData name="Laurent P. René de Cotret" userId="f8178667c0a2369a" providerId="LiveId" clId="{E6F9DA84-9433-4392-9546-B88347E1A9B1}" dt="2020-05-29T17:55:32.427" v="2533" actId="165"/>
           <ac:spMkLst>
             <pc:docMk/>
             <pc:sldMk cId="2105944242" sldId="256"/>
@@ -352,7 +360,7 @@
           </ac:spMkLst>
         </pc:spChg>
         <pc:spChg chg="mod topLvl">
-          <ac:chgData name="Laurent P. René de Cotret" userId="f8178667c0a2369a" providerId="LiveId" clId="{E6F9DA84-9433-4392-9546-B88347E1A9B1}" dt="2020-05-28T16:52:59.028" v="1530" actId="165"/>
+          <ac:chgData name="Laurent P. René de Cotret" userId="f8178667c0a2369a" providerId="LiveId" clId="{E6F9DA84-9433-4392-9546-B88347E1A9B1}" dt="2020-05-29T17:34:27.118" v="1872" actId="165"/>
           <ac:spMkLst>
             <pc:docMk/>
             <pc:sldMk cId="2105944242" sldId="256"/>
@@ -360,7 +368,7 @@
           </ac:spMkLst>
         </pc:spChg>
         <pc:spChg chg="mod topLvl">
-          <ac:chgData name="Laurent P. René de Cotret" userId="f8178667c0a2369a" providerId="LiveId" clId="{E6F9DA84-9433-4392-9546-B88347E1A9B1}" dt="2020-05-28T16:52:59.028" v="1530" actId="165"/>
+          <ac:chgData name="Laurent P. René de Cotret" userId="f8178667c0a2369a" providerId="LiveId" clId="{E6F9DA84-9433-4392-9546-B88347E1A9B1}" dt="2020-05-29T17:34:27.118" v="1872" actId="165"/>
           <ac:spMkLst>
             <pc:docMk/>
             <pc:sldMk cId="2105944242" sldId="256"/>
@@ -368,7 +376,7 @@
           </ac:spMkLst>
         </pc:spChg>
         <pc:spChg chg="mod topLvl">
-          <ac:chgData name="Laurent P. René de Cotret" userId="f8178667c0a2369a" providerId="LiveId" clId="{E6F9DA84-9433-4392-9546-B88347E1A9B1}" dt="2020-05-28T16:52:59.028" v="1530" actId="165"/>
+          <ac:chgData name="Laurent P. René de Cotret" userId="f8178667c0a2369a" providerId="LiveId" clId="{E6F9DA84-9433-4392-9546-B88347E1A9B1}" dt="2020-05-29T17:34:27.118" v="1872" actId="165"/>
           <ac:spMkLst>
             <pc:docMk/>
             <pc:sldMk cId="2105944242" sldId="256"/>
@@ -376,7 +384,7 @@
           </ac:spMkLst>
         </pc:spChg>
         <pc:spChg chg="mod">
-          <ac:chgData name="Laurent P. René de Cotret" userId="f8178667c0a2369a" providerId="LiveId" clId="{E6F9DA84-9433-4392-9546-B88347E1A9B1}" dt="2020-05-28T16:52:59.028" v="1530" actId="165"/>
+          <ac:chgData name="Laurent P. René de Cotret" userId="f8178667c0a2369a" providerId="LiveId" clId="{E6F9DA84-9433-4392-9546-B88347E1A9B1}" dt="2020-05-29T17:34:27.118" v="1872" actId="165"/>
           <ac:spMkLst>
             <pc:docMk/>
             <pc:sldMk cId="2105944242" sldId="256"/>
@@ -384,7 +392,7 @@
           </ac:spMkLst>
         </pc:spChg>
         <pc:spChg chg="mod">
-          <ac:chgData name="Laurent P. René de Cotret" userId="f8178667c0a2369a" providerId="LiveId" clId="{E6F9DA84-9433-4392-9546-B88347E1A9B1}" dt="2020-05-28T16:52:59.028" v="1530" actId="165"/>
+          <ac:chgData name="Laurent P. René de Cotret" userId="f8178667c0a2369a" providerId="LiveId" clId="{E6F9DA84-9433-4392-9546-B88347E1A9B1}" dt="2020-05-29T17:34:27.118" v="1872" actId="165"/>
           <ac:spMkLst>
             <pc:docMk/>
             <pc:sldMk cId="2105944242" sldId="256"/>
@@ -448,7 +456,7 @@
           </ac:spMkLst>
         </pc:spChg>
         <pc:spChg chg="add mod ord">
-          <ac:chgData name="Laurent P. René de Cotret" userId="f8178667c0a2369a" providerId="LiveId" clId="{E6F9DA84-9433-4392-9546-B88347E1A9B1}" dt="2020-05-28T16:52:59.028" v="1530" actId="165"/>
+          <ac:chgData name="Laurent P. René de Cotret" userId="f8178667c0a2369a" providerId="LiveId" clId="{E6F9DA84-9433-4392-9546-B88347E1A9B1}" dt="2020-05-29T17:55:32.427" v="2533" actId="165"/>
           <ac:spMkLst>
             <pc:docMk/>
             <pc:sldMk cId="2105944242" sldId="256"/>
@@ -456,7 +464,7 @@
           </ac:spMkLst>
         </pc:spChg>
         <pc:spChg chg="add mod">
-          <ac:chgData name="Laurent P. René de Cotret" userId="f8178667c0a2369a" providerId="LiveId" clId="{E6F9DA84-9433-4392-9546-B88347E1A9B1}" dt="2020-05-28T16:52:59.028" v="1530" actId="165"/>
+          <ac:chgData name="Laurent P. René de Cotret" userId="f8178667c0a2369a" providerId="LiveId" clId="{E6F9DA84-9433-4392-9546-B88347E1A9B1}" dt="2020-05-29T17:55:32.427" v="2533" actId="165"/>
           <ac:spMkLst>
             <pc:docMk/>
             <pc:sldMk cId="2105944242" sldId="256"/>
@@ -464,11 +472,35 @@
           </ac:spMkLst>
         </pc:spChg>
         <pc:spChg chg="add mod">
-          <ac:chgData name="Laurent P. René de Cotret" userId="f8178667c0a2369a" providerId="LiveId" clId="{E6F9DA84-9433-4392-9546-B88347E1A9B1}" dt="2020-05-28T16:52:59.028" v="1530" actId="165"/>
+          <ac:chgData name="Laurent P. René de Cotret" userId="f8178667c0a2369a" providerId="LiveId" clId="{E6F9DA84-9433-4392-9546-B88347E1A9B1}" dt="2020-05-29T17:55:32.427" v="2533" actId="165"/>
           <ac:spMkLst>
             <pc:docMk/>
             <pc:sldMk cId="2105944242" sldId="256"/>
             <ac:spMk id="120" creationId="{53E7D4CB-0DDD-4A94-8AB2-052007032A53}"/>
+          </ac:spMkLst>
+        </pc:spChg>
+        <pc:spChg chg="add del mod">
+          <ac:chgData name="Laurent P. René de Cotret" userId="f8178667c0a2369a" providerId="LiveId" clId="{E6F9DA84-9433-4392-9546-B88347E1A9B1}" dt="2020-05-29T17:34:10.026" v="1867"/>
+          <ac:spMkLst>
+            <pc:docMk/>
+            <pc:sldMk cId="2105944242" sldId="256"/>
+            <ac:spMk id="134" creationId="{FB46FE3B-68B3-48C9-B35A-C37A6D655D6B}"/>
+          </ac:spMkLst>
+        </pc:spChg>
+        <pc:spChg chg="add del mod">
+          <ac:chgData name="Laurent P. René de Cotret" userId="f8178667c0a2369a" providerId="LiveId" clId="{E6F9DA84-9433-4392-9546-B88347E1A9B1}" dt="2020-05-29T17:34:10.026" v="1867"/>
+          <ac:spMkLst>
+            <pc:docMk/>
+            <pc:sldMk cId="2105944242" sldId="256"/>
+            <ac:spMk id="139" creationId="{219F802D-D08A-4A10-AB03-50D6DC4986FC}"/>
+          </ac:spMkLst>
+        </pc:spChg>
+        <pc:spChg chg="add del mod">
+          <ac:chgData name="Laurent P. René de Cotret" userId="f8178667c0a2369a" providerId="LiveId" clId="{E6F9DA84-9433-4392-9546-B88347E1A9B1}" dt="2020-05-29T17:34:10.026" v="1867"/>
+          <ac:spMkLst>
+            <pc:docMk/>
+            <pc:sldMk cId="2105944242" sldId="256"/>
+            <ac:spMk id="140" creationId="{8BE3409E-215E-4997-ACED-DC0CB57E7B7F}"/>
           </ac:spMkLst>
         </pc:spChg>
         <pc:spChg chg="add mod ord topLvl">
@@ -479,12 +511,28 @@
             <ac:spMk id="141" creationId="{F2C9F2D5-DB99-4735-BF7A-CDF796538A0B}"/>
           </ac:spMkLst>
         </pc:spChg>
+        <pc:spChg chg="add del mod ord topLvl">
+          <ac:chgData name="Laurent P. René de Cotret" userId="f8178667c0a2369a" providerId="LiveId" clId="{E6F9DA84-9433-4392-9546-B88347E1A9B1}" dt="2020-05-29T18:23:29.254" v="3154" actId="166"/>
+          <ac:spMkLst>
+            <pc:docMk/>
+            <pc:sldMk cId="2105944242" sldId="256"/>
+            <ac:spMk id="142" creationId="{3E728E44-99B9-4687-B7E5-4D87E5DA7CCE}"/>
+          </ac:spMkLst>
+        </pc:spChg>
         <pc:spChg chg="add mod topLvl">
-          <ac:chgData name="Laurent P. René de Cotret" userId="f8178667c0a2369a" providerId="LiveId" clId="{E6F9DA84-9433-4392-9546-B88347E1A9B1}" dt="2020-05-28T16:52:59.028" v="1530" actId="165"/>
-          <ac:spMkLst>
-            <pc:docMk/>
-            <pc:sldMk cId="2105944242" sldId="256"/>
-            <ac:spMk id="142" creationId="{3E728E44-99B9-4687-B7E5-4D87E5DA7CCE}"/>
+          <ac:chgData name="Laurent P. René de Cotret" userId="f8178667c0a2369a" providerId="LiveId" clId="{E6F9DA84-9433-4392-9546-B88347E1A9B1}" dt="2020-05-29T17:55:32.427" v="2533" actId="165"/>
+          <ac:spMkLst>
+            <pc:docMk/>
+            <pc:sldMk cId="2105944242" sldId="256"/>
+            <ac:spMk id="147" creationId="{319674E5-2266-4697-BDE7-1E2A07A88AB6}"/>
+          </ac:spMkLst>
+        </pc:spChg>
+        <pc:spChg chg="add mod topLvl">
+          <ac:chgData name="Laurent P. René de Cotret" userId="f8178667c0a2369a" providerId="LiveId" clId="{E6F9DA84-9433-4392-9546-B88347E1A9B1}" dt="2020-05-29T17:55:32.427" v="2533" actId="165"/>
+          <ac:spMkLst>
+            <pc:docMk/>
+            <pc:sldMk cId="2105944242" sldId="256"/>
+            <ac:spMk id="148" creationId="{B3F5C639-B74E-4289-BD3F-4B269295F3E3}"/>
           </ac:spMkLst>
         </pc:spChg>
         <pc:spChg chg="del mod topLvl">
@@ -495,8 +543,16 @@
             <ac:spMk id="148" creationId="{EEEB369C-EE98-4126-9C99-D9968E6D9864}"/>
           </ac:spMkLst>
         </pc:spChg>
+        <pc:spChg chg="add mod topLvl">
+          <ac:chgData name="Laurent P. René de Cotret" userId="f8178667c0a2369a" providerId="LiveId" clId="{E6F9DA84-9433-4392-9546-B88347E1A9B1}" dt="2020-05-29T17:55:32.427" v="2533" actId="165"/>
+          <ac:spMkLst>
+            <pc:docMk/>
+            <pc:sldMk cId="2105944242" sldId="256"/>
+            <ac:spMk id="150" creationId="{885794FF-E00B-45A5-93F9-E4317D5FD229}"/>
+          </ac:spMkLst>
+        </pc:spChg>
         <pc:spChg chg="mod topLvl">
-          <ac:chgData name="Laurent P. René de Cotret" userId="f8178667c0a2369a" providerId="LiveId" clId="{E6F9DA84-9433-4392-9546-B88347E1A9B1}" dt="2020-05-28T16:52:59.028" v="1530" actId="165"/>
+          <ac:chgData name="Laurent P. René de Cotret" userId="f8178667c0a2369a" providerId="LiveId" clId="{E6F9DA84-9433-4392-9546-B88347E1A9B1}" dt="2020-05-29T18:27:36.738" v="3247" actId="165"/>
           <ac:spMkLst>
             <pc:docMk/>
             <pc:sldMk cId="2105944242" sldId="256"/>
@@ -504,7 +560,7 @@
           </ac:spMkLst>
         </pc:spChg>
         <pc:spChg chg="mod topLvl">
-          <ac:chgData name="Laurent P. René de Cotret" userId="f8178667c0a2369a" providerId="LiveId" clId="{E6F9DA84-9433-4392-9546-B88347E1A9B1}" dt="2020-05-28T16:52:59.028" v="1530" actId="165"/>
+          <ac:chgData name="Laurent P. René de Cotret" userId="f8178667c0a2369a" providerId="LiveId" clId="{E6F9DA84-9433-4392-9546-B88347E1A9B1}" dt="2020-05-29T18:27:36.738" v="3247" actId="165"/>
           <ac:spMkLst>
             <pc:docMk/>
             <pc:sldMk cId="2105944242" sldId="256"/>
@@ -512,7 +568,7 @@
           </ac:spMkLst>
         </pc:spChg>
         <pc:spChg chg="add mod topLvl">
-          <ac:chgData name="Laurent P. René de Cotret" userId="f8178667c0a2369a" providerId="LiveId" clId="{E6F9DA84-9433-4392-9546-B88347E1A9B1}" dt="2020-05-28T16:52:59.028" v="1530" actId="165"/>
+          <ac:chgData name="Laurent P. René de Cotret" userId="f8178667c0a2369a" providerId="LiveId" clId="{E6F9DA84-9433-4392-9546-B88347E1A9B1}" dt="2020-05-29T18:15:44.570" v="3017" actId="1038"/>
           <ac:spMkLst>
             <pc:docMk/>
             <pc:sldMk cId="2105944242" sldId="256"/>
@@ -527,6 +583,22 @@
             <ac:spMk id="155" creationId="{13D701FD-366A-4A3C-B342-BFA754DB9074}"/>
           </ac:spMkLst>
         </pc:spChg>
+        <pc:spChg chg="mod">
+          <ac:chgData name="Laurent P. René de Cotret" userId="f8178667c0a2369a" providerId="LiveId" clId="{E6F9DA84-9433-4392-9546-B88347E1A9B1}" dt="2020-05-29T17:55:32.427" v="2533" actId="165"/>
+          <ac:spMkLst>
+            <pc:docMk/>
+            <pc:sldMk cId="2105944242" sldId="256"/>
+            <ac:spMk id="155" creationId="{CBD3C98E-11BC-4C24-A3A7-92B4B6CB82D5}"/>
+          </ac:spMkLst>
+        </pc:spChg>
+        <pc:spChg chg="mod">
+          <ac:chgData name="Laurent P. René de Cotret" userId="f8178667c0a2369a" providerId="LiveId" clId="{E6F9DA84-9433-4392-9546-B88347E1A9B1}" dt="2020-05-29T17:55:32.427" v="2533" actId="165"/>
+          <ac:spMkLst>
+            <pc:docMk/>
+            <pc:sldMk cId="2105944242" sldId="256"/>
+            <ac:spMk id="156" creationId="{CC7817B8-A978-4F08-ACF9-D122785608D2}"/>
+          </ac:spMkLst>
+        </pc:spChg>
         <pc:spChg chg="add mod">
           <ac:chgData name="Laurent P. René de Cotret" userId="f8178667c0a2369a" providerId="LiveId" clId="{E6F9DA84-9433-4392-9546-B88347E1A9B1}" dt="2020-05-28T16:32:45.816" v="978" actId="165"/>
           <ac:spMkLst>
@@ -536,11 +608,59 @@
           </ac:spMkLst>
         </pc:spChg>
         <pc:spChg chg="add mod topLvl">
-          <ac:chgData name="Laurent P. René de Cotret" userId="f8178667c0a2369a" providerId="LiveId" clId="{E6F9DA84-9433-4392-9546-B88347E1A9B1}" dt="2020-05-28T16:52:59.028" v="1530" actId="165"/>
+          <ac:chgData name="Laurent P. René de Cotret" userId="f8178667c0a2369a" providerId="LiveId" clId="{E6F9DA84-9433-4392-9546-B88347E1A9B1}" dt="2020-05-29T18:27:29.054" v="3246" actId="1035"/>
           <ac:spMkLst>
             <pc:docMk/>
             <pc:sldMk cId="2105944242" sldId="256"/>
             <ac:spMk id="157" creationId="{C6683491-D6DE-4C21-BE20-1B043905D034}"/>
+          </ac:spMkLst>
+        </pc:spChg>
+        <pc:spChg chg="mod">
+          <ac:chgData name="Laurent P. René de Cotret" userId="f8178667c0a2369a" providerId="LiveId" clId="{E6F9DA84-9433-4392-9546-B88347E1A9B1}" dt="2020-05-29T17:55:32.427" v="2533" actId="165"/>
+          <ac:spMkLst>
+            <pc:docMk/>
+            <pc:sldMk cId="2105944242" sldId="256"/>
+            <ac:spMk id="158" creationId="{6C9DDE5D-9A9C-4AB6-A48F-CB48F8414842}"/>
+          </ac:spMkLst>
+        </pc:spChg>
+        <pc:spChg chg="add mod topLvl">
+          <ac:chgData name="Laurent P. René de Cotret" userId="f8178667c0a2369a" providerId="LiveId" clId="{E6F9DA84-9433-4392-9546-B88347E1A9B1}" dt="2020-05-29T18:27:29.054" v="3246" actId="1035"/>
+          <ac:spMkLst>
+            <pc:docMk/>
+            <pc:sldMk cId="2105944242" sldId="256"/>
+            <ac:spMk id="163" creationId="{C340B193-78FA-4346-881F-B390D1D85424}"/>
+          </ac:spMkLst>
+        </pc:spChg>
+        <pc:spChg chg="add mod">
+          <ac:chgData name="Laurent P. René de Cotret" userId="f8178667c0a2369a" providerId="LiveId" clId="{E6F9DA84-9433-4392-9546-B88347E1A9B1}" dt="2020-05-29T17:55:32.427" v="2533" actId="165"/>
+          <ac:spMkLst>
+            <pc:docMk/>
+            <pc:sldMk cId="2105944242" sldId="256"/>
+            <ac:spMk id="165" creationId="{1ECC1DEC-B981-4054-95F8-046C7EA27DD9}"/>
+          </ac:spMkLst>
+        </pc:spChg>
+        <pc:spChg chg="add mod topLvl">
+          <ac:chgData name="Laurent P. René de Cotret" userId="f8178667c0a2369a" providerId="LiveId" clId="{E6F9DA84-9433-4392-9546-B88347E1A9B1}" dt="2020-05-29T18:27:29.054" v="3246" actId="1035"/>
+          <ac:spMkLst>
+            <pc:docMk/>
+            <pc:sldMk cId="2105944242" sldId="256"/>
+            <ac:spMk id="167" creationId="{CE8B1581-E732-4273-AEE7-1066333CD3AA}"/>
+          </ac:spMkLst>
+        </pc:spChg>
+        <pc:spChg chg="add mod">
+          <ac:chgData name="Laurent P. René de Cotret" userId="f8178667c0a2369a" providerId="LiveId" clId="{E6F9DA84-9433-4392-9546-B88347E1A9B1}" dt="2020-05-29T17:55:32.427" v="2533" actId="165"/>
+          <ac:spMkLst>
+            <pc:docMk/>
+            <pc:sldMk cId="2105944242" sldId="256"/>
+            <ac:spMk id="168" creationId="{9FA3EF9F-96E9-40F8-96E0-1BFE8C5CDA1A}"/>
+          </ac:spMkLst>
+        </pc:spChg>
+        <pc:spChg chg="add del mod topLvl">
+          <ac:chgData name="Laurent P. René de Cotret" userId="f8178667c0a2369a" providerId="LiveId" clId="{E6F9DA84-9433-4392-9546-B88347E1A9B1}" dt="2020-05-29T17:44:20.035" v="2060" actId="478"/>
+          <ac:spMkLst>
+            <pc:docMk/>
+            <pc:sldMk cId="2105944242" sldId="256"/>
+            <ac:spMk id="169" creationId="{B4CDD88A-3673-478F-B7E3-A8E91D4A2CC3}"/>
           </ac:spMkLst>
         </pc:spChg>
         <pc:spChg chg="add del mod">
@@ -551,132 +671,412 @@
             <ac:spMk id="173" creationId="{F571C735-C635-45B2-B0CB-CBFD69567D27}"/>
           </ac:spMkLst>
         </pc:spChg>
+        <pc:spChg chg="add mod ord topLvl">
+          <ac:chgData name="Laurent P. René de Cotret" userId="f8178667c0a2369a" providerId="LiveId" clId="{E6F9DA84-9433-4392-9546-B88347E1A9B1}" dt="2020-05-29T18:27:29.054" v="3246" actId="1035"/>
+          <ac:spMkLst>
+            <pc:docMk/>
+            <pc:sldMk cId="2105944242" sldId="256"/>
+            <ac:spMk id="174" creationId="{EB37DF58-72A7-4570-9B46-6C0EC321C8BD}"/>
+          </ac:spMkLst>
+        </pc:spChg>
+        <pc:spChg chg="add del mod topLvl">
+          <ac:chgData name="Laurent P. René de Cotret" userId="f8178667c0a2369a" providerId="LiveId" clId="{E6F9DA84-9433-4392-9546-B88347E1A9B1}" dt="2020-05-29T18:23:26.665" v="3153" actId="478"/>
+          <ac:spMkLst>
+            <pc:docMk/>
+            <pc:sldMk cId="2105944242" sldId="256"/>
+            <ac:spMk id="179" creationId="{30F15011-AA61-42D5-9446-7099F926E7AD}"/>
+          </ac:spMkLst>
+        </pc:spChg>
         <pc:spChg chg="add mod topLvl">
-          <ac:chgData name="Laurent P. René de Cotret" userId="f8178667c0a2369a" providerId="LiveId" clId="{E6F9DA84-9433-4392-9546-B88347E1A9B1}" dt="2020-05-28T16:52:59.028" v="1530" actId="165"/>
-          <ac:spMkLst>
-            <pc:docMk/>
-            <pc:sldMk cId="2105944242" sldId="256"/>
-            <ac:spMk id="174" creationId="{EB37DF58-72A7-4570-9B46-6C0EC321C8BD}"/>
+          <ac:chgData name="Laurent P. René de Cotret" userId="f8178667c0a2369a" providerId="LiveId" clId="{E6F9DA84-9433-4392-9546-B88347E1A9B1}" dt="2020-05-29T18:24:09.765" v="3183" actId="1076"/>
+          <ac:spMkLst>
+            <pc:docMk/>
+            <pc:sldMk cId="2105944242" sldId="256"/>
+            <ac:spMk id="180" creationId="{3370086E-B399-4CE1-80C2-12D0DDB80B8C}"/>
           </ac:spMkLst>
         </pc:spChg>
         <pc:spChg chg="add mod topLvl">
-          <ac:chgData name="Laurent P. René de Cotret" userId="f8178667c0a2369a" providerId="LiveId" clId="{E6F9DA84-9433-4392-9546-B88347E1A9B1}" dt="2020-05-28T16:52:59.028" v="1530" actId="165"/>
-          <ac:spMkLst>
-            <pc:docMk/>
-            <pc:sldMk cId="2105944242" sldId="256"/>
-            <ac:spMk id="179" creationId="{30F15011-AA61-42D5-9446-7099F926E7AD}"/>
+          <ac:chgData name="Laurent P. René de Cotret" userId="f8178667c0a2369a" providerId="LiveId" clId="{E6F9DA84-9433-4392-9546-B88347E1A9B1}" dt="2020-05-29T18:27:29.054" v="3246" actId="1035"/>
+          <ac:spMkLst>
+            <pc:docMk/>
+            <pc:sldMk cId="2105944242" sldId="256"/>
+            <ac:spMk id="183" creationId="{DBE0B008-E137-46FA-9877-0E57C338B4E7}"/>
+          </ac:spMkLst>
+        </pc:spChg>
+        <pc:spChg chg="add del mod">
+          <ac:chgData name="Laurent P. René de Cotret" userId="f8178667c0a2369a" providerId="LiveId" clId="{E6F9DA84-9433-4392-9546-B88347E1A9B1}" dt="2020-05-29T17:31:55.225" v="1719" actId="478"/>
+          <ac:spMkLst>
+            <pc:docMk/>
+            <pc:sldMk cId="2105944242" sldId="256"/>
+            <ac:spMk id="188" creationId="{AC31FE93-22C9-43C5-8F66-120D8CADB085}"/>
+          </ac:spMkLst>
+        </pc:spChg>
+        <pc:spChg chg="add del mod">
+          <ac:chgData name="Laurent P. René de Cotret" userId="f8178667c0a2369a" providerId="LiveId" clId="{E6F9DA84-9433-4392-9546-B88347E1A9B1}" dt="2020-05-29T17:31:43.737" v="1714" actId="478"/>
+          <ac:spMkLst>
+            <pc:docMk/>
+            <pc:sldMk cId="2105944242" sldId="256"/>
+            <ac:spMk id="190" creationId="{D000DFFB-074B-49EA-A084-20EE1A2913DA}"/>
+          </ac:spMkLst>
+        </pc:spChg>
+        <pc:spChg chg="add del mod">
+          <ac:chgData name="Laurent P. René de Cotret" userId="f8178667c0a2369a" providerId="LiveId" clId="{E6F9DA84-9433-4392-9546-B88347E1A9B1}" dt="2020-05-29T17:31:45.430" v="1715" actId="478"/>
+          <ac:spMkLst>
+            <pc:docMk/>
+            <pc:sldMk cId="2105944242" sldId="256"/>
+            <ac:spMk id="193" creationId="{52945ADF-0B9D-442F-BF74-A176020DB940}"/>
+          </ac:spMkLst>
+        </pc:spChg>
+        <pc:spChg chg="add del mod">
+          <ac:chgData name="Laurent P. René de Cotret" userId="f8178667c0a2369a" providerId="LiveId" clId="{E6F9DA84-9433-4392-9546-B88347E1A9B1}" dt="2020-05-29T17:31:48.254" v="1716" actId="478"/>
+          <ac:spMkLst>
+            <pc:docMk/>
+            <pc:sldMk cId="2105944242" sldId="256"/>
+            <ac:spMk id="196" creationId="{5D881F09-8533-43B6-9045-2C174D0C3491}"/>
+          </ac:spMkLst>
+        </pc:spChg>
+        <pc:spChg chg="add del mod">
+          <ac:chgData name="Laurent P. René de Cotret" userId="f8178667c0a2369a" providerId="LiveId" clId="{E6F9DA84-9433-4392-9546-B88347E1A9B1}" dt="2020-05-29T17:31:50.641" v="1717" actId="478"/>
+          <ac:spMkLst>
+            <pc:docMk/>
+            <pc:sldMk cId="2105944242" sldId="256"/>
+            <ac:spMk id="197" creationId="{9A9A61C5-9D12-4A9D-A06C-7088BEA69C5B}"/>
+          </ac:spMkLst>
+        </pc:spChg>
+        <pc:spChg chg="add del mod">
+          <ac:chgData name="Laurent P. René de Cotret" userId="f8178667c0a2369a" providerId="LiveId" clId="{E6F9DA84-9433-4392-9546-B88347E1A9B1}" dt="2020-05-29T17:31:53.250" v="1718" actId="478"/>
+          <ac:spMkLst>
+            <pc:docMk/>
+            <pc:sldMk cId="2105944242" sldId="256"/>
+            <ac:spMk id="200" creationId="{B5DE8A11-911A-42AA-A393-FC02A2541364}"/>
+          </ac:spMkLst>
+        </pc:spChg>
+        <pc:spChg chg="add del mod">
+          <ac:chgData name="Laurent P. René de Cotret" userId="f8178667c0a2369a" providerId="LiveId" clId="{E6F9DA84-9433-4392-9546-B88347E1A9B1}" dt="2020-05-29T17:31:56.678" v="1720" actId="478"/>
+          <ac:spMkLst>
+            <pc:docMk/>
+            <pc:sldMk cId="2105944242" sldId="256"/>
+            <ac:spMk id="201" creationId="{1C170E58-0188-4071-A9C2-DBE0A0A6969F}"/>
+          </ac:spMkLst>
+        </pc:spChg>
+        <pc:spChg chg="add del mod">
+          <ac:chgData name="Laurent P. René de Cotret" userId="f8178667c0a2369a" providerId="LiveId" clId="{E6F9DA84-9433-4392-9546-B88347E1A9B1}" dt="2020-05-29T17:31:57.985" v="1721" actId="478"/>
+          <ac:spMkLst>
+            <pc:docMk/>
+            <pc:sldMk cId="2105944242" sldId="256"/>
+            <ac:spMk id="204" creationId="{58969A27-E1DD-473C-9D71-809DBFDB28DA}"/>
+          </ac:spMkLst>
+        </pc:spChg>
+        <pc:spChg chg="add del mod">
+          <ac:chgData name="Laurent P. René de Cotret" userId="f8178667c0a2369a" providerId="LiveId" clId="{E6F9DA84-9433-4392-9546-B88347E1A9B1}" dt="2020-05-29T17:32:00.801" v="1722" actId="478"/>
+          <ac:spMkLst>
+            <pc:docMk/>
+            <pc:sldMk cId="2105944242" sldId="256"/>
+            <ac:spMk id="205" creationId="{86ADDE5C-7865-474B-BB01-5EE61534F060}"/>
+          </ac:spMkLst>
+        </pc:spChg>
+        <pc:spChg chg="add del mod">
+          <ac:chgData name="Laurent P. René de Cotret" userId="f8178667c0a2369a" providerId="LiveId" clId="{E6F9DA84-9433-4392-9546-B88347E1A9B1}" dt="2020-05-29T17:57:44.846" v="2666" actId="478"/>
+          <ac:spMkLst>
+            <pc:docMk/>
+            <pc:sldMk cId="2105944242" sldId="256"/>
+            <ac:spMk id="207" creationId="{99028281-B577-41C2-A770-AEFFAB8F6ADA}"/>
+          </ac:spMkLst>
+        </pc:spChg>
+        <pc:spChg chg="add del mod">
+          <ac:chgData name="Laurent P. René de Cotret" userId="f8178667c0a2369a" providerId="LiveId" clId="{E6F9DA84-9433-4392-9546-B88347E1A9B1}" dt="2020-05-29T17:48:17.235" v="2266" actId="478"/>
+          <ac:spMkLst>
+            <pc:docMk/>
+            <pc:sldMk cId="2105944242" sldId="256"/>
+            <ac:spMk id="208" creationId="{C190DB8B-1D5B-42D7-80C3-B4260FFCBC1F}"/>
+          </ac:spMkLst>
+        </pc:spChg>
+        <pc:spChg chg="mod">
+          <ac:chgData name="Laurent P. René de Cotret" userId="f8178667c0a2369a" providerId="LiveId" clId="{E6F9DA84-9433-4392-9546-B88347E1A9B1}" dt="2020-05-29T18:13:56.045" v="2930" actId="165"/>
+          <ac:spMkLst>
+            <pc:docMk/>
+            <pc:sldMk cId="2105944242" sldId="256"/>
+            <ac:spMk id="209" creationId="{02952DA6-EA9D-4E5E-82A0-10B1843502D5}"/>
+          </ac:spMkLst>
+        </pc:spChg>
+        <pc:spChg chg="mod">
+          <ac:chgData name="Laurent P. René de Cotret" userId="f8178667c0a2369a" providerId="LiveId" clId="{E6F9DA84-9433-4392-9546-B88347E1A9B1}" dt="2020-05-29T18:13:56.045" v="2930" actId="165"/>
+          <ac:spMkLst>
+            <pc:docMk/>
+            <pc:sldMk cId="2105944242" sldId="256"/>
+            <ac:spMk id="210" creationId="{C4B8E431-7848-42A0-AE47-F18B9A96161D}"/>
+          </ac:spMkLst>
+        </pc:spChg>
+        <pc:spChg chg="mod">
+          <ac:chgData name="Laurent P. René de Cotret" userId="f8178667c0a2369a" providerId="LiveId" clId="{E6F9DA84-9433-4392-9546-B88347E1A9B1}" dt="2020-05-29T18:13:56.045" v="2930" actId="165"/>
+          <ac:spMkLst>
+            <pc:docMk/>
+            <pc:sldMk cId="2105944242" sldId="256"/>
+            <ac:spMk id="211" creationId="{F8965C67-725F-4766-8FD9-15B221447A24}"/>
+          </ac:spMkLst>
+        </pc:spChg>
+        <pc:spChg chg="mod">
+          <ac:chgData name="Laurent P. René de Cotret" userId="f8178667c0a2369a" providerId="LiveId" clId="{E6F9DA84-9433-4392-9546-B88347E1A9B1}" dt="2020-05-29T18:13:56.045" v="2930" actId="165"/>
+          <ac:spMkLst>
+            <pc:docMk/>
+            <pc:sldMk cId="2105944242" sldId="256"/>
+            <ac:spMk id="214" creationId="{0D35BD4B-8F5C-41A0-8EC5-5E5287B298EA}"/>
+          </ac:spMkLst>
+        </pc:spChg>
+        <pc:spChg chg="add del mod topLvl">
+          <ac:chgData name="Laurent P. René de Cotret" userId="f8178667c0a2369a" providerId="LiveId" clId="{E6F9DA84-9433-4392-9546-B88347E1A9B1}" dt="2020-05-29T17:37:54.195" v="1994" actId="478"/>
+          <ac:spMkLst>
+            <pc:docMk/>
+            <pc:sldMk cId="2105944242" sldId="256"/>
+            <ac:spMk id="216" creationId="{97321F2F-9C5B-4B71-B55D-F9A55C00AE64}"/>
+          </ac:spMkLst>
+        </pc:spChg>
+        <pc:spChg chg="mod">
+          <ac:chgData name="Laurent P. René de Cotret" userId="f8178667c0a2369a" providerId="LiveId" clId="{E6F9DA84-9433-4392-9546-B88347E1A9B1}" dt="2020-05-29T18:13:56.045" v="2930" actId="165"/>
+          <ac:spMkLst>
+            <pc:docMk/>
+            <pc:sldMk cId="2105944242" sldId="256"/>
+            <ac:spMk id="220" creationId="{59F1911E-4820-4071-9BB8-29B771AAA5FE}"/>
+          </ac:spMkLst>
+        </pc:spChg>
+        <pc:spChg chg="del mod topLvl">
+          <ac:chgData name="Laurent P. René de Cotret" userId="f8178667c0a2369a" providerId="LiveId" clId="{E6F9DA84-9433-4392-9546-B88347E1A9B1}" dt="2020-05-29T17:45:32.685" v="2087" actId="478"/>
+          <ac:spMkLst>
+            <pc:docMk/>
+            <pc:sldMk cId="2105944242" sldId="256"/>
+            <ac:spMk id="226" creationId="{1A180042-6077-4856-A007-8D45D705F43F}"/>
+          </ac:spMkLst>
+        </pc:spChg>
+        <pc:spChg chg="del mod topLvl">
+          <ac:chgData name="Laurent P. René de Cotret" userId="f8178667c0a2369a" providerId="LiveId" clId="{E6F9DA84-9433-4392-9546-B88347E1A9B1}" dt="2020-05-29T17:45:32.685" v="2087" actId="478"/>
+          <ac:spMkLst>
+            <pc:docMk/>
+            <pc:sldMk cId="2105944242" sldId="256"/>
+            <ac:spMk id="227" creationId="{8573ABD9-B3CB-49F9-9AAD-1BAF92541BDF}"/>
+          </ac:spMkLst>
+        </pc:spChg>
+        <pc:spChg chg="del mod topLvl">
+          <ac:chgData name="Laurent P. René de Cotret" userId="f8178667c0a2369a" providerId="LiveId" clId="{E6F9DA84-9433-4392-9546-B88347E1A9B1}" dt="2020-05-29T17:45:32.685" v="2087" actId="478"/>
+          <ac:spMkLst>
+            <pc:docMk/>
+            <pc:sldMk cId="2105944242" sldId="256"/>
+            <ac:spMk id="228" creationId="{0EEAF066-31A4-4471-8E28-7FBF4F45E6E3}"/>
+          </ac:spMkLst>
+        </pc:spChg>
+        <pc:spChg chg="mod">
+          <ac:chgData name="Laurent P. René de Cotret" userId="f8178667c0a2369a" providerId="LiveId" clId="{E6F9DA84-9433-4392-9546-B88347E1A9B1}" dt="2020-05-29T17:45:09.162" v="2069" actId="165"/>
+          <ac:spMkLst>
+            <pc:docMk/>
+            <pc:sldMk cId="2105944242" sldId="256"/>
+            <ac:spMk id="231" creationId="{9B439426-6AC8-49C5-81FE-D874C6DCCCA1}"/>
+          </ac:spMkLst>
+        </pc:spChg>
+        <pc:spChg chg="mod">
+          <ac:chgData name="Laurent P. René de Cotret" userId="f8178667c0a2369a" providerId="LiveId" clId="{E6F9DA84-9433-4392-9546-B88347E1A9B1}" dt="2020-05-29T17:45:09.162" v="2069" actId="165"/>
+          <ac:spMkLst>
+            <pc:docMk/>
+            <pc:sldMk cId="2105944242" sldId="256"/>
+            <ac:spMk id="236" creationId="{626FDEB3-994A-40E5-8F2B-6E2A6F8D1DD2}"/>
           </ac:spMkLst>
         </pc:spChg>
         <pc:spChg chg="add mod topLvl">
-          <ac:chgData name="Laurent P. René de Cotret" userId="f8178667c0a2369a" providerId="LiveId" clId="{E6F9DA84-9433-4392-9546-B88347E1A9B1}" dt="2020-05-28T16:52:59.028" v="1530" actId="165"/>
-          <ac:spMkLst>
-            <pc:docMk/>
-            <pc:sldMk cId="2105944242" sldId="256"/>
-            <ac:spMk id="180" creationId="{3370086E-B399-4CE1-80C2-12D0DDB80B8C}"/>
+          <ac:chgData name="Laurent P. René de Cotret" userId="f8178667c0a2369a" providerId="LiveId" clId="{E6F9DA84-9433-4392-9546-B88347E1A9B1}" dt="2020-05-29T18:27:29.054" v="3246" actId="1035"/>
+          <ac:spMkLst>
+            <pc:docMk/>
+            <pc:sldMk cId="2105944242" sldId="256"/>
+            <ac:spMk id="241" creationId="{AF586066-2A1C-4750-9877-752CBC6D8441}"/>
+          </ac:spMkLst>
+        </pc:spChg>
+        <pc:spChg chg="add del mod topLvl">
+          <ac:chgData name="Laurent P. René de Cotret" userId="f8178667c0a2369a" providerId="LiveId" clId="{E6F9DA84-9433-4392-9546-B88347E1A9B1}" dt="2020-05-29T17:59:08.974" v="2682" actId="478"/>
+          <ac:spMkLst>
+            <pc:docMk/>
+            <pc:sldMk cId="2105944242" sldId="256"/>
+            <ac:spMk id="242" creationId="{31A72A63-F435-48D8-BAF3-3A4AE84C714F}"/>
           </ac:spMkLst>
         </pc:spChg>
         <pc:spChg chg="add mod topLvl">
-          <ac:chgData name="Laurent P. René de Cotret" userId="f8178667c0a2369a" providerId="LiveId" clId="{E6F9DA84-9433-4392-9546-B88347E1A9B1}" dt="2020-05-28T16:52:59.028" v="1530" actId="165"/>
-          <ac:spMkLst>
-            <pc:docMk/>
-            <pc:sldMk cId="2105944242" sldId="256"/>
-            <ac:spMk id="183" creationId="{DBE0B008-E137-46FA-9877-0E57C338B4E7}"/>
+          <ac:chgData name="Laurent P. René de Cotret" userId="f8178667c0a2369a" providerId="LiveId" clId="{E6F9DA84-9433-4392-9546-B88347E1A9B1}" dt="2020-05-29T18:27:29.054" v="3246" actId="1035"/>
+          <ac:spMkLst>
+            <pc:docMk/>
+            <pc:sldMk cId="2105944242" sldId="256"/>
+            <ac:spMk id="257" creationId="{759480BD-A059-4D82-B7E5-4D8E73B0CD7C}"/>
+          </ac:spMkLst>
+        </pc:spChg>
+        <pc:spChg chg="add del mod">
+          <ac:chgData name="Laurent P. René de Cotret" userId="f8178667c0a2369a" providerId="LiveId" clId="{E6F9DA84-9433-4392-9546-B88347E1A9B1}" dt="2020-05-29T18:01:52.995" v="2693" actId="478"/>
+          <ac:spMkLst>
+            <pc:docMk/>
+            <pc:sldMk cId="2105944242" sldId="256"/>
+            <ac:spMk id="259" creationId="{E03D5647-B3FE-46EC-8E8F-DD7D282B2AAB}"/>
           </ac:spMkLst>
         </pc:spChg>
         <pc:spChg chg="add mod">
-          <ac:chgData name="Laurent P. René de Cotret" userId="f8178667c0a2369a" providerId="LiveId" clId="{E6F9DA84-9433-4392-9546-B88347E1A9B1}" dt="2020-05-28T16:53:45.266" v="1605" actId="1076"/>
-          <ac:spMkLst>
-            <pc:docMk/>
-            <pc:sldMk cId="2105944242" sldId="256"/>
-            <ac:spMk id="188" creationId="{AC31FE93-22C9-43C5-8F66-120D8CADB085}"/>
+          <ac:chgData name="Laurent P. René de Cotret" userId="f8178667c0a2369a" providerId="LiveId" clId="{E6F9DA84-9433-4392-9546-B88347E1A9B1}" dt="2020-05-29T18:27:29.054" v="3246" actId="1035"/>
+          <ac:spMkLst>
+            <pc:docMk/>
+            <pc:sldMk cId="2105944242" sldId="256"/>
+            <ac:spMk id="260" creationId="{341B84FF-60F3-4ADC-8AB9-74E0AED8B63F}"/>
+          </ac:spMkLst>
+        </pc:spChg>
+        <pc:spChg chg="add del mod">
+          <ac:chgData name="Laurent P. René de Cotret" userId="f8178667c0a2369a" providerId="LiveId" clId="{E6F9DA84-9433-4392-9546-B88347E1A9B1}" dt="2020-05-29T18:07:48.625" v="2756" actId="478"/>
+          <ac:spMkLst>
+            <pc:docMk/>
+            <pc:sldMk cId="2105944242" sldId="256"/>
+            <ac:spMk id="270" creationId="{DCFA50FD-BC40-4A41-B25E-3FFAA5B10421}"/>
           </ac:spMkLst>
         </pc:spChg>
         <pc:spChg chg="add mod">
-          <ac:chgData name="Laurent P. René de Cotret" userId="f8178667c0a2369a" providerId="LiveId" clId="{E6F9DA84-9433-4392-9546-B88347E1A9B1}" dt="2020-05-28T16:54:05.923" v="1608" actId="1076"/>
-          <ac:spMkLst>
-            <pc:docMk/>
-            <pc:sldMk cId="2105944242" sldId="256"/>
-            <ac:spMk id="190" creationId="{D000DFFB-074B-49EA-A084-20EE1A2913DA}"/>
+          <ac:chgData name="Laurent P. René de Cotret" userId="f8178667c0a2369a" providerId="LiveId" clId="{E6F9DA84-9433-4392-9546-B88347E1A9B1}" dt="2020-05-29T18:28:04.059" v="3288" actId="1036"/>
+          <ac:spMkLst>
+            <pc:docMk/>
+            <pc:sldMk cId="2105944242" sldId="256"/>
+            <ac:spMk id="271" creationId="{FB3D313B-AE64-4611-932F-D9D00916CA32}"/>
+          </ac:spMkLst>
+        </pc:spChg>
+        <pc:spChg chg="add del mod">
+          <ac:chgData name="Laurent P. René de Cotret" userId="f8178667c0a2369a" providerId="LiveId" clId="{E6F9DA84-9433-4392-9546-B88347E1A9B1}" dt="2020-05-29T18:10:38.765" v="2848" actId="478"/>
+          <ac:spMkLst>
+            <pc:docMk/>
+            <pc:sldMk cId="2105944242" sldId="256"/>
+            <ac:spMk id="276" creationId="{0550EDF5-D00F-4171-8034-74A39C64FDD2}"/>
+          </ac:spMkLst>
+        </pc:spChg>
+        <pc:spChg chg="add mod ord">
+          <ac:chgData name="Laurent P. René de Cotret" userId="f8178667c0a2369a" providerId="LiveId" clId="{E6F9DA84-9433-4392-9546-B88347E1A9B1}" dt="2020-05-29T18:27:29.054" v="3246" actId="1035"/>
+          <ac:spMkLst>
+            <pc:docMk/>
+            <pc:sldMk cId="2105944242" sldId="256"/>
+            <ac:spMk id="292" creationId="{7D82FFD2-5E31-4023-AA35-D1705A93352F}"/>
+          </ac:spMkLst>
+        </pc:spChg>
+        <pc:spChg chg="add del mod">
+          <ac:chgData name="Laurent P. René de Cotret" userId="f8178667c0a2369a" providerId="LiveId" clId="{E6F9DA84-9433-4392-9546-B88347E1A9B1}" dt="2020-05-29T18:20:54.515" v="3139" actId="478"/>
+          <ac:spMkLst>
+            <pc:docMk/>
+            <pc:sldMk cId="2105944242" sldId="256"/>
+            <ac:spMk id="293" creationId="{CDBFE039-289A-444F-A968-6F7B0F488C81}"/>
+          </ac:spMkLst>
+        </pc:spChg>
+        <pc:spChg chg="add del mod">
+          <ac:chgData name="Laurent P. René de Cotret" userId="f8178667c0a2369a" providerId="LiveId" clId="{E6F9DA84-9433-4392-9546-B88347E1A9B1}" dt="2020-05-29T18:20:56.360" v="3140" actId="478"/>
+          <ac:spMkLst>
+            <pc:docMk/>
+            <pc:sldMk cId="2105944242" sldId="256"/>
+            <ac:spMk id="294" creationId="{0B6D84C0-07AA-4518-B860-8CEDCC09BC72}"/>
           </ac:spMkLst>
         </pc:spChg>
         <pc:spChg chg="add mod">
-          <ac:chgData name="Laurent P. René de Cotret" userId="f8178667c0a2369a" providerId="LiveId" clId="{E6F9DA84-9433-4392-9546-B88347E1A9B1}" dt="2020-05-28T16:54:17.901" v="1611" actId="1076"/>
-          <ac:spMkLst>
-            <pc:docMk/>
-            <pc:sldMk cId="2105944242" sldId="256"/>
-            <ac:spMk id="193" creationId="{52945ADF-0B9D-442F-BF74-A176020DB940}"/>
+          <ac:chgData name="Laurent P. René de Cotret" userId="f8178667c0a2369a" providerId="LiveId" clId="{E6F9DA84-9433-4392-9546-B88347E1A9B1}" dt="2020-05-29T18:27:29.054" v="3246" actId="1035"/>
+          <ac:spMkLst>
+            <pc:docMk/>
+            <pc:sldMk cId="2105944242" sldId="256"/>
+            <ac:spMk id="295" creationId="{798E11E4-0366-4966-B6DA-ADD1C38DAB2C}"/>
           </ac:spMkLst>
         </pc:spChg>
         <pc:spChg chg="add mod">
-          <ac:chgData name="Laurent P. René de Cotret" userId="f8178667c0a2369a" providerId="LiveId" clId="{E6F9DA84-9433-4392-9546-B88347E1A9B1}" dt="2020-05-28T16:54:35.930" v="1613" actId="1076"/>
-          <ac:spMkLst>
-            <pc:docMk/>
-            <pc:sldMk cId="2105944242" sldId="256"/>
-            <ac:spMk id="196" creationId="{5D881F09-8533-43B6-9045-2C174D0C3491}"/>
+          <ac:chgData name="Laurent P. René de Cotret" userId="f8178667c0a2369a" providerId="LiveId" clId="{E6F9DA84-9433-4392-9546-B88347E1A9B1}" dt="2020-05-29T18:27:29.054" v="3246" actId="1035"/>
+          <ac:spMkLst>
+            <pc:docMk/>
+            <pc:sldMk cId="2105944242" sldId="256"/>
+            <ac:spMk id="296" creationId="{1595FE99-3978-45A8-BB23-FC5FBC952638}"/>
           </ac:spMkLst>
         </pc:spChg>
         <pc:spChg chg="add mod">
-          <ac:chgData name="Laurent P. René de Cotret" userId="f8178667c0a2369a" providerId="LiveId" clId="{E6F9DA84-9433-4392-9546-B88347E1A9B1}" dt="2020-05-28T16:55:00.937" v="1616" actId="1076"/>
-          <ac:spMkLst>
-            <pc:docMk/>
-            <pc:sldMk cId="2105944242" sldId="256"/>
-            <ac:spMk id="197" creationId="{9A9A61C5-9D12-4A9D-A06C-7088BEA69C5B}"/>
+          <ac:chgData name="Laurent P. René de Cotret" userId="f8178667c0a2369a" providerId="LiveId" clId="{E6F9DA84-9433-4392-9546-B88347E1A9B1}" dt="2020-05-29T18:36:43.955" v="3375" actId="1076"/>
+          <ac:spMkLst>
+            <pc:docMk/>
+            <pc:sldMk cId="2105944242" sldId="256"/>
+            <ac:spMk id="304" creationId="{1CB1B9D8-D003-4282-A485-55650EB22536}"/>
           </ac:spMkLst>
         </pc:spChg>
         <pc:spChg chg="add mod">
-          <ac:chgData name="Laurent P. René de Cotret" userId="f8178667c0a2369a" providerId="LiveId" clId="{E6F9DA84-9433-4392-9546-B88347E1A9B1}" dt="2020-05-28T16:53:36.106" v="1604" actId="20577"/>
-          <ac:spMkLst>
-            <pc:docMk/>
-            <pc:sldMk cId="2105944242" sldId="256"/>
-            <ac:spMk id="200" creationId="{B5DE8A11-911A-42AA-A393-FC02A2541364}"/>
+          <ac:chgData name="Laurent P. René de Cotret" userId="f8178667c0a2369a" providerId="LiveId" clId="{E6F9DA84-9433-4392-9546-B88347E1A9B1}" dt="2020-05-29T18:43:51.994" v="3481" actId="1035"/>
+          <ac:spMkLst>
+            <pc:docMk/>
+            <pc:sldMk cId="2105944242" sldId="256"/>
+            <ac:spMk id="305" creationId="{C28175B0-94F8-4E9F-B022-B25F03857A77}"/>
+          </ac:spMkLst>
+        </pc:spChg>
+        <pc:spChg chg="add del mod">
+          <ac:chgData name="Laurent P. René de Cotret" userId="f8178667c0a2369a" providerId="LiveId" clId="{E6F9DA84-9433-4392-9546-B88347E1A9B1}" dt="2020-05-29T18:40:39.535" v="3454" actId="478"/>
+          <ac:spMkLst>
+            <pc:docMk/>
+            <pc:sldMk cId="2105944242" sldId="256"/>
+            <ac:spMk id="306" creationId="{F0C52ED3-8AC4-488B-8A00-D578D552E1FC}"/>
           </ac:spMkLst>
         </pc:spChg>
         <pc:spChg chg="add mod">
-          <ac:chgData name="Laurent P. René de Cotret" userId="f8178667c0a2369a" providerId="LiveId" clId="{E6F9DA84-9433-4392-9546-B88347E1A9B1}" dt="2020-05-28T16:58:13.234" v="1633" actId="1076"/>
-          <ac:spMkLst>
-            <pc:docMk/>
-            <pc:sldMk cId="2105944242" sldId="256"/>
-            <ac:spMk id="201" creationId="{1C170E58-0188-4071-A9C2-DBE0A0A6969F}"/>
+          <ac:chgData name="Laurent P. René de Cotret" userId="f8178667c0a2369a" providerId="LiveId" clId="{E6F9DA84-9433-4392-9546-B88347E1A9B1}" dt="2020-05-29T18:43:51.994" v="3481" actId="1035"/>
+          <ac:spMkLst>
+            <pc:docMk/>
+            <pc:sldMk cId="2105944242" sldId="256"/>
+            <ac:spMk id="307" creationId="{B8257160-EEFA-4BCF-994B-09F517CEF7DF}"/>
+          </ac:spMkLst>
+        </pc:spChg>
+        <pc:spChg chg="add del mod">
+          <ac:chgData name="Laurent P. René de Cotret" userId="f8178667c0a2369a" providerId="LiveId" clId="{E6F9DA84-9433-4392-9546-B88347E1A9B1}" dt="2020-05-29T18:38:50.935" v="3397" actId="478"/>
+          <ac:spMkLst>
+            <pc:docMk/>
+            <pc:sldMk cId="2105944242" sldId="256"/>
+            <ac:spMk id="308" creationId="{A400C7AE-051C-47CE-B139-34B7362F2061}"/>
+          </ac:spMkLst>
+        </pc:spChg>
+        <pc:spChg chg="add del mod">
+          <ac:chgData name="Laurent P. René de Cotret" userId="f8178667c0a2369a" providerId="LiveId" clId="{E6F9DA84-9433-4392-9546-B88347E1A9B1}" dt="2020-05-29T18:41:14.375" v="3458" actId="478"/>
+          <ac:spMkLst>
+            <pc:docMk/>
+            <pc:sldMk cId="2105944242" sldId="256"/>
+            <ac:spMk id="309" creationId="{2B9C4544-085D-4C79-A4A3-9BB4CE5AE7AB}"/>
           </ac:spMkLst>
         </pc:spChg>
         <pc:spChg chg="add mod">
-          <ac:chgData name="Laurent P. René de Cotret" userId="f8178667c0a2369a" providerId="LiveId" clId="{E6F9DA84-9433-4392-9546-B88347E1A9B1}" dt="2020-05-28T16:59:03.262" v="1672" actId="1076"/>
-          <ac:spMkLst>
-            <pc:docMk/>
-            <pc:sldMk cId="2105944242" sldId="256"/>
-            <ac:spMk id="204" creationId="{58969A27-E1DD-473C-9D71-809DBFDB28DA}"/>
+          <ac:chgData name="Laurent P. René de Cotret" userId="f8178667c0a2369a" providerId="LiveId" clId="{E6F9DA84-9433-4392-9546-B88347E1A9B1}" dt="2020-05-29T18:43:51.994" v="3481" actId="1035"/>
+          <ac:spMkLst>
+            <pc:docMk/>
+            <pc:sldMk cId="2105944242" sldId="256"/>
+            <ac:spMk id="310" creationId="{40E639CE-107A-4017-B0F1-7577DC85B7AD}"/>
+          </ac:spMkLst>
+        </pc:spChg>
+        <pc:spChg chg="add del mod">
+          <ac:chgData name="Laurent P. René de Cotret" userId="f8178667c0a2369a" providerId="LiveId" clId="{E6F9DA84-9433-4392-9546-B88347E1A9B1}" dt="2020-05-29T18:41:11.165" v="3457" actId="478"/>
+          <ac:spMkLst>
+            <pc:docMk/>
+            <pc:sldMk cId="2105944242" sldId="256"/>
+            <ac:spMk id="311" creationId="{21976C3A-05EA-4A88-9447-A93C3309AE9F}"/>
           </ac:spMkLst>
         </pc:spChg>
         <pc:spChg chg="add mod">
-          <ac:chgData name="Laurent P. René de Cotret" userId="f8178667c0a2369a" providerId="LiveId" clId="{E6F9DA84-9433-4392-9546-B88347E1A9B1}" dt="2020-05-28T16:59:14.244" v="1685" actId="20577"/>
-          <ac:spMkLst>
-            <pc:docMk/>
-            <pc:sldMk cId="2105944242" sldId="256"/>
-            <ac:spMk id="205" creationId="{86ADDE5C-7865-474B-BB01-5EE61534F060}"/>
+          <ac:chgData name="Laurent P. René de Cotret" userId="f8178667c0a2369a" providerId="LiveId" clId="{E6F9DA84-9433-4392-9546-B88347E1A9B1}" dt="2020-05-29T18:43:51.994" v="3481" actId="1035"/>
+          <ac:spMkLst>
+            <pc:docMk/>
+            <pc:sldMk cId="2105944242" sldId="256"/>
+            <ac:spMk id="312" creationId="{4F430E67-0A82-49D4-94D1-774CC06B2607}"/>
           </ac:spMkLst>
         </pc:spChg>
         <pc:spChg chg="add mod">
-          <ac:chgData name="Laurent P. René de Cotret" userId="f8178667c0a2369a" providerId="LiveId" clId="{E6F9DA84-9433-4392-9546-B88347E1A9B1}" dt="2020-05-28T17:00:07.387" v="1707" actId="20577"/>
-          <ac:spMkLst>
-            <pc:docMk/>
-            <pc:sldMk cId="2105944242" sldId="256"/>
-            <ac:spMk id="207" creationId="{99028281-B577-41C2-A770-AEFFAB8F6ADA}"/>
-          </ac:spMkLst>
-        </pc:spChg>
-        <pc:spChg chg="add mod">
-          <ac:chgData name="Laurent P. René de Cotret" userId="f8178667c0a2369a" providerId="LiveId" clId="{E6F9DA84-9433-4392-9546-B88347E1A9B1}" dt="2020-05-28T17:00:06.008" v="1706" actId="20577"/>
-          <ac:spMkLst>
-            <pc:docMk/>
-            <pc:sldMk cId="2105944242" sldId="256"/>
-            <ac:spMk id="208" creationId="{C190DB8B-1D5B-42D7-80C3-B4260FFCBC1F}"/>
-          </ac:spMkLst>
-        </pc:spChg>
-        <pc:spChg chg="add mod topLvl">
-          <ac:chgData name="Laurent P. René de Cotret" userId="f8178667c0a2369a" providerId="LiveId" clId="{E6F9DA84-9433-4392-9546-B88347E1A9B1}" dt="2020-05-28T16:52:59.028" v="1530" actId="165"/>
-          <ac:spMkLst>
-            <pc:docMk/>
-            <pc:sldMk cId="2105944242" sldId="256"/>
-            <ac:spMk id="216" creationId="{97321F2F-9C5B-4B71-B55D-F9A55C00AE64}"/>
+          <ac:chgData name="Laurent P. René de Cotret" userId="f8178667c0a2369a" providerId="LiveId" clId="{E6F9DA84-9433-4392-9546-B88347E1A9B1}" dt="2020-05-29T18:43:51.994" v="3481" actId="1035"/>
+          <ac:spMkLst>
+            <pc:docMk/>
+            <pc:sldMk cId="2105944242" sldId="256"/>
+            <ac:spMk id="313" creationId="{FECC75DB-A210-4860-B6F1-3F735A95B136}"/>
+          </ac:spMkLst>
+        </pc:spChg>
+        <pc:spChg chg="add del mod">
+          <ac:chgData name="Laurent P. René de Cotret" userId="f8178667c0a2369a" providerId="LiveId" clId="{E6F9DA84-9433-4392-9546-B88347E1A9B1}" dt="2020-05-29T18:41:57.724" v="3465" actId="478"/>
+          <ac:spMkLst>
+            <pc:docMk/>
+            <pc:sldMk cId="2105944242" sldId="256"/>
+            <ac:spMk id="314" creationId="{ADF81C52-22FA-4F04-A963-76F4C5BDA6F6}"/>
+          </ac:spMkLst>
+        </pc:spChg>
+        <pc:spChg chg="add del mod">
+          <ac:chgData name="Laurent P. René de Cotret" userId="f8178667c0a2369a" providerId="LiveId" clId="{E6F9DA84-9433-4392-9546-B88347E1A9B1}" dt="2020-05-29T18:41:59.645" v="3466" actId="478"/>
+          <ac:spMkLst>
+            <pc:docMk/>
+            <pc:sldMk cId="2105944242" sldId="256"/>
+            <ac:spMk id="315" creationId="{1645E34A-7BC6-4C55-B8D4-AF61628395CE}"/>
           </ac:spMkLst>
         </pc:spChg>
         <pc:grpChg chg="add del mod">
@@ -687,8 +1087,56 @@
             <ac:grpSpMk id="2" creationId="{37768698-7B94-466B-B242-7A0F3C5DD178}"/>
           </ac:grpSpMkLst>
         </pc:grpChg>
+        <pc:grpChg chg="add del mod topLvl">
+          <ac:chgData name="Laurent P. René de Cotret" userId="f8178667c0a2369a" providerId="LiveId" clId="{E6F9DA84-9433-4392-9546-B88347E1A9B1}" dt="2020-05-29T17:38:55.699" v="2000" actId="165"/>
+          <ac:grpSpMkLst>
+            <pc:docMk/>
+            <pc:sldMk cId="2105944242" sldId="256"/>
+            <ac:grpSpMk id="4" creationId="{9623F0A2-6D5B-46E0-A48C-4E22B1B5FC0B}"/>
+          </ac:grpSpMkLst>
+        </pc:grpChg>
+        <pc:grpChg chg="add del mod">
+          <ac:chgData name="Laurent P. René de Cotret" userId="f8178667c0a2369a" providerId="LiveId" clId="{E6F9DA84-9433-4392-9546-B88347E1A9B1}" dt="2020-05-29T17:33:55.145" v="1865" actId="165"/>
+          <ac:grpSpMkLst>
+            <pc:docMk/>
+            <pc:sldMk cId="2105944242" sldId="256"/>
+            <ac:grpSpMk id="5" creationId="{482CD3E4-674B-4560-A609-ECD602EF7187}"/>
+          </ac:grpSpMkLst>
+        </pc:grpChg>
+        <pc:grpChg chg="add del mod">
+          <ac:chgData name="Laurent P. René de Cotret" userId="f8178667c0a2369a" providerId="LiveId" clId="{E6F9DA84-9433-4392-9546-B88347E1A9B1}" dt="2020-05-29T17:34:27.118" v="1872" actId="165"/>
+          <ac:grpSpMkLst>
+            <pc:docMk/>
+            <pc:sldMk cId="2105944242" sldId="256"/>
+            <ac:grpSpMk id="6" creationId="{B74EC85F-A4AD-4517-9378-0A8F23552BA1}"/>
+          </ac:grpSpMkLst>
+        </pc:grpChg>
+        <pc:grpChg chg="add del mod">
+          <ac:chgData name="Laurent P. René de Cotret" userId="f8178667c0a2369a" providerId="LiveId" clId="{E6F9DA84-9433-4392-9546-B88347E1A9B1}" dt="2020-05-29T17:36:37.555" v="1924" actId="165"/>
+          <ac:grpSpMkLst>
+            <pc:docMk/>
+            <pc:sldMk cId="2105944242" sldId="256"/>
+            <ac:grpSpMk id="7" creationId="{42973099-F6F5-4704-BBEB-1ABEAD5DEDCE}"/>
+          </ac:grpSpMkLst>
+        </pc:grpChg>
+        <pc:grpChg chg="add mod topLvl">
+          <ac:chgData name="Laurent P. René de Cotret" userId="f8178667c0a2369a" providerId="LiveId" clId="{E6F9DA84-9433-4392-9546-B88347E1A9B1}" dt="2020-05-29T18:27:29.054" v="3246" actId="1035"/>
+          <ac:grpSpMkLst>
+            <pc:docMk/>
+            <pc:sldMk cId="2105944242" sldId="256"/>
+            <ac:grpSpMk id="14" creationId="{5ECD5B27-9858-4602-B265-43D7A26433FD}"/>
+          </ac:grpSpMkLst>
+        </pc:grpChg>
+        <pc:grpChg chg="add mod topLvl">
+          <ac:chgData name="Laurent P. René de Cotret" userId="f8178667c0a2369a" providerId="LiveId" clId="{E6F9DA84-9433-4392-9546-B88347E1A9B1}" dt="2020-05-29T18:27:29.054" v="3246" actId="1035"/>
+          <ac:grpSpMkLst>
+            <pc:docMk/>
+            <pc:sldMk cId="2105944242" sldId="256"/>
+            <ac:grpSpMk id="18" creationId="{3C8FB0B1-31BC-44E0-A999-006BA692DD75}"/>
+          </ac:grpSpMkLst>
+        </pc:grpChg>
         <pc:grpChg chg="mod">
-          <ac:chgData name="Laurent P. René de Cotret" userId="f8178667c0a2369a" providerId="LiveId" clId="{E6F9DA84-9433-4392-9546-B88347E1A9B1}" dt="2020-05-28T16:52:59.028" v="1530" actId="165"/>
+          <ac:chgData name="Laurent P. René de Cotret" userId="f8178667c0a2369a" providerId="LiveId" clId="{E6F9DA84-9433-4392-9546-B88347E1A9B1}" dt="2020-05-29T18:22:45.476" v="3147" actId="12788"/>
           <ac:grpSpMkLst>
             <pc:docMk/>
             <pc:sldMk cId="2105944242" sldId="256"/>
@@ -696,11 +1144,35 @@
           </ac:grpSpMkLst>
         </pc:grpChg>
         <pc:grpChg chg="mod ord topLvl">
-          <ac:chgData name="Laurent P. René de Cotret" userId="f8178667c0a2369a" providerId="LiveId" clId="{E6F9DA84-9433-4392-9546-B88347E1A9B1}" dt="2020-05-28T16:52:59.028" v="1530" actId="165"/>
+          <ac:chgData name="Laurent P. René de Cotret" userId="f8178667c0a2369a" providerId="LiveId" clId="{E6F9DA84-9433-4392-9546-B88347E1A9B1}" dt="2020-05-29T18:27:29.054" v="3246" actId="1035"/>
           <ac:grpSpMkLst>
             <pc:docMk/>
             <pc:sldMk cId="2105944242" sldId="256"/>
             <ac:grpSpMk id="24" creationId="{B00E4208-A290-442A-9CBF-CB9327E373C6}"/>
+          </ac:grpSpMkLst>
+        </pc:grpChg>
+        <pc:grpChg chg="add del mod">
+          <ac:chgData name="Laurent P. René de Cotret" userId="f8178667c0a2369a" providerId="LiveId" clId="{E6F9DA84-9433-4392-9546-B88347E1A9B1}" dt="2020-05-29T17:44:17.785" v="2059" actId="165"/>
+          <ac:grpSpMkLst>
+            <pc:docMk/>
+            <pc:sldMk cId="2105944242" sldId="256"/>
+            <ac:grpSpMk id="25" creationId="{96BD1AFC-FA60-4205-87DF-C350F1ECA5B5}"/>
+          </ac:grpSpMkLst>
+        </pc:grpChg>
+        <pc:grpChg chg="add mod topLvl">
+          <ac:chgData name="Laurent P. René de Cotret" userId="f8178667c0a2369a" providerId="LiveId" clId="{E6F9DA84-9433-4392-9546-B88347E1A9B1}" dt="2020-05-29T18:27:29.054" v="3246" actId="1035"/>
+          <ac:grpSpMkLst>
+            <pc:docMk/>
+            <pc:sldMk cId="2105944242" sldId="256"/>
+            <ac:grpSpMk id="26" creationId="{0D065330-E715-4509-A97D-B866F451A5B0}"/>
+          </ac:grpSpMkLst>
+        </pc:grpChg>
+        <pc:grpChg chg="add del mod topLvl">
+          <ac:chgData name="Laurent P. René de Cotret" userId="f8178667c0a2369a" providerId="LiveId" clId="{E6F9DA84-9433-4392-9546-B88347E1A9B1}" dt="2020-05-29T18:13:56.045" v="2930" actId="165"/>
+          <ac:grpSpMkLst>
+            <pc:docMk/>
+            <pc:sldMk cId="2105944242" sldId="256"/>
+            <ac:grpSpMk id="27" creationId="{8D7F4D18-606F-4EF6-8D50-1A98066FEED4}"/>
           </ac:grpSpMkLst>
         </pc:grpChg>
         <pc:grpChg chg="add del mod">
@@ -711,12 +1183,44 @@
             <ac:grpSpMk id="27" creationId="{E4FE5D28-FD0E-4561-B401-7D7AE21A9291}"/>
           </ac:grpSpMkLst>
         </pc:grpChg>
+        <pc:grpChg chg="add mod topLvl">
+          <ac:chgData name="Laurent P. René de Cotret" userId="f8178667c0a2369a" providerId="LiveId" clId="{E6F9DA84-9433-4392-9546-B88347E1A9B1}" dt="2020-05-29T18:26:53.185" v="3199" actId="164"/>
+          <ac:grpSpMkLst>
+            <pc:docMk/>
+            <pc:sldMk cId="2105944242" sldId="256"/>
+            <ac:grpSpMk id="28" creationId="{E44B0F40-DFD5-4270-A3B2-E544DA0F9DA5}"/>
+          </ac:grpSpMkLst>
+        </pc:grpChg>
         <pc:grpChg chg="add del mod">
           <ac:chgData name="Laurent P. René de Cotret" userId="f8178667c0a2369a" providerId="LiveId" clId="{E6F9DA84-9433-4392-9546-B88347E1A9B1}" dt="2020-05-28T16:25:48.871" v="899" actId="165"/>
           <ac:grpSpMkLst>
             <pc:docMk/>
             <pc:sldMk cId="2105944242" sldId="256"/>
             <ac:grpSpMk id="29" creationId="{69B99251-8DC2-4F02-8483-550B945A0E39}"/>
+          </ac:grpSpMkLst>
+        </pc:grpChg>
+        <pc:grpChg chg="add del mod">
+          <ac:chgData name="Laurent P. René de Cotret" userId="f8178667c0a2369a" providerId="LiveId" clId="{E6F9DA84-9433-4392-9546-B88347E1A9B1}" dt="2020-05-29T17:50:18.205" v="2362" actId="165"/>
+          <ac:grpSpMkLst>
+            <pc:docMk/>
+            <pc:sldMk cId="2105944242" sldId="256"/>
+            <ac:grpSpMk id="29" creationId="{BBA1ABD0-EBCC-422B-9D0A-BB7826DDC01D}"/>
+          </ac:grpSpMkLst>
+        </pc:grpChg>
+        <pc:grpChg chg="add mod">
+          <ac:chgData name="Laurent P. René de Cotret" userId="f8178667c0a2369a" providerId="LiveId" clId="{E6F9DA84-9433-4392-9546-B88347E1A9B1}" dt="2020-05-29T17:48:45.566" v="2269" actId="164"/>
+          <ac:grpSpMkLst>
+            <pc:docMk/>
+            <pc:sldMk cId="2105944242" sldId="256"/>
+            <ac:grpSpMk id="30" creationId="{F08B9621-16CB-45FC-8028-912CB8BCF14B}"/>
+          </ac:grpSpMkLst>
+        </pc:grpChg>
+        <pc:grpChg chg="add mod">
+          <ac:chgData name="Laurent P. René de Cotret" userId="f8178667c0a2369a" providerId="LiveId" clId="{E6F9DA84-9433-4392-9546-B88347E1A9B1}" dt="2020-05-29T17:48:49.016" v="2271" actId="164"/>
+          <ac:grpSpMkLst>
+            <pc:docMk/>
+            <pc:sldMk cId="2105944242" sldId="256"/>
+            <ac:grpSpMk id="31" creationId="{49A6156C-CA16-4089-9562-317A219A196A}"/>
           </ac:grpSpMkLst>
         </pc:grpChg>
         <pc:grpChg chg="del">
@@ -735,8 +1239,16 @@
             <ac:grpSpMk id="48" creationId="{3E64487A-FFB4-4F21-9270-8DF045E97813}"/>
           </ac:grpSpMkLst>
         </pc:grpChg>
+        <pc:grpChg chg="add del mod">
+          <ac:chgData name="Laurent P. René de Cotret" userId="f8178667c0a2369a" providerId="LiveId" clId="{E6F9DA84-9433-4392-9546-B88347E1A9B1}" dt="2020-05-29T18:01:35.665" v="2689" actId="165"/>
+          <ac:grpSpMkLst>
+            <pc:docMk/>
+            <pc:sldMk cId="2105944242" sldId="256"/>
+            <ac:grpSpMk id="49" creationId="{44FC2EFB-BC8F-4AD4-A81A-3E48BE18080F}"/>
+          </ac:grpSpMkLst>
+        </pc:grpChg>
         <pc:grpChg chg="add mod ord topLvl">
-          <ac:chgData name="Laurent P. René de Cotret" userId="f8178667c0a2369a" providerId="LiveId" clId="{E6F9DA84-9433-4392-9546-B88347E1A9B1}" dt="2020-05-28T16:52:59.028" v="1530" actId="165"/>
+          <ac:chgData name="Laurent P. René de Cotret" userId="f8178667c0a2369a" providerId="LiveId" clId="{E6F9DA84-9433-4392-9546-B88347E1A9B1}" dt="2020-05-29T18:27:36.738" v="3247" actId="165"/>
           <ac:grpSpMkLst>
             <pc:docMk/>
             <pc:sldMk cId="2105944242" sldId="256"/>
@@ -744,7 +1256,7 @@
           </ac:grpSpMkLst>
         </pc:grpChg>
         <pc:grpChg chg="add mod">
-          <ac:chgData name="Laurent P. René de Cotret" userId="f8178667c0a2369a" providerId="LiveId" clId="{E6F9DA84-9433-4392-9546-B88347E1A9B1}" dt="2020-05-28T16:52:59.028" v="1530" actId="165"/>
+          <ac:chgData name="Laurent P. René de Cotret" userId="f8178667c0a2369a" providerId="LiveId" clId="{E6F9DA84-9433-4392-9546-B88347E1A9B1}" dt="2020-05-29T17:55:32.427" v="2533" actId="165"/>
           <ac:grpSpMkLst>
             <pc:docMk/>
             <pc:sldMk cId="2105944242" sldId="256"/>
@@ -752,7 +1264,7 @@
           </ac:grpSpMkLst>
         </pc:grpChg>
         <pc:grpChg chg="add mod topLvl">
-          <ac:chgData name="Laurent P. René de Cotret" userId="f8178667c0a2369a" providerId="LiveId" clId="{E6F9DA84-9433-4392-9546-B88347E1A9B1}" dt="2020-05-28T16:52:59.028" v="1530" actId="165"/>
+          <ac:chgData name="Laurent P. René de Cotret" userId="f8178667c0a2369a" providerId="LiveId" clId="{E6F9DA84-9433-4392-9546-B88347E1A9B1}" dt="2020-05-29T17:55:32.427" v="2533" actId="165"/>
           <ac:grpSpMkLst>
             <pc:docMk/>
             <pc:sldMk cId="2105944242" sldId="256"/>
@@ -775,6 +1287,14 @@
             <ac:grpSpMk id="74" creationId="{7B291F93-D45A-4ED2-8951-4FC8E15CC135}"/>
           </ac:grpSpMkLst>
         </pc:grpChg>
+        <pc:grpChg chg="add mod">
+          <ac:chgData name="Laurent P. René de Cotret" userId="f8178667c0a2369a" providerId="LiveId" clId="{E6F9DA84-9433-4392-9546-B88347E1A9B1}" dt="2020-05-29T18:17:47.283" v="3067" actId="164"/>
+          <ac:grpSpMkLst>
+            <pc:docMk/>
+            <pc:sldMk cId="2105944242" sldId="256"/>
+            <ac:grpSpMk id="75" creationId="{2D3E7191-B183-4D02-8AE9-06E49348EB67}"/>
+          </ac:grpSpMkLst>
+        </pc:grpChg>
         <pc:grpChg chg="add del mod">
           <ac:chgData name="Laurent P. René de Cotret" userId="f8178667c0a2369a" providerId="LiveId" clId="{E6F9DA84-9433-4392-9546-B88347E1A9B1}" dt="2020-05-28T16:44:31.737" v="1152" actId="165"/>
           <ac:grpSpMkLst>
@@ -784,7 +1304,7 @@
           </ac:grpSpMkLst>
         </pc:grpChg>
         <pc:grpChg chg="add mod topLvl">
-          <ac:chgData name="Laurent P. René de Cotret" userId="f8178667c0a2369a" providerId="LiveId" clId="{E6F9DA84-9433-4392-9546-B88347E1A9B1}" dt="2020-05-28T16:52:59.028" v="1530" actId="165"/>
+          <ac:chgData name="Laurent P. René de Cotret" userId="f8178667c0a2369a" providerId="LiveId" clId="{E6F9DA84-9433-4392-9546-B88347E1A9B1}" dt="2020-05-29T17:55:32.427" v="2533" actId="165"/>
           <ac:grpSpMkLst>
             <pc:docMk/>
             <pc:sldMk cId="2105944242" sldId="256"/>
@@ -792,7 +1312,7 @@
           </ac:grpSpMkLst>
         </pc:grpChg>
         <pc:grpChg chg="mod">
-          <ac:chgData name="Laurent P. René de Cotret" userId="f8178667c0a2369a" providerId="LiveId" clId="{E6F9DA84-9433-4392-9546-B88347E1A9B1}" dt="2020-05-28T16:52:59.028" v="1530" actId="165"/>
+          <ac:chgData name="Laurent P. René de Cotret" userId="f8178667c0a2369a" providerId="LiveId" clId="{E6F9DA84-9433-4392-9546-B88347E1A9B1}" dt="2020-05-29T17:55:32.427" v="2533" actId="165"/>
           <ac:grpSpMkLst>
             <pc:docMk/>
             <pc:sldMk cId="2105944242" sldId="256"/>
@@ -816,7 +1336,7 @@
           </ac:grpSpMkLst>
         </pc:grpChg>
         <pc:grpChg chg="mod topLvl">
-          <ac:chgData name="Laurent P. René de Cotret" userId="f8178667c0a2369a" providerId="LiveId" clId="{E6F9DA84-9433-4392-9546-B88347E1A9B1}" dt="2020-05-28T16:52:59.028" v="1530" actId="165"/>
+          <ac:chgData name="Laurent P. René de Cotret" userId="f8178667c0a2369a" providerId="LiveId" clId="{E6F9DA84-9433-4392-9546-B88347E1A9B1}" dt="2020-05-29T17:34:27.118" v="1872" actId="165"/>
           <ac:grpSpMkLst>
             <pc:docMk/>
             <pc:sldMk cId="2105944242" sldId="256"/>
@@ -824,7 +1344,7 @@
           </ac:grpSpMkLst>
         </pc:grpChg>
         <pc:grpChg chg="mod topLvl">
-          <ac:chgData name="Laurent P. René de Cotret" userId="f8178667c0a2369a" providerId="LiveId" clId="{E6F9DA84-9433-4392-9546-B88347E1A9B1}" dt="2020-05-28T16:52:59.028" v="1530" actId="165"/>
+          <ac:chgData name="Laurent P. René de Cotret" userId="f8178667c0a2369a" providerId="LiveId" clId="{E6F9DA84-9433-4392-9546-B88347E1A9B1}" dt="2020-05-29T17:34:27.118" v="1872" actId="165"/>
           <ac:grpSpMkLst>
             <pc:docMk/>
             <pc:sldMk cId="2105944242" sldId="256"/>
@@ -832,7 +1352,7 @@
           </ac:grpSpMkLst>
         </pc:grpChg>
         <pc:grpChg chg="mod">
-          <ac:chgData name="Laurent P. René de Cotret" userId="f8178667c0a2369a" providerId="LiveId" clId="{E6F9DA84-9433-4392-9546-B88347E1A9B1}" dt="2020-05-28T16:52:59.028" v="1530" actId="165"/>
+          <ac:chgData name="Laurent P. René de Cotret" userId="f8178667c0a2369a" providerId="LiveId" clId="{E6F9DA84-9433-4392-9546-B88347E1A9B1}" dt="2020-05-29T17:34:27.118" v="1872" actId="165"/>
           <ac:grpSpMkLst>
             <pc:docMk/>
             <pc:sldMk cId="2105944242" sldId="256"/>
@@ -840,7 +1360,7 @@
           </ac:grpSpMkLst>
         </pc:grpChg>
         <pc:grpChg chg="mod">
-          <ac:chgData name="Laurent P. René de Cotret" userId="f8178667c0a2369a" providerId="LiveId" clId="{E6F9DA84-9433-4392-9546-B88347E1A9B1}" dt="2020-05-28T16:52:59.028" v="1530" actId="165"/>
+          <ac:chgData name="Laurent P. René de Cotret" userId="f8178667c0a2369a" providerId="LiveId" clId="{E6F9DA84-9433-4392-9546-B88347E1A9B1}" dt="2020-05-29T17:34:27.118" v="1872" actId="165"/>
           <ac:grpSpMkLst>
             <pc:docMk/>
             <pc:sldMk cId="2105944242" sldId="256"/>
@@ -855,8 +1375,8 @@
             <ac:grpSpMk id="100" creationId="{F5F1521D-0023-46DA-8334-E1B468AAB0E8}"/>
           </ac:grpSpMkLst>
         </pc:grpChg>
-        <pc:grpChg chg="add mod topLvl">
-          <ac:chgData name="Laurent P. René de Cotret" userId="f8178667c0a2369a" providerId="LiveId" clId="{E6F9DA84-9433-4392-9546-B88347E1A9B1}" dt="2020-05-28T16:52:59.028" v="1530" actId="165"/>
+        <pc:grpChg chg="add del mod topLvl">
+          <ac:chgData name="Laurent P. René de Cotret" userId="f8178667c0a2369a" providerId="LiveId" clId="{E6F9DA84-9433-4392-9546-B88347E1A9B1}" dt="2020-05-29T17:47:24.125" v="2176" actId="165"/>
           <ac:grpSpMkLst>
             <pc:docMk/>
             <pc:sldMk cId="2105944242" sldId="256"/>
@@ -904,7 +1424,7 @@
           </ac:grpSpMkLst>
         </pc:grpChg>
         <pc:grpChg chg="add mod">
-          <ac:chgData name="Laurent P. René de Cotret" userId="f8178667c0a2369a" providerId="LiveId" clId="{E6F9DA84-9433-4392-9546-B88347E1A9B1}" dt="2020-05-28T16:52:59.028" v="1530" actId="165"/>
+          <ac:chgData name="Laurent P. René de Cotret" userId="f8178667c0a2369a" providerId="LiveId" clId="{E6F9DA84-9433-4392-9546-B88347E1A9B1}" dt="2020-05-29T17:55:32.427" v="2533" actId="165"/>
           <ac:grpSpMkLst>
             <pc:docMk/>
             <pc:sldMk cId="2105944242" sldId="256"/>
@@ -912,7 +1432,7 @@
           </ac:grpSpMkLst>
         </pc:grpChg>
         <pc:grpChg chg="add mod topLvl">
-          <ac:chgData name="Laurent P. René de Cotret" userId="f8178667c0a2369a" providerId="LiveId" clId="{E6F9DA84-9433-4392-9546-B88347E1A9B1}" dt="2020-05-28T16:52:59.028" v="1530" actId="165"/>
+          <ac:chgData name="Laurent P. René de Cotret" userId="f8178667c0a2369a" providerId="LiveId" clId="{E6F9DA84-9433-4392-9546-B88347E1A9B1}" dt="2020-05-29T18:27:29.054" v="3246" actId="1035"/>
           <ac:grpSpMkLst>
             <pc:docMk/>
             <pc:sldMk cId="2105944242" sldId="256"/>
@@ -927,16 +1447,16 @@
             <ac:grpSpMk id="123" creationId="{BD0C8F12-ACCD-4D53-A67F-04B4BDBFCC43}"/>
           </ac:grpSpMkLst>
         </pc:grpChg>
-        <pc:grpChg chg="add mod topLvl">
-          <ac:chgData name="Laurent P. René de Cotret" userId="f8178667c0a2369a" providerId="LiveId" clId="{E6F9DA84-9433-4392-9546-B88347E1A9B1}" dt="2020-05-28T16:52:59.028" v="1530" actId="165"/>
+        <pc:grpChg chg="add del mod topLvl">
+          <ac:chgData name="Laurent P. René de Cotret" userId="f8178667c0a2369a" providerId="LiveId" clId="{E6F9DA84-9433-4392-9546-B88347E1A9B1}" dt="2020-05-29T17:44:36.291" v="2064" actId="478"/>
           <ac:grpSpMkLst>
             <pc:docMk/>
             <pc:sldMk cId="2105944242" sldId="256"/>
             <ac:grpSpMk id="128" creationId="{CEDDED1D-D0FC-4552-8404-70FECA0ADE5C}"/>
           </ac:grpSpMkLst>
         </pc:grpChg>
-        <pc:grpChg chg="add mod topLvl">
-          <ac:chgData name="Laurent P. René de Cotret" userId="f8178667c0a2369a" providerId="LiveId" clId="{E6F9DA84-9433-4392-9546-B88347E1A9B1}" dt="2020-05-28T16:52:59.028" v="1530" actId="165"/>
+        <pc:grpChg chg="add del mod topLvl">
+          <ac:chgData name="Laurent P. René de Cotret" userId="f8178667c0a2369a" providerId="LiveId" clId="{E6F9DA84-9433-4392-9546-B88347E1A9B1}" dt="2020-05-29T17:33:13.409" v="1829" actId="165"/>
           <ac:grpSpMkLst>
             <pc:docMk/>
             <pc:sldMk cId="2105944242" sldId="256"/>
@@ -967,6 +1487,14 @@
             <ac:grpSpMk id="150" creationId="{09AA7BE9-2843-47C0-8001-22905258E5B3}"/>
           </ac:grpSpMkLst>
         </pc:grpChg>
+        <pc:grpChg chg="add mod ord topLvl">
+          <ac:chgData name="Laurent P. René de Cotret" userId="f8178667c0a2369a" providerId="LiveId" clId="{E6F9DA84-9433-4392-9546-B88347E1A9B1}" dt="2020-05-29T18:35:50.004" v="3331" actId="166"/>
+          <ac:grpSpMkLst>
+            <pc:docMk/>
+            <pc:sldMk cId="2105944242" sldId="256"/>
+            <ac:grpSpMk id="153" creationId="{7C4A9FB6-9F59-403C-8068-85532A94EEBB}"/>
+          </ac:grpSpMkLst>
+        </pc:grpChg>
         <pc:grpChg chg="add del mod topLvl">
           <ac:chgData name="Laurent P. René de Cotret" userId="f8178667c0a2369a" providerId="LiveId" clId="{E6F9DA84-9433-4392-9546-B88347E1A9B1}" dt="2020-05-28T16:32:49.100" v="979" actId="478"/>
           <ac:grpSpMkLst>
@@ -983,6 +1511,14 @@
             <ac:grpSpMk id="159" creationId="{4434C0EA-80BB-4762-A599-38FE2F28140D}"/>
           </ac:grpSpMkLst>
         </pc:grpChg>
+        <pc:grpChg chg="add mod topLvl">
+          <ac:chgData name="Laurent P. René de Cotret" userId="f8178667c0a2369a" providerId="LiveId" clId="{E6F9DA84-9433-4392-9546-B88347E1A9B1}" dt="2020-05-29T18:27:29.054" v="3246" actId="1035"/>
+          <ac:grpSpMkLst>
+            <pc:docMk/>
+            <pc:sldMk cId="2105944242" sldId="256"/>
+            <ac:grpSpMk id="172" creationId="{8FEC2451-1A0B-4A37-BA89-CE9E9B7EA8E9}"/>
+          </ac:grpSpMkLst>
+        </pc:grpChg>
         <pc:grpChg chg="add del mod">
           <ac:chgData name="Laurent P. René de Cotret" userId="f8178667c0a2369a" providerId="LiveId" clId="{E6F9DA84-9433-4392-9546-B88347E1A9B1}" dt="2020-05-28T15:47:55.451" v="495" actId="165"/>
           <ac:grpSpMkLst>
@@ -992,7 +1528,7 @@
           </ac:grpSpMkLst>
         </pc:grpChg>
         <pc:grpChg chg="add mod ord topLvl">
-          <ac:chgData name="Laurent P. René de Cotret" userId="f8178667c0a2369a" providerId="LiveId" clId="{E6F9DA84-9433-4392-9546-B88347E1A9B1}" dt="2020-05-28T16:52:59.028" v="1530" actId="165"/>
+          <ac:chgData name="Laurent P. René de Cotret" userId="f8178667c0a2369a" providerId="LiveId" clId="{E6F9DA84-9433-4392-9546-B88347E1A9B1}" dt="2020-05-29T18:26:53.185" v="3199" actId="164"/>
           <ac:grpSpMkLst>
             <pc:docMk/>
             <pc:sldMk cId="2105944242" sldId="256"/>
@@ -1000,11 +1536,19 @@
           </ac:grpSpMkLst>
         </pc:grpChg>
         <pc:grpChg chg="add mod ord topLvl">
-          <ac:chgData name="Laurent P. René de Cotret" userId="f8178667c0a2369a" providerId="LiveId" clId="{E6F9DA84-9433-4392-9546-B88347E1A9B1}" dt="2020-05-28T16:52:59.028" v="1530" actId="165"/>
+          <ac:chgData name="Laurent P. René de Cotret" userId="f8178667c0a2369a" providerId="LiveId" clId="{E6F9DA84-9433-4392-9546-B88347E1A9B1}" dt="2020-05-29T18:26:53.185" v="3199" actId="164"/>
           <ac:grpSpMkLst>
             <pc:docMk/>
             <pc:sldMk cId="2105944242" sldId="256"/>
             <ac:grpSpMk id="184" creationId="{8D43CF6F-9BBC-485A-998E-D1E639091BA2}"/>
+          </ac:grpSpMkLst>
+        </pc:grpChg>
+        <pc:grpChg chg="mod">
+          <ac:chgData name="Laurent P. René de Cotret" userId="f8178667c0a2369a" providerId="LiveId" clId="{E6F9DA84-9433-4392-9546-B88347E1A9B1}" dt="2020-05-29T18:13:56.045" v="2930" actId="165"/>
+          <ac:grpSpMkLst>
+            <pc:docMk/>
+            <pc:sldMk cId="2105944242" sldId="256"/>
+            <ac:grpSpMk id="212" creationId="{3474DE54-BD93-458D-A332-E53BB03FC442}"/>
           </ac:grpSpMkLst>
         </pc:grpChg>
         <pc:grpChg chg="add del mod">
@@ -1015,6 +1559,14 @@
             <ac:grpSpMk id="212" creationId="{5DAFE960-D27D-4582-ADD5-BA01D95536A1}"/>
           </ac:grpSpMkLst>
         </pc:grpChg>
+        <pc:grpChg chg="mod">
+          <ac:chgData name="Laurent P. René de Cotret" userId="f8178667c0a2369a" providerId="LiveId" clId="{E6F9DA84-9433-4392-9546-B88347E1A9B1}" dt="2020-05-29T18:13:56.045" v="2930" actId="165"/>
+          <ac:grpSpMkLst>
+            <pc:docMk/>
+            <pc:sldMk cId="2105944242" sldId="256"/>
+            <ac:grpSpMk id="213" creationId="{85E47073-8153-4251-A5BF-436ACD85348D}"/>
+          </ac:grpSpMkLst>
+        </pc:grpChg>
         <pc:grpChg chg="add del mod">
           <ac:chgData name="Laurent P. René de Cotret" userId="f8178667c0a2369a" providerId="LiveId" clId="{E6F9DA84-9433-4392-9546-B88347E1A9B1}" dt="2020-05-28T16:32:45.816" v="978" actId="165"/>
           <ac:grpSpMkLst>
@@ -1023,8 +1575,136 @@
             <ac:grpSpMk id="217" creationId="{92FF2A28-A3DC-4DC7-8733-141A5C93E45B}"/>
           </ac:grpSpMkLst>
         </pc:grpChg>
+        <pc:grpChg chg="mod">
+          <ac:chgData name="Laurent P. René de Cotret" userId="f8178667c0a2369a" providerId="LiveId" clId="{E6F9DA84-9433-4392-9546-B88347E1A9B1}" dt="2020-05-29T18:13:56.045" v="2930" actId="165"/>
+          <ac:grpSpMkLst>
+            <pc:docMk/>
+            <pc:sldMk cId="2105944242" sldId="256"/>
+            <ac:grpSpMk id="217" creationId="{97A1FC5E-922C-4B5B-A23D-F2AE928B7F18}"/>
+          </ac:grpSpMkLst>
+        </pc:grpChg>
+        <pc:grpChg chg="mod">
+          <ac:chgData name="Laurent P. René de Cotret" userId="f8178667c0a2369a" providerId="LiveId" clId="{E6F9DA84-9433-4392-9546-B88347E1A9B1}" dt="2020-05-29T18:13:56.045" v="2930" actId="165"/>
+          <ac:grpSpMkLst>
+            <pc:docMk/>
+            <pc:sldMk cId="2105944242" sldId="256"/>
+            <ac:grpSpMk id="222" creationId="{912C5453-BE7A-40CC-802C-62D4B5D6648E}"/>
+          </ac:grpSpMkLst>
+        </pc:grpChg>
+        <pc:grpChg chg="add del mod">
+          <ac:chgData name="Laurent P. René de Cotret" userId="f8178667c0a2369a" providerId="LiveId" clId="{E6F9DA84-9433-4392-9546-B88347E1A9B1}" dt="2020-05-29T17:45:09.162" v="2069" actId="165"/>
+          <ac:grpSpMkLst>
+            <pc:docMk/>
+            <pc:sldMk cId="2105944242" sldId="256"/>
+            <ac:grpSpMk id="225" creationId="{BF24FF59-DAA5-4CD6-B7C9-73C96ECCF222}"/>
+          </ac:grpSpMkLst>
+        </pc:grpChg>
+        <pc:grpChg chg="del mod topLvl">
+          <ac:chgData name="Laurent P. René de Cotret" userId="f8178667c0a2369a" providerId="LiveId" clId="{E6F9DA84-9433-4392-9546-B88347E1A9B1}" dt="2020-05-29T17:45:11.515" v="2070" actId="478"/>
+          <ac:grpSpMkLst>
+            <pc:docMk/>
+            <pc:sldMk cId="2105944242" sldId="256"/>
+            <ac:grpSpMk id="229" creationId="{E0815ACE-4AA9-45A4-AEAE-8F89A56BDE68}"/>
+          </ac:grpSpMkLst>
+        </pc:grpChg>
+        <pc:grpChg chg="del mod topLvl">
+          <ac:chgData name="Laurent P. René de Cotret" userId="f8178667c0a2369a" providerId="LiveId" clId="{E6F9DA84-9433-4392-9546-B88347E1A9B1}" dt="2020-05-29T17:45:12.715" v="2071" actId="478"/>
+          <ac:grpSpMkLst>
+            <pc:docMk/>
+            <pc:sldMk cId="2105944242" sldId="256"/>
+            <ac:grpSpMk id="230" creationId="{5ED48BE3-AC2E-46B1-9E14-DAA31D85047B}"/>
+          </ac:grpSpMkLst>
+        </pc:grpChg>
+        <pc:grpChg chg="mod">
+          <ac:chgData name="Laurent P. René de Cotret" userId="f8178667c0a2369a" providerId="LiveId" clId="{E6F9DA84-9433-4392-9546-B88347E1A9B1}" dt="2020-05-29T17:45:09.162" v="2069" actId="165"/>
+          <ac:grpSpMkLst>
+            <pc:docMk/>
+            <pc:sldMk cId="2105944242" sldId="256"/>
+            <ac:grpSpMk id="233" creationId="{AC9A5BB9-F86B-4806-B9CC-2FBA78178771}"/>
+          </ac:grpSpMkLst>
+        </pc:grpChg>
+        <pc:grpChg chg="mod">
+          <ac:chgData name="Laurent P. René de Cotret" userId="f8178667c0a2369a" providerId="LiveId" clId="{E6F9DA84-9433-4392-9546-B88347E1A9B1}" dt="2020-05-29T17:45:09.162" v="2069" actId="165"/>
+          <ac:grpSpMkLst>
+            <pc:docMk/>
+            <pc:sldMk cId="2105944242" sldId="256"/>
+            <ac:grpSpMk id="238" creationId="{A387CD11-410D-4A5B-A888-EEE160B85A28}"/>
+          </ac:grpSpMkLst>
+        </pc:grpChg>
+        <pc:grpChg chg="add del mod">
+          <ac:chgData name="Laurent P. René de Cotret" userId="f8178667c0a2369a" providerId="LiveId" clId="{E6F9DA84-9433-4392-9546-B88347E1A9B1}" dt="2020-05-29T17:49:06.415" v="2281" actId="165"/>
+          <ac:grpSpMkLst>
+            <pc:docMk/>
+            <pc:sldMk cId="2105944242" sldId="256"/>
+            <ac:grpSpMk id="243" creationId="{14341817-7A1D-4FB4-8F8D-765D6FE7F5F1}"/>
+          </ac:grpSpMkLst>
+        </pc:grpChg>
+        <pc:grpChg chg="add del mod">
+          <ac:chgData name="Laurent P. René de Cotret" userId="f8178667c0a2369a" providerId="LiveId" clId="{E6F9DA84-9433-4392-9546-B88347E1A9B1}" dt="2020-05-29T17:55:32.427" v="2533" actId="165"/>
+          <ac:grpSpMkLst>
+            <pc:docMk/>
+            <pc:sldMk cId="2105944242" sldId="256"/>
+            <ac:grpSpMk id="244" creationId="{123866DA-CC05-4543-B73E-5DFAF48DE227}"/>
+          </ac:grpSpMkLst>
+        </pc:grpChg>
+        <pc:grpChg chg="add del mod topLvl">
+          <ac:chgData name="Laurent P. René de Cotret" userId="f8178667c0a2369a" providerId="LiveId" clId="{E6F9DA84-9433-4392-9546-B88347E1A9B1}" dt="2020-05-29T17:54:04.425" v="2514" actId="165"/>
+          <ac:grpSpMkLst>
+            <pc:docMk/>
+            <pc:sldMk cId="2105944242" sldId="256"/>
+            <ac:grpSpMk id="245" creationId="{93FE4B77-FB99-43EA-A4C6-83BFD9AE0285}"/>
+          </ac:grpSpMkLst>
+        </pc:grpChg>
+        <pc:grpChg chg="add del mod">
+          <ac:chgData name="Laurent P. René de Cotret" userId="f8178667c0a2369a" providerId="LiveId" clId="{E6F9DA84-9433-4392-9546-B88347E1A9B1}" dt="2020-05-29T17:53:58.242" v="2512" actId="165"/>
+          <ac:grpSpMkLst>
+            <pc:docMk/>
+            <pc:sldMk cId="2105944242" sldId="256"/>
+            <ac:grpSpMk id="246" creationId="{532C33C7-61C9-4E06-B505-18571FF4E237}"/>
+          </ac:grpSpMkLst>
+        </pc:grpChg>
+        <pc:grpChg chg="add del mod">
+          <ac:chgData name="Laurent P. René de Cotret" userId="f8178667c0a2369a" providerId="LiveId" clId="{E6F9DA84-9433-4392-9546-B88347E1A9B1}" dt="2020-05-29T18:10:52.355" v="2853" actId="165"/>
+          <ac:grpSpMkLst>
+            <pc:docMk/>
+            <pc:sldMk cId="2105944242" sldId="256"/>
+            <ac:grpSpMk id="247" creationId="{46DFF8B6-C840-466A-99C8-80AB9E796D44}"/>
+          </ac:grpSpMkLst>
+        </pc:grpChg>
+        <pc:grpChg chg="add del mod">
+          <ac:chgData name="Laurent P. René de Cotret" userId="f8178667c0a2369a" providerId="LiveId" clId="{E6F9DA84-9433-4392-9546-B88347E1A9B1}" dt="2020-05-29T18:11:50.615" v="2905" actId="165"/>
+          <ac:grpSpMkLst>
+            <pc:docMk/>
+            <pc:sldMk cId="2105944242" sldId="256"/>
+            <ac:grpSpMk id="277" creationId="{A4954102-DCC3-4EF9-8045-17D2E0F5A828}"/>
+          </ac:grpSpMkLst>
+        </pc:grpChg>
+        <pc:grpChg chg="add del mod">
+          <ac:chgData name="Laurent P. René de Cotret" userId="f8178667c0a2369a" providerId="LiveId" clId="{E6F9DA84-9433-4392-9546-B88347E1A9B1}" dt="2020-05-29T18:16:35.442" v="3047" actId="165"/>
+          <ac:grpSpMkLst>
+            <pc:docMk/>
+            <pc:sldMk cId="2105944242" sldId="256"/>
+            <ac:grpSpMk id="285" creationId="{FAA51A83-F1FC-40E2-9B3B-680B98BD691D}"/>
+          </ac:grpSpMkLst>
+        </pc:grpChg>
+        <pc:grpChg chg="add del mod">
+          <ac:chgData name="Laurent P. René de Cotret" userId="f8178667c0a2369a" providerId="LiveId" clId="{E6F9DA84-9433-4392-9546-B88347E1A9B1}" dt="2020-05-29T18:27:36.738" v="3247" actId="165"/>
+          <ac:grpSpMkLst>
+            <pc:docMk/>
+            <pc:sldMk cId="2105944242" sldId="256"/>
+            <ac:grpSpMk id="297" creationId="{52C2039D-0771-4DB3-8BDD-57D6CF1C7318}"/>
+          </ac:grpSpMkLst>
+        </pc:grpChg>
+        <pc:grpChg chg="add mod">
+          <ac:chgData name="Laurent P. René de Cotret" userId="f8178667c0a2369a" providerId="LiveId" clId="{E6F9DA84-9433-4392-9546-B88347E1A9B1}" dt="2020-05-29T18:27:12.126" v="3205" actId="1035"/>
+          <ac:grpSpMkLst>
+            <pc:docMk/>
+            <pc:sldMk cId="2105944242" sldId="256"/>
+            <ac:grpSpMk id="298" creationId="{60FA4234-B6C4-4C93-B851-F24243A7C14D}"/>
+          </ac:grpSpMkLst>
+        </pc:grpChg>
         <pc:cxnChg chg="add mod">
-          <ac:chgData name="Laurent P. René de Cotret" userId="f8178667c0a2369a" providerId="LiveId" clId="{E6F9DA84-9433-4392-9546-B88347E1A9B1}" dt="2020-05-28T16:52:59.028" v="1530" actId="165"/>
+          <ac:chgData name="Laurent P. René de Cotret" userId="f8178667c0a2369a" providerId="LiveId" clId="{E6F9DA84-9433-4392-9546-B88347E1A9B1}" dt="2020-05-29T17:55:32.427" v="2533" actId="165"/>
           <ac:cxnSpMkLst>
             <pc:docMk/>
             <pc:sldMk cId="2105944242" sldId="256"/>
@@ -1048,7 +1728,7 @@
           </ac:cxnSpMkLst>
         </pc:cxnChg>
         <pc:cxnChg chg="add mod">
-          <ac:chgData name="Laurent P. René de Cotret" userId="f8178667c0a2369a" providerId="LiveId" clId="{E6F9DA84-9433-4392-9546-B88347E1A9B1}" dt="2020-05-28T16:52:59.028" v="1530" actId="165"/>
+          <ac:chgData name="Laurent P. René de Cotret" userId="f8178667c0a2369a" providerId="LiveId" clId="{E6F9DA84-9433-4392-9546-B88347E1A9B1}" dt="2020-05-29T17:55:32.427" v="2533" actId="165"/>
           <ac:cxnSpMkLst>
             <pc:docMk/>
             <pc:sldMk cId="2105944242" sldId="256"/>
@@ -1056,7 +1736,7 @@
           </ac:cxnSpMkLst>
         </pc:cxnChg>
         <pc:cxnChg chg="add mod">
-          <ac:chgData name="Laurent P. René de Cotret" userId="f8178667c0a2369a" providerId="LiveId" clId="{E6F9DA84-9433-4392-9546-B88347E1A9B1}" dt="2020-05-28T16:52:59.028" v="1530" actId="165"/>
+          <ac:chgData name="Laurent P. René de Cotret" userId="f8178667c0a2369a" providerId="LiveId" clId="{E6F9DA84-9433-4392-9546-B88347E1A9B1}" dt="2020-05-29T17:55:32.427" v="2533" actId="165"/>
           <ac:cxnSpMkLst>
             <pc:docMk/>
             <pc:sldMk cId="2105944242" sldId="256"/>
@@ -1088,7 +1768,7 @@
           </ac:cxnSpMkLst>
         </pc:cxnChg>
         <pc:cxnChg chg="mod">
-          <ac:chgData name="Laurent P. René de Cotret" userId="f8178667c0a2369a" providerId="LiveId" clId="{E6F9DA84-9433-4392-9546-B88347E1A9B1}" dt="2020-05-28T16:52:59.028" v="1530" actId="165"/>
+          <ac:chgData name="Laurent P. René de Cotret" userId="f8178667c0a2369a" providerId="LiveId" clId="{E6F9DA84-9433-4392-9546-B88347E1A9B1}" dt="2020-05-29T17:55:32.427" v="2533" actId="165"/>
           <ac:cxnSpMkLst>
             <pc:docMk/>
             <pc:sldMk cId="2105944242" sldId="256"/>
@@ -1096,7 +1776,7 @@
           </ac:cxnSpMkLst>
         </pc:cxnChg>
         <pc:cxnChg chg="mod">
-          <ac:chgData name="Laurent P. René de Cotret" userId="f8178667c0a2369a" providerId="LiveId" clId="{E6F9DA84-9433-4392-9546-B88347E1A9B1}" dt="2020-05-28T16:52:59.028" v="1530" actId="165"/>
+          <ac:chgData name="Laurent P. René de Cotret" userId="f8178667c0a2369a" providerId="LiveId" clId="{E6F9DA84-9433-4392-9546-B88347E1A9B1}" dt="2020-05-29T17:55:32.427" v="2533" actId="165"/>
           <ac:cxnSpMkLst>
             <pc:docMk/>
             <pc:sldMk cId="2105944242" sldId="256"/>
@@ -1104,7 +1784,7 @@
           </ac:cxnSpMkLst>
         </pc:cxnChg>
         <pc:cxnChg chg="mod">
-          <ac:chgData name="Laurent P. René de Cotret" userId="f8178667c0a2369a" providerId="LiveId" clId="{E6F9DA84-9433-4392-9546-B88347E1A9B1}" dt="2020-05-28T16:52:59.028" v="1530" actId="165"/>
+          <ac:chgData name="Laurent P. René de Cotret" userId="f8178667c0a2369a" providerId="LiveId" clId="{E6F9DA84-9433-4392-9546-B88347E1A9B1}" dt="2020-05-29T17:55:32.427" v="2533" actId="165"/>
           <ac:cxnSpMkLst>
             <pc:docMk/>
             <pc:sldMk cId="2105944242" sldId="256"/>
@@ -1112,7 +1792,7 @@
           </ac:cxnSpMkLst>
         </pc:cxnChg>
         <pc:cxnChg chg="mod">
-          <ac:chgData name="Laurent P. René de Cotret" userId="f8178667c0a2369a" providerId="LiveId" clId="{E6F9DA84-9433-4392-9546-B88347E1A9B1}" dt="2020-05-28T16:52:59.028" v="1530" actId="165"/>
+          <ac:chgData name="Laurent P. René de Cotret" userId="f8178667c0a2369a" providerId="LiveId" clId="{E6F9DA84-9433-4392-9546-B88347E1A9B1}" dt="2020-05-29T17:44:36.291" v="2064" actId="478"/>
           <ac:cxnSpMkLst>
             <pc:docMk/>
             <pc:sldMk cId="2105944242" sldId="256"/>
@@ -1120,7 +1800,7 @@
           </ac:cxnSpMkLst>
         </pc:cxnChg>
         <pc:cxnChg chg="mod">
-          <ac:chgData name="Laurent P. René de Cotret" userId="f8178667c0a2369a" providerId="LiveId" clId="{E6F9DA84-9433-4392-9546-B88347E1A9B1}" dt="2020-05-28T16:52:59.028" v="1530" actId="165"/>
+          <ac:chgData name="Laurent P. René de Cotret" userId="f8178667c0a2369a" providerId="LiveId" clId="{E6F9DA84-9433-4392-9546-B88347E1A9B1}" dt="2020-05-29T17:44:36.291" v="2064" actId="478"/>
           <ac:cxnSpMkLst>
             <pc:docMk/>
             <pc:sldMk cId="2105944242" sldId="256"/>
@@ -1128,7 +1808,7 @@
           </ac:cxnSpMkLst>
         </pc:cxnChg>
         <pc:cxnChg chg="mod">
-          <ac:chgData name="Laurent P. René de Cotret" userId="f8178667c0a2369a" providerId="LiveId" clId="{E6F9DA84-9433-4392-9546-B88347E1A9B1}" dt="2020-05-28T16:52:59.028" v="1530" actId="165"/>
+          <ac:chgData name="Laurent P. René de Cotret" userId="f8178667c0a2369a" providerId="LiveId" clId="{E6F9DA84-9433-4392-9546-B88347E1A9B1}" dt="2020-05-29T17:44:36.291" v="2064" actId="478"/>
           <ac:cxnSpMkLst>
             <pc:docMk/>
             <pc:sldMk cId="2105944242" sldId="256"/>
@@ -1136,7 +1816,7 @@
           </ac:cxnSpMkLst>
         </pc:cxnChg>
         <pc:cxnChg chg="mod">
-          <ac:chgData name="Laurent P. René de Cotret" userId="f8178667c0a2369a" providerId="LiveId" clId="{E6F9DA84-9433-4392-9546-B88347E1A9B1}" dt="2020-05-28T16:52:59.028" v="1530" actId="165"/>
+          <ac:chgData name="Laurent P. René de Cotret" userId="f8178667c0a2369a" providerId="LiveId" clId="{E6F9DA84-9433-4392-9546-B88347E1A9B1}" dt="2020-05-29T17:44:36.291" v="2064" actId="478"/>
           <ac:cxnSpMkLst>
             <pc:docMk/>
             <pc:sldMk cId="2105944242" sldId="256"/>
@@ -1144,7 +1824,7 @@
           </ac:cxnSpMkLst>
         </pc:cxnChg>
         <pc:cxnChg chg="mod">
-          <ac:chgData name="Laurent P. René de Cotret" userId="f8178667c0a2369a" providerId="LiveId" clId="{E6F9DA84-9433-4392-9546-B88347E1A9B1}" dt="2020-05-28T16:52:59.028" v="1530" actId="165"/>
+          <ac:chgData name="Laurent P. René de Cotret" userId="f8178667c0a2369a" providerId="LiveId" clId="{E6F9DA84-9433-4392-9546-B88347E1A9B1}" dt="2020-05-29T17:44:36.291" v="2064" actId="478"/>
           <ac:cxnSpMkLst>
             <pc:docMk/>
             <pc:sldMk cId="2105944242" sldId="256"/>
@@ -1152,7 +1832,7 @@
           </ac:cxnSpMkLst>
         </pc:cxnChg>
         <pc:cxnChg chg="mod">
-          <ac:chgData name="Laurent P. René de Cotret" userId="f8178667c0a2369a" providerId="LiveId" clId="{E6F9DA84-9433-4392-9546-B88347E1A9B1}" dt="2020-05-28T16:52:59.028" v="1530" actId="165"/>
+          <ac:chgData name="Laurent P. René de Cotret" userId="f8178667c0a2369a" providerId="LiveId" clId="{E6F9DA84-9433-4392-9546-B88347E1A9B1}" dt="2020-05-29T17:44:36.291" v="2064" actId="478"/>
           <ac:cxnSpMkLst>
             <pc:docMk/>
             <pc:sldMk cId="2105944242" sldId="256"/>
@@ -1208,15 +1888,15 @@
           </ac:cxnSpMkLst>
         </pc:cxnChg>
         <pc:cxnChg chg="add mod ord topLvl">
-          <ac:chgData name="Laurent P. René de Cotret" userId="f8178667c0a2369a" providerId="LiveId" clId="{E6F9DA84-9433-4392-9546-B88347E1A9B1}" dt="2020-05-28T16:52:59.028" v="1530" actId="165"/>
+          <ac:chgData name="Laurent P. René de Cotret" userId="f8178667c0a2369a" providerId="LiveId" clId="{E6F9DA84-9433-4392-9546-B88347E1A9B1}" dt="2020-05-29T17:53:33.780" v="2482" actId="1037"/>
           <ac:cxnSpMkLst>
             <pc:docMk/>
             <pc:sldMk cId="2105944242" sldId="256"/>
             <ac:cxnSpMk id="123" creationId="{360B1A8C-3A02-47DC-8036-B793D3034888}"/>
           </ac:cxnSpMkLst>
         </pc:cxnChg>
-        <pc:cxnChg chg="add mod topLvl">
-          <ac:chgData name="Laurent P. René de Cotret" userId="f8178667c0a2369a" providerId="LiveId" clId="{E6F9DA84-9433-4392-9546-B88347E1A9B1}" dt="2020-05-28T16:52:59.028" v="1530" actId="165"/>
+        <pc:cxnChg chg="add del mod topLvl">
+          <ac:chgData name="Laurent P. René de Cotret" userId="f8178667c0a2369a" providerId="LiveId" clId="{E6F9DA84-9433-4392-9546-B88347E1A9B1}" dt="2020-05-29T17:48:14.497" v="2265" actId="478"/>
           <ac:cxnSpMkLst>
             <pc:docMk/>
             <pc:sldMk cId="2105944242" sldId="256"/>
@@ -1224,7 +1904,7 @@
           </ac:cxnSpMkLst>
         </pc:cxnChg>
         <pc:cxnChg chg="add mod ord topLvl">
-          <ac:chgData name="Laurent P. René de Cotret" userId="f8178667c0a2369a" providerId="LiveId" clId="{E6F9DA84-9433-4392-9546-B88347E1A9B1}" dt="2020-05-28T16:52:59.028" v="1530" actId="165"/>
+          <ac:chgData name="Laurent P. René de Cotret" userId="f8178667c0a2369a" providerId="LiveId" clId="{E6F9DA84-9433-4392-9546-B88347E1A9B1}" dt="2020-05-29T18:27:46.615" v="3274" actId="1036"/>
           <ac:cxnSpMkLst>
             <pc:docMk/>
             <pc:sldMk cId="2105944242" sldId="256"/>
@@ -1232,15 +1912,15 @@
           </ac:cxnSpMkLst>
         </pc:cxnChg>
         <pc:cxnChg chg="add mod topLvl">
-          <ac:chgData name="Laurent P. René de Cotret" userId="f8178667c0a2369a" providerId="LiveId" clId="{E6F9DA84-9433-4392-9546-B88347E1A9B1}" dt="2020-05-28T16:52:59.028" v="1530" actId="165"/>
+          <ac:chgData name="Laurent P. René de Cotret" userId="f8178667c0a2369a" providerId="LiveId" clId="{E6F9DA84-9433-4392-9546-B88347E1A9B1}" dt="2020-05-29T18:27:29.054" v="3246" actId="1035"/>
           <ac:cxnSpMkLst>
             <pc:docMk/>
             <pc:sldMk cId="2105944242" sldId="256"/>
             <ac:cxnSpMk id="126" creationId="{7F945BF1-2900-4CD2-9332-F8072EAD7EF4}"/>
           </ac:cxnSpMkLst>
         </pc:cxnChg>
-        <pc:cxnChg chg="add mod topLvl">
-          <ac:chgData name="Laurent P. René de Cotret" userId="f8178667c0a2369a" providerId="LiveId" clId="{E6F9DA84-9433-4392-9546-B88347E1A9B1}" dt="2020-05-28T16:52:59.028" v="1530" actId="165"/>
+        <pc:cxnChg chg="add del mod topLvl">
+          <ac:chgData name="Laurent P. René de Cotret" userId="f8178667c0a2369a" providerId="LiveId" clId="{E6F9DA84-9433-4392-9546-B88347E1A9B1}" dt="2020-05-29T18:19:38.265" v="3126" actId="478"/>
           <ac:cxnSpMkLst>
             <pc:docMk/>
             <pc:sldMk cId="2105944242" sldId="256"/>
@@ -1248,15 +1928,15 @@
           </ac:cxnSpMkLst>
         </pc:cxnChg>
         <pc:cxnChg chg="add mod ord topLvl">
-          <ac:chgData name="Laurent P. René de Cotret" userId="f8178667c0a2369a" providerId="LiveId" clId="{E6F9DA84-9433-4392-9546-B88347E1A9B1}" dt="2020-05-28T16:52:59.028" v="1530" actId="165"/>
+          <ac:chgData name="Laurent P. René de Cotret" userId="f8178667c0a2369a" providerId="LiveId" clId="{E6F9DA84-9433-4392-9546-B88347E1A9B1}" dt="2020-05-29T18:27:36.738" v="3247" actId="165"/>
           <ac:cxnSpMkLst>
             <pc:docMk/>
             <pc:sldMk cId="2105944242" sldId="256"/>
             <ac:cxnSpMk id="130" creationId="{ED56E06E-3599-47C5-A5A9-8A021BFAC76E}"/>
           </ac:cxnSpMkLst>
         </pc:cxnChg>
-        <pc:cxnChg chg="add mod ord topLvl">
-          <ac:chgData name="Laurent P. René de Cotret" userId="f8178667c0a2369a" providerId="LiveId" clId="{E6F9DA84-9433-4392-9546-B88347E1A9B1}" dt="2020-05-28T16:52:59.028" v="1530" actId="165"/>
+        <pc:cxnChg chg="add del mod ord topLvl">
+          <ac:chgData name="Laurent P. René de Cotret" userId="f8178667c0a2369a" providerId="LiveId" clId="{E6F9DA84-9433-4392-9546-B88347E1A9B1}" dt="2020-05-29T17:31:17.417" v="1709" actId="478"/>
           <ac:cxnSpMkLst>
             <pc:docMk/>
             <pc:sldMk cId="2105944242" sldId="256"/>
@@ -1264,7 +1944,7 @@
           </ac:cxnSpMkLst>
         </pc:cxnChg>
         <pc:cxnChg chg="add mod ord topLvl">
-          <ac:chgData name="Laurent P. René de Cotret" userId="f8178667c0a2369a" providerId="LiveId" clId="{E6F9DA84-9433-4392-9546-B88347E1A9B1}" dt="2020-05-28T16:52:59.028" v="1530" actId="165"/>
+          <ac:chgData name="Laurent P. René de Cotret" userId="f8178667c0a2369a" providerId="LiveId" clId="{E6F9DA84-9433-4392-9546-B88347E1A9B1}" dt="2020-05-29T18:27:36.738" v="3247" actId="165"/>
           <ac:cxnSpMkLst>
             <pc:docMk/>
             <pc:sldMk cId="2105944242" sldId="256"/>
@@ -1272,7 +1952,7 @@
           </ac:cxnSpMkLst>
         </pc:cxnChg>
         <pc:cxnChg chg="add mod ord topLvl">
-          <ac:chgData name="Laurent P. René de Cotret" userId="f8178667c0a2369a" providerId="LiveId" clId="{E6F9DA84-9433-4392-9546-B88347E1A9B1}" dt="2020-05-28T16:52:59.028" v="1530" actId="165"/>
+          <ac:chgData name="Laurent P. René de Cotret" userId="f8178667c0a2369a" providerId="LiveId" clId="{E6F9DA84-9433-4392-9546-B88347E1A9B1}" dt="2020-05-29T18:27:54.129" v="3276" actId="14100"/>
           <ac:cxnSpMkLst>
             <pc:docMk/>
             <pc:sldMk cId="2105944242" sldId="256"/>
@@ -1280,7 +1960,7 @@
           </ac:cxnSpMkLst>
         </pc:cxnChg>
         <pc:cxnChg chg="add mod ord topLvl">
-          <ac:chgData name="Laurent P. René de Cotret" userId="f8178667c0a2369a" providerId="LiveId" clId="{E6F9DA84-9433-4392-9546-B88347E1A9B1}" dt="2020-05-28T16:52:59.028" v="1530" actId="165"/>
+          <ac:chgData name="Laurent P. René de Cotret" userId="f8178667c0a2369a" providerId="LiveId" clId="{E6F9DA84-9433-4392-9546-B88347E1A9B1}" dt="2020-05-29T18:27:36.738" v="3247" actId="165"/>
           <ac:cxnSpMkLst>
             <pc:docMk/>
             <pc:sldMk cId="2105944242" sldId="256"/>
@@ -1288,7 +1968,7 @@
           </ac:cxnSpMkLst>
         </pc:cxnChg>
         <pc:cxnChg chg="add mod ord topLvl">
-          <ac:chgData name="Laurent P. René de Cotret" userId="f8178667c0a2369a" providerId="LiveId" clId="{E6F9DA84-9433-4392-9546-B88347E1A9B1}" dt="2020-05-28T16:52:59.028" v="1530" actId="165"/>
+          <ac:chgData name="Laurent P. René de Cotret" userId="f8178667c0a2369a" providerId="LiveId" clId="{E6F9DA84-9433-4392-9546-B88347E1A9B1}" dt="2020-05-29T18:27:36.738" v="3247" actId="165"/>
           <ac:cxnSpMkLst>
             <pc:docMk/>
             <pc:sldMk cId="2105944242" sldId="256"/>
@@ -1296,7 +1976,7 @@
           </ac:cxnSpMkLst>
         </pc:cxnChg>
         <pc:cxnChg chg="add mod ord topLvl">
-          <ac:chgData name="Laurent P. René de Cotret" userId="f8178667c0a2369a" providerId="LiveId" clId="{E6F9DA84-9433-4392-9546-B88347E1A9B1}" dt="2020-05-28T16:52:59.028" v="1530" actId="165"/>
+          <ac:chgData name="Laurent P. René de Cotret" userId="f8178667c0a2369a" providerId="LiveId" clId="{E6F9DA84-9433-4392-9546-B88347E1A9B1}" dt="2020-05-29T18:27:36.738" v="3247" actId="165"/>
           <ac:cxnSpMkLst>
             <pc:docMk/>
             <pc:sldMk cId="2105944242" sldId="256"/>
@@ -1304,7 +1984,7 @@
           </ac:cxnSpMkLst>
         </pc:cxnChg>
         <pc:cxnChg chg="add mod topLvl">
-          <ac:chgData name="Laurent P. René de Cotret" userId="f8178667c0a2369a" providerId="LiveId" clId="{E6F9DA84-9433-4392-9546-B88347E1A9B1}" dt="2020-05-28T16:52:59.028" v="1530" actId="165"/>
+          <ac:chgData name="Laurent P. René de Cotret" userId="f8178667c0a2369a" providerId="LiveId" clId="{E6F9DA84-9433-4392-9546-B88347E1A9B1}" dt="2020-05-29T18:27:36.738" v="3247" actId="165"/>
           <ac:cxnSpMkLst>
             <pc:docMk/>
             <pc:sldMk cId="2105944242" sldId="256"/>
@@ -1312,15 +1992,15 @@
           </ac:cxnSpMkLst>
         </pc:cxnChg>
         <pc:cxnChg chg="add mod topLvl">
-          <ac:chgData name="Laurent P. René de Cotret" userId="f8178667c0a2369a" providerId="LiveId" clId="{E6F9DA84-9433-4392-9546-B88347E1A9B1}" dt="2020-05-28T16:52:59.028" v="1530" actId="165"/>
+          <ac:chgData name="Laurent P. René de Cotret" userId="f8178667c0a2369a" providerId="LiveId" clId="{E6F9DA84-9433-4392-9546-B88347E1A9B1}" dt="2020-05-29T18:27:36.738" v="3247" actId="165"/>
           <ac:cxnSpMkLst>
             <pc:docMk/>
             <pc:sldMk cId="2105944242" sldId="256"/>
             <ac:cxnSpMk id="143" creationId="{76A56283-9559-47C4-A3B1-EB10A7B9BE23}"/>
           </ac:cxnSpMkLst>
         </pc:cxnChg>
-        <pc:cxnChg chg="add mod ord topLvl">
-          <ac:chgData name="Laurent P. René de Cotret" userId="f8178667c0a2369a" providerId="LiveId" clId="{E6F9DA84-9433-4392-9546-B88347E1A9B1}" dt="2020-05-28T16:52:59.028" v="1530" actId="165"/>
+        <pc:cxnChg chg="add del mod ord topLvl">
+          <ac:chgData name="Laurent P. René de Cotret" userId="f8178667c0a2369a" providerId="LiveId" clId="{E6F9DA84-9433-4392-9546-B88347E1A9B1}" dt="2020-05-29T17:48:18.575" v="2267" actId="478"/>
           <ac:cxnSpMkLst>
             <pc:docMk/>
             <pc:sldMk cId="2105944242" sldId="256"/>
@@ -1328,7 +2008,7 @@
           </ac:cxnSpMkLst>
         </pc:cxnChg>
         <pc:cxnChg chg="add mod ord topLvl">
-          <ac:chgData name="Laurent P. René de Cotret" userId="f8178667c0a2369a" providerId="LiveId" clId="{E6F9DA84-9433-4392-9546-B88347E1A9B1}" dt="2020-05-28T16:52:59.028" v="1530" actId="165"/>
+          <ac:chgData name="Laurent P. René de Cotret" userId="f8178667c0a2369a" providerId="LiveId" clId="{E6F9DA84-9433-4392-9546-B88347E1A9B1}" dt="2020-05-29T18:23:21.305" v="3151" actId="478"/>
           <ac:cxnSpMkLst>
             <pc:docMk/>
             <pc:sldMk cId="2105944242" sldId="256"/>
@@ -1336,7 +2016,7 @@
           </ac:cxnSpMkLst>
         </pc:cxnChg>
         <pc:cxnChg chg="add mod topLvl">
-          <ac:chgData name="Laurent P. René de Cotret" userId="f8178667c0a2369a" providerId="LiveId" clId="{E6F9DA84-9433-4392-9546-B88347E1A9B1}" dt="2020-05-28T16:52:59.028" v="1530" actId="165"/>
+          <ac:chgData name="Laurent P. René de Cotret" userId="f8178667c0a2369a" providerId="LiveId" clId="{E6F9DA84-9433-4392-9546-B88347E1A9B1}" dt="2020-05-29T18:27:36.738" v="3247" actId="165"/>
           <ac:cxnSpMkLst>
             <pc:docMk/>
             <pc:sldMk cId="2105944242" sldId="256"/>
@@ -1344,7 +2024,7 @@
           </ac:cxnSpMkLst>
         </pc:cxnChg>
         <pc:cxnChg chg="add mod ord topLvl">
-          <ac:chgData name="Laurent P. René de Cotret" userId="f8178667c0a2369a" providerId="LiveId" clId="{E6F9DA84-9433-4392-9546-B88347E1A9B1}" dt="2020-05-28T16:52:59.028" v="1530" actId="165"/>
+          <ac:chgData name="Laurent P. René de Cotret" userId="f8178667c0a2369a" providerId="LiveId" clId="{E6F9DA84-9433-4392-9546-B88347E1A9B1}" dt="2020-05-29T18:15:44.570" v="3017" actId="1038"/>
           <ac:cxnSpMkLst>
             <pc:docMk/>
             <pc:sldMk cId="2105944242" sldId="256"/>
@@ -1360,15 +2040,15 @@
           </ac:cxnSpMkLst>
         </pc:cxnChg>
         <pc:cxnChg chg="add mod topLvl">
-          <ac:chgData name="Laurent P. René de Cotret" userId="f8178667c0a2369a" providerId="LiveId" clId="{E6F9DA84-9433-4392-9546-B88347E1A9B1}" dt="2020-05-28T16:52:59.028" v="1530" actId="165"/>
+          <ac:chgData name="Laurent P. René de Cotret" userId="f8178667c0a2369a" providerId="LiveId" clId="{E6F9DA84-9433-4392-9546-B88347E1A9B1}" dt="2020-05-29T18:27:36.738" v="3247" actId="165"/>
           <ac:cxnSpMkLst>
             <pc:docMk/>
             <pc:sldMk cId="2105944242" sldId="256"/>
             <ac:cxnSpMk id="159" creationId="{4859A13B-7E02-429E-B5A5-64A37A7B9C12}"/>
           </ac:cxnSpMkLst>
         </pc:cxnChg>
-        <pc:cxnChg chg="add mod ord topLvl">
-          <ac:chgData name="Laurent P. René de Cotret" userId="f8178667c0a2369a" providerId="LiveId" clId="{E6F9DA84-9433-4392-9546-B88347E1A9B1}" dt="2020-05-28T16:52:59.028" v="1530" actId="165"/>
+        <pc:cxnChg chg="add del mod ord topLvl">
+          <ac:chgData name="Laurent P. René de Cotret" userId="f8178667c0a2369a" providerId="LiveId" clId="{E6F9DA84-9433-4392-9546-B88347E1A9B1}" dt="2020-05-29T17:48:10.356" v="2264" actId="478"/>
           <ac:cxnSpMkLst>
             <pc:docMk/>
             <pc:sldMk cId="2105944242" sldId="256"/>
@@ -1376,15 +2056,15 @@
           </ac:cxnSpMkLst>
         </pc:cxnChg>
         <pc:cxnChg chg="add mod ord topLvl">
-          <ac:chgData name="Laurent P. René de Cotret" userId="f8178667c0a2369a" providerId="LiveId" clId="{E6F9DA84-9433-4392-9546-B88347E1A9B1}" dt="2020-05-28T16:52:59.028" v="1530" actId="165"/>
+          <ac:chgData name="Laurent P. René de Cotret" userId="f8178667c0a2369a" providerId="LiveId" clId="{E6F9DA84-9433-4392-9546-B88347E1A9B1}" dt="2020-05-29T18:15:11.415" v="3010" actId="14100"/>
           <ac:cxnSpMkLst>
             <pc:docMk/>
             <pc:sldMk cId="2105944242" sldId="256"/>
             <ac:cxnSpMk id="161" creationId="{B27FF789-947B-49AA-B584-9CDF9DEAC2BF}"/>
           </ac:cxnSpMkLst>
         </pc:cxnChg>
-        <pc:cxnChg chg="add mod topLvl">
-          <ac:chgData name="Laurent P. René de Cotret" userId="f8178667c0a2369a" providerId="LiveId" clId="{E6F9DA84-9433-4392-9546-B88347E1A9B1}" dt="2020-05-28T16:52:59.028" v="1530" actId="165"/>
+        <pc:cxnChg chg="add mod ord topLvl">
+          <ac:chgData name="Laurent P. René de Cotret" userId="f8178667c0a2369a" providerId="LiveId" clId="{E6F9DA84-9433-4392-9546-B88347E1A9B1}" dt="2020-05-29T18:27:36.738" v="3247" actId="165"/>
           <ac:cxnSpMkLst>
             <pc:docMk/>
             <pc:sldMk cId="2105944242" sldId="256"/>
@@ -1399,16 +2079,16 @@
             <ac:cxnSpMk id="163" creationId="{58D89CA0-A49E-4071-AA1B-D406DD270868}"/>
           </ac:cxnSpMkLst>
         </pc:cxnChg>
-        <pc:cxnChg chg="add mod topLvl">
-          <ac:chgData name="Laurent P. René de Cotret" userId="f8178667c0a2369a" providerId="LiveId" clId="{E6F9DA84-9433-4392-9546-B88347E1A9B1}" dt="2020-05-28T16:52:59.028" v="1530" actId="165"/>
+        <pc:cxnChg chg="add del mod topLvl">
+          <ac:chgData name="Laurent P. René de Cotret" userId="f8178667c0a2369a" providerId="LiveId" clId="{E6F9DA84-9433-4392-9546-B88347E1A9B1}" dt="2020-05-29T17:31:34.178" v="1713" actId="478"/>
           <ac:cxnSpMkLst>
             <pc:docMk/>
             <pc:sldMk cId="2105944242" sldId="256"/>
             <ac:cxnSpMk id="164" creationId="{18AD4BAE-528F-41C1-893D-6EAA7DE781D9}"/>
           </ac:cxnSpMkLst>
         </pc:cxnChg>
-        <pc:cxnChg chg="add mod topLvl">
-          <ac:chgData name="Laurent P. René de Cotret" userId="f8178667c0a2369a" providerId="LiveId" clId="{E6F9DA84-9433-4392-9546-B88347E1A9B1}" dt="2020-05-28T16:59:40.809" v="1686" actId="1076"/>
+        <pc:cxnChg chg="add del mod topLvl">
+          <ac:chgData name="Laurent P. René de Cotret" userId="f8178667c0a2369a" providerId="LiveId" clId="{E6F9DA84-9433-4392-9546-B88347E1A9B1}" dt="2020-05-29T17:57:41.136" v="2665" actId="478"/>
           <ac:cxnSpMkLst>
             <pc:docMk/>
             <pc:sldMk cId="2105944242" sldId="256"/>
@@ -1431,16 +2111,16 @@
             <ac:cxnSpMk id="168" creationId="{2BE07A62-CF7A-4231-8A15-8C2ADB406E50}"/>
           </ac:cxnSpMkLst>
         </pc:cxnChg>
-        <pc:cxnChg chg="add mod topLvl">
-          <ac:chgData name="Laurent P. René de Cotret" userId="f8178667c0a2369a" providerId="LiveId" clId="{E6F9DA84-9433-4392-9546-B88347E1A9B1}" dt="2020-05-28T16:59:44.857" v="1687" actId="1076"/>
+        <pc:cxnChg chg="add del mod topLvl">
+          <ac:chgData name="Laurent P. René de Cotret" userId="f8178667c0a2369a" providerId="LiveId" clId="{E6F9DA84-9433-4392-9546-B88347E1A9B1}" dt="2020-05-29T17:57:36.784" v="2663" actId="478"/>
           <ac:cxnSpMkLst>
             <pc:docMk/>
             <pc:sldMk cId="2105944242" sldId="256"/>
             <ac:cxnSpMk id="170" creationId="{FB34BFBD-86FC-488C-B698-B804C7A6286B}"/>
           </ac:cxnSpMkLst>
         </pc:cxnChg>
-        <pc:cxnChg chg="add mod topLvl">
-          <ac:chgData name="Laurent P. René de Cotret" userId="f8178667c0a2369a" providerId="LiveId" clId="{E6F9DA84-9433-4392-9546-B88347E1A9B1}" dt="2020-05-28T16:52:59.028" v="1530" actId="165"/>
+        <pc:cxnChg chg="add del mod topLvl">
+          <ac:chgData name="Laurent P. René de Cotret" userId="f8178667c0a2369a" providerId="LiveId" clId="{E6F9DA84-9433-4392-9546-B88347E1A9B1}" dt="2020-05-29T17:57:38.745" v="2664" actId="478"/>
           <ac:cxnSpMkLst>
             <pc:docMk/>
             <pc:sldMk cId="2105944242" sldId="256"/>
@@ -1455,32 +2135,32 @@
             <ac:cxnSpMk id="172" creationId="{BFD9F9C9-FA51-4EB2-B87A-1DB2F82B8129}"/>
           </ac:cxnSpMkLst>
         </pc:cxnChg>
-        <pc:cxnChg chg="add mod topLvl">
-          <ac:chgData name="Laurent P. René de Cotret" userId="f8178667c0a2369a" providerId="LiveId" clId="{E6F9DA84-9433-4392-9546-B88347E1A9B1}" dt="2020-05-28T16:52:59.028" v="1530" actId="165"/>
+        <pc:cxnChg chg="add del mod topLvl">
+          <ac:chgData name="Laurent P. René de Cotret" userId="f8178667c0a2369a" providerId="LiveId" clId="{E6F9DA84-9433-4392-9546-B88347E1A9B1}" dt="2020-05-29T17:47:54.224" v="2213" actId="478"/>
           <ac:cxnSpMkLst>
             <pc:docMk/>
             <pc:sldMk cId="2105944242" sldId="256"/>
             <ac:cxnSpMk id="173" creationId="{88D66673-D8F8-48A7-B3B1-1FE23F8B6602}"/>
           </ac:cxnSpMkLst>
         </pc:cxnChg>
-        <pc:cxnChg chg="add mod topLvl">
-          <ac:chgData name="Laurent P. René de Cotret" userId="f8178667c0a2369a" providerId="LiveId" clId="{E6F9DA84-9433-4392-9546-B88347E1A9B1}" dt="2020-05-28T16:52:59.028" v="1530" actId="165"/>
+        <pc:cxnChg chg="add del mod topLvl">
+          <ac:chgData name="Laurent P. René de Cotret" userId="f8178667c0a2369a" providerId="LiveId" clId="{E6F9DA84-9433-4392-9546-B88347E1A9B1}" dt="2020-05-29T17:47:53.234" v="2212" actId="478"/>
           <ac:cxnSpMkLst>
             <pc:docMk/>
             <pc:sldMk cId="2105944242" sldId="256"/>
             <ac:cxnSpMk id="175" creationId="{FBA42729-110A-467F-A066-ACB5E50D32C8}"/>
           </ac:cxnSpMkLst>
         </pc:cxnChg>
-        <pc:cxnChg chg="add mod topLvl">
-          <ac:chgData name="Laurent P. René de Cotret" userId="f8178667c0a2369a" providerId="LiveId" clId="{E6F9DA84-9433-4392-9546-B88347E1A9B1}" dt="2020-05-28T16:52:59.028" v="1530" actId="165"/>
+        <pc:cxnChg chg="add del mod topLvl">
+          <ac:chgData name="Laurent P. René de Cotret" userId="f8178667c0a2369a" providerId="LiveId" clId="{E6F9DA84-9433-4392-9546-B88347E1A9B1}" dt="2020-05-29T17:47:47.826" v="2210" actId="478"/>
           <ac:cxnSpMkLst>
             <pc:docMk/>
             <pc:sldMk cId="2105944242" sldId="256"/>
             <ac:cxnSpMk id="176" creationId="{49E4F459-90E9-432D-8CBB-E719964F1584}"/>
           </ac:cxnSpMkLst>
         </pc:cxnChg>
-        <pc:cxnChg chg="add mod topLvl">
-          <ac:chgData name="Laurent P. René de Cotret" userId="f8178667c0a2369a" providerId="LiveId" clId="{E6F9DA84-9433-4392-9546-B88347E1A9B1}" dt="2020-05-28T16:52:59.028" v="1530" actId="165"/>
+        <pc:cxnChg chg="add del mod topLvl">
+          <ac:chgData name="Laurent P. René de Cotret" userId="f8178667c0a2369a" providerId="LiveId" clId="{E6F9DA84-9433-4392-9546-B88347E1A9B1}" dt="2020-05-29T17:47:49.955" v="2211" actId="478"/>
           <ac:cxnSpMkLst>
             <pc:docMk/>
             <pc:sldMk cId="2105944242" sldId="256"/>
@@ -1488,7 +2168,7 @@
           </ac:cxnSpMkLst>
         </pc:cxnChg>
         <pc:cxnChg chg="add mod">
-          <ac:chgData name="Laurent P. René de Cotret" userId="f8178667c0a2369a" providerId="LiveId" clId="{E6F9DA84-9433-4392-9546-B88347E1A9B1}" dt="2020-05-28T16:52:59.028" v="1530" actId="165"/>
+          <ac:chgData name="Laurent P. René de Cotret" userId="f8178667c0a2369a" providerId="LiveId" clId="{E6F9DA84-9433-4392-9546-B88347E1A9B1}" dt="2020-05-29T17:53:58.242" v="2512" actId="165"/>
           <ac:cxnSpMkLst>
             <pc:docMk/>
             <pc:sldMk cId="2105944242" sldId="256"/>
@@ -1496,7 +2176,7 @@
           </ac:cxnSpMkLst>
         </pc:cxnChg>
         <pc:cxnChg chg="add mod">
-          <ac:chgData name="Laurent P. René de Cotret" userId="f8178667c0a2369a" providerId="LiveId" clId="{E6F9DA84-9433-4392-9546-B88347E1A9B1}" dt="2020-05-28T16:52:59.028" v="1530" actId="165"/>
+          <ac:chgData name="Laurent P. René de Cotret" userId="f8178667c0a2369a" providerId="LiveId" clId="{E6F9DA84-9433-4392-9546-B88347E1A9B1}" dt="2020-05-29T17:53:58.242" v="2512" actId="165"/>
           <ac:cxnSpMkLst>
             <pc:docMk/>
             <pc:sldMk cId="2105944242" sldId="256"/>
@@ -1512,7 +2192,7 @@
           </ac:cxnSpMkLst>
         </pc:cxnChg>
         <pc:cxnChg chg="mod">
-          <ac:chgData name="Laurent P. René de Cotret" userId="f8178667c0a2369a" providerId="LiveId" clId="{E6F9DA84-9433-4392-9546-B88347E1A9B1}" dt="2020-05-28T16:52:59.028" v="1530" actId="165"/>
+          <ac:chgData name="Laurent P. René de Cotret" userId="f8178667c0a2369a" providerId="LiveId" clId="{E6F9DA84-9433-4392-9546-B88347E1A9B1}" dt="2020-05-29T17:53:58.242" v="2512" actId="165"/>
           <ac:cxnSpMkLst>
             <pc:docMk/>
             <pc:sldMk cId="2105944242" sldId="256"/>
@@ -1520,7 +2200,7 @@
           </ac:cxnSpMkLst>
         </pc:cxnChg>
         <pc:cxnChg chg="mod">
-          <ac:chgData name="Laurent P. René de Cotret" userId="f8178667c0a2369a" providerId="LiveId" clId="{E6F9DA84-9433-4392-9546-B88347E1A9B1}" dt="2020-05-28T16:52:59.028" v="1530" actId="165"/>
+          <ac:chgData name="Laurent P. René de Cotret" userId="f8178667c0a2369a" providerId="LiveId" clId="{E6F9DA84-9433-4392-9546-B88347E1A9B1}" dt="2020-05-29T17:53:58.242" v="2512" actId="165"/>
           <ac:cxnSpMkLst>
             <pc:docMk/>
             <pc:sldMk cId="2105944242" sldId="256"/>
@@ -1528,7 +2208,7 @@
           </ac:cxnSpMkLst>
         </pc:cxnChg>
         <pc:cxnChg chg="add mod topLvl">
-          <ac:chgData name="Laurent P. René de Cotret" userId="f8178667c0a2369a" providerId="LiveId" clId="{E6F9DA84-9433-4392-9546-B88347E1A9B1}" dt="2020-05-28T16:52:59.028" v="1530" actId="165"/>
+          <ac:chgData name="Laurent P. René de Cotret" userId="f8178667c0a2369a" providerId="LiveId" clId="{E6F9DA84-9433-4392-9546-B88347E1A9B1}" dt="2020-05-29T17:55:11.515" v="2524" actId="14100"/>
           <ac:cxnSpMkLst>
             <pc:docMk/>
             <pc:sldMk cId="2105944242" sldId="256"/>
@@ -1536,15 +2216,15 @@
           </ac:cxnSpMkLst>
         </pc:cxnChg>
         <pc:cxnChg chg="add mod ord topLvl">
-          <ac:chgData name="Laurent P. René de Cotret" userId="f8178667c0a2369a" providerId="LiveId" clId="{E6F9DA84-9433-4392-9546-B88347E1A9B1}" dt="2020-05-28T16:52:59.028" v="1530" actId="165"/>
+          <ac:chgData name="Laurent P. René de Cotret" userId="f8178667c0a2369a" providerId="LiveId" clId="{E6F9DA84-9433-4392-9546-B88347E1A9B1}" dt="2020-05-29T18:15:47.979" v="3019" actId="1038"/>
           <ac:cxnSpMkLst>
             <pc:docMk/>
             <pc:sldMk cId="2105944242" sldId="256"/>
             <ac:cxnSpMk id="189" creationId="{3FD5638E-4B22-4E71-A4AA-5BB96B770CEF}"/>
           </ac:cxnSpMkLst>
         </pc:cxnChg>
-        <pc:cxnChg chg="add mod topLvl">
-          <ac:chgData name="Laurent P. René de Cotret" userId="f8178667c0a2369a" providerId="LiveId" clId="{E6F9DA84-9433-4392-9546-B88347E1A9B1}" dt="2020-05-28T16:52:59.028" v="1530" actId="165"/>
+        <pc:cxnChg chg="add del mod topLvl">
+          <ac:chgData name="Laurent P. René de Cotret" userId="f8178667c0a2369a" providerId="LiveId" clId="{E6F9DA84-9433-4392-9546-B88347E1A9B1}" dt="2020-05-29T17:48:10.356" v="2264" actId="478"/>
           <ac:cxnSpMkLst>
             <pc:docMk/>
             <pc:sldMk cId="2105944242" sldId="256"/>
@@ -1552,15 +2232,15 @@
           </ac:cxnSpMkLst>
         </pc:cxnChg>
         <pc:cxnChg chg="add mod ord topLvl">
-          <ac:chgData name="Laurent P. René de Cotret" userId="f8178667c0a2369a" providerId="LiveId" clId="{E6F9DA84-9433-4392-9546-B88347E1A9B1}" dt="2020-05-28T16:52:59.028" v="1530" actId="165"/>
+          <ac:chgData name="Laurent P. René de Cotret" userId="f8178667c0a2369a" providerId="LiveId" clId="{E6F9DA84-9433-4392-9546-B88347E1A9B1}" dt="2020-05-29T18:26:53.185" v="3199" actId="164"/>
           <ac:cxnSpMkLst>
             <pc:docMk/>
             <pc:sldMk cId="2105944242" sldId="256"/>
             <ac:cxnSpMk id="192" creationId="{4D2F5912-CF26-4A1E-AE18-9EC9515CC400}"/>
           </ac:cxnSpMkLst>
         </pc:cxnChg>
-        <pc:cxnChg chg="add mod ord topLvl">
-          <ac:chgData name="Laurent P. René de Cotret" userId="f8178667c0a2369a" providerId="LiveId" clId="{E6F9DA84-9433-4392-9546-B88347E1A9B1}" dt="2020-05-28T16:52:59.028" v="1530" actId="165"/>
+        <pc:cxnChg chg="add del mod ord topLvl">
+          <ac:chgData name="Laurent P. René de Cotret" userId="f8178667c0a2369a" providerId="LiveId" clId="{E6F9DA84-9433-4392-9546-B88347E1A9B1}" dt="2020-05-29T17:54:00.916" v="2513" actId="478"/>
           <ac:cxnSpMkLst>
             <pc:docMk/>
             <pc:sldMk cId="2105944242" sldId="256"/>
@@ -1568,15 +2248,15 @@
           </ac:cxnSpMkLst>
         </pc:cxnChg>
         <pc:cxnChg chg="add mod topLvl">
-          <ac:chgData name="Laurent P. René de Cotret" userId="f8178667c0a2369a" providerId="LiveId" clId="{E6F9DA84-9433-4392-9546-B88347E1A9B1}" dt="2020-05-28T16:52:59.028" v="1530" actId="165"/>
+          <ac:chgData name="Laurent P. René de Cotret" userId="f8178667c0a2369a" providerId="LiveId" clId="{E6F9DA84-9433-4392-9546-B88347E1A9B1}" dt="2020-05-29T18:26:53.185" v="3199" actId="164"/>
           <ac:cxnSpMkLst>
             <pc:docMk/>
             <pc:sldMk cId="2105944242" sldId="256"/>
             <ac:cxnSpMk id="195" creationId="{82299EC1-12F7-4055-9D60-C6EE69DF7BA3}"/>
           </ac:cxnSpMkLst>
         </pc:cxnChg>
-        <pc:cxnChg chg="add mod topLvl">
-          <ac:chgData name="Laurent P. René de Cotret" userId="f8178667c0a2369a" providerId="LiveId" clId="{E6F9DA84-9433-4392-9546-B88347E1A9B1}" dt="2020-05-28T16:52:59.028" v="1530" actId="165"/>
+        <pc:cxnChg chg="add mod ord topLvl">
+          <ac:chgData name="Laurent P. René de Cotret" userId="f8178667c0a2369a" providerId="LiveId" clId="{E6F9DA84-9433-4392-9546-B88347E1A9B1}" dt="2020-05-29T18:26:53.185" v="3199" actId="164"/>
           <ac:cxnSpMkLst>
             <pc:docMk/>
             <pc:sldMk cId="2105944242" sldId="256"/>
@@ -1584,7 +2264,7 @@
           </ac:cxnSpMkLst>
         </pc:cxnChg>
         <pc:cxnChg chg="add mod topLvl">
-          <ac:chgData name="Laurent P. René de Cotret" userId="f8178667c0a2369a" providerId="LiveId" clId="{E6F9DA84-9433-4392-9546-B88347E1A9B1}" dt="2020-05-28T16:52:59.028" v="1530" actId="165"/>
+          <ac:chgData name="Laurent P. René de Cotret" userId="f8178667c0a2369a" providerId="LiveId" clId="{E6F9DA84-9433-4392-9546-B88347E1A9B1}" dt="2020-05-29T18:26:53.185" v="3199" actId="164"/>
           <ac:cxnSpMkLst>
             <pc:docMk/>
             <pc:sldMk cId="2105944242" sldId="256"/>
@@ -1592,7 +2272,7 @@
           </ac:cxnSpMkLst>
         </pc:cxnChg>
         <pc:cxnChg chg="add mod topLvl">
-          <ac:chgData name="Laurent P. René de Cotret" userId="f8178667c0a2369a" providerId="LiveId" clId="{E6F9DA84-9433-4392-9546-B88347E1A9B1}" dt="2020-05-28T16:52:59.028" v="1530" actId="165"/>
+          <ac:chgData name="Laurent P. René de Cotret" userId="f8178667c0a2369a" providerId="LiveId" clId="{E6F9DA84-9433-4392-9546-B88347E1A9B1}" dt="2020-05-29T17:53:58.242" v="2512" actId="165"/>
           <ac:cxnSpMkLst>
             <pc:docMk/>
             <pc:sldMk cId="2105944242" sldId="256"/>
@@ -1600,7 +2280,7 @@
           </ac:cxnSpMkLst>
         </pc:cxnChg>
         <pc:cxnChg chg="add mod topLvl">
-          <ac:chgData name="Laurent P. René de Cotret" userId="f8178667c0a2369a" providerId="LiveId" clId="{E6F9DA84-9433-4392-9546-B88347E1A9B1}" dt="2020-05-28T16:52:59.028" v="1530" actId="165"/>
+          <ac:chgData name="Laurent P. René de Cotret" userId="f8178667c0a2369a" providerId="LiveId" clId="{E6F9DA84-9433-4392-9546-B88347E1A9B1}" dt="2020-05-29T17:53:58.242" v="2512" actId="165"/>
           <ac:cxnSpMkLst>
             <pc:docMk/>
             <pc:sldMk cId="2105944242" sldId="256"/>
@@ -1608,11 +2288,235 @@
           </ac:cxnSpMkLst>
         </pc:cxnChg>
         <pc:cxnChg chg="add mod topLvl">
-          <ac:chgData name="Laurent P. René de Cotret" userId="f8178667c0a2369a" providerId="LiveId" clId="{E6F9DA84-9433-4392-9546-B88347E1A9B1}" dt="2020-05-28T16:52:59.028" v="1530" actId="165"/>
+          <ac:chgData name="Laurent P. René de Cotret" userId="f8178667c0a2369a" providerId="LiveId" clId="{E6F9DA84-9433-4392-9546-B88347E1A9B1}" dt="2020-05-29T17:53:58.242" v="2512" actId="165"/>
           <ac:cxnSpMkLst>
             <pc:docMk/>
             <pc:sldMk cId="2105944242" sldId="256"/>
             <ac:cxnSpMk id="206" creationId="{43BD4F5F-480B-4DA5-9701-810194C7AA34}"/>
+          </ac:cxnSpMkLst>
+        </pc:cxnChg>
+        <pc:cxnChg chg="mod">
+          <ac:chgData name="Laurent P. René de Cotret" userId="f8178667c0a2369a" providerId="LiveId" clId="{E6F9DA84-9433-4392-9546-B88347E1A9B1}" dt="2020-05-29T18:13:56.045" v="2930" actId="165"/>
+          <ac:cxnSpMkLst>
+            <pc:docMk/>
+            <pc:sldMk cId="2105944242" sldId="256"/>
+            <ac:cxnSpMk id="215" creationId="{B3447A75-F1C3-446B-B5F0-9FF767335D65}"/>
+          </ac:cxnSpMkLst>
+        </pc:cxnChg>
+        <pc:cxnChg chg="mod">
+          <ac:chgData name="Laurent P. René de Cotret" userId="f8178667c0a2369a" providerId="LiveId" clId="{E6F9DA84-9433-4392-9546-B88347E1A9B1}" dt="2020-05-29T18:13:56.045" v="2930" actId="165"/>
+          <ac:cxnSpMkLst>
+            <pc:docMk/>
+            <pc:sldMk cId="2105944242" sldId="256"/>
+            <ac:cxnSpMk id="218" creationId="{48A05DB0-FB75-438F-B620-52204939A8E9}"/>
+          </ac:cxnSpMkLst>
+        </pc:cxnChg>
+        <pc:cxnChg chg="mod">
+          <ac:chgData name="Laurent P. René de Cotret" userId="f8178667c0a2369a" providerId="LiveId" clId="{E6F9DA84-9433-4392-9546-B88347E1A9B1}" dt="2020-05-29T18:13:56.045" v="2930" actId="165"/>
+          <ac:cxnSpMkLst>
+            <pc:docMk/>
+            <pc:sldMk cId="2105944242" sldId="256"/>
+            <ac:cxnSpMk id="219" creationId="{E592DCD6-4049-4B4E-8B9F-017BBC7C0D72}"/>
+          </ac:cxnSpMkLst>
+        </pc:cxnChg>
+        <pc:cxnChg chg="mod">
+          <ac:chgData name="Laurent P. René de Cotret" userId="f8178667c0a2369a" providerId="LiveId" clId="{E6F9DA84-9433-4392-9546-B88347E1A9B1}" dt="2020-05-29T18:13:56.045" v="2930" actId="165"/>
+          <ac:cxnSpMkLst>
+            <pc:docMk/>
+            <pc:sldMk cId="2105944242" sldId="256"/>
+            <ac:cxnSpMk id="221" creationId="{79CB84DC-AAD6-4D96-93A3-AFBB4803CEFF}"/>
+          </ac:cxnSpMkLst>
+        </pc:cxnChg>
+        <pc:cxnChg chg="mod">
+          <ac:chgData name="Laurent P. René de Cotret" userId="f8178667c0a2369a" providerId="LiveId" clId="{E6F9DA84-9433-4392-9546-B88347E1A9B1}" dt="2020-05-29T18:13:56.045" v="2930" actId="165"/>
+          <ac:cxnSpMkLst>
+            <pc:docMk/>
+            <pc:sldMk cId="2105944242" sldId="256"/>
+            <ac:cxnSpMk id="223" creationId="{FFF1220E-9B01-4824-A6F6-3D5E7578FB8A}"/>
+          </ac:cxnSpMkLst>
+        </pc:cxnChg>
+        <pc:cxnChg chg="mod">
+          <ac:chgData name="Laurent P. René de Cotret" userId="f8178667c0a2369a" providerId="LiveId" clId="{E6F9DA84-9433-4392-9546-B88347E1A9B1}" dt="2020-05-29T18:13:56.045" v="2930" actId="165"/>
+          <ac:cxnSpMkLst>
+            <pc:docMk/>
+            <pc:sldMk cId="2105944242" sldId="256"/>
+            <ac:cxnSpMk id="224" creationId="{CF972A3A-2E0E-4670-8E4D-53F9D0227B28}"/>
+          </ac:cxnSpMkLst>
+        </pc:cxnChg>
+        <pc:cxnChg chg="mod">
+          <ac:chgData name="Laurent P. René de Cotret" userId="f8178667c0a2369a" providerId="LiveId" clId="{E6F9DA84-9433-4392-9546-B88347E1A9B1}" dt="2020-05-29T17:45:12.715" v="2071" actId="478"/>
+          <ac:cxnSpMkLst>
+            <pc:docMk/>
+            <pc:sldMk cId="2105944242" sldId="256"/>
+            <ac:cxnSpMk id="232" creationId="{0EE0AB8D-1984-45EC-B23E-F2824341C9FA}"/>
+          </ac:cxnSpMkLst>
+        </pc:cxnChg>
+        <pc:cxnChg chg="mod">
+          <ac:chgData name="Laurent P. René de Cotret" userId="f8178667c0a2369a" providerId="LiveId" clId="{E6F9DA84-9433-4392-9546-B88347E1A9B1}" dt="2020-05-29T17:45:12.715" v="2071" actId="478"/>
+          <ac:cxnSpMkLst>
+            <pc:docMk/>
+            <pc:sldMk cId="2105944242" sldId="256"/>
+            <ac:cxnSpMk id="234" creationId="{F8118C55-7599-4D08-8BEC-DBAEF44B1704}"/>
+          </ac:cxnSpMkLst>
+        </pc:cxnChg>
+        <pc:cxnChg chg="mod">
+          <ac:chgData name="Laurent P. René de Cotret" userId="f8178667c0a2369a" providerId="LiveId" clId="{E6F9DA84-9433-4392-9546-B88347E1A9B1}" dt="2020-05-29T17:45:12.715" v="2071" actId="478"/>
+          <ac:cxnSpMkLst>
+            <pc:docMk/>
+            <pc:sldMk cId="2105944242" sldId="256"/>
+            <ac:cxnSpMk id="235" creationId="{C745FA99-ABDF-4068-8421-34097AF2779D}"/>
+          </ac:cxnSpMkLst>
+        </pc:cxnChg>
+        <pc:cxnChg chg="mod">
+          <ac:chgData name="Laurent P. René de Cotret" userId="f8178667c0a2369a" providerId="LiveId" clId="{E6F9DA84-9433-4392-9546-B88347E1A9B1}" dt="2020-05-29T17:45:11.515" v="2070" actId="478"/>
+          <ac:cxnSpMkLst>
+            <pc:docMk/>
+            <pc:sldMk cId="2105944242" sldId="256"/>
+            <ac:cxnSpMk id="237" creationId="{8669F0F8-BBB5-48FF-99E5-59729A11AAEE}"/>
+          </ac:cxnSpMkLst>
+        </pc:cxnChg>
+        <pc:cxnChg chg="mod">
+          <ac:chgData name="Laurent P. René de Cotret" userId="f8178667c0a2369a" providerId="LiveId" clId="{E6F9DA84-9433-4392-9546-B88347E1A9B1}" dt="2020-05-29T17:45:11.515" v="2070" actId="478"/>
+          <ac:cxnSpMkLst>
+            <pc:docMk/>
+            <pc:sldMk cId="2105944242" sldId="256"/>
+            <ac:cxnSpMk id="239" creationId="{48ECA648-1626-4D05-B054-7E8DE7EA5BAE}"/>
+          </ac:cxnSpMkLst>
+        </pc:cxnChg>
+        <pc:cxnChg chg="mod">
+          <ac:chgData name="Laurent P. René de Cotret" userId="f8178667c0a2369a" providerId="LiveId" clId="{E6F9DA84-9433-4392-9546-B88347E1A9B1}" dt="2020-05-29T17:45:11.515" v="2070" actId="478"/>
+          <ac:cxnSpMkLst>
+            <pc:docMk/>
+            <pc:sldMk cId="2105944242" sldId="256"/>
+            <ac:cxnSpMk id="240" creationId="{4FB363BD-9386-4F6B-8799-E3D0ED47638F}"/>
+          </ac:cxnSpMkLst>
+        </pc:cxnChg>
+        <pc:cxnChg chg="add mod ord">
+          <ac:chgData name="Laurent P. René de Cotret" userId="f8178667c0a2369a" providerId="LiveId" clId="{E6F9DA84-9433-4392-9546-B88347E1A9B1}" dt="2020-05-29T18:26:53.185" v="3199" actId="164"/>
+          <ac:cxnSpMkLst>
+            <pc:docMk/>
+            <pc:sldMk cId="2105944242" sldId="256"/>
+            <ac:cxnSpMk id="251" creationId="{82A8D6C6-C1AC-4534-88E4-60C55B01CBD2}"/>
+          </ac:cxnSpMkLst>
+        </pc:cxnChg>
+        <pc:cxnChg chg="add mod ord">
+          <ac:chgData name="Laurent P. René de Cotret" userId="f8178667c0a2369a" providerId="LiveId" clId="{E6F9DA84-9433-4392-9546-B88347E1A9B1}" dt="2020-05-29T18:27:29.054" v="3246" actId="1035"/>
+          <ac:cxnSpMkLst>
+            <pc:docMk/>
+            <pc:sldMk cId="2105944242" sldId="256"/>
+            <ac:cxnSpMk id="252" creationId="{39BD85A5-BDA2-462E-ADD6-C84B05DD14FD}"/>
+          </ac:cxnSpMkLst>
+        </pc:cxnChg>
+        <pc:cxnChg chg="add mod">
+          <ac:chgData name="Laurent P. René de Cotret" userId="f8178667c0a2369a" providerId="LiveId" clId="{E6F9DA84-9433-4392-9546-B88347E1A9B1}" dt="2020-05-29T18:28:11.240" v="3301" actId="14100"/>
+          <ac:cxnSpMkLst>
+            <pc:docMk/>
+            <pc:sldMk cId="2105944242" sldId="256"/>
+            <ac:cxnSpMk id="253" creationId="{897C51D6-5F99-4B32-9AD7-3C86A1604462}"/>
+          </ac:cxnSpMkLst>
+        </pc:cxnChg>
+        <pc:cxnChg chg="add del mod ord">
+          <ac:chgData name="Laurent P. René de Cotret" userId="f8178667c0a2369a" providerId="LiveId" clId="{E6F9DA84-9433-4392-9546-B88347E1A9B1}" dt="2020-05-29T18:06:50.570" v="2749" actId="478"/>
+          <ac:cxnSpMkLst>
+            <pc:docMk/>
+            <pc:sldMk cId="2105944242" sldId="256"/>
+            <ac:cxnSpMk id="256" creationId="{76DF4EFD-B73D-491A-95DB-B67EB24E6CBB}"/>
+          </ac:cxnSpMkLst>
+        </pc:cxnChg>
+        <pc:cxnChg chg="add mod ord topLvl">
+          <ac:chgData name="Laurent P. René de Cotret" userId="f8178667c0a2369a" providerId="LiveId" clId="{E6F9DA84-9433-4392-9546-B88347E1A9B1}" dt="2020-05-29T18:27:29.054" v="3246" actId="1035"/>
+          <ac:cxnSpMkLst>
+            <pc:docMk/>
+            <pc:sldMk cId="2105944242" sldId="256"/>
+            <ac:cxnSpMk id="258" creationId="{F00EDB6E-26DA-4E9E-AAE4-7DD08D3B7AEB}"/>
+          </ac:cxnSpMkLst>
+        </pc:cxnChg>
+        <pc:cxnChg chg="add mod">
+          <ac:chgData name="Laurent P. René de Cotret" userId="f8178667c0a2369a" providerId="LiveId" clId="{E6F9DA84-9433-4392-9546-B88347E1A9B1}" dt="2020-05-29T18:27:29.054" v="3246" actId="1035"/>
+          <ac:cxnSpMkLst>
+            <pc:docMk/>
+            <pc:sldMk cId="2105944242" sldId="256"/>
+            <ac:cxnSpMk id="261" creationId="{330690B4-7ACD-448A-A88B-A57601910EED}"/>
+          </ac:cxnSpMkLst>
+        </pc:cxnChg>
+        <pc:cxnChg chg="add del mod">
+          <ac:chgData name="Laurent P. René de Cotret" userId="f8178667c0a2369a" providerId="LiveId" clId="{E6F9DA84-9433-4392-9546-B88347E1A9B1}" dt="2020-05-29T18:03:54.755" v="2721"/>
+          <ac:cxnSpMkLst>
+            <pc:docMk/>
+            <pc:sldMk cId="2105944242" sldId="256"/>
+            <ac:cxnSpMk id="262" creationId="{4F4FC053-3B18-45D4-9BDE-66503DDA1538}"/>
+          </ac:cxnSpMkLst>
+        </pc:cxnChg>
+        <pc:cxnChg chg="add del mod">
+          <ac:chgData name="Laurent P. René de Cotret" userId="f8178667c0a2369a" providerId="LiveId" clId="{E6F9DA84-9433-4392-9546-B88347E1A9B1}" dt="2020-05-29T18:06:49.065" v="2748" actId="478"/>
+          <ac:cxnSpMkLst>
+            <pc:docMk/>
+            <pc:sldMk cId="2105944242" sldId="256"/>
+            <ac:cxnSpMk id="266" creationId="{34930B8C-2061-46AA-9E98-835FDD1F7B66}"/>
+          </ac:cxnSpMkLst>
+        </pc:cxnChg>
+        <pc:cxnChg chg="add mod">
+          <ac:chgData name="Laurent P. René de Cotret" userId="f8178667c0a2369a" providerId="LiveId" clId="{E6F9DA84-9433-4392-9546-B88347E1A9B1}" dt="2020-05-29T18:28:14.561" v="3302" actId="14100"/>
+          <ac:cxnSpMkLst>
+            <pc:docMk/>
+            <pc:sldMk cId="2105944242" sldId="256"/>
+            <ac:cxnSpMk id="267" creationId="{F608F51B-FABD-42A4-9F55-A7D6CC7B1984}"/>
+          </ac:cxnSpMkLst>
+        </pc:cxnChg>
+        <pc:cxnChg chg="add mod">
+          <ac:chgData name="Laurent P. René de Cotret" userId="f8178667c0a2369a" providerId="LiveId" clId="{E6F9DA84-9433-4392-9546-B88347E1A9B1}" dt="2020-05-29T18:27:29.054" v="3246" actId="1035"/>
+          <ac:cxnSpMkLst>
+            <pc:docMk/>
+            <pc:sldMk cId="2105944242" sldId="256"/>
+            <ac:cxnSpMk id="273" creationId="{22766A1A-B0A9-47D8-8FFF-1FC9F440DA62}"/>
+          </ac:cxnSpMkLst>
+        </pc:cxnChg>
+        <pc:cxnChg chg="add mod">
+          <ac:chgData name="Laurent P. René de Cotret" userId="f8178667c0a2369a" providerId="LiveId" clId="{E6F9DA84-9433-4392-9546-B88347E1A9B1}" dt="2020-05-29T18:27:50.943" v="3275" actId="14100"/>
+          <ac:cxnSpMkLst>
+            <pc:docMk/>
+            <pc:sldMk cId="2105944242" sldId="256"/>
+            <ac:cxnSpMk id="279" creationId="{533B9583-45E5-4FFE-B053-AC48F9DC23C3}"/>
+          </ac:cxnSpMkLst>
+        </pc:cxnChg>
+        <pc:cxnChg chg="add del mod ord">
+          <ac:chgData name="Laurent P. René de Cotret" userId="f8178667c0a2369a" providerId="LiveId" clId="{E6F9DA84-9433-4392-9546-B88347E1A9B1}" dt="2020-05-29T18:19:41.385" v="3127" actId="478"/>
+          <ac:cxnSpMkLst>
+            <pc:docMk/>
+            <pc:sldMk cId="2105944242" sldId="256"/>
+            <ac:cxnSpMk id="288" creationId="{E81A78D5-EE49-4E64-AE19-AFF4B37F4112}"/>
+          </ac:cxnSpMkLst>
+        </pc:cxnChg>
+        <pc:cxnChg chg="add del mod">
+          <ac:chgData name="Laurent P. René de Cotret" userId="f8178667c0a2369a" providerId="LiveId" clId="{E6F9DA84-9433-4392-9546-B88347E1A9B1}" dt="2020-05-29T18:19:41.385" v="3127" actId="478"/>
+          <ac:cxnSpMkLst>
+            <pc:docMk/>
+            <pc:sldMk cId="2105944242" sldId="256"/>
+            <ac:cxnSpMk id="289" creationId="{50DF82A0-D57C-4662-A753-0A71F4CE1166}"/>
+          </ac:cxnSpMkLst>
+        </pc:cxnChg>
+        <pc:cxnChg chg="add mod">
+          <ac:chgData name="Laurent P. René de Cotret" userId="f8178667c0a2369a" providerId="LiveId" clId="{E6F9DA84-9433-4392-9546-B88347E1A9B1}" dt="2020-05-29T18:43:25.048" v="3477" actId="692"/>
+          <ac:cxnSpMkLst>
+            <pc:docMk/>
+            <pc:sldMk cId="2105944242" sldId="256"/>
+            <ac:cxnSpMk id="317" creationId="{28F65D69-05F6-4BEC-A8CC-09F8BE7FAE2C}"/>
+          </ac:cxnSpMkLst>
+        </pc:cxnChg>
+        <pc:cxnChg chg="add mod">
+          <ac:chgData name="Laurent P. René de Cotret" userId="f8178667c0a2369a" providerId="LiveId" clId="{E6F9DA84-9433-4392-9546-B88347E1A9B1}" dt="2020-05-29T18:43:25.048" v="3477" actId="692"/>
+          <ac:cxnSpMkLst>
+            <pc:docMk/>
+            <pc:sldMk cId="2105944242" sldId="256"/>
+            <ac:cxnSpMk id="318" creationId="{06F34C2C-425A-40A8-8171-9EC9A3D289F7}"/>
+          </ac:cxnSpMkLst>
+        </pc:cxnChg>
+        <pc:cxnChg chg="add mod">
+          <ac:chgData name="Laurent P. René de Cotret" userId="f8178667c0a2369a" providerId="LiveId" clId="{E6F9DA84-9433-4392-9546-B88347E1A9B1}" dt="2020-05-29T18:43:35.305" v="3480" actId="14100"/>
+          <ac:cxnSpMkLst>
+            <pc:docMk/>
+            <pc:sldMk cId="2105944242" sldId="256"/>
+            <ac:cxnSpMk id="320" creationId="{3211998C-ADB1-4F07-8F2C-D4D516C45A9E}"/>
           </ac:cxnSpMkLst>
         </pc:cxnChg>
       </pc:sldChg>
@@ -1752,7 +2656,7 @@
           <a:p>
             <a:fld id="{B5CAB3CD-770A-4668-8380-AF38A9ACC09F}" type="datetimeFigureOut">
               <a:rPr lang="en-CA" smtClean="0"/>
-              <a:t>2020-05-28</a:t>
+              <a:t>2020-05-29</a:t>
             </a:fld>
             <a:endParaRPr lang="en-CA"/>
           </a:p>
@@ -1922,7 +2826,7 @@
           <a:p>
             <a:fld id="{B5CAB3CD-770A-4668-8380-AF38A9ACC09F}" type="datetimeFigureOut">
               <a:rPr lang="en-CA" smtClean="0"/>
-              <a:t>2020-05-28</a:t>
+              <a:t>2020-05-29</a:t>
             </a:fld>
             <a:endParaRPr lang="en-CA"/>
           </a:p>
@@ -2102,7 +3006,7 @@
           <a:p>
             <a:fld id="{B5CAB3CD-770A-4668-8380-AF38A9ACC09F}" type="datetimeFigureOut">
               <a:rPr lang="en-CA" smtClean="0"/>
-              <a:t>2020-05-28</a:t>
+              <a:t>2020-05-29</a:t>
             </a:fld>
             <a:endParaRPr lang="en-CA"/>
           </a:p>
@@ -2272,7 +3176,7 @@
           <a:p>
             <a:fld id="{B5CAB3CD-770A-4668-8380-AF38A9ACC09F}" type="datetimeFigureOut">
               <a:rPr lang="en-CA" smtClean="0"/>
-              <a:t>2020-05-28</a:t>
+              <a:t>2020-05-29</a:t>
             </a:fld>
             <a:endParaRPr lang="en-CA"/>
           </a:p>
@@ -2518,7 +3422,7 @@
           <a:p>
             <a:fld id="{B5CAB3CD-770A-4668-8380-AF38A9ACC09F}" type="datetimeFigureOut">
               <a:rPr lang="en-CA" smtClean="0"/>
-              <a:t>2020-05-28</a:t>
+              <a:t>2020-05-29</a:t>
             </a:fld>
             <a:endParaRPr lang="en-CA"/>
           </a:p>
@@ -2750,7 +3654,7 @@
           <a:p>
             <a:fld id="{B5CAB3CD-770A-4668-8380-AF38A9ACC09F}" type="datetimeFigureOut">
               <a:rPr lang="en-CA" smtClean="0"/>
-              <a:t>2020-05-28</a:t>
+              <a:t>2020-05-29</a:t>
             </a:fld>
             <a:endParaRPr lang="en-CA"/>
           </a:p>
@@ -3117,7 +4021,7 @@
           <a:p>
             <a:fld id="{B5CAB3CD-770A-4668-8380-AF38A9ACC09F}" type="datetimeFigureOut">
               <a:rPr lang="en-CA" smtClean="0"/>
-              <a:t>2020-05-28</a:t>
+              <a:t>2020-05-29</a:t>
             </a:fld>
             <a:endParaRPr lang="en-CA"/>
           </a:p>
@@ -3235,7 +4139,7 @@
           <a:p>
             <a:fld id="{B5CAB3CD-770A-4668-8380-AF38A9ACC09F}" type="datetimeFigureOut">
               <a:rPr lang="en-CA" smtClean="0"/>
-              <a:t>2020-05-28</a:t>
+              <a:t>2020-05-29</a:t>
             </a:fld>
             <a:endParaRPr lang="en-CA"/>
           </a:p>
@@ -3330,7 +4234,7 @@
           <a:p>
             <a:fld id="{B5CAB3CD-770A-4668-8380-AF38A9ACC09F}" type="datetimeFigureOut">
               <a:rPr lang="en-CA" smtClean="0"/>
-              <a:t>2020-05-28</a:t>
+              <a:t>2020-05-29</a:t>
             </a:fld>
             <a:endParaRPr lang="en-CA"/>
           </a:p>
@@ -3607,7 +4511,7 @@
           <a:p>
             <a:fld id="{B5CAB3CD-770A-4668-8380-AF38A9ACC09F}" type="datetimeFigureOut">
               <a:rPr lang="en-CA" smtClean="0"/>
-              <a:t>2020-05-28</a:t>
+              <a:t>2020-05-29</a:t>
             </a:fld>
             <a:endParaRPr lang="en-CA"/>
           </a:p>
@@ -3864,7 +4768,7 @@
           <a:p>
             <a:fld id="{B5CAB3CD-770A-4668-8380-AF38A9ACC09F}" type="datetimeFigureOut">
               <a:rPr lang="en-CA" smtClean="0"/>
-              <a:t>2020-05-28</a:t>
+              <a:t>2020-05-29</a:t>
             </a:fld>
             <a:endParaRPr lang="en-CA"/>
           </a:p>
@@ -4077,7 +4981,7 @@
           <a:p>
             <a:fld id="{B5CAB3CD-770A-4668-8380-AF38A9ACC09F}" type="datetimeFigureOut">
               <a:rPr lang="en-CA" smtClean="0"/>
-              <a:t>2020-05-28</a:t>
+              <a:t>2020-05-29</a:t>
             </a:fld>
             <a:endParaRPr lang="en-CA"/>
           </a:p>
@@ -4482,6 +5386,108 @@
           <a:chExt cx="0" cy="0"/>
         </a:xfrm>
       </p:grpSpPr>
+      <p:sp>
+        <p:nvSpPr>
+          <p:cNvPr id="292" name="Rectangle 291">
+            <a:extLst>
+              <a:ext uri="{FF2B5EF4-FFF2-40B4-BE49-F238E27FC236}">
+                <a16:creationId xmlns:a16="http://schemas.microsoft.com/office/drawing/2014/main" id="{7D82FFD2-5E31-4023-AA35-D1705A93352F}"/>
+              </a:ext>
+            </a:extLst>
+          </p:cNvPr>
+          <p:cNvSpPr/>
+          <p:nvPr/>
+        </p:nvSpPr>
+        <p:spPr>
+          <a:xfrm>
+            <a:off x="2721971" y="1875906"/>
+            <a:ext cx="157454" cy="1312511"/>
+          </a:xfrm>
+          <a:prstGeom prst="rect">
+            <a:avLst/>
+          </a:prstGeom>
+          <a:noFill/>
+          <a:ln>
+            <a:solidFill>
+              <a:schemeClr val="tx1">
+                <a:lumMod val="95000"/>
+                <a:lumOff val="5000"/>
+              </a:schemeClr>
+            </a:solidFill>
+          </a:ln>
+        </p:spPr>
+        <p:style>
+          <a:lnRef idx="2">
+            <a:schemeClr val="accent1">
+              <a:shade val="50000"/>
+            </a:schemeClr>
+          </a:lnRef>
+          <a:fillRef idx="1">
+            <a:schemeClr val="accent1"/>
+          </a:fillRef>
+          <a:effectRef idx="0">
+            <a:schemeClr val="accent1"/>
+          </a:effectRef>
+          <a:fontRef idx="minor">
+            <a:schemeClr val="lt1"/>
+          </a:fontRef>
+        </p:style>
+        <p:txBody>
+          <a:bodyPr rtlCol="0" anchor="ctr"/>
+          <a:lstStyle/>
+          <a:p>
+            <a:pPr algn="ctr"/>
+            <a:endParaRPr lang="en-CA"/>
+          </a:p>
+        </p:txBody>
+      </p:sp>
+      <p:sp>
+        <p:nvSpPr>
+          <p:cNvPr id="44" name="Rectangle 43">
+            <a:extLst>
+              <a:ext uri="{FF2B5EF4-FFF2-40B4-BE49-F238E27FC236}">
+                <a16:creationId xmlns:a16="http://schemas.microsoft.com/office/drawing/2014/main" id="{D0E466BC-898F-481C-B011-1EF6755F01C1}"/>
+              </a:ext>
+            </a:extLst>
+          </p:cNvPr>
+          <p:cNvSpPr/>
+          <p:nvPr/>
+        </p:nvSpPr>
+        <p:spPr>
+          <a:xfrm>
+            <a:off x="1552662" y="2497411"/>
+            <a:ext cx="369653" cy="382806"/>
+          </a:xfrm>
+          <a:prstGeom prst="rect">
+            <a:avLst/>
+          </a:prstGeom>
+          <a:noFill/>
+        </p:spPr>
+        <p:style>
+          <a:lnRef idx="2">
+            <a:schemeClr val="accent3">
+              <a:shade val="50000"/>
+            </a:schemeClr>
+          </a:lnRef>
+          <a:fillRef idx="1">
+            <a:schemeClr val="accent3"/>
+          </a:fillRef>
+          <a:effectRef idx="0">
+            <a:schemeClr val="accent3"/>
+          </a:effectRef>
+          <a:fontRef idx="minor">
+            <a:schemeClr val="lt1"/>
+          </a:fontRef>
+        </p:style>
+        <p:txBody>
+          <a:bodyPr rtlCol="0" anchor="ctr"/>
+          <a:lstStyle/>
+          <a:p>
+            <a:pPr algn="ctr"/>
+            <a:endParaRPr lang="en-CA"/>
+          </a:p>
+        </p:txBody>
+      </p:sp>
       <p:cxnSp>
         <p:nvCxnSpPr>
           <p:cNvPr id="149" name="Straight Connector 148">
@@ -4499,8 +5505,8 @@
         </p:nvCxnSpPr>
         <p:spPr>
           <a:xfrm flipH="1" flipV="1">
-            <a:off x="2547683" y="575843"/>
-            <a:ext cx="6244" cy="355041"/>
+            <a:off x="2876303" y="575844"/>
+            <a:ext cx="6244" cy="360890"/>
           </a:xfrm>
           <a:prstGeom prst="line">
             <a:avLst/>
@@ -4526,60 +5532,6 @@
           </a:fontRef>
         </p:style>
       </p:cxnSp>
-      <p:sp>
-        <p:nvSpPr>
-          <p:cNvPr id="142" name="Rectangle 141">
-            <a:extLst>
-              <a:ext uri="{FF2B5EF4-FFF2-40B4-BE49-F238E27FC236}">
-                <a16:creationId xmlns:a16="http://schemas.microsoft.com/office/drawing/2014/main" id="{3E728E44-99B9-4687-B7E5-4D87E5DA7CCE}"/>
-              </a:ext>
-            </a:extLst>
-          </p:cNvPr>
-          <p:cNvSpPr/>
-          <p:nvPr/>
-        </p:nvSpPr>
-        <p:spPr>
-          <a:xfrm>
-            <a:off x="3208114" y="85471"/>
-            <a:ext cx="2453481" cy="1004278"/>
-          </a:xfrm>
-          <a:prstGeom prst="rect">
-            <a:avLst/>
-          </a:prstGeom>
-          <a:solidFill>
-            <a:srgbClr val="FFFFCC"/>
-          </a:solidFill>
-          <a:ln>
-            <a:solidFill>
-              <a:schemeClr val="tx1"/>
-            </a:solidFill>
-          </a:ln>
-        </p:spPr>
-        <p:style>
-          <a:lnRef idx="2">
-            <a:schemeClr val="accent1">
-              <a:shade val="50000"/>
-            </a:schemeClr>
-          </a:lnRef>
-          <a:fillRef idx="1">
-            <a:schemeClr val="accent1"/>
-          </a:fillRef>
-          <a:effectRef idx="0">
-            <a:schemeClr val="accent1"/>
-          </a:effectRef>
-          <a:fontRef idx="minor">
-            <a:schemeClr val="lt1"/>
-          </a:fontRef>
-        </p:style>
-        <p:txBody>
-          <a:bodyPr rtlCol="0" anchor="ctr"/>
-          <a:lstStyle/>
-          <a:p>
-            <a:pPr algn="ctr"/>
-            <a:endParaRPr lang="en-CA"/>
-          </a:p>
-        </p:txBody>
-      </p:sp>
       <p:cxnSp>
         <p:nvCxnSpPr>
           <p:cNvPr id="145" name="Straight Connector 144">
@@ -4693,8 +5645,8 @@
         </p:nvSpPr>
         <p:spPr>
           <a:xfrm rot="16200000">
-            <a:off x="2511066" y="842207"/>
-            <a:ext cx="85721" cy="263076"/>
+            <a:off x="2845536" y="898775"/>
+            <a:ext cx="74022" cy="149940"/>
           </a:xfrm>
           <a:prstGeom prst="rect">
             <a:avLst/>
@@ -4750,8 +5702,8 @@
         </p:nvSpPr>
         <p:spPr>
           <a:xfrm>
-            <a:off x="2106908" y="1467014"/>
-            <a:ext cx="910159" cy="774829"/>
+            <a:off x="2385795" y="1433113"/>
+            <a:ext cx="992730" cy="440180"/>
           </a:xfrm>
           <a:prstGeom prst="rect">
             <a:avLst/>
@@ -4789,144 +5741,489 @@
           </a:p>
         </p:txBody>
       </p:sp>
-      <p:sp>
-        <p:nvSpPr>
-          <p:cNvPr id="9" name="Rectangle 8">
+      <p:cxnSp>
+        <p:nvCxnSpPr>
+          <p:cNvPr id="187" name="Straight Connector 186">
             <a:extLst>
               <a:ext uri="{FF2B5EF4-FFF2-40B4-BE49-F238E27FC236}">
-                <a16:creationId xmlns:a16="http://schemas.microsoft.com/office/drawing/2014/main" id="{4F98E0E7-99BB-4E28-BB12-9EA267E0BC0C}"/>
+                <a16:creationId xmlns:a16="http://schemas.microsoft.com/office/drawing/2014/main" id="{5FF657A4-4D32-4C1A-9B61-B0FD4F836AA8}"/>
               </a:ext>
             </a:extLst>
           </p:cNvPr>
-          <p:cNvSpPr/>
+          <p:cNvCxnSpPr>
+            <a:cxnSpLocks/>
+          </p:cNvCxnSpPr>
           <p:nvPr/>
-        </p:nvSpPr>
+        </p:nvCxnSpPr>
         <p:spPr>
-          <a:xfrm>
-            <a:off x="333133" y="2223706"/>
-            <a:ext cx="107587" cy="917031"/>
+          <a:xfrm flipV="1">
+            <a:off x="4720038" y="1089749"/>
+            <a:ext cx="0" cy="707361"/>
           </a:xfrm>
-          <a:prstGeom prst="rect">
+          <a:prstGeom prst="line">
+            <a:avLst/>
+          </a:prstGeom>
+          <a:ln>
+            <a:solidFill>
+              <a:srgbClr val="FF0000"/>
+            </a:solidFill>
+          </a:ln>
+        </p:spPr>
+        <p:style>
+          <a:lnRef idx="2">
+            <a:schemeClr val="accent2"/>
+          </a:lnRef>
+          <a:fillRef idx="0">
+            <a:schemeClr val="accent2"/>
+          </a:fillRef>
+          <a:effectRef idx="1">
+            <a:schemeClr val="accent2"/>
+          </a:effectRef>
+          <a:fontRef idx="minor">
+            <a:schemeClr val="tx1"/>
+          </a:fontRef>
+        </p:style>
+      </p:cxnSp>
+      <p:cxnSp>
+        <p:nvCxnSpPr>
+          <p:cNvPr id="189" name="Straight Connector 188">
+            <a:extLst>
+              <a:ext uri="{FF2B5EF4-FFF2-40B4-BE49-F238E27FC236}">
+                <a16:creationId xmlns:a16="http://schemas.microsoft.com/office/drawing/2014/main" id="{3FD5638E-4B22-4E71-A4AA-5BB96B770CEF}"/>
+              </a:ext>
+            </a:extLst>
+          </p:cNvPr>
+          <p:cNvCxnSpPr>
+            <a:cxnSpLocks/>
+          </p:cNvCxnSpPr>
+          <p:nvPr/>
+        </p:nvCxnSpPr>
+        <p:spPr>
+          <a:xfrm rot="2700000" flipH="1">
+            <a:off x="2825367" y="587609"/>
+            <a:ext cx="113597" cy="0"/>
+          </a:xfrm>
+          <a:prstGeom prst="line">
             <a:avLst/>
           </a:prstGeom>
         </p:spPr>
         <p:style>
           <a:lnRef idx="2">
-            <a:schemeClr val="accent3">
-              <a:shade val="50000"/>
-            </a:schemeClr>
+            <a:schemeClr val="dk1"/>
           </a:lnRef>
-          <a:fillRef idx="1">
-            <a:schemeClr val="accent3"/>
+          <a:fillRef idx="0">
+            <a:schemeClr val="dk1"/>
           </a:fillRef>
-          <a:effectRef idx="0">
-            <a:schemeClr val="accent3"/>
+          <a:effectRef idx="1">
+            <a:schemeClr val="dk1"/>
           </a:effectRef>
           <a:fontRef idx="minor">
-            <a:schemeClr val="lt1"/>
+            <a:schemeClr val="tx1"/>
           </a:fontRef>
         </p:style>
-        <p:txBody>
-          <a:bodyPr rtlCol="0" anchor="ctr"/>
-          <a:lstStyle/>
-          <a:p>
-            <a:pPr algn="ctr"/>
-            <a:endParaRPr lang="en-CA"/>
-          </a:p>
-        </p:txBody>
-      </p:sp>
-      <p:sp>
-        <p:nvSpPr>
-          <p:cNvPr id="10" name="Rectangle 9">
+      </p:cxnSp>
+      <p:cxnSp>
+        <p:nvCxnSpPr>
+          <p:cNvPr id="161" name="Straight Connector 160">
             <a:extLst>
               <a:ext uri="{FF2B5EF4-FFF2-40B4-BE49-F238E27FC236}">
-                <a16:creationId xmlns:a16="http://schemas.microsoft.com/office/drawing/2014/main" id="{0128F674-E952-419E-BDD3-2E56FC7E96C0}"/>
+                <a16:creationId xmlns:a16="http://schemas.microsoft.com/office/drawing/2014/main" id="{B27FF789-947B-49AA-B584-9CDF9DEAC2BF}"/>
               </a:ext>
             </a:extLst>
           </p:cNvPr>
-          <p:cNvSpPr/>
+          <p:cNvCxnSpPr>
+            <a:cxnSpLocks/>
+          </p:cNvCxnSpPr>
           <p:nvPr/>
-        </p:nvSpPr>
+        </p:nvCxnSpPr>
         <p:spPr>
           <a:xfrm>
-            <a:off x="1150878" y="2223706"/>
-            <a:ext cx="107587" cy="917031"/>
+            <a:off x="1746157" y="1293974"/>
+            <a:ext cx="2971398" cy="0"/>
           </a:xfrm>
-          <a:prstGeom prst="rect">
+          <a:prstGeom prst="line">
+            <a:avLst/>
+          </a:prstGeom>
+          <a:ln w="12700">
+            <a:solidFill>
+              <a:srgbClr val="FF0000"/>
+            </a:solidFill>
+          </a:ln>
+        </p:spPr>
+        <p:style>
+          <a:lnRef idx="2">
+            <a:schemeClr val="accent2"/>
+          </a:lnRef>
+          <a:fillRef idx="0">
+            <a:schemeClr val="accent2"/>
+          </a:fillRef>
+          <a:effectRef idx="1">
+            <a:schemeClr val="accent2"/>
+          </a:effectRef>
+          <a:fontRef idx="minor">
+            <a:schemeClr val="tx1"/>
+          </a:fontRef>
+        </p:style>
+      </p:cxnSp>
+      <p:cxnSp>
+        <p:nvCxnSpPr>
+          <p:cNvPr id="123" name="Straight Connector 122">
+            <a:extLst>
+              <a:ext uri="{FF2B5EF4-FFF2-40B4-BE49-F238E27FC236}">
+                <a16:creationId xmlns:a16="http://schemas.microsoft.com/office/drawing/2014/main" id="{360B1A8C-3A02-47DC-8036-B793D3034888}"/>
+              </a:ext>
+            </a:extLst>
+          </p:cNvPr>
+          <p:cNvCxnSpPr>
+            <a:cxnSpLocks/>
+          </p:cNvCxnSpPr>
+          <p:nvPr/>
+        </p:nvCxnSpPr>
+        <p:spPr>
+          <a:xfrm rot="18900000">
+            <a:off x="4666454" y="1293974"/>
+            <a:ext cx="113597" cy="0"/>
+          </a:xfrm>
+          <a:prstGeom prst="line">
             <a:avLst/>
           </a:prstGeom>
         </p:spPr>
         <p:style>
           <a:lnRef idx="2">
-            <a:schemeClr val="accent3">
-              <a:shade val="50000"/>
-            </a:schemeClr>
+            <a:schemeClr val="dk1"/>
           </a:lnRef>
-          <a:fillRef idx="1">
-            <a:schemeClr val="accent3"/>
+          <a:fillRef idx="0">
+            <a:schemeClr val="dk1"/>
           </a:fillRef>
-          <a:effectRef idx="0">
-            <a:schemeClr val="accent3"/>
+          <a:effectRef idx="1">
+            <a:schemeClr val="dk1"/>
           </a:effectRef>
           <a:fontRef idx="minor">
-            <a:schemeClr val="lt1"/>
+            <a:schemeClr val="tx1"/>
           </a:fontRef>
         </p:style>
+      </p:cxnSp>
+      <p:cxnSp>
+        <p:nvCxnSpPr>
+          <p:cNvPr id="126" name="Straight Connector 125">
+            <a:extLst>
+              <a:ext uri="{FF2B5EF4-FFF2-40B4-BE49-F238E27FC236}">
+                <a16:creationId xmlns:a16="http://schemas.microsoft.com/office/drawing/2014/main" id="{7F945BF1-2900-4CD2-9332-F8072EAD7EF4}"/>
+              </a:ext>
+            </a:extLst>
+          </p:cNvPr>
+          <p:cNvCxnSpPr>
+            <a:cxnSpLocks/>
+            <a:stCxn id="157" idx="0"/>
+            <a:endCxn id="154" idx="1"/>
+          </p:cNvCxnSpPr>
+          <p:nvPr/>
+        </p:nvCxnSpPr>
+        <p:spPr>
+          <a:xfrm flipV="1">
+            <a:off x="2882160" y="1010756"/>
+            <a:ext cx="387" cy="422357"/>
+          </a:xfrm>
+          <a:prstGeom prst="line">
+            <a:avLst/>
+          </a:prstGeom>
+          <a:ln>
+            <a:solidFill>
+              <a:schemeClr val="tx1"/>
+            </a:solidFill>
+          </a:ln>
+        </p:spPr>
+        <p:style>
+          <a:lnRef idx="2">
+            <a:schemeClr val="accent2"/>
+          </a:lnRef>
+          <a:fillRef idx="0">
+            <a:schemeClr val="accent2"/>
+          </a:fillRef>
+          <a:effectRef idx="1">
+            <a:schemeClr val="accent2"/>
+          </a:effectRef>
+          <a:fontRef idx="minor">
+            <a:schemeClr val="tx1"/>
+          </a:fontRef>
+        </p:style>
+      </p:cxnSp>
+      <p:sp>
+        <p:nvSpPr>
+          <p:cNvPr id="180" name="TextBox 179">
+            <a:extLst>
+              <a:ext uri="{FF2B5EF4-FFF2-40B4-BE49-F238E27FC236}">
+                <a16:creationId xmlns:a16="http://schemas.microsoft.com/office/drawing/2014/main" id="{3370086E-B399-4CE1-80C2-12D0DDB80B8C}"/>
+              </a:ext>
+            </a:extLst>
+          </p:cNvPr>
+          <p:cNvSpPr txBox="1"/>
+          <p:nvPr/>
+        </p:nvSpPr>
+        <p:spPr>
+          <a:xfrm>
+            <a:off x="580213" y="440601"/>
+            <a:ext cx="1215109" cy="338554"/>
+          </a:xfrm>
+          <a:prstGeom prst="rect">
+            <a:avLst/>
+          </a:prstGeom>
+          <a:noFill/>
+        </p:spPr>
         <p:txBody>
-          <a:bodyPr rtlCol="0" anchor="ctr"/>
+          <a:bodyPr wrap="square" rtlCol="0">
+            <a:spAutoFit/>
+          </a:bodyPr>
           <a:lstStyle/>
           <a:p>
             <a:pPr algn="ctr"/>
-            <a:endParaRPr lang="en-CA"/>
+            <a:r>
+              <a:rPr lang="en-CA" sz="800" dirty="0"/>
+              <a:t>Mode-locked oscillator</a:t>
+            </a:r>
+          </a:p>
+          <a:p>
+            <a:pPr algn="ctr"/>
+            <a:r>
+              <a:rPr lang="en-CA" sz="800" dirty="0"/>
+              <a:t>35fs pulses, 5nJ, 75 MHz</a:t>
+            </a:r>
           </a:p>
         </p:txBody>
       </p:sp>
       <p:sp>
         <p:nvSpPr>
-          <p:cNvPr id="15" name="Rectangle 14">
+          <p:cNvPr id="183" name="TextBox 182">
             <a:extLst>
               <a:ext uri="{FF2B5EF4-FFF2-40B4-BE49-F238E27FC236}">
-                <a16:creationId xmlns:a16="http://schemas.microsoft.com/office/drawing/2014/main" id="{5FD60946-6F23-4ECE-93AF-AAFA325E3D69}"/>
+                <a16:creationId xmlns:a16="http://schemas.microsoft.com/office/drawing/2014/main" id="{DBE0B008-E137-46FA-9877-0E57C338B4E7}"/>
               </a:ext>
             </a:extLst>
           </p:cNvPr>
-          <p:cNvSpPr/>
+          <p:cNvSpPr txBox="1"/>
           <p:nvPr/>
         </p:nvSpPr>
         <p:spPr>
           <a:xfrm>
-            <a:off x="2113375" y="2427349"/>
-            <a:ext cx="107587" cy="509747"/>
+            <a:off x="2375754" y="1487619"/>
+            <a:ext cx="989701" cy="338554"/>
           </a:xfrm>
           <a:prstGeom prst="rect">
             <a:avLst/>
           </a:prstGeom>
+          <a:noFill/>
         </p:spPr>
-        <p:style>
-          <a:lnRef idx="2">
-            <a:schemeClr val="accent3">
-              <a:shade val="50000"/>
-            </a:schemeClr>
-          </a:lnRef>
-          <a:fillRef idx="1">
-            <a:schemeClr val="accent3"/>
-          </a:fillRef>
-          <a:effectRef idx="0">
-            <a:schemeClr val="accent3"/>
-          </a:effectRef>
-          <a:fontRef idx="minor">
-            <a:schemeClr val="lt1"/>
-          </a:fontRef>
-        </p:style>
         <p:txBody>
-          <a:bodyPr rtlCol="0" anchor="ctr"/>
+          <a:bodyPr wrap="square" rtlCol="0">
+            <a:spAutoFit/>
+          </a:bodyPr>
           <a:lstStyle/>
           <a:p>
             <a:pPr algn="ctr"/>
-            <a:endParaRPr lang="en-CA"/>
+            <a:r>
+              <a:rPr lang="en-CA" sz="800" dirty="0"/>
+              <a:t>RF synchronization and amplification</a:t>
+            </a:r>
           </a:p>
         </p:txBody>
       </p:sp>
+      <p:grpSp>
+        <p:nvGrpSpPr>
+          <p:cNvPr id="122" name="Group 121">
+            <a:extLst>
+              <a:ext uri="{FF2B5EF4-FFF2-40B4-BE49-F238E27FC236}">
+                <a16:creationId xmlns:a16="http://schemas.microsoft.com/office/drawing/2014/main" id="{3F178689-E5E0-47B3-A087-46BBA3E2BDD2}"/>
+              </a:ext>
+            </a:extLst>
+          </p:cNvPr>
+          <p:cNvGrpSpPr/>
+          <p:nvPr/>
+        </p:nvGrpSpPr>
+        <p:grpSpPr>
+          <a:xfrm>
+            <a:off x="217471" y="2501644"/>
+            <a:ext cx="388561" cy="357442"/>
+            <a:chOff x="1463993" y="1067550"/>
+            <a:chExt cx="337864" cy="310807"/>
+          </a:xfrm>
+        </p:grpSpPr>
+        <p:sp>
+          <p:nvSpPr>
+            <p:cNvPr id="120" name="Oval 119">
+              <a:extLst>
+                <a:ext uri="{FF2B5EF4-FFF2-40B4-BE49-F238E27FC236}">
+                  <a16:creationId xmlns:a16="http://schemas.microsoft.com/office/drawing/2014/main" id="{53E7D4CB-0DDD-4A94-8AB2-052007032A53}"/>
+                </a:ext>
+              </a:extLst>
+            </p:cNvPr>
+            <p:cNvSpPr/>
+            <p:nvPr/>
+          </p:nvSpPr>
+          <p:spPr>
+            <a:xfrm>
+              <a:off x="1705938" y="1145252"/>
+              <a:ext cx="95919" cy="155403"/>
+            </a:xfrm>
+            <a:prstGeom prst="ellipse">
+              <a:avLst/>
+            </a:prstGeom>
+            <a:solidFill>
+              <a:srgbClr val="ED7D31"/>
+            </a:solidFill>
+            <a:ln>
+              <a:noFill/>
+            </a:ln>
+          </p:spPr>
+          <p:style>
+            <a:lnRef idx="2">
+              <a:schemeClr val="accent1">
+                <a:shade val="50000"/>
+              </a:schemeClr>
+            </a:lnRef>
+            <a:fillRef idx="1">
+              <a:schemeClr val="accent1"/>
+            </a:fillRef>
+            <a:effectRef idx="0">
+              <a:schemeClr val="accent1"/>
+            </a:effectRef>
+            <a:fontRef idx="minor">
+              <a:schemeClr val="lt1"/>
+            </a:fontRef>
+          </p:style>
+          <p:txBody>
+            <a:bodyPr rtlCol="0" anchor="ctr"/>
+            <a:lstStyle/>
+            <a:p>
+              <a:pPr algn="ctr"/>
+              <a:endParaRPr lang="en-CA"/>
+            </a:p>
+          </p:txBody>
+        </p:sp>
+        <p:grpSp>
+          <p:nvGrpSpPr>
+            <p:cNvPr id="121" name="Group 120">
+              <a:extLst>
+                <a:ext uri="{FF2B5EF4-FFF2-40B4-BE49-F238E27FC236}">
+                  <a16:creationId xmlns:a16="http://schemas.microsoft.com/office/drawing/2014/main" id="{68D99F5A-9622-442D-837D-B5E6EAFDB58A}"/>
+                </a:ext>
+              </a:extLst>
+            </p:cNvPr>
+            <p:cNvGrpSpPr/>
+            <p:nvPr/>
+          </p:nvGrpSpPr>
+          <p:grpSpPr>
+            <a:xfrm>
+              <a:off x="1463993" y="1067550"/>
+              <a:ext cx="315414" cy="310807"/>
+              <a:chOff x="1463993" y="1067550"/>
+              <a:chExt cx="315414" cy="310807"/>
+            </a:xfrm>
+            <a:solidFill>
+              <a:srgbClr val="A5A5A5"/>
+            </a:solidFill>
+          </p:grpSpPr>
+          <p:sp>
+            <p:nvSpPr>
+              <p:cNvPr id="119" name="Rectangle 118">
+                <a:extLst>
+                  <a:ext uri="{FF2B5EF4-FFF2-40B4-BE49-F238E27FC236}">
+                    <a16:creationId xmlns:a16="http://schemas.microsoft.com/office/drawing/2014/main" id="{380B32E9-AAB3-44FF-8373-91AD6D40F06C}"/>
+                  </a:ext>
+                </a:extLst>
+              </p:cNvPr>
+              <p:cNvSpPr/>
+              <p:nvPr/>
+            </p:nvSpPr>
+            <p:spPr>
+              <a:xfrm>
+                <a:off x="1463993" y="1067550"/>
+                <a:ext cx="157707" cy="310807"/>
+              </a:xfrm>
+              <a:prstGeom prst="rect">
+                <a:avLst/>
+              </a:prstGeom>
+              <a:grpFill/>
+              <a:ln>
+                <a:noFill/>
+              </a:ln>
+            </p:spPr>
+            <p:style>
+              <a:lnRef idx="2">
+                <a:schemeClr val="accent1">
+                  <a:shade val="50000"/>
+                </a:schemeClr>
+              </a:lnRef>
+              <a:fillRef idx="1">
+                <a:schemeClr val="accent1"/>
+              </a:fillRef>
+              <a:effectRef idx="0">
+                <a:schemeClr val="accent1"/>
+              </a:effectRef>
+              <a:fontRef idx="minor">
+                <a:schemeClr val="lt1"/>
+              </a:fontRef>
+            </p:style>
+            <p:txBody>
+              <a:bodyPr rtlCol="0" anchor="ctr"/>
+              <a:lstStyle/>
+              <a:p>
+                <a:pPr algn="ctr"/>
+                <a:endParaRPr lang="en-CA"/>
+              </a:p>
+            </p:txBody>
+          </p:sp>
+          <p:sp>
+            <p:nvSpPr>
+              <p:cNvPr id="118" name="Oval 117">
+                <a:extLst>
+                  <a:ext uri="{FF2B5EF4-FFF2-40B4-BE49-F238E27FC236}">
+                    <a16:creationId xmlns:a16="http://schemas.microsoft.com/office/drawing/2014/main" id="{72A0621A-B847-43D4-8F4E-845185BC7EB8}"/>
+                  </a:ext>
+                </a:extLst>
+              </p:cNvPr>
+              <p:cNvSpPr/>
+              <p:nvPr/>
+            </p:nvSpPr>
+            <p:spPr>
+              <a:xfrm>
+                <a:off x="1463993" y="1067550"/>
+                <a:ext cx="315414" cy="310806"/>
+              </a:xfrm>
+              <a:prstGeom prst="ellipse">
+                <a:avLst/>
+              </a:prstGeom>
+              <a:grpFill/>
+              <a:ln>
+                <a:noFill/>
+              </a:ln>
+            </p:spPr>
+            <p:style>
+              <a:lnRef idx="2">
+                <a:schemeClr val="accent1">
+                  <a:shade val="50000"/>
+                </a:schemeClr>
+              </a:lnRef>
+              <a:fillRef idx="1">
+                <a:schemeClr val="accent1"/>
+              </a:fillRef>
+              <a:effectRef idx="0">
+                <a:schemeClr val="accent1"/>
+              </a:effectRef>
+              <a:fontRef idx="minor">
+                <a:schemeClr val="lt1"/>
+              </a:fontRef>
+            </p:style>
+            <p:txBody>
+              <a:bodyPr rtlCol="0" anchor="ctr"/>
+              <a:lstStyle/>
+              <a:p>
+                <a:pPr algn="ctr"/>
+                <a:endParaRPr lang="en-CA"/>
+              </a:p>
+            </p:txBody>
+          </p:sp>
+        </p:grpSp>
+      </p:grpSp>
       <p:sp>
         <p:nvSpPr>
           <p:cNvPr id="36" name="Rectangle 35">
@@ -4941,8 +6238,8 @@
         </p:nvSpPr>
         <p:spPr>
           <a:xfrm>
-            <a:off x="3346205" y="2333530"/>
-            <a:ext cx="200654" cy="697383"/>
+            <a:off x="3532076" y="2357956"/>
+            <a:ext cx="185531" cy="644821"/>
           </a:xfrm>
           <a:prstGeom prst="rect">
             <a:avLst/>
@@ -4988,8 +6285,8 @@
         </p:nvSpPr>
         <p:spPr>
           <a:xfrm>
-            <a:off x="3553827" y="2135216"/>
-            <a:ext cx="923205" cy="1094012"/>
+            <a:off x="3724050" y="2174588"/>
+            <a:ext cx="853622" cy="1011555"/>
           </a:xfrm>
           <a:prstGeom prst="roundRect">
             <a:avLst/>
@@ -5035,8 +6332,8 @@
         </p:nvSpPr>
         <p:spPr>
           <a:xfrm>
-            <a:off x="4486814" y="2427349"/>
-            <a:ext cx="107587" cy="509747"/>
+            <a:off x="4781041" y="2444702"/>
+            <a:ext cx="99478" cy="471327"/>
           </a:xfrm>
           <a:prstGeom prst="rect">
             <a:avLst/>
@@ -5081,8 +6378,8 @@
         </p:nvSpPr>
         <p:spPr>
           <a:xfrm>
-            <a:off x="4601367" y="2523084"/>
-            <a:ext cx="200654" cy="318274"/>
+            <a:off x="4886960" y="2533223"/>
+            <a:ext cx="185531" cy="294285"/>
           </a:xfrm>
           <a:prstGeom prst="rect">
             <a:avLst/>
@@ -5128,8 +6425,8 @@
         </p:nvSpPr>
         <p:spPr>
           <a:xfrm>
-            <a:off x="4808988" y="2427349"/>
-            <a:ext cx="107587" cy="509747"/>
+            <a:off x="5078932" y="2444702"/>
+            <a:ext cx="99478" cy="471327"/>
           </a:xfrm>
           <a:prstGeom prst="rect">
             <a:avLst/>
@@ -5174,8 +6471,8 @@
         </p:nvSpPr>
         <p:spPr>
           <a:xfrm>
-            <a:off x="4923546" y="2320884"/>
-            <a:ext cx="722675" cy="722675"/>
+            <a:off x="5184857" y="2346262"/>
+            <a:ext cx="668206" cy="668206"/>
           </a:xfrm>
           <a:prstGeom prst="rect">
             <a:avLst/>
@@ -5218,10 +6515,10 @@
       </p:sp>
       <p:sp>
         <p:nvSpPr>
-          <p:cNvPr id="44" name="Rectangle 43">
+          <p:cNvPr id="9" name="Rectangle 8">
             <a:extLst>
               <a:ext uri="{FF2B5EF4-FFF2-40B4-BE49-F238E27FC236}">
-                <a16:creationId xmlns:a16="http://schemas.microsoft.com/office/drawing/2014/main" id="{D0E466BC-898F-481C-B011-1EF6755F01C1}"/>
+                <a16:creationId xmlns:a16="http://schemas.microsoft.com/office/drawing/2014/main" id="{4F98E0E7-99BB-4E28-BB12-9EA267E0BC0C}"/>
               </a:ext>
             </a:extLst>
           </p:cNvPr>
@@ -5230,13 +6527,12 @@
         </p:nvSpPr>
         <p:spPr>
           <a:xfrm>
-            <a:off x="1710099" y="2484353"/>
-            <a:ext cx="399786" cy="414010"/>
+            <a:off x="104891" y="2300509"/>
+            <a:ext cx="99478" cy="753944"/>
           </a:xfrm>
           <a:prstGeom prst="rect">
             <a:avLst/>
           </a:prstGeom>
-          <a:noFill/>
         </p:spPr>
         <p:style>
           <a:lnRef idx="2">
@@ -5263,12 +6559,104 @@
           </a:p>
         </p:txBody>
       </p:sp>
+      <p:sp>
+        <p:nvSpPr>
+          <p:cNvPr id="10" name="Rectangle 9">
+            <a:extLst>
+              <a:ext uri="{FF2B5EF4-FFF2-40B4-BE49-F238E27FC236}">
+                <a16:creationId xmlns:a16="http://schemas.microsoft.com/office/drawing/2014/main" id="{0128F674-E952-419E-BDD3-2E56FC7E96C0}"/>
+              </a:ext>
+            </a:extLst>
+          </p:cNvPr>
+          <p:cNvSpPr/>
+          <p:nvPr/>
+        </p:nvSpPr>
+        <p:spPr>
+          <a:xfrm>
+            <a:off x="1035591" y="2303393"/>
+            <a:ext cx="99478" cy="753944"/>
+          </a:xfrm>
+          <a:prstGeom prst="rect">
+            <a:avLst/>
+          </a:prstGeom>
+        </p:spPr>
+        <p:style>
+          <a:lnRef idx="2">
+            <a:schemeClr val="accent3">
+              <a:shade val="50000"/>
+            </a:schemeClr>
+          </a:lnRef>
+          <a:fillRef idx="1">
+            <a:schemeClr val="accent3"/>
+          </a:fillRef>
+          <a:effectRef idx="0">
+            <a:schemeClr val="accent3"/>
+          </a:effectRef>
+          <a:fontRef idx="minor">
+            <a:schemeClr val="lt1"/>
+          </a:fontRef>
+        </p:style>
+        <p:txBody>
+          <a:bodyPr rtlCol="0" anchor="ctr"/>
+          <a:lstStyle/>
+          <a:p>
+            <a:pPr algn="ctr"/>
+            <a:endParaRPr lang="en-CA"/>
+          </a:p>
+        </p:txBody>
+      </p:sp>
+      <p:sp>
+        <p:nvSpPr>
+          <p:cNvPr id="15" name="Rectangle 14">
+            <a:extLst>
+              <a:ext uri="{FF2B5EF4-FFF2-40B4-BE49-F238E27FC236}">
+                <a16:creationId xmlns:a16="http://schemas.microsoft.com/office/drawing/2014/main" id="{5FD60946-6F23-4ECE-93AF-AAFA325E3D69}"/>
+              </a:ext>
+            </a:extLst>
+          </p:cNvPr>
+          <p:cNvSpPr/>
+          <p:nvPr/>
+        </p:nvSpPr>
+        <p:spPr>
+          <a:xfrm>
+            <a:off x="1925544" y="2444702"/>
+            <a:ext cx="99478" cy="471327"/>
+          </a:xfrm>
+          <a:prstGeom prst="rect">
+            <a:avLst/>
+          </a:prstGeom>
+        </p:spPr>
+        <p:style>
+          <a:lnRef idx="2">
+            <a:schemeClr val="accent3">
+              <a:shade val="50000"/>
+            </a:schemeClr>
+          </a:lnRef>
+          <a:fillRef idx="1">
+            <a:schemeClr val="accent3"/>
+          </a:fillRef>
+          <a:effectRef idx="0">
+            <a:schemeClr val="accent3"/>
+          </a:effectRef>
+          <a:fontRef idx="minor">
+            <a:schemeClr val="lt1"/>
+          </a:fontRef>
+        </p:style>
+        <p:txBody>
+          <a:bodyPr rtlCol="0" anchor="ctr"/>
+          <a:lstStyle/>
+          <a:p>
+            <a:pPr algn="ctr"/>
+            <a:endParaRPr lang="en-CA"/>
+          </a:p>
+        </p:txBody>
+      </p:sp>
       <p:grpSp>
         <p:nvGrpSpPr>
-          <p:cNvPr id="129" name="Group 128">
+          <p:cNvPr id="26" name="Group 25">
             <a:extLst>
               <a:ext uri="{FF2B5EF4-FFF2-40B4-BE49-F238E27FC236}">
-                <a16:creationId xmlns:a16="http://schemas.microsoft.com/office/drawing/2014/main" id="{3F4034E6-896E-4611-9BB8-3925691DA02C}"/>
+                <a16:creationId xmlns:a16="http://schemas.microsoft.com/office/drawing/2014/main" id="{0D065330-E715-4509-A97D-B866F451A5B0}"/>
               </a:ext>
             </a:extLst>
           </p:cNvPr>
@@ -5277,10 +6665,10 @@
         </p:nvGrpSpPr>
         <p:grpSpPr>
           <a:xfrm>
-            <a:off x="1265431" y="2346925"/>
-            <a:ext cx="434224" cy="670595"/>
-            <a:chOff x="1505682" y="2165958"/>
-            <a:chExt cx="349112" cy="539152"/>
+            <a:off x="1141510" y="2361534"/>
+            <a:ext cx="401496" cy="639865"/>
+            <a:chOff x="973560" y="2818245"/>
+            <a:chExt cx="364754" cy="581309"/>
           </a:xfrm>
         </p:grpSpPr>
         <p:sp>
@@ -5297,8 +6685,8 @@
           </p:nvSpPr>
           <p:spPr>
             <a:xfrm>
-              <a:off x="1505682" y="2231525"/>
-              <a:ext cx="86498" cy="409832"/>
+              <a:off x="973560" y="2894750"/>
+              <a:ext cx="90374" cy="428194"/>
             </a:xfrm>
             <a:prstGeom prst="rect">
               <a:avLst/>
@@ -5343,8 +6731,8 @@
           </p:nvSpPr>
           <p:spPr>
             <a:xfrm>
-              <a:off x="1768296" y="2231525"/>
-              <a:ext cx="86498" cy="409832"/>
+              <a:off x="1247940" y="2894750"/>
+              <a:ext cx="90374" cy="428194"/>
             </a:xfrm>
             <a:prstGeom prst="rect">
               <a:avLst/>
@@ -5389,8 +6777,8 @@
           </p:nvSpPr>
           <p:spPr>
             <a:xfrm>
-              <a:off x="1599576" y="2308496"/>
-              <a:ext cx="161324" cy="255890"/>
+              <a:off x="1071661" y="2975169"/>
+              <a:ext cx="168552" cy="267355"/>
             </a:xfrm>
             <a:prstGeom prst="rect">
               <a:avLst/>
@@ -5436,8 +6824,8 @@
           </p:nvGrpSpPr>
           <p:grpSpPr>
             <a:xfrm>
-              <a:off x="1614696" y="2165958"/>
-              <a:ext cx="131084" cy="131084"/>
+              <a:off x="1087458" y="2818245"/>
+              <a:ext cx="136957" cy="136957"/>
               <a:chOff x="1589613" y="1750221"/>
               <a:chExt cx="131084" cy="131084"/>
             </a:xfrm>
@@ -5660,8 +7048,8 @@
           </p:nvGrpSpPr>
           <p:grpSpPr>
             <a:xfrm>
-              <a:off x="1614696" y="2574026"/>
-              <a:ext cx="131084" cy="131084"/>
+              <a:off x="1087458" y="3262597"/>
+              <a:ext cx="136957" cy="136957"/>
               <a:chOff x="1589613" y="1750221"/>
               <a:chExt cx="131084" cy="131084"/>
             </a:xfrm>
@@ -5871,12 +7259,59 @@
           </p:grpSp>
         </p:grpSp>
       </p:grpSp>
+      <p:sp>
+        <p:nvSpPr>
+          <p:cNvPr id="8" name="Rectangle 7">
+            <a:extLst>
+              <a:ext uri="{FF2B5EF4-FFF2-40B4-BE49-F238E27FC236}">
+                <a16:creationId xmlns:a16="http://schemas.microsoft.com/office/drawing/2014/main" id="{022BDC2F-2422-458A-AD57-3DC6BA338E3D}"/>
+              </a:ext>
+            </a:extLst>
+          </p:cNvPr>
+          <p:cNvSpPr/>
+          <p:nvPr/>
+        </p:nvSpPr>
+        <p:spPr>
+          <a:xfrm>
+            <a:off x="216243" y="2344042"/>
+            <a:ext cx="810408" cy="672647"/>
+          </a:xfrm>
+          <a:prstGeom prst="rect">
+            <a:avLst/>
+          </a:prstGeom>
+          <a:noFill/>
+        </p:spPr>
+        <p:style>
+          <a:lnRef idx="2">
+            <a:schemeClr val="accent3">
+              <a:shade val="50000"/>
+            </a:schemeClr>
+          </a:lnRef>
+          <a:fillRef idx="1">
+            <a:schemeClr val="accent3"/>
+          </a:fillRef>
+          <a:effectRef idx="0">
+            <a:schemeClr val="accent3"/>
+          </a:effectRef>
+          <a:fontRef idx="minor">
+            <a:schemeClr val="lt1"/>
+          </a:fontRef>
+        </p:style>
+        <p:txBody>
+          <a:bodyPr rtlCol="0" anchor="ctr"/>
+          <a:lstStyle/>
+          <a:p>
+            <a:pPr algn="ctr"/>
+            <a:endParaRPr lang="en-CA"/>
+          </a:p>
+        </p:txBody>
+      </p:sp>
       <p:grpSp>
         <p:nvGrpSpPr>
-          <p:cNvPr id="128" name="Group 127">
+          <p:cNvPr id="14" name="Group 13">
             <a:extLst>
               <a:ext uri="{FF2B5EF4-FFF2-40B4-BE49-F238E27FC236}">
-                <a16:creationId xmlns:a16="http://schemas.microsoft.com/office/drawing/2014/main" id="{CEDDED1D-D0FC-4552-8404-70FECA0ADE5C}"/>
+                <a16:creationId xmlns:a16="http://schemas.microsoft.com/office/drawing/2014/main" id="{5ECD5B27-9858-4602-B265-43D7A26433FD}"/>
               </a:ext>
             </a:extLst>
           </p:cNvPr>
@@ -5884,19 +7319,19 @@
           <p:nvPr/>
         </p:nvGrpSpPr>
         <p:grpSpPr>
-          <a:xfrm>
-            <a:off x="2909481" y="2346925"/>
-            <a:ext cx="434224" cy="670595"/>
-            <a:chOff x="2827483" y="2165958"/>
-            <a:chExt cx="349112" cy="539152"/>
+          <a:xfrm rot="5400000">
+            <a:off x="263483" y="1665107"/>
+            <a:ext cx="712993" cy="617095"/>
+            <a:chOff x="287686" y="1926654"/>
+            <a:chExt cx="647744" cy="560622"/>
           </a:xfrm>
         </p:grpSpPr>
         <p:sp>
           <p:nvSpPr>
-            <p:cNvPr id="85" name="Rectangle 84">
+            <p:cNvPr id="147" name="Rectangle 146">
               <a:extLst>
                 <a:ext uri="{FF2B5EF4-FFF2-40B4-BE49-F238E27FC236}">
-                  <a16:creationId xmlns:a16="http://schemas.microsoft.com/office/drawing/2014/main" id="{37C5077B-2EAD-43F5-A3D4-F42C59882CF0}"/>
+                  <a16:creationId xmlns:a16="http://schemas.microsoft.com/office/drawing/2014/main" id="{319674E5-2266-4697-BDE7-1E2A07A88AB6}"/>
                 </a:ext>
               </a:extLst>
             </p:cNvPr>
@@ -5905,8 +7340,8 @@
           </p:nvSpPr>
           <p:spPr>
             <a:xfrm>
-              <a:off x="2827483" y="2231525"/>
-              <a:ext cx="86498" cy="409832"/>
+              <a:off x="825211" y="1926654"/>
+              <a:ext cx="110219" cy="560622"/>
             </a:xfrm>
             <a:prstGeom prst="rect">
               <a:avLst/>
@@ -5939,10 +7374,10 @@
         </p:sp>
         <p:sp>
           <p:nvSpPr>
-            <p:cNvPr id="86" name="Rectangle 85">
+            <p:cNvPr id="148" name="Rectangle 147">
               <a:extLst>
                 <a:ext uri="{FF2B5EF4-FFF2-40B4-BE49-F238E27FC236}">
-                  <a16:creationId xmlns:a16="http://schemas.microsoft.com/office/drawing/2014/main" id="{5A18530F-3672-4B02-A617-90CA5ABE9A2B}"/>
+                  <a16:creationId xmlns:a16="http://schemas.microsoft.com/office/drawing/2014/main" id="{B3F5C639-B74E-4289-BD3F-4B269295F3E3}"/>
                 </a:ext>
               </a:extLst>
             </p:cNvPr>
@@ -5951,8 +7386,57 @@
           </p:nvSpPr>
           <p:spPr>
             <a:xfrm>
-              <a:off x="3090097" y="2231525"/>
-              <a:ext cx="86498" cy="409832"/>
+              <a:off x="406774" y="1979300"/>
+              <a:ext cx="409568" cy="455330"/>
+            </a:xfrm>
+            <a:prstGeom prst="rect">
+              <a:avLst/>
+            </a:prstGeom>
+            <a:solidFill>
+              <a:srgbClr val="A5A5A5"/>
+            </a:solidFill>
+          </p:spPr>
+          <p:style>
+            <a:lnRef idx="2">
+              <a:schemeClr val="accent3">
+                <a:shade val="50000"/>
+              </a:schemeClr>
+            </a:lnRef>
+            <a:fillRef idx="1">
+              <a:schemeClr val="accent3"/>
+            </a:fillRef>
+            <a:effectRef idx="0">
+              <a:schemeClr val="accent3"/>
+            </a:effectRef>
+            <a:fontRef idx="minor">
+              <a:schemeClr val="lt1"/>
+            </a:fontRef>
+          </p:style>
+          <p:txBody>
+            <a:bodyPr rtlCol="0" anchor="ctr"/>
+            <a:lstStyle/>
+            <a:p>
+              <a:pPr algn="ctr"/>
+              <a:endParaRPr lang="en-CA"/>
+            </a:p>
+          </p:txBody>
+        </p:sp>
+        <p:sp>
+          <p:nvSpPr>
+            <p:cNvPr id="150" name="Rectangle 149">
+              <a:extLst>
+                <a:ext uri="{FF2B5EF4-FFF2-40B4-BE49-F238E27FC236}">
+                  <a16:creationId xmlns:a16="http://schemas.microsoft.com/office/drawing/2014/main" id="{885794FF-E00B-45A5-93F9-E4317D5FD229}"/>
+                </a:ext>
+              </a:extLst>
+            </p:cNvPr>
+            <p:cNvSpPr/>
+            <p:nvPr/>
+          </p:nvSpPr>
+          <p:spPr>
+            <a:xfrm>
+              <a:off x="287686" y="1926654"/>
+              <a:ext cx="110219" cy="560622"/>
             </a:xfrm>
             <a:prstGeom prst="rect">
               <a:avLst/>
@@ -5983,12 +7467,79 @@
             </a:p>
           </p:txBody>
         </p:sp>
+      </p:grpSp>
+      <p:sp>
+        <p:nvSpPr>
+          <p:cNvPr id="167" name="Rectangle 166">
+            <a:extLst>
+              <a:ext uri="{FF2B5EF4-FFF2-40B4-BE49-F238E27FC236}">
+                <a16:creationId xmlns:a16="http://schemas.microsoft.com/office/drawing/2014/main" id="{CE8B1581-E732-4273-AEE7-1066333CD3AA}"/>
+              </a:ext>
+            </a:extLst>
+          </p:cNvPr>
+          <p:cNvSpPr/>
+          <p:nvPr/>
+        </p:nvSpPr>
+        <p:spPr>
+          <a:xfrm>
+            <a:off x="2234142" y="2444702"/>
+            <a:ext cx="99478" cy="471327"/>
+          </a:xfrm>
+          <a:prstGeom prst="rect">
+            <a:avLst/>
+          </a:prstGeom>
+        </p:spPr>
+        <p:style>
+          <a:lnRef idx="2">
+            <a:schemeClr val="accent3">
+              <a:shade val="50000"/>
+            </a:schemeClr>
+          </a:lnRef>
+          <a:fillRef idx="1">
+            <a:schemeClr val="accent3"/>
+          </a:fillRef>
+          <a:effectRef idx="0">
+            <a:schemeClr val="accent3"/>
+          </a:effectRef>
+          <a:fontRef idx="minor">
+            <a:schemeClr val="lt1"/>
+          </a:fontRef>
+        </p:style>
+        <p:txBody>
+          <a:bodyPr rtlCol="0" anchor="ctr"/>
+          <a:lstStyle/>
+          <a:p>
+            <a:pPr algn="ctr"/>
+            <a:endParaRPr lang="en-CA"/>
+          </a:p>
+        </p:txBody>
+      </p:sp>
+      <p:grpSp>
+        <p:nvGrpSpPr>
+          <p:cNvPr id="18" name="Group 17">
+            <a:extLst>
+              <a:ext uri="{FF2B5EF4-FFF2-40B4-BE49-F238E27FC236}">
+                <a16:creationId xmlns:a16="http://schemas.microsoft.com/office/drawing/2014/main" id="{3C8FB0B1-31BC-44E0-A999-006BA692DD75}"/>
+              </a:ext>
+            </a:extLst>
+          </p:cNvPr>
+          <p:cNvGrpSpPr/>
+          <p:nvPr/>
+        </p:nvGrpSpPr>
+        <p:grpSpPr>
+          <a:xfrm>
+            <a:off x="2034997" y="2370313"/>
+            <a:ext cx="185531" cy="411689"/>
+            <a:chOff x="1787444" y="2821621"/>
+            <a:chExt cx="168552" cy="374014"/>
+          </a:xfrm>
+        </p:grpSpPr>
         <p:sp>
           <p:nvSpPr>
-            <p:cNvPr id="87" name="Rectangle 86">
+            <p:cNvPr id="165" name="Rectangle 164">
               <a:extLst>
                 <a:ext uri="{FF2B5EF4-FFF2-40B4-BE49-F238E27FC236}">
-                  <a16:creationId xmlns:a16="http://schemas.microsoft.com/office/drawing/2014/main" id="{694D161D-5216-431B-9D1A-78DA13C9E990}"/>
+                  <a16:creationId xmlns:a16="http://schemas.microsoft.com/office/drawing/2014/main" id="{1ECC1DEC-B981-4054-95F8-046C7EA27DD9}"/>
                 </a:ext>
               </a:extLst>
             </p:cNvPr>
@@ -5997,8 +7548,8 @@
           </p:nvSpPr>
           <p:spPr>
             <a:xfrm>
-              <a:off x="2921377" y="2308496"/>
-              <a:ext cx="161324" cy="255890"/>
+              <a:off x="1787444" y="3007732"/>
+              <a:ext cx="168552" cy="187903"/>
             </a:xfrm>
             <a:prstGeom prst="rect">
               <a:avLst/>
@@ -6030,481 +7581,12 @@
             </a:p>
           </p:txBody>
         </p:sp>
-        <p:grpSp>
-          <p:nvGrpSpPr>
-            <p:cNvPr id="88" name="Group 87">
+        <p:sp>
+          <p:nvSpPr>
+            <p:cNvPr id="168" name="Rectangle 167">
               <a:extLst>
                 <a:ext uri="{FF2B5EF4-FFF2-40B4-BE49-F238E27FC236}">
-                  <a16:creationId xmlns:a16="http://schemas.microsoft.com/office/drawing/2014/main" id="{D062AE62-FBFF-47BF-926F-1BBA191A73E9}"/>
-                </a:ext>
-              </a:extLst>
-            </p:cNvPr>
-            <p:cNvGrpSpPr/>
-            <p:nvPr/>
-          </p:nvGrpSpPr>
-          <p:grpSpPr>
-            <a:xfrm>
-              <a:off x="2936497" y="2165958"/>
-              <a:ext cx="131084" cy="131084"/>
-              <a:chOff x="1589613" y="1750221"/>
-              <a:chExt cx="131084" cy="131084"/>
-            </a:xfrm>
-            <a:pattFill prst="pct30">
-              <a:fgClr>
-                <a:schemeClr val="tx1">
-                  <a:lumMod val="50000"/>
-                  <a:lumOff val="50000"/>
-                </a:schemeClr>
-              </a:fgClr>
-              <a:bgClr>
-                <a:schemeClr val="bg1"/>
-              </a:bgClr>
-            </a:pattFill>
-          </p:grpSpPr>
-          <p:sp>
-            <p:nvSpPr>
-              <p:cNvPr id="95" name="Rectangle 94">
-                <a:extLst>
-                  <a:ext uri="{FF2B5EF4-FFF2-40B4-BE49-F238E27FC236}">
-                    <a16:creationId xmlns:a16="http://schemas.microsoft.com/office/drawing/2014/main" id="{F003C87D-C181-48F1-AFFB-1F24CA2C7B32}"/>
-                  </a:ext>
-                </a:extLst>
-              </p:cNvPr>
-              <p:cNvSpPr/>
-              <p:nvPr/>
-            </p:nvSpPr>
-            <p:spPr>
-              <a:xfrm>
-                <a:off x="1589613" y="1751017"/>
-                <a:ext cx="131084" cy="129492"/>
-              </a:xfrm>
-              <a:prstGeom prst="rect">
-                <a:avLst/>
-              </a:prstGeom>
-              <a:grpFill/>
-            </p:spPr>
-            <p:style>
-              <a:lnRef idx="2">
-                <a:schemeClr val="accent3">
-                  <a:shade val="50000"/>
-                </a:schemeClr>
-              </a:lnRef>
-              <a:fillRef idx="1">
-                <a:schemeClr val="accent3"/>
-              </a:fillRef>
-              <a:effectRef idx="0">
-                <a:schemeClr val="accent3"/>
-              </a:effectRef>
-              <a:fontRef idx="minor">
-                <a:schemeClr val="lt1"/>
-              </a:fontRef>
-            </p:style>
-            <p:txBody>
-              <a:bodyPr rtlCol="0" anchor="ctr"/>
-              <a:lstStyle/>
-              <a:p>
-                <a:pPr algn="ctr"/>
-                <a:endParaRPr lang="en-CA" dirty="0"/>
-              </a:p>
-            </p:txBody>
-          </p:sp>
-          <p:cxnSp>
-            <p:nvCxnSpPr>
-              <p:cNvPr id="96" name="Straight Connector 95">
-                <a:extLst>
-                  <a:ext uri="{FF2B5EF4-FFF2-40B4-BE49-F238E27FC236}">
-                    <a16:creationId xmlns:a16="http://schemas.microsoft.com/office/drawing/2014/main" id="{BE2365B7-61ED-4CC1-9D9F-76DA8668E6EC}"/>
-                  </a:ext>
-                </a:extLst>
-              </p:cNvPr>
-              <p:cNvCxnSpPr>
-                <a:cxnSpLocks/>
-                <a:stCxn id="95" idx="1"/>
-                <a:endCxn id="95" idx="1"/>
-              </p:cNvCxnSpPr>
-              <p:nvPr/>
-            </p:nvCxnSpPr>
-            <p:spPr>
-              <a:xfrm>
-                <a:off x="1589613" y="1815763"/>
-                <a:ext cx="0" cy="0"/>
-              </a:xfrm>
-              <a:prstGeom prst="line">
-                <a:avLst/>
-              </a:prstGeom>
-              <a:grpFill/>
-            </p:spPr>
-            <p:style>
-              <a:lnRef idx="1">
-                <a:schemeClr val="accent1"/>
-              </a:lnRef>
-              <a:fillRef idx="0">
-                <a:schemeClr val="accent1"/>
-              </a:fillRef>
-              <a:effectRef idx="0">
-                <a:schemeClr val="accent1"/>
-              </a:effectRef>
-              <a:fontRef idx="minor">
-                <a:schemeClr val="tx1"/>
-              </a:fontRef>
-            </p:style>
-          </p:cxnSp>
-          <p:grpSp>
-            <p:nvGrpSpPr>
-              <p:cNvPr id="97" name="Group 96">
-                <a:extLst>
-                  <a:ext uri="{FF2B5EF4-FFF2-40B4-BE49-F238E27FC236}">
-                    <a16:creationId xmlns:a16="http://schemas.microsoft.com/office/drawing/2014/main" id="{88FA6835-89FF-4DC2-9079-66F3BD277906}"/>
-                  </a:ext>
-                </a:extLst>
-              </p:cNvPr>
-              <p:cNvGrpSpPr/>
-              <p:nvPr/>
-            </p:nvGrpSpPr>
-            <p:grpSpPr>
-              <a:xfrm rot="2700000">
-                <a:off x="1589613" y="1751017"/>
-                <a:ext cx="131084" cy="129492"/>
-                <a:chOff x="1589613" y="1751017"/>
-                <a:chExt cx="131084" cy="129492"/>
-              </a:xfrm>
-              <a:grpFill/>
-            </p:grpSpPr>
-            <p:cxnSp>
-              <p:nvCxnSpPr>
-                <p:cNvPr id="98" name="Straight Connector 97">
-                  <a:extLst>
-                    <a:ext uri="{FF2B5EF4-FFF2-40B4-BE49-F238E27FC236}">
-                      <a16:creationId xmlns:a16="http://schemas.microsoft.com/office/drawing/2014/main" id="{3D07DB04-565C-45CA-AE38-FAFC60DA90AE}"/>
-                    </a:ext>
-                  </a:extLst>
-                </p:cNvPr>
-                <p:cNvCxnSpPr>
-                  <a:cxnSpLocks/>
-                  <a:stCxn id="95" idx="3"/>
-                  <a:endCxn id="95" idx="1"/>
-                </p:cNvCxnSpPr>
-                <p:nvPr/>
-              </p:nvCxnSpPr>
-              <p:spPr>
-                <a:xfrm flipH="1">
-                  <a:off x="1589613" y="1815763"/>
-                  <a:ext cx="131084" cy="0"/>
-                </a:xfrm>
-                <a:prstGeom prst="line">
-                  <a:avLst/>
-                </a:prstGeom>
-                <a:grpFill/>
-              </p:spPr>
-              <p:style>
-                <a:lnRef idx="1">
-                  <a:schemeClr val="dk1"/>
-                </a:lnRef>
-                <a:fillRef idx="0">
-                  <a:schemeClr val="dk1"/>
-                </a:fillRef>
-                <a:effectRef idx="0">
-                  <a:schemeClr val="dk1"/>
-                </a:effectRef>
-                <a:fontRef idx="minor">
-                  <a:schemeClr val="tx1"/>
-                </a:fontRef>
-              </p:style>
-            </p:cxnSp>
-            <p:cxnSp>
-              <p:nvCxnSpPr>
-                <p:cNvPr id="99" name="Straight Connector 98">
-                  <a:extLst>
-                    <a:ext uri="{FF2B5EF4-FFF2-40B4-BE49-F238E27FC236}">
-                      <a16:creationId xmlns:a16="http://schemas.microsoft.com/office/drawing/2014/main" id="{F6F3FD54-BDA5-4D76-A1BD-C78A6B8497DB}"/>
-                    </a:ext>
-                  </a:extLst>
-                </p:cNvPr>
-                <p:cNvCxnSpPr>
-                  <a:cxnSpLocks/>
-                  <a:stCxn id="95" idx="0"/>
-                  <a:endCxn id="95" idx="2"/>
-                </p:cNvCxnSpPr>
-                <p:nvPr/>
-              </p:nvCxnSpPr>
-              <p:spPr>
-                <a:xfrm>
-                  <a:off x="1655155" y="1751017"/>
-                  <a:ext cx="0" cy="129492"/>
-                </a:xfrm>
-                <a:prstGeom prst="line">
-                  <a:avLst/>
-                </a:prstGeom>
-                <a:grpFill/>
-              </p:spPr>
-              <p:style>
-                <a:lnRef idx="1">
-                  <a:schemeClr val="dk1"/>
-                </a:lnRef>
-                <a:fillRef idx="0">
-                  <a:schemeClr val="dk1"/>
-                </a:fillRef>
-                <a:effectRef idx="0">
-                  <a:schemeClr val="dk1"/>
-                </a:effectRef>
-                <a:fontRef idx="minor">
-                  <a:schemeClr val="tx1"/>
-                </a:fontRef>
-              </p:style>
-            </p:cxnSp>
-          </p:grpSp>
-        </p:grpSp>
-        <p:grpSp>
-          <p:nvGrpSpPr>
-            <p:cNvPr id="89" name="Group 88">
-              <a:extLst>
-                <a:ext uri="{FF2B5EF4-FFF2-40B4-BE49-F238E27FC236}">
-                  <a16:creationId xmlns:a16="http://schemas.microsoft.com/office/drawing/2014/main" id="{56668146-4D87-4FD3-92E5-A251DDBDC933}"/>
-                </a:ext>
-              </a:extLst>
-            </p:cNvPr>
-            <p:cNvGrpSpPr/>
-            <p:nvPr/>
-          </p:nvGrpSpPr>
-          <p:grpSpPr>
-            <a:xfrm>
-              <a:off x="2936497" y="2574026"/>
-              <a:ext cx="131084" cy="131084"/>
-              <a:chOff x="1589613" y="1750221"/>
-              <a:chExt cx="131084" cy="131084"/>
-            </a:xfrm>
-            <a:pattFill prst="pct30">
-              <a:fgClr>
-                <a:schemeClr val="tx1">
-                  <a:lumMod val="50000"/>
-                  <a:lumOff val="50000"/>
-                </a:schemeClr>
-              </a:fgClr>
-              <a:bgClr>
-                <a:schemeClr val="bg1"/>
-              </a:bgClr>
-            </a:pattFill>
-          </p:grpSpPr>
-          <p:sp>
-            <p:nvSpPr>
-              <p:cNvPr id="90" name="Rectangle 89">
-                <a:extLst>
-                  <a:ext uri="{FF2B5EF4-FFF2-40B4-BE49-F238E27FC236}">
-                    <a16:creationId xmlns:a16="http://schemas.microsoft.com/office/drawing/2014/main" id="{2CDDF3CA-49BA-44AF-892C-BCD10BE0E819}"/>
-                  </a:ext>
-                </a:extLst>
-              </p:cNvPr>
-              <p:cNvSpPr/>
-              <p:nvPr/>
-            </p:nvSpPr>
-            <p:spPr>
-              <a:xfrm>
-                <a:off x="1589613" y="1751017"/>
-                <a:ext cx="131084" cy="129492"/>
-              </a:xfrm>
-              <a:prstGeom prst="rect">
-                <a:avLst/>
-              </a:prstGeom>
-              <a:grpFill/>
-            </p:spPr>
-            <p:style>
-              <a:lnRef idx="2">
-                <a:schemeClr val="accent3">
-                  <a:shade val="50000"/>
-                </a:schemeClr>
-              </a:lnRef>
-              <a:fillRef idx="1">
-                <a:schemeClr val="accent3"/>
-              </a:fillRef>
-              <a:effectRef idx="0">
-                <a:schemeClr val="accent3"/>
-              </a:effectRef>
-              <a:fontRef idx="minor">
-                <a:schemeClr val="lt1"/>
-              </a:fontRef>
-            </p:style>
-            <p:txBody>
-              <a:bodyPr rtlCol="0" anchor="ctr"/>
-              <a:lstStyle/>
-              <a:p>
-                <a:pPr algn="ctr"/>
-                <a:endParaRPr lang="en-CA" dirty="0"/>
-              </a:p>
-            </p:txBody>
-          </p:sp>
-          <p:cxnSp>
-            <p:nvCxnSpPr>
-              <p:cNvPr id="91" name="Straight Connector 90">
-                <a:extLst>
-                  <a:ext uri="{FF2B5EF4-FFF2-40B4-BE49-F238E27FC236}">
-                    <a16:creationId xmlns:a16="http://schemas.microsoft.com/office/drawing/2014/main" id="{62D4F664-72CE-46F3-B69F-6C3335795496}"/>
-                  </a:ext>
-                </a:extLst>
-              </p:cNvPr>
-              <p:cNvCxnSpPr>
-                <a:cxnSpLocks/>
-                <a:stCxn id="90" idx="1"/>
-                <a:endCxn id="90" idx="1"/>
-              </p:cNvCxnSpPr>
-              <p:nvPr/>
-            </p:nvCxnSpPr>
-            <p:spPr>
-              <a:xfrm>
-                <a:off x="1589613" y="1815763"/>
-                <a:ext cx="0" cy="0"/>
-              </a:xfrm>
-              <a:prstGeom prst="line">
-                <a:avLst/>
-              </a:prstGeom>
-              <a:grpFill/>
-            </p:spPr>
-            <p:style>
-              <a:lnRef idx="1">
-                <a:schemeClr val="accent1"/>
-              </a:lnRef>
-              <a:fillRef idx="0">
-                <a:schemeClr val="accent1"/>
-              </a:fillRef>
-              <a:effectRef idx="0">
-                <a:schemeClr val="accent1"/>
-              </a:effectRef>
-              <a:fontRef idx="minor">
-                <a:schemeClr val="tx1"/>
-              </a:fontRef>
-            </p:style>
-          </p:cxnSp>
-          <p:grpSp>
-            <p:nvGrpSpPr>
-              <p:cNvPr id="92" name="Group 91">
-                <a:extLst>
-                  <a:ext uri="{FF2B5EF4-FFF2-40B4-BE49-F238E27FC236}">
-                    <a16:creationId xmlns:a16="http://schemas.microsoft.com/office/drawing/2014/main" id="{4D92CA03-B260-499E-9048-BBCF674FFB10}"/>
-                  </a:ext>
-                </a:extLst>
-              </p:cNvPr>
-              <p:cNvGrpSpPr/>
-              <p:nvPr/>
-            </p:nvGrpSpPr>
-            <p:grpSpPr>
-              <a:xfrm rot="2700000">
-                <a:off x="1589613" y="1751017"/>
-                <a:ext cx="131084" cy="129492"/>
-                <a:chOff x="1589613" y="1751017"/>
-                <a:chExt cx="131084" cy="129492"/>
-              </a:xfrm>
-              <a:grpFill/>
-            </p:grpSpPr>
-            <p:cxnSp>
-              <p:nvCxnSpPr>
-                <p:cNvPr id="93" name="Straight Connector 92">
-                  <a:extLst>
-                    <a:ext uri="{FF2B5EF4-FFF2-40B4-BE49-F238E27FC236}">
-                      <a16:creationId xmlns:a16="http://schemas.microsoft.com/office/drawing/2014/main" id="{E6838D3A-8A45-4DD9-B1F9-FEF19476440C}"/>
-                    </a:ext>
-                  </a:extLst>
-                </p:cNvPr>
-                <p:cNvCxnSpPr>
-                  <a:cxnSpLocks/>
-                  <a:stCxn id="90" idx="3"/>
-                  <a:endCxn id="90" idx="1"/>
-                </p:cNvCxnSpPr>
-                <p:nvPr/>
-              </p:nvCxnSpPr>
-              <p:spPr>
-                <a:xfrm flipH="1">
-                  <a:off x="1589613" y="1815763"/>
-                  <a:ext cx="131084" cy="0"/>
-                </a:xfrm>
-                <a:prstGeom prst="line">
-                  <a:avLst/>
-                </a:prstGeom>
-                <a:grpFill/>
-              </p:spPr>
-              <p:style>
-                <a:lnRef idx="1">
-                  <a:schemeClr val="dk1"/>
-                </a:lnRef>
-                <a:fillRef idx="0">
-                  <a:schemeClr val="dk1"/>
-                </a:fillRef>
-                <a:effectRef idx="0">
-                  <a:schemeClr val="dk1"/>
-                </a:effectRef>
-                <a:fontRef idx="minor">
-                  <a:schemeClr val="tx1"/>
-                </a:fontRef>
-              </p:style>
-            </p:cxnSp>
-            <p:cxnSp>
-              <p:nvCxnSpPr>
-                <p:cNvPr id="94" name="Straight Connector 93">
-                  <a:extLst>
-                    <a:ext uri="{FF2B5EF4-FFF2-40B4-BE49-F238E27FC236}">
-                      <a16:creationId xmlns:a16="http://schemas.microsoft.com/office/drawing/2014/main" id="{83F5EFF2-08E1-4B1C-BB81-10518A529AD6}"/>
-                    </a:ext>
-                  </a:extLst>
-                </p:cNvPr>
-                <p:cNvCxnSpPr>
-                  <a:cxnSpLocks/>
-                  <a:stCxn id="90" idx="0"/>
-                  <a:endCxn id="90" idx="2"/>
-                </p:cNvCxnSpPr>
-                <p:nvPr/>
-              </p:nvCxnSpPr>
-              <p:spPr>
-                <a:xfrm>
-                  <a:off x="1655155" y="1751017"/>
-                  <a:ext cx="0" cy="129492"/>
-                </a:xfrm>
-                <a:prstGeom prst="line">
-                  <a:avLst/>
-                </a:prstGeom>
-                <a:grpFill/>
-              </p:spPr>
-              <p:style>
-                <a:lnRef idx="1">
-                  <a:schemeClr val="dk1"/>
-                </a:lnRef>
-                <a:fillRef idx="0">
-                  <a:schemeClr val="dk1"/>
-                </a:fillRef>
-                <a:effectRef idx="0">
-                  <a:schemeClr val="dk1"/>
-                </a:effectRef>
-                <a:fontRef idx="minor">
-                  <a:schemeClr val="tx1"/>
-                </a:fontRef>
-              </p:style>
-            </p:cxnSp>
-          </p:grpSp>
-        </p:grpSp>
-      </p:grpSp>
-      <p:grpSp>
-        <p:nvGrpSpPr>
-          <p:cNvPr id="122" name="Group 121">
-            <a:extLst>
-              <a:ext uri="{FF2B5EF4-FFF2-40B4-BE49-F238E27FC236}">
-                <a16:creationId xmlns:a16="http://schemas.microsoft.com/office/drawing/2014/main" id="{3F178689-E5E0-47B3-A087-46BBA3E2BDD2}"/>
-              </a:ext>
-            </a:extLst>
-          </p:cNvPr>
-          <p:cNvGrpSpPr/>
-          <p:nvPr/>
-        </p:nvGrpSpPr>
-        <p:grpSpPr>
-          <a:xfrm>
-            <a:off x="462616" y="2488932"/>
-            <a:ext cx="420234" cy="386579"/>
-            <a:chOff x="1463993" y="1067550"/>
-            <a:chExt cx="337864" cy="310807"/>
-          </a:xfrm>
-        </p:grpSpPr>
-        <p:sp>
-          <p:nvSpPr>
-            <p:cNvPr id="120" name="Oval 119">
-              <a:extLst>
-                <a:ext uri="{FF2B5EF4-FFF2-40B4-BE49-F238E27FC236}">
-                  <a16:creationId xmlns:a16="http://schemas.microsoft.com/office/drawing/2014/main" id="{53E7D4CB-0DDD-4A94-8AB2-052007032A53}"/>
+                  <a16:creationId xmlns:a16="http://schemas.microsoft.com/office/drawing/2014/main" id="{9FA3EF9F-96E9-40F8-96E0-1BFE8C5CDA1A}"/>
                 </a:ext>
               </a:extLst>
             </p:cNvPr>
@@ -6513,30 +7595,30 @@
           </p:nvSpPr>
           <p:spPr>
             <a:xfrm>
-              <a:off x="1705938" y="1145252"/>
-              <a:ext cx="95919" cy="155403"/>
+              <a:off x="1844021" y="2929467"/>
+              <a:ext cx="55398" cy="77772"/>
             </a:xfrm>
-            <a:prstGeom prst="ellipse">
+            <a:prstGeom prst="rect">
               <a:avLst/>
             </a:prstGeom>
             <a:solidFill>
-              <a:srgbClr val="ED7D31"/>
+              <a:schemeClr val="tx1">
+                <a:lumMod val="50000"/>
+                <a:lumOff val="50000"/>
+              </a:schemeClr>
             </a:solidFill>
-            <a:ln>
-              <a:noFill/>
-            </a:ln>
           </p:spPr>
           <p:style>
             <a:lnRef idx="2">
-              <a:schemeClr val="accent1">
+              <a:schemeClr val="accent3">
                 <a:shade val="50000"/>
               </a:schemeClr>
             </a:lnRef>
             <a:fillRef idx="1">
-              <a:schemeClr val="accent1"/>
+              <a:schemeClr val="accent3"/>
             </a:fillRef>
             <a:effectRef idx="0">
-              <a:schemeClr val="accent1"/>
+              <a:schemeClr val="accent3"/>
             </a:effectRef>
             <a:fontRef idx="minor">
               <a:schemeClr val="lt1"/>
@@ -6551,175 +7633,109 @@
             </a:p>
           </p:txBody>
         </p:sp>
-        <p:grpSp>
-          <p:nvGrpSpPr>
-            <p:cNvPr id="121" name="Group 120">
+        <p:sp>
+          <p:nvSpPr>
+            <p:cNvPr id="17" name="Cylinder 16">
               <a:extLst>
                 <a:ext uri="{FF2B5EF4-FFF2-40B4-BE49-F238E27FC236}">
-                  <a16:creationId xmlns:a16="http://schemas.microsoft.com/office/drawing/2014/main" id="{68D99F5A-9622-442D-837D-B5E6EAFDB58A}"/>
+                  <a16:creationId xmlns:a16="http://schemas.microsoft.com/office/drawing/2014/main" id="{982863C7-2D10-4890-841F-AB1888110B00}"/>
                 </a:ext>
               </a:extLst>
             </p:cNvPr>
-            <p:cNvGrpSpPr/>
+            <p:cNvSpPr/>
             <p:nvPr/>
-          </p:nvGrpSpPr>
-          <p:grpSpPr>
+          </p:nvSpPr>
+          <p:spPr>
             <a:xfrm>
-              <a:off x="1463993" y="1067550"/>
-              <a:ext cx="315414" cy="310807"/>
-              <a:chOff x="1463993" y="1067550"/>
-              <a:chExt cx="315414" cy="310807"/>
+              <a:off x="1836261" y="2821621"/>
+              <a:ext cx="70918" cy="146732"/>
             </a:xfrm>
+            <a:prstGeom prst="can">
+              <a:avLst>
+                <a:gd name="adj" fmla="val 55222"/>
+              </a:avLst>
+            </a:prstGeom>
             <a:solidFill>
-              <a:srgbClr val="A5A5A5"/>
+              <a:schemeClr val="tx1"/>
             </a:solidFill>
-          </p:grpSpPr>
-          <p:sp>
-            <p:nvSpPr>
-              <p:cNvPr id="119" name="Rectangle 118">
-                <a:extLst>
-                  <a:ext uri="{FF2B5EF4-FFF2-40B4-BE49-F238E27FC236}">
-                    <a16:creationId xmlns:a16="http://schemas.microsoft.com/office/drawing/2014/main" id="{380B32E9-AAB3-44FF-8373-91AD6D40F06C}"/>
-                  </a:ext>
-                </a:extLst>
-              </p:cNvPr>
-              <p:cNvSpPr/>
-              <p:nvPr/>
-            </p:nvSpPr>
-            <p:spPr>
-              <a:xfrm>
-                <a:off x="1463993" y="1067550"/>
-                <a:ext cx="157707" cy="310807"/>
-              </a:xfrm>
-              <a:prstGeom prst="rect">
-                <a:avLst/>
-              </a:prstGeom>
-              <a:grpFill/>
-              <a:ln>
-                <a:noFill/>
-              </a:ln>
-            </p:spPr>
-            <p:style>
-              <a:lnRef idx="2">
-                <a:schemeClr val="accent1">
-                  <a:shade val="50000"/>
-                </a:schemeClr>
-              </a:lnRef>
-              <a:fillRef idx="1">
-                <a:schemeClr val="accent1"/>
-              </a:fillRef>
-              <a:effectRef idx="0">
-                <a:schemeClr val="accent1"/>
-              </a:effectRef>
-              <a:fontRef idx="minor">
-                <a:schemeClr val="lt1"/>
-              </a:fontRef>
-            </p:style>
-            <p:txBody>
-              <a:bodyPr rtlCol="0" anchor="ctr"/>
-              <a:lstStyle/>
-              <a:p>
-                <a:pPr algn="ctr"/>
-                <a:endParaRPr lang="en-CA"/>
-              </a:p>
-            </p:txBody>
-          </p:sp>
-          <p:sp>
-            <p:nvSpPr>
-              <p:cNvPr id="118" name="Oval 117">
-                <a:extLst>
-                  <a:ext uri="{FF2B5EF4-FFF2-40B4-BE49-F238E27FC236}">
-                    <a16:creationId xmlns:a16="http://schemas.microsoft.com/office/drawing/2014/main" id="{72A0621A-B847-43D4-8F4E-845185BC7EB8}"/>
-                  </a:ext>
-                </a:extLst>
-              </p:cNvPr>
-              <p:cNvSpPr/>
-              <p:nvPr/>
-            </p:nvSpPr>
-            <p:spPr>
-              <a:xfrm>
-                <a:off x="1463993" y="1067550"/>
-                <a:ext cx="315414" cy="310806"/>
-              </a:xfrm>
-              <a:prstGeom prst="ellipse">
-                <a:avLst/>
-              </a:prstGeom>
-              <a:grpFill/>
-              <a:ln>
-                <a:noFill/>
-              </a:ln>
-            </p:spPr>
-            <p:style>
-              <a:lnRef idx="2">
-                <a:schemeClr val="accent1">
-                  <a:shade val="50000"/>
-                </a:schemeClr>
-              </a:lnRef>
-              <a:fillRef idx="1">
-                <a:schemeClr val="accent1"/>
-              </a:fillRef>
-              <a:effectRef idx="0">
-                <a:schemeClr val="accent1"/>
-              </a:effectRef>
-              <a:fontRef idx="minor">
-                <a:schemeClr val="lt1"/>
-              </a:fontRef>
-            </p:style>
-            <p:txBody>
-              <a:bodyPr rtlCol="0" anchor="ctr"/>
-              <a:lstStyle/>
-              <a:p>
-                <a:pPr algn="ctr"/>
-                <a:endParaRPr lang="en-CA"/>
-              </a:p>
-            </p:txBody>
-          </p:sp>
-        </p:grpSp>
+            <a:ln>
+              <a:solidFill>
+                <a:schemeClr val="tx1"/>
+              </a:solidFill>
+            </a:ln>
+          </p:spPr>
+          <p:style>
+            <a:lnRef idx="2">
+              <a:schemeClr val="dk1">
+                <a:shade val="50000"/>
+              </a:schemeClr>
+            </a:lnRef>
+            <a:fillRef idx="1">
+              <a:schemeClr val="dk1"/>
+            </a:fillRef>
+            <a:effectRef idx="0">
+              <a:schemeClr val="dk1"/>
+            </a:effectRef>
+            <a:fontRef idx="minor">
+              <a:schemeClr val="lt1"/>
+            </a:fontRef>
+          </p:style>
+          <p:txBody>
+            <a:bodyPr rtlCol="0" anchor="ctr"/>
+            <a:lstStyle/>
+            <a:p>
+              <a:pPr algn="ctr"/>
+              <a:endParaRPr lang="en-CA"/>
+            </a:p>
+          </p:txBody>
+        </p:sp>
       </p:grpSp>
-      <p:cxnSp>
-        <p:nvCxnSpPr>
-          <p:cNvPr id="131" name="Straight Connector 130">
+      <p:sp>
+        <p:nvSpPr>
+          <p:cNvPr id="163" name="Rectangle 162">
             <a:extLst>
               <a:ext uri="{FF2B5EF4-FFF2-40B4-BE49-F238E27FC236}">
-                <a16:creationId xmlns:a16="http://schemas.microsoft.com/office/drawing/2014/main" id="{6ADA9C45-5711-4962-A5DF-617F7888BE96}"/>
+                <a16:creationId xmlns:a16="http://schemas.microsoft.com/office/drawing/2014/main" id="{C340B193-78FA-4346-881F-B390D1D85424}"/>
               </a:ext>
             </a:extLst>
           </p:cNvPr>
-          <p:cNvCxnSpPr>
-            <a:cxnSpLocks/>
-            <a:stCxn id="120" idx="6"/>
-          </p:cNvCxnSpPr>
+          <p:cNvSpPr/>
           <p:nvPr/>
-        </p:nvCxnSpPr>
+        </p:nvSpPr>
         <p:spPr>
           <a:xfrm>
-            <a:off x="882849" y="2682223"/>
-            <a:ext cx="1011473" cy="172545"/>
+            <a:off x="2538705" y="2442922"/>
+            <a:ext cx="99478" cy="471327"/>
           </a:xfrm>
-          <a:prstGeom prst="line">
+          <a:prstGeom prst="rect">
             <a:avLst/>
           </a:prstGeom>
-          <a:ln w="6350">
-            <a:solidFill>
-              <a:srgbClr val="7030A0"/>
-            </a:solidFill>
-          </a:ln>
         </p:spPr>
         <p:style>
-          <a:lnRef idx="1">
-            <a:schemeClr val="accent1"/>
+          <a:lnRef idx="2">
+            <a:schemeClr val="accent3">
+              <a:shade val="50000"/>
+            </a:schemeClr>
           </a:lnRef>
-          <a:fillRef idx="0">
-            <a:schemeClr val="accent1"/>
+          <a:fillRef idx="1">
+            <a:schemeClr val="accent3"/>
           </a:fillRef>
           <a:effectRef idx="0">
-            <a:schemeClr val="accent1"/>
+            <a:schemeClr val="accent3"/>
           </a:effectRef>
           <a:fontRef idx="minor">
-            <a:schemeClr val="tx1"/>
+            <a:schemeClr val="lt1"/>
           </a:fontRef>
         </p:style>
-      </p:cxnSp>
+        <p:txBody>
+          <a:bodyPr rtlCol="0" anchor="ctr"/>
+          <a:lstStyle/>
+          <a:p>
+            <a:pPr algn="ctr"/>
+            <a:endParaRPr lang="en-CA"/>
+          </a:p>
+        </p:txBody>
+      </p:sp>
       <p:grpSp>
         <p:nvGrpSpPr>
           <p:cNvPr id="24" name="Group 23">
@@ -6734,8 +7750,8 @@
         </p:nvGrpSpPr>
         <p:grpSpPr>
           <a:xfrm>
-            <a:off x="2226247" y="2380920"/>
-            <a:ext cx="674588" cy="602603"/>
+            <a:off x="2648220" y="2399993"/>
+            <a:ext cx="459334" cy="557184"/>
             <a:chOff x="1103387" y="884237"/>
             <a:chExt cx="338782" cy="317500"/>
           </a:xfrm>
@@ -6960,30 +7976,1412 @@
           </p:sp>
         </p:grpSp>
       </p:grpSp>
+      <p:grpSp>
+        <p:nvGrpSpPr>
+          <p:cNvPr id="172" name="Group 171">
+            <a:extLst>
+              <a:ext uri="{FF2B5EF4-FFF2-40B4-BE49-F238E27FC236}">
+                <a16:creationId xmlns:a16="http://schemas.microsoft.com/office/drawing/2014/main" id="{8FEC2451-1A0B-4A37-BA89-CE9E9B7EA8E9}"/>
+              </a:ext>
+            </a:extLst>
+          </p:cNvPr>
+          <p:cNvGrpSpPr/>
+          <p:nvPr/>
+        </p:nvGrpSpPr>
+        <p:grpSpPr>
+          <a:xfrm>
+            <a:off x="3118970" y="2358653"/>
+            <a:ext cx="401497" cy="639865"/>
+            <a:chOff x="973560" y="2818245"/>
+            <a:chExt cx="364754" cy="581309"/>
+          </a:xfrm>
+        </p:grpSpPr>
+        <p:sp>
+          <p:nvSpPr>
+            <p:cNvPr id="209" name="Rectangle 208">
+              <a:extLst>
+                <a:ext uri="{FF2B5EF4-FFF2-40B4-BE49-F238E27FC236}">
+                  <a16:creationId xmlns:a16="http://schemas.microsoft.com/office/drawing/2014/main" id="{02952DA6-EA9D-4E5E-82A0-10B1843502D5}"/>
+                </a:ext>
+              </a:extLst>
+            </p:cNvPr>
+            <p:cNvSpPr/>
+            <p:nvPr/>
+          </p:nvSpPr>
+          <p:spPr>
+            <a:xfrm>
+              <a:off x="973560" y="2894750"/>
+              <a:ext cx="90374" cy="428194"/>
+            </a:xfrm>
+            <a:prstGeom prst="rect">
+              <a:avLst/>
+            </a:prstGeom>
+          </p:spPr>
+          <p:style>
+            <a:lnRef idx="2">
+              <a:schemeClr val="accent3">
+                <a:shade val="50000"/>
+              </a:schemeClr>
+            </a:lnRef>
+            <a:fillRef idx="1">
+              <a:schemeClr val="accent3"/>
+            </a:fillRef>
+            <a:effectRef idx="0">
+              <a:schemeClr val="accent3"/>
+            </a:effectRef>
+            <a:fontRef idx="minor">
+              <a:schemeClr val="lt1"/>
+            </a:fontRef>
+          </p:style>
+          <p:txBody>
+            <a:bodyPr rtlCol="0" anchor="ctr"/>
+            <a:lstStyle/>
+            <a:p>
+              <a:pPr algn="ctr"/>
+              <a:endParaRPr lang="en-CA"/>
+            </a:p>
+          </p:txBody>
+        </p:sp>
+        <p:sp>
+          <p:nvSpPr>
+            <p:cNvPr id="210" name="Rectangle 209">
+              <a:extLst>
+                <a:ext uri="{FF2B5EF4-FFF2-40B4-BE49-F238E27FC236}">
+                  <a16:creationId xmlns:a16="http://schemas.microsoft.com/office/drawing/2014/main" id="{C4B8E431-7848-42A0-AE47-F18B9A96161D}"/>
+                </a:ext>
+              </a:extLst>
+            </p:cNvPr>
+            <p:cNvSpPr/>
+            <p:nvPr/>
+          </p:nvSpPr>
+          <p:spPr>
+            <a:xfrm>
+              <a:off x="1247940" y="2894750"/>
+              <a:ext cx="90374" cy="428194"/>
+            </a:xfrm>
+            <a:prstGeom prst="rect">
+              <a:avLst/>
+            </a:prstGeom>
+          </p:spPr>
+          <p:style>
+            <a:lnRef idx="2">
+              <a:schemeClr val="accent3">
+                <a:shade val="50000"/>
+              </a:schemeClr>
+            </a:lnRef>
+            <a:fillRef idx="1">
+              <a:schemeClr val="accent3"/>
+            </a:fillRef>
+            <a:effectRef idx="0">
+              <a:schemeClr val="accent3"/>
+            </a:effectRef>
+            <a:fontRef idx="minor">
+              <a:schemeClr val="lt1"/>
+            </a:fontRef>
+          </p:style>
+          <p:txBody>
+            <a:bodyPr rtlCol="0" anchor="ctr"/>
+            <a:lstStyle/>
+            <a:p>
+              <a:pPr algn="ctr"/>
+              <a:endParaRPr lang="en-CA"/>
+            </a:p>
+          </p:txBody>
+        </p:sp>
+        <p:sp>
+          <p:nvSpPr>
+            <p:cNvPr id="211" name="Rectangle 210">
+              <a:extLst>
+                <a:ext uri="{FF2B5EF4-FFF2-40B4-BE49-F238E27FC236}">
+                  <a16:creationId xmlns:a16="http://schemas.microsoft.com/office/drawing/2014/main" id="{F8965C67-725F-4766-8FD9-15B221447A24}"/>
+                </a:ext>
+              </a:extLst>
+            </p:cNvPr>
+            <p:cNvSpPr/>
+            <p:nvPr/>
+          </p:nvSpPr>
+          <p:spPr>
+            <a:xfrm>
+              <a:off x="1071661" y="2975169"/>
+              <a:ext cx="168552" cy="267355"/>
+            </a:xfrm>
+            <a:prstGeom prst="rect">
+              <a:avLst/>
+            </a:prstGeom>
+            <a:noFill/>
+          </p:spPr>
+          <p:style>
+            <a:lnRef idx="2">
+              <a:schemeClr val="accent3">
+                <a:shade val="50000"/>
+              </a:schemeClr>
+            </a:lnRef>
+            <a:fillRef idx="1">
+              <a:schemeClr val="accent3"/>
+            </a:fillRef>
+            <a:effectRef idx="0">
+              <a:schemeClr val="accent3"/>
+            </a:effectRef>
+            <a:fontRef idx="minor">
+              <a:schemeClr val="lt1"/>
+            </a:fontRef>
+          </p:style>
+          <p:txBody>
+            <a:bodyPr rtlCol="0" anchor="ctr"/>
+            <a:lstStyle/>
+            <a:p>
+              <a:pPr algn="ctr"/>
+              <a:endParaRPr lang="en-CA"/>
+            </a:p>
+          </p:txBody>
+        </p:sp>
+        <p:grpSp>
+          <p:nvGrpSpPr>
+            <p:cNvPr id="212" name="Group 211">
+              <a:extLst>
+                <a:ext uri="{FF2B5EF4-FFF2-40B4-BE49-F238E27FC236}">
+                  <a16:creationId xmlns:a16="http://schemas.microsoft.com/office/drawing/2014/main" id="{3474DE54-BD93-458D-A332-E53BB03FC442}"/>
+                </a:ext>
+              </a:extLst>
+            </p:cNvPr>
+            <p:cNvGrpSpPr/>
+            <p:nvPr/>
+          </p:nvGrpSpPr>
+          <p:grpSpPr>
+            <a:xfrm>
+              <a:off x="1087458" y="2818245"/>
+              <a:ext cx="136957" cy="136957"/>
+              <a:chOff x="1589613" y="1750221"/>
+              <a:chExt cx="131084" cy="131084"/>
+            </a:xfrm>
+            <a:pattFill prst="pct30">
+              <a:fgClr>
+                <a:schemeClr val="tx1">
+                  <a:lumMod val="50000"/>
+                  <a:lumOff val="50000"/>
+                </a:schemeClr>
+              </a:fgClr>
+              <a:bgClr>
+                <a:schemeClr val="bg1"/>
+              </a:bgClr>
+            </a:pattFill>
+          </p:grpSpPr>
+          <p:sp>
+            <p:nvSpPr>
+              <p:cNvPr id="220" name="Rectangle 219">
+                <a:extLst>
+                  <a:ext uri="{FF2B5EF4-FFF2-40B4-BE49-F238E27FC236}">
+                    <a16:creationId xmlns:a16="http://schemas.microsoft.com/office/drawing/2014/main" id="{59F1911E-4820-4071-9BB8-29B771AAA5FE}"/>
+                  </a:ext>
+                </a:extLst>
+              </p:cNvPr>
+              <p:cNvSpPr/>
+              <p:nvPr/>
+            </p:nvSpPr>
+            <p:spPr>
+              <a:xfrm>
+                <a:off x="1589613" y="1751017"/>
+                <a:ext cx="131084" cy="129492"/>
+              </a:xfrm>
+              <a:prstGeom prst="rect">
+                <a:avLst/>
+              </a:prstGeom>
+              <a:grpFill/>
+            </p:spPr>
+            <p:style>
+              <a:lnRef idx="2">
+                <a:schemeClr val="accent3">
+                  <a:shade val="50000"/>
+                </a:schemeClr>
+              </a:lnRef>
+              <a:fillRef idx="1">
+                <a:schemeClr val="accent3"/>
+              </a:fillRef>
+              <a:effectRef idx="0">
+                <a:schemeClr val="accent3"/>
+              </a:effectRef>
+              <a:fontRef idx="minor">
+                <a:schemeClr val="lt1"/>
+              </a:fontRef>
+            </p:style>
+            <p:txBody>
+              <a:bodyPr rtlCol="0" anchor="ctr"/>
+              <a:lstStyle/>
+              <a:p>
+                <a:pPr algn="ctr"/>
+                <a:endParaRPr lang="en-CA" dirty="0"/>
+              </a:p>
+            </p:txBody>
+          </p:sp>
+          <p:cxnSp>
+            <p:nvCxnSpPr>
+              <p:cNvPr id="221" name="Straight Connector 220">
+                <a:extLst>
+                  <a:ext uri="{FF2B5EF4-FFF2-40B4-BE49-F238E27FC236}">
+                    <a16:creationId xmlns:a16="http://schemas.microsoft.com/office/drawing/2014/main" id="{79CB84DC-AAD6-4D96-93A3-AFBB4803CEFF}"/>
+                  </a:ext>
+                </a:extLst>
+              </p:cNvPr>
+              <p:cNvCxnSpPr>
+                <a:cxnSpLocks/>
+                <a:stCxn id="220" idx="1"/>
+                <a:endCxn id="220" idx="1"/>
+              </p:cNvCxnSpPr>
+              <p:nvPr/>
+            </p:nvCxnSpPr>
+            <p:spPr>
+              <a:xfrm>
+                <a:off x="1589613" y="1815763"/>
+                <a:ext cx="0" cy="0"/>
+              </a:xfrm>
+              <a:prstGeom prst="line">
+                <a:avLst/>
+              </a:prstGeom>
+              <a:grpFill/>
+            </p:spPr>
+            <p:style>
+              <a:lnRef idx="1">
+                <a:schemeClr val="accent1"/>
+              </a:lnRef>
+              <a:fillRef idx="0">
+                <a:schemeClr val="accent1"/>
+              </a:fillRef>
+              <a:effectRef idx="0">
+                <a:schemeClr val="accent1"/>
+              </a:effectRef>
+              <a:fontRef idx="minor">
+                <a:schemeClr val="tx1"/>
+              </a:fontRef>
+            </p:style>
+          </p:cxnSp>
+          <p:grpSp>
+            <p:nvGrpSpPr>
+              <p:cNvPr id="222" name="Group 221">
+                <a:extLst>
+                  <a:ext uri="{FF2B5EF4-FFF2-40B4-BE49-F238E27FC236}">
+                    <a16:creationId xmlns:a16="http://schemas.microsoft.com/office/drawing/2014/main" id="{912C5453-BE7A-40CC-802C-62D4B5D6648E}"/>
+                  </a:ext>
+                </a:extLst>
+              </p:cNvPr>
+              <p:cNvGrpSpPr/>
+              <p:nvPr/>
+            </p:nvGrpSpPr>
+            <p:grpSpPr>
+              <a:xfrm rot="2700000">
+                <a:off x="1589613" y="1751017"/>
+                <a:ext cx="131084" cy="129492"/>
+                <a:chOff x="1589613" y="1751017"/>
+                <a:chExt cx="131084" cy="129492"/>
+              </a:xfrm>
+              <a:grpFill/>
+            </p:grpSpPr>
+            <p:cxnSp>
+              <p:nvCxnSpPr>
+                <p:cNvPr id="223" name="Straight Connector 222">
+                  <a:extLst>
+                    <a:ext uri="{FF2B5EF4-FFF2-40B4-BE49-F238E27FC236}">
+                      <a16:creationId xmlns:a16="http://schemas.microsoft.com/office/drawing/2014/main" id="{FFF1220E-9B01-4824-A6F6-3D5E7578FB8A}"/>
+                    </a:ext>
+                  </a:extLst>
+                </p:cNvPr>
+                <p:cNvCxnSpPr>
+                  <a:cxnSpLocks/>
+                  <a:stCxn id="220" idx="3"/>
+                  <a:endCxn id="220" idx="1"/>
+                </p:cNvCxnSpPr>
+                <p:nvPr/>
+              </p:nvCxnSpPr>
+              <p:spPr>
+                <a:xfrm flipH="1">
+                  <a:off x="1589613" y="1815763"/>
+                  <a:ext cx="131084" cy="0"/>
+                </a:xfrm>
+                <a:prstGeom prst="line">
+                  <a:avLst/>
+                </a:prstGeom>
+                <a:grpFill/>
+              </p:spPr>
+              <p:style>
+                <a:lnRef idx="1">
+                  <a:schemeClr val="dk1"/>
+                </a:lnRef>
+                <a:fillRef idx="0">
+                  <a:schemeClr val="dk1"/>
+                </a:fillRef>
+                <a:effectRef idx="0">
+                  <a:schemeClr val="dk1"/>
+                </a:effectRef>
+                <a:fontRef idx="minor">
+                  <a:schemeClr val="tx1"/>
+                </a:fontRef>
+              </p:style>
+            </p:cxnSp>
+            <p:cxnSp>
+              <p:nvCxnSpPr>
+                <p:cNvPr id="224" name="Straight Connector 223">
+                  <a:extLst>
+                    <a:ext uri="{FF2B5EF4-FFF2-40B4-BE49-F238E27FC236}">
+                      <a16:creationId xmlns:a16="http://schemas.microsoft.com/office/drawing/2014/main" id="{CF972A3A-2E0E-4670-8E4D-53F9D0227B28}"/>
+                    </a:ext>
+                  </a:extLst>
+                </p:cNvPr>
+                <p:cNvCxnSpPr>
+                  <a:cxnSpLocks/>
+                  <a:stCxn id="220" idx="0"/>
+                  <a:endCxn id="220" idx="2"/>
+                </p:cNvCxnSpPr>
+                <p:nvPr/>
+              </p:nvCxnSpPr>
+              <p:spPr>
+                <a:xfrm>
+                  <a:off x="1655155" y="1751017"/>
+                  <a:ext cx="0" cy="129492"/>
+                </a:xfrm>
+                <a:prstGeom prst="line">
+                  <a:avLst/>
+                </a:prstGeom>
+                <a:grpFill/>
+              </p:spPr>
+              <p:style>
+                <a:lnRef idx="1">
+                  <a:schemeClr val="dk1"/>
+                </a:lnRef>
+                <a:fillRef idx="0">
+                  <a:schemeClr val="dk1"/>
+                </a:fillRef>
+                <a:effectRef idx="0">
+                  <a:schemeClr val="dk1"/>
+                </a:effectRef>
+                <a:fontRef idx="minor">
+                  <a:schemeClr val="tx1"/>
+                </a:fontRef>
+              </p:style>
+            </p:cxnSp>
+          </p:grpSp>
+        </p:grpSp>
+        <p:grpSp>
+          <p:nvGrpSpPr>
+            <p:cNvPr id="213" name="Group 212">
+              <a:extLst>
+                <a:ext uri="{FF2B5EF4-FFF2-40B4-BE49-F238E27FC236}">
+                  <a16:creationId xmlns:a16="http://schemas.microsoft.com/office/drawing/2014/main" id="{85E47073-8153-4251-A5BF-436ACD85348D}"/>
+                </a:ext>
+              </a:extLst>
+            </p:cNvPr>
+            <p:cNvGrpSpPr/>
+            <p:nvPr/>
+          </p:nvGrpSpPr>
+          <p:grpSpPr>
+            <a:xfrm>
+              <a:off x="1087458" y="3262597"/>
+              <a:ext cx="136957" cy="136957"/>
+              <a:chOff x="1589613" y="1750221"/>
+              <a:chExt cx="131084" cy="131084"/>
+            </a:xfrm>
+            <a:pattFill prst="pct30">
+              <a:fgClr>
+                <a:schemeClr val="tx1">
+                  <a:lumMod val="50000"/>
+                  <a:lumOff val="50000"/>
+                </a:schemeClr>
+              </a:fgClr>
+              <a:bgClr>
+                <a:schemeClr val="bg1"/>
+              </a:bgClr>
+            </a:pattFill>
+          </p:grpSpPr>
+          <p:sp>
+            <p:nvSpPr>
+              <p:cNvPr id="214" name="Rectangle 213">
+                <a:extLst>
+                  <a:ext uri="{FF2B5EF4-FFF2-40B4-BE49-F238E27FC236}">
+                    <a16:creationId xmlns:a16="http://schemas.microsoft.com/office/drawing/2014/main" id="{0D35BD4B-8F5C-41A0-8EC5-5E5287B298EA}"/>
+                  </a:ext>
+                </a:extLst>
+              </p:cNvPr>
+              <p:cNvSpPr/>
+              <p:nvPr/>
+            </p:nvSpPr>
+            <p:spPr>
+              <a:xfrm>
+                <a:off x="1589613" y="1751017"/>
+                <a:ext cx="131084" cy="129492"/>
+              </a:xfrm>
+              <a:prstGeom prst="rect">
+                <a:avLst/>
+              </a:prstGeom>
+              <a:grpFill/>
+            </p:spPr>
+            <p:style>
+              <a:lnRef idx="2">
+                <a:schemeClr val="accent3">
+                  <a:shade val="50000"/>
+                </a:schemeClr>
+              </a:lnRef>
+              <a:fillRef idx="1">
+                <a:schemeClr val="accent3"/>
+              </a:fillRef>
+              <a:effectRef idx="0">
+                <a:schemeClr val="accent3"/>
+              </a:effectRef>
+              <a:fontRef idx="minor">
+                <a:schemeClr val="lt1"/>
+              </a:fontRef>
+            </p:style>
+            <p:txBody>
+              <a:bodyPr rtlCol="0" anchor="ctr"/>
+              <a:lstStyle/>
+              <a:p>
+                <a:pPr algn="ctr"/>
+                <a:endParaRPr lang="en-CA" dirty="0"/>
+              </a:p>
+            </p:txBody>
+          </p:sp>
+          <p:cxnSp>
+            <p:nvCxnSpPr>
+              <p:cNvPr id="215" name="Straight Connector 214">
+                <a:extLst>
+                  <a:ext uri="{FF2B5EF4-FFF2-40B4-BE49-F238E27FC236}">
+                    <a16:creationId xmlns:a16="http://schemas.microsoft.com/office/drawing/2014/main" id="{B3447A75-F1C3-446B-B5F0-9FF767335D65}"/>
+                  </a:ext>
+                </a:extLst>
+              </p:cNvPr>
+              <p:cNvCxnSpPr>
+                <a:cxnSpLocks/>
+                <a:stCxn id="214" idx="1"/>
+                <a:endCxn id="214" idx="1"/>
+              </p:cNvCxnSpPr>
+              <p:nvPr/>
+            </p:nvCxnSpPr>
+            <p:spPr>
+              <a:xfrm>
+                <a:off x="1589613" y="1815763"/>
+                <a:ext cx="0" cy="0"/>
+              </a:xfrm>
+              <a:prstGeom prst="line">
+                <a:avLst/>
+              </a:prstGeom>
+              <a:grpFill/>
+            </p:spPr>
+            <p:style>
+              <a:lnRef idx="1">
+                <a:schemeClr val="accent1"/>
+              </a:lnRef>
+              <a:fillRef idx="0">
+                <a:schemeClr val="accent1"/>
+              </a:fillRef>
+              <a:effectRef idx="0">
+                <a:schemeClr val="accent1"/>
+              </a:effectRef>
+              <a:fontRef idx="minor">
+                <a:schemeClr val="tx1"/>
+              </a:fontRef>
+            </p:style>
+          </p:cxnSp>
+          <p:grpSp>
+            <p:nvGrpSpPr>
+              <p:cNvPr id="217" name="Group 216">
+                <a:extLst>
+                  <a:ext uri="{FF2B5EF4-FFF2-40B4-BE49-F238E27FC236}">
+                    <a16:creationId xmlns:a16="http://schemas.microsoft.com/office/drawing/2014/main" id="{97A1FC5E-922C-4B5B-A23D-F2AE928B7F18}"/>
+                  </a:ext>
+                </a:extLst>
+              </p:cNvPr>
+              <p:cNvGrpSpPr/>
+              <p:nvPr/>
+            </p:nvGrpSpPr>
+            <p:grpSpPr>
+              <a:xfrm rot="2700000">
+                <a:off x="1589613" y="1751017"/>
+                <a:ext cx="131084" cy="129492"/>
+                <a:chOff x="1589613" y="1751017"/>
+                <a:chExt cx="131084" cy="129492"/>
+              </a:xfrm>
+              <a:grpFill/>
+            </p:grpSpPr>
+            <p:cxnSp>
+              <p:nvCxnSpPr>
+                <p:cNvPr id="218" name="Straight Connector 217">
+                  <a:extLst>
+                    <a:ext uri="{FF2B5EF4-FFF2-40B4-BE49-F238E27FC236}">
+                      <a16:creationId xmlns:a16="http://schemas.microsoft.com/office/drawing/2014/main" id="{48A05DB0-FB75-438F-B620-52204939A8E9}"/>
+                    </a:ext>
+                  </a:extLst>
+                </p:cNvPr>
+                <p:cNvCxnSpPr>
+                  <a:cxnSpLocks/>
+                  <a:stCxn id="214" idx="3"/>
+                  <a:endCxn id="214" idx="1"/>
+                </p:cNvCxnSpPr>
+                <p:nvPr/>
+              </p:nvCxnSpPr>
+              <p:spPr>
+                <a:xfrm flipH="1">
+                  <a:off x="1589613" y="1815763"/>
+                  <a:ext cx="131084" cy="0"/>
+                </a:xfrm>
+                <a:prstGeom prst="line">
+                  <a:avLst/>
+                </a:prstGeom>
+                <a:grpFill/>
+              </p:spPr>
+              <p:style>
+                <a:lnRef idx="1">
+                  <a:schemeClr val="dk1"/>
+                </a:lnRef>
+                <a:fillRef idx="0">
+                  <a:schemeClr val="dk1"/>
+                </a:fillRef>
+                <a:effectRef idx="0">
+                  <a:schemeClr val="dk1"/>
+                </a:effectRef>
+                <a:fontRef idx="minor">
+                  <a:schemeClr val="tx1"/>
+                </a:fontRef>
+              </p:style>
+            </p:cxnSp>
+            <p:cxnSp>
+              <p:nvCxnSpPr>
+                <p:cNvPr id="219" name="Straight Connector 218">
+                  <a:extLst>
+                    <a:ext uri="{FF2B5EF4-FFF2-40B4-BE49-F238E27FC236}">
+                      <a16:creationId xmlns:a16="http://schemas.microsoft.com/office/drawing/2014/main" id="{E592DCD6-4049-4B4E-8B9F-017BBC7C0D72}"/>
+                    </a:ext>
+                  </a:extLst>
+                </p:cNvPr>
+                <p:cNvCxnSpPr>
+                  <a:cxnSpLocks/>
+                  <a:stCxn id="214" idx="0"/>
+                  <a:endCxn id="214" idx="2"/>
+                </p:cNvCxnSpPr>
+                <p:nvPr/>
+              </p:nvCxnSpPr>
+              <p:spPr>
+                <a:xfrm>
+                  <a:off x="1655155" y="1751017"/>
+                  <a:ext cx="0" cy="129492"/>
+                </a:xfrm>
+                <a:prstGeom prst="line">
+                  <a:avLst/>
+                </a:prstGeom>
+                <a:grpFill/>
+              </p:spPr>
+              <p:style>
+                <a:lnRef idx="1">
+                  <a:schemeClr val="dk1"/>
+                </a:lnRef>
+                <a:fillRef idx="0">
+                  <a:schemeClr val="dk1"/>
+                </a:fillRef>
+                <a:effectRef idx="0">
+                  <a:schemeClr val="dk1"/>
+                </a:effectRef>
+                <a:fontRef idx="minor">
+                  <a:schemeClr val="tx1"/>
+                </a:fontRef>
+              </p:style>
+            </p:cxnSp>
+          </p:grpSp>
+        </p:grpSp>
+      </p:grpSp>
+      <p:sp>
+        <p:nvSpPr>
+          <p:cNvPr id="241" name="Rectangle 240">
+            <a:extLst>
+              <a:ext uri="{FF2B5EF4-FFF2-40B4-BE49-F238E27FC236}">
+                <a16:creationId xmlns:a16="http://schemas.microsoft.com/office/drawing/2014/main" id="{AF586066-2A1C-4750-9877-752CBC6D8441}"/>
+              </a:ext>
+            </a:extLst>
+          </p:cNvPr>
+          <p:cNvSpPr/>
+          <p:nvPr/>
+        </p:nvSpPr>
+        <p:spPr>
+          <a:xfrm>
+            <a:off x="2342417" y="2531384"/>
+            <a:ext cx="185531" cy="294286"/>
+          </a:xfrm>
+          <a:prstGeom prst="rect">
+            <a:avLst/>
+          </a:prstGeom>
+          <a:noFill/>
+        </p:spPr>
+        <p:style>
+          <a:lnRef idx="2">
+            <a:schemeClr val="accent3">
+              <a:shade val="50000"/>
+            </a:schemeClr>
+          </a:lnRef>
+          <a:fillRef idx="1">
+            <a:schemeClr val="accent3"/>
+          </a:fillRef>
+          <a:effectRef idx="0">
+            <a:schemeClr val="accent3"/>
+          </a:effectRef>
+          <a:fontRef idx="minor">
+            <a:schemeClr val="lt1"/>
+          </a:fontRef>
+        </p:style>
+        <p:txBody>
+          <a:bodyPr rtlCol="0" anchor="ctr"/>
+          <a:lstStyle/>
+          <a:p>
+            <a:pPr algn="ctr"/>
+            <a:endParaRPr lang="en-CA"/>
+          </a:p>
+        </p:txBody>
+      </p:sp>
       <p:cxnSp>
         <p:nvCxnSpPr>
-          <p:cNvPr id="164" name="Straight Connector 163">
+          <p:cNvPr id="253" name="Straight Connector 252">
             <a:extLst>
               <a:ext uri="{FF2B5EF4-FFF2-40B4-BE49-F238E27FC236}">
-                <a16:creationId xmlns:a16="http://schemas.microsoft.com/office/drawing/2014/main" id="{18AD4BAE-528F-41C1-893D-6EAA7DE781D9}"/>
+                <a16:creationId xmlns:a16="http://schemas.microsoft.com/office/drawing/2014/main" id="{897C51D6-5F99-4B32-9AD7-3C86A1604462}"/>
               </a:ext>
             </a:extLst>
           </p:cNvPr>
           <p:cNvCxnSpPr>
             <a:cxnSpLocks/>
-            <a:endCxn id="174" idx="1"/>
           </p:cNvCxnSpPr>
           <p:nvPr/>
         </p:nvCxnSpPr>
         <p:spPr>
           <a:xfrm flipV="1">
-            <a:off x="3445868" y="2684394"/>
-            <a:ext cx="545361" cy="241209"/>
+            <a:off x="3624841" y="1957933"/>
+            <a:ext cx="0" cy="177631"/>
           </a:xfrm>
           <a:prstGeom prst="line">
             <a:avLst/>
           </a:prstGeom>
-          <a:ln w="12700">
+          <a:ln>
+            <a:solidFill>
+              <a:srgbClr val="FF0000"/>
+            </a:solidFill>
+          </a:ln>
+        </p:spPr>
+        <p:style>
+          <a:lnRef idx="2">
+            <a:schemeClr val="accent2"/>
+          </a:lnRef>
+          <a:fillRef idx="0">
+            <a:schemeClr val="accent2"/>
+          </a:fillRef>
+          <a:effectRef idx="1">
+            <a:schemeClr val="accent2"/>
+          </a:effectRef>
+          <a:fontRef idx="minor">
+            <a:schemeClr val="tx1"/>
+          </a:fontRef>
+        </p:style>
+      </p:cxnSp>
+      <p:grpSp>
+        <p:nvGrpSpPr>
+          <p:cNvPr id="298" name="Group 297">
+            <a:extLst>
+              <a:ext uri="{FF2B5EF4-FFF2-40B4-BE49-F238E27FC236}">
+                <a16:creationId xmlns:a16="http://schemas.microsoft.com/office/drawing/2014/main" id="{60FA4234-B6C4-4C93-B851-F24243A7C14D}"/>
+              </a:ext>
+            </a:extLst>
+          </p:cNvPr>
+          <p:cNvGrpSpPr/>
+          <p:nvPr/>
+        </p:nvGrpSpPr>
+        <p:grpSpPr>
+          <a:xfrm>
+            <a:off x="3568043" y="1677637"/>
+            <a:ext cx="2330937" cy="289721"/>
+            <a:chOff x="3568043" y="1677637"/>
+            <a:chExt cx="2330937" cy="289721"/>
+          </a:xfrm>
+        </p:grpSpPr>
+        <p:cxnSp>
+          <p:nvCxnSpPr>
+            <p:cNvPr id="198" name="Straight Connector 197">
+              <a:extLst>
+                <a:ext uri="{FF2B5EF4-FFF2-40B4-BE49-F238E27FC236}">
+                  <a16:creationId xmlns:a16="http://schemas.microsoft.com/office/drawing/2014/main" id="{B699FA86-3663-414F-8B1B-BB1A685DB6C0}"/>
+                </a:ext>
+              </a:extLst>
+            </p:cNvPr>
+            <p:cNvCxnSpPr>
+              <a:cxnSpLocks/>
+            </p:cNvCxnSpPr>
+            <p:nvPr/>
+          </p:nvCxnSpPr>
+          <p:spPr>
+            <a:xfrm flipH="1">
+              <a:off x="3624841" y="1960795"/>
+              <a:ext cx="1483196" cy="0"/>
+            </a:xfrm>
+            <a:prstGeom prst="line">
+              <a:avLst/>
+            </a:prstGeom>
+            <a:ln>
+              <a:solidFill>
+                <a:srgbClr val="FF0000"/>
+              </a:solidFill>
+            </a:ln>
+          </p:spPr>
+          <p:style>
+            <a:lnRef idx="2">
+              <a:schemeClr val="accent2"/>
+            </a:lnRef>
+            <a:fillRef idx="0">
+              <a:schemeClr val="accent2"/>
+            </a:fillRef>
+            <a:effectRef idx="1">
+              <a:schemeClr val="accent2"/>
+            </a:effectRef>
+            <a:fontRef idx="minor">
+              <a:schemeClr val="tx1"/>
+            </a:fontRef>
+          </p:style>
+        </p:cxnSp>
+        <p:cxnSp>
+          <p:nvCxnSpPr>
+            <p:cNvPr id="195" name="Straight Connector 194">
+              <a:extLst>
+                <a:ext uri="{FF2B5EF4-FFF2-40B4-BE49-F238E27FC236}">
+                  <a16:creationId xmlns:a16="http://schemas.microsoft.com/office/drawing/2014/main" id="{82299EC1-12F7-4055-9D60-C6EE69DF7BA3}"/>
+                </a:ext>
+              </a:extLst>
+            </p:cNvPr>
+            <p:cNvCxnSpPr>
+              <a:cxnSpLocks/>
+            </p:cNvCxnSpPr>
+            <p:nvPr/>
+          </p:nvCxnSpPr>
+          <p:spPr>
+            <a:xfrm flipH="1">
+              <a:off x="4724809" y="1797110"/>
+              <a:ext cx="365136" cy="4068"/>
+            </a:xfrm>
+            <a:prstGeom prst="line">
+              <a:avLst/>
+            </a:prstGeom>
+            <a:ln>
+              <a:solidFill>
+                <a:srgbClr val="FF0000"/>
+              </a:solidFill>
+            </a:ln>
+          </p:spPr>
+          <p:style>
+            <a:lnRef idx="2">
+              <a:schemeClr val="accent2"/>
+            </a:lnRef>
+            <a:fillRef idx="0">
+              <a:schemeClr val="accent2"/>
+            </a:fillRef>
+            <a:effectRef idx="1">
+              <a:schemeClr val="accent2"/>
+            </a:effectRef>
+            <a:fontRef idx="minor">
+              <a:schemeClr val="tx1"/>
+            </a:fontRef>
+          </p:style>
+        </p:cxnSp>
+        <p:cxnSp>
+          <p:nvCxnSpPr>
+            <p:cNvPr id="199" name="Straight Connector 198">
+              <a:extLst>
+                <a:ext uri="{FF2B5EF4-FFF2-40B4-BE49-F238E27FC236}">
+                  <a16:creationId xmlns:a16="http://schemas.microsoft.com/office/drawing/2014/main" id="{5C8110D9-DA17-4BC7-B13A-874B3B5D4C3E}"/>
+                </a:ext>
+              </a:extLst>
+            </p:cNvPr>
+            <p:cNvCxnSpPr>
+              <a:cxnSpLocks/>
+            </p:cNvCxnSpPr>
+            <p:nvPr/>
+          </p:nvCxnSpPr>
+          <p:spPr>
+            <a:xfrm flipV="1">
+              <a:off x="5088573" y="1791576"/>
+              <a:ext cx="0" cy="175782"/>
+            </a:xfrm>
+            <a:prstGeom prst="line">
+              <a:avLst/>
+            </a:prstGeom>
+            <a:ln>
+              <a:solidFill>
+                <a:srgbClr val="FF0000"/>
+              </a:solidFill>
+            </a:ln>
+          </p:spPr>
+          <p:style>
+            <a:lnRef idx="2">
+              <a:schemeClr val="accent2"/>
+            </a:lnRef>
+            <a:fillRef idx="0">
+              <a:schemeClr val="accent2"/>
+            </a:fillRef>
+            <a:effectRef idx="1">
+              <a:schemeClr val="accent2"/>
+            </a:effectRef>
+            <a:fontRef idx="minor">
+              <a:schemeClr val="tx1"/>
+            </a:fontRef>
+          </p:style>
+        </p:cxnSp>
+        <p:grpSp>
+          <p:nvGrpSpPr>
+            <p:cNvPr id="28" name="Group 27">
+              <a:extLst>
+                <a:ext uri="{FF2B5EF4-FFF2-40B4-BE49-F238E27FC236}">
+                  <a16:creationId xmlns:a16="http://schemas.microsoft.com/office/drawing/2014/main" id="{E44B0F40-DFD5-4270-A3B2-E544DA0F9DA5}"/>
+                </a:ext>
+              </a:extLst>
+            </p:cNvPr>
+            <p:cNvGrpSpPr/>
+            <p:nvPr/>
+          </p:nvGrpSpPr>
+          <p:grpSpPr>
+            <a:xfrm>
+              <a:off x="5074120" y="1791576"/>
+              <a:ext cx="699780" cy="175782"/>
+              <a:chOff x="4194037" y="1528331"/>
+              <a:chExt cx="1174167" cy="175782"/>
+            </a:xfrm>
+          </p:grpSpPr>
+          <p:cxnSp>
+            <p:nvCxnSpPr>
+              <p:cNvPr id="202" name="Straight Connector 201">
+                <a:extLst>
+                  <a:ext uri="{FF2B5EF4-FFF2-40B4-BE49-F238E27FC236}">
+                    <a16:creationId xmlns:a16="http://schemas.microsoft.com/office/drawing/2014/main" id="{0D9EE4AC-CD77-4BCB-8473-33AA8539E49C}"/>
+                  </a:ext>
+                </a:extLst>
+              </p:cNvPr>
+              <p:cNvCxnSpPr>
+                <a:cxnSpLocks/>
+              </p:cNvCxnSpPr>
+              <p:nvPr/>
+            </p:nvCxnSpPr>
+            <p:spPr>
+              <a:xfrm flipV="1">
+                <a:off x="5368204" y="1528331"/>
+                <a:ext cx="0" cy="175782"/>
+              </a:xfrm>
+              <a:prstGeom prst="line">
+                <a:avLst/>
+              </a:prstGeom>
+              <a:ln>
+                <a:solidFill>
+                  <a:srgbClr val="FF0000"/>
+                </a:solidFill>
+                <a:prstDash val="sysDot"/>
+              </a:ln>
+            </p:spPr>
+            <p:style>
+              <a:lnRef idx="2">
+                <a:schemeClr val="accent2"/>
+              </a:lnRef>
+              <a:fillRef idx="0">
+                <a:schemeClr val="accent2"/>
+              </a:fillRef>
+              <a:effectRef idx="1">
+                <a:schemeClr val="accent2"/>
+              </a:effectRef>
+              <a:fontRef idx="minor">
+                <a:schemeClr val="tx1"/>
+              </a:fontRef>
+            </p:style>
+          </p:cxnSp>
+          <p:cxnSp>
+            <p:nvCxnSpPr>
+              <p:cNvPr id="203" name="Straight Connector 202">
+                <a:extLst>
+                  <a:ext uri="{FF2B5EF4-FFF2-40B4-BE49-F238E27FC236}">
+                    <a16:creationId xmlns:a16="http://schemas.microsoft.com/office/drawing/2014/main" id="{9CB12155-4A81-4FDA-AC68-46B51D05F3E2}"/>
+                  </a:ext>
+                </a:extLst>
+              </p:cNvPr>
+              <p:cNvCxnSpPr>
+                <a:cxnSpLocks/>
+              </p:cNvCxnSpPr>
+              <p:nvPr/>
+            </p:nvCxnSpPr>
+            <p:spPr>
+              <a:xfrm flipH="1">
+                <a:off x="4203768" y="1533865"/>
+                <a:ext cx="1164436" cy="0"/>
+              </a:xfrm>
+              <a:prstGeom prst="line">
+                <a:avLst/>
+              </a:prstGeom>
+              <a:ln>
+                <a:solidFill>
+                  <a:srgbClr val="FF0000"/>
+                </a:solidFill>
+                <a:prstDash val="sysDot"/>
+              </a:ln>
+            </p:spPr>
+            <p:style>
+              <a:lnRef idx="2">
+                <a:schemeClr val="accent2"/>
+              </a:lnRef>
+              <a:fillRef idx="0">
+                <a:schemeClr val="accent2"/>
+              </a:fillRef>
+              <a:effectRef idx="1">
+                <a:schemeClr val="accent2"/>
+              </a:effectRef>
+              <a:fontRef idx="minor">
+                <a:schemeClr val="tx1"/>
+              </a:fontRef>
+            </p:style>
+          </p:cxnSp>
+          <p:cxnSp>
+            <p:nvCxnSpPr>
+              <p:cNvPr id="206" name="Straight Connector 205">
+                <a:extLst>
+                  <a:ext uri="{FF2B5EF4-FFF2-40B4-BE49-F238E27FC236}">
+                    <a16:creationId xmlns:a16="http://schemas.microsoft.com/office/drawing/2014/main" id="{43BD4F5F-480B-4DA5-9701-810194C7AA34}"/>
+                  </a:ext>
+                </a:extLst>
+              </p:cNvPr>
+              <p:cNvCxnSpPr>
+                <a:cxnSpLocks/>
+              </p:cNvCxnSpPr>
+              <p:nvPr/>
+            </p:nvCxnSpPr>
+            <p:spPr>
+              <a:xfrm flipH="1">
+                <a:off x="4194037" y="1697550"/>
+                <a:ext cx="1174167" cy="0"/>
+              </a:xfrm>
+              <a:prstGeom prst="line">
+                <a:avLst/>
+              </a:prstGeom>
+              <a:ln>
+                <a:solidFill>
+                  <a:srgbClr val="FF0000"/>
+                </a:solidFill>
+                <a:prstDash val="sysDot"/>
+              </a:ln>
+            </p:spPr>
+            <p:style>
+              <a:lnRef idx="2">
+                <a:schemeClr val="accent2"/>
+              </a:lnRef>
+              <a:fillRef idx="0">
+                <a:schemeClr val="accent2"/>
+              </a:fillRef>
+              <a:effectRef idx="1">
+                <a:schemeClr val="accent2"/>
+              </a:effectRef>
+              <a:fontRef idx="minor">
+                <a:schemeClr val="tx1"/>
+              </a:fontRef>
+            </p:style>
+          </p:cxnSp>
+        </p:grpSp>
+        <p:grpSp>
+          <p:nvGrpSpPr>
+            <p:cNvPr id="182" name="Group 181">
+              <a:extLst>
+                <a:ext uri="{FF2B5EF4-FFF2-40B4-BE49-F238E27FC236}">
+                  <a16:creationId xmlns:a16="http://schemas.microsoft.com/office/drawing/2014/main" id="{342C3E6A-51E1-46D7-A9B4-9C4DA0A39C97}"/>
+                </a:ext>
+              </a:extLst>
+            </p:cNvPr>
+            <p:cNvGrpSpPr/>
+            <p:nvPr/>
+          </p:nvGrpSpPr>
+          <p:grpSpPr>
+            <a:xfrm>
+              <a:off x="4977011" y="1677637"/>
+              <a:ext cx="247084" cy="289189"/>
+              <a:chOff x="2986130" y="1596230"/>
+              <a:chExt cx="194607" cy="227770"/>
+            </a:xfrm>
+          </p:grpSpPr>
+          <p:cxnSp>
+            <p:nvCxnSpPr>
+              <p:cNvPr id="178" name="Straight Connector 177">
+                <a:extLst>
+                  <a:ext uri="{FF2B5EF4-FFF2-40B4-BE49-F238E27FC236}">
+                    <a16:creationId xmlns:a16="http://schemas.microsoft.com/office/drawing/2014/main" id="{72C8E453-6B14-43F4-B27E-BBA20BAACF1F}"/>
+                  </a:ext>
+                </a:extLst>
+              </p:cNvPr>
+              <p:cNvCxnSpPr>
+                <a:cxnSpLocks/>
+              </p:cNvCxnSpPr>
+              <p:nvPr/>
+            </p:nvCxnSpPr>
+            <p:spPr>
+              <a:xfrm rot="2700000">
+                <a:off x="3083434" y="1726696"/>
+                <a:ext cx="0" cy="194607"/>
+              </a:xfrm>
+              <a:prstGeom prst="line">
+                <a:avLst/>
+              </a:prstGeom>
+              <a:ln w="12700"/>
+            </p:spPr>
+            <p:style>
+              <a:lnRef idx="3">
+                <a:schemeClr val="dk1"/>
+              </a:lnRef>
+              <a:fillRef idx="0">
+                <a:schemeClr val="dk1"/>
+              </a:fillRef>
+              <a:effectRef idx="2">
+                <a:schemeClr val="dk1"/>
+              </a:effectRef>
+              <a:fontRef idx="minor">
+                <a:schemeClr val="tx1"/>
+              </a:fontRef>
+            </p:style>
+          </p:cxnSp>
+          <p:cxnSp>
+            <p:nvCxnSpPr>
+              <p:cNvPr id="181" name="Straight Connector 180">
+                <a:extLst>
+                  <a:ext uri="{FF2B5EF4-FFF2-40B4-BE49-F238E27FC236}">
+                    <a16:creationId xmlns:a16="http://schemas.microsoft.com/office/drawing/2014/main" id="{5FE3CA69-707E-46E6-B667-73E96F62E068}"/>
+                  </a:ext>
+                </a:extLst>
+              </p:cNvPr>
+              <p:cNvCxnSpPr>
+                <a:cxnSpLocks/>
+              </p:cNvCxnSpPr>
+              <p:nvPr/>
+            </p:nvCxnSpPr>
+            <p:spPr>
+              <a:xfrm rot="-2700000">
+                <a:off x="3086101" y="1596230"/>
+                <a:ext cx="0" cy="194607"/>
+              </a:xfrm>
+              <a:prstGeom prst="line">
+                <a:avLst/>
+              </a:prstGeom>
+              <a:ln w="12700"/>
+            </p:spPr>
+            <p:style>
+              <a:lnRef idx="3">
+                <a:schemeClr val="dk1"/>
+              </a:lnRef>
+              <a:fillRef idx="0">
+                <a:schemeClr val="dk1"/>
+              </a:fillRef>
+              <a:effectRef idx="2">
+                <a:schemeClr val="dk1"/>
+              </a:effectRef>
+              <a:fontRef idx="minor">
+                <a:schemeClr val="tx1"/>
+              </a:fontRef>
+            </p:style>
+          </p:cxnSp>
+        </p:grpSp>
+        <p:cxnSp>
+          <p:nvCxnSpPr>
+            <p:cNvPr id="192" name="Straight Connector 191">
+              <a:extLst>
+                <a:ext uri="{FF2B5EF4-FFF2-40B4-BE49-F238E27FC236}">
+                  <a16:creationId xmlns:a16="http://schemas.microsoft.com/office/drawing/2014/main" id="{4D2F5912-CF26-4A1E-AE18-9EC9515CC400}"/>
+                </a:ext>
+              </a:extLst>
+            </p:cNvPr>
+            <p:cNvCxnSpPr>
+              <a:cxnSpLocks/>
+            </p:cNvCxnSpPr>
+            <p:nvPr/>
+          </p:nvCxnSpPr>
+          <p:spPr>
+            <a:xfrm rot="2700000">
+              <a:off x="4665284" y="1802171"/>
+              <a:ext cx="113597" cy="0"/>
+            </a:xfrm>
+            <a:prstGeom prst="line">
+              <a:avLst/>
+            </a:prstGeom>
+          </p:spPr>
+          <p:style>
+            <a:lnRef idx="2">
+              <a:schemeClr val="dk1"/>
+            </a:lnRef>
+            <a:fillRef idx="0">
+              <a:schemeClr val="dk1"/>
+            </a:fillRef>
+            <a:effectRef idx="1">
+              <a:schemeClr val="dk1"/>
+            </a:effectRef>
+            <a:fontRef idx="minor">
+              <a:schemeClr val="tx1"/>
+            </a:fontRef>
+          </p:style>
+        </p:cxnSp>
+        <p:grpSp>
+          <p:nvGrpSpPr>
+            <p:cNvPr id="184" name="Group 183">
+              <a:extLst>
+                <a:ext uri="{FF2B5EF4-FFF2-40B4-BE49-F238E27FC236}">
+                  <a16:creationId xmlns:a16="http://schemas.microsoft.com/office/drawing/2014/main" id="{8D43CF6F-9BBC-485A-998E-D1E639091BA2}"/>
+                </a:ext>
+              </a:extLst>
+            </p:cNvPr>
+            <p:cNvGrpSpPr/>
+            <p:nvPr/>
+          </p:nvGrpSpPr>
+          <p:grpSpPr>
+            <a:xfrm>
+              <a:off x="5651896" y="1678169"/>
+              <a:ext cx="247084" cy="289189"/>
+              <a:chOff x="2986130" y="1596230"/>
+              <a:chExt cx="194607" cy="227770"/>
+            </a:xfrm>
+          </p:grpSpPr>
+          <p:cxnSp>
+            <p:nvCxnSpPr>
+              <p:cNvPr id="185" name="Straight Connector 184">
+                <a:extLst>
+                  <a:ext uri="{FF2B5EF4-FFF2-40B4-BE49-F238E27FC236}">
+                    <a16:creationId xmlns:a16="http://schemas.microsoft.com/office/drawing/2014/main" id="{EA6B389D-F546-41A7-8B82-8052EAF66715}"/>
+                  </a:ext>
+                </a:extLst>
+              </p:cNvPr>
+              <p:cNvCxnSpPr>
+                <a:cxnSpLocks/>
+              </p:cNvCxnSpPr>
+              <p:nvPr/>
+            </p:nvCxnSpPr>
+            <p:spPr>
+              <a:xfrm rot="2700000">
+                <a:off x="3083434" y="1726696"/>
+                <a:ext cx="0" cy="194607"/>
+              </a:xfrm>
+              <a:prstGeom prst="line">
+                <a:avLst/>
+              </a:prstGeom>
+              <a:ln w="12700">
+                <a:prstDash val="sysDot"/>
+              </a:ln>
+            </p:spPr>
+            <p:style>
+              <a:lnRef idx="3">
+                <a:schemeClr val="dk1"/>
+              </a:lnRef>
+              <a:fillRef idx="0">
+                <a:schemeClr val="dk1"/>
+              </a:fillRef>
+              <a:effectRef idx="2">
+                <a:schemeClr val="dk1"/>
+              </a:effectRef>
+              <a:fontRef idx="minor">
+                <a:schemeClr val="tx1"/>
+              </a:fontRef>
+            </p:style>
+          </p:cxnSp>
+          <p:cxnSp>
+            <p:nvCxnSpPr>
+              <p:cNvPr id="186" name="Straight Connector 185">
+                <a:extLst>
+                  <a:ext uri="{FF2B5EF4-FFF2-40B4-BE49-F238E27FC236}">
+                    <a16:creationId xmlns:a16="http://schemas.microsoft.com/office/drawing/2014/main" id="{71ED4F12-9846-45B8-9895-52668FDF2691}"/>
+                  </a:ext>
+                </a:extLst>
+              </p:cNvPr>
+              <p:cNvCxnSpPr>
+                <a:cxnSpLocks/>
+              </p:cNvCxnSpPr>
+              <p:nvPr/>
+            </p:nvCxnSpPr>
+            <p:spPr>
+              <a:xfrm rot="-2700000">
+                <a:off x="3086101" y="1596230"/>
+                <a:ext cx="0" cy="194607"/>
+              </a:xfrm>
+              <a:prstGeom prst="line">
+                <a:avLst/>
+              </a:prstGeom>
+              <a:ln w="12700">
+                <a:prstDash val="sysDot"/>
+              </a:ln>
+            </p:spPr>
+            <p:style>
+              <a:lnRef idx="3">
+                <a:schemeClr val="dk1"/>
+              </a:lnRef>
+              <a:fillRef idx="0">
+                <a:schemeClr val="dk1"/>
+              </a:fillRef>
+              <a:effectRef idx="2">
+                <a:schemeClr val="dk1"/>
+              </a:effectRef>
+              <a:fontRef idx="minor">
+                <a:schemeClr val="tx1"/>
+              </a:fontRef>
+            </p:style>
+          </p:cxnSp>
+        </p:grpSp>
+        <p:cxnSp>
+          <p:nvCxnSpPr>
+            <p:cNvPr id="251" name="Straight Connector 250">
+              <a:extLst>
+                <a:ext uri="{FF2B5EF4-FFF2-40B4-BE49-F238E27FC236}">
+                  <a16:creationId xmlns:a16="http://schemas.microsoft.com/office/drawing/2014/main" id="{82A8D6C6-C1AC-4534-88E4-60C55B01CBD2}"/>
+                </a:ext>
+              </a:extLst>
+            </p:cNvPr>
+            <p:cNvCxnSpPr>
+              <a:cxnSpLocks/>
+            </p:cNvCxnSpPr>
+            <p:nvPr/>
+          </p:nvCxnSpPr>
+          <p:spPr>
+            <a:xfrm rot="18900000">
+              <a:off x="3568043" y="1957933"/>
+              <a:ext cx="113597" cy="0"/>
+            </a:xfrm>
+            <a:prstGeom prst="line">
+              <a:avLst/>
+            </a:prstGeom>
+          </p:spPr>
+          <p:style>
+            <a:lnRef idx="2">
+              <a:schemeClr val="dk1"/>
+            </a:lnRef>
+            <a:fillRef idx="0">
+              <a:schemeClr val="dk1"/>
+            </a:fillRef>
+            <a:effectRef idx="1">
+              <a:schemeClr val="dk1"/>
+            </a:effectRef>
+            <a:fontRef idx="minor">
+              <a:schemeClr val="tx1"/>
+            </a:fontRef>
+          </p:style>
+        </p:cxnSp>
+      </p:grpSp>
+      <p:sp>
+        <p:nvSpPr>
+          <p:cNvPr id="257" name="Rectangle 256">
+            <a:extLst>
+              <a:ext uri="{FF2B5EF4-FFF2-40B4-BE49-F238E27FC236}">
+                <a16:creationId xmlns:a16="http://schemas.microsoft.com/office/drawing/2014/main" id="{759480BD-A059-4D82-B7E5-4D8E73B0CD7C}"/>
+              </a:ext>
+            </a:extLst>
+          </p:cNvPr>
+          <p:cNvSpPr/>
+          <p:nvPr/>
+        </p:nvSpPr>
+        <p:spPr>
+          <a:xfrm flipH="1" flipV="1">
+            <a:off x="4584113" y="2357956"/>
+            <a:ext cx="185531" cy="644821"/>
+          </a:xfrm>
+          <a:prstGeom prst="rect">
+            <a:avLst/>
+          </a:prstGeom>
+          <a:noFill/>
+        </p:spPr>
+        <p:style>
+          <a:lnRef idx="2">
+            <a:schemeClr val="accent3">
+              <a:shade val="50000"/>
+            </a:schemeClr>
+          </a:lnRef>
+          <a:fillRef idx="1">
+            <a:schemeClr val="accent3"/>
+          </a:fillRef>
+          <a:effectRef idx="0">
+            <a:schemeClr val="accent3"/>
+          </a:effectRef>
+          <a:fontRef idx="minor">
+            <a:schemeClr val="lt1"/>
+          </a:fontRef>
+        </p:style>
+        <p:txBody>
+          <a:bodyPr rtlCol="0" anchor="ctr"/>
+          <a:lstStyle/>
+          <a:p>
+            <a:pPr algn="ctr"/>
+            <a:endParaRPr lang="en-CA"/>
+          </a:p>
+        </p:txBody>
+      </p:sp>
+      <p:sp>
+        <p:nvSpPr>
+          <p:cNvPr id="260" name="Rectangle 259">
+            <a:extLst>
+              <a:ext uri="{FF2B5EF4-FFF2-40B4-BE49-F238E27FC236}">
+                <a16:creationId xmlns:a16="http://schemas.microsoft.com/office/drawing/2014/main" id="{341B84FF-60F3-4ADC-8AB9-74E0AED8B63F}"/>
+              </a:ext>
+            </a:extLst>
+          </p:cNvPr>
+          <p:cNvSpPr/>
+          <p:nvPr/>
+        </p:nvSpPr>
+        <p:spPr>
+          <a:xfrm rot="16200000">
+            <a:off x="4647921" y="3055110"/>
+            <a:ext cx="74022" cy="149940"/>
+          </a:xfrm>
+          <a:prstGeom prst="rect">
+            <a:avLst/>
+          </a:prstGeom>
+          <a:solidFill>
+            <a:schemeClr val="tx1">
+              <a:lumMod val="75000"/>
+              <a:lumOff val="25000"/>
+            </a:schemeClr>
+          </a:solidFill>
+          <a:ln>
+            <a:solidFill>
+              <a:schemeClr val="tx1"/>
+            </a:solidFill>
+          </a:ln>
+        </p:spPr>
+        <p:style>
+          <a:lnRef idx="2">
+            <a:schemeClr val="dk1">
+              <a:shade val="50000"/>
+            </a:schemeClr>
+          </a:lnRef>
+          <a:fillRef idx="1">
+            <a:schemeClr val="dk1"/>
+          </a:fillRef>
+          <a:effectRef idx="0">
+            <a:schemeClr val="dk1"/>
+          </a:effectRef>
+          <a:fontRef idx="minor">
+            <a:schemeClr val="lt1"/>
+          </a:fontRef>
+        </p:style>
+        <p:txBody>
+          <a:bodyPr rtlCol="0" anchor="ctr"/>
+          <a:lstStyle/>
+          <a:p>
+            <a:pPr algn="ctr"/>
+            <a:endParaRPr lang="en-CA"/>
+          </a:p>
+        </p:txBody>
+      </p:sp>
+      <p:cxnSp>
+        <p:nvCxnSpPr>
+          <p:cNvPr id="261" name="Straight Connector 260">
+            <a:extLst>
+              <a:ext uri="{FF2B5EF4-FFF2-40B4-BE49-F238E27FC236}">
+                <a16:creationId xmlns:a16="http://schemas.microsoft.com/office/drawing/2014/main" id="{330690B4-7ACD-448A-A88B-A57601910EED}"/>
+              </a:ext>
+            </a:extLst>
+          </p:cNvPr>
+          <p:cNvCxnSpPr>
+            <a:cxnSpLocks/>
+          </p:cNvCxnSpPr>
+          <p:nvPr/>
+        </p:nvCxnSpPr>
+        <p:spPr>
+          <a:xfrm flipH="1" flipV="1">
+            <a:off x="4672012" y="2419332"/>
+            <a:ext cx="10540" cy="671359"/>
+          </a:xfrm>
+          <a:prstGeom prst="line">
+            <a:avLst/>
+          </a:prstGeom>
+          <a:ln w="6350">
             <a:solidFill>
               <a:srgbClr val="FF0000"/>
             </a:solidFill>
@@ -7006,10 +9404,122 @@
       </p:cxnSp>
       <p:cxnSp>
         <p:nvCxnSpPr>
-          <p:cNvPr id="160" name="Straight Connector 159">
+          <p:cNvPr id="267" name="Straight Connector 266">
             <a:extLst>
               <a:ext uri="{FF2B5EF4-FFF2-40B4-BE49-F238E27FC236}">
-                <a16:creationId xmlns:a16="http://schemas.microsoft.com/office/drawing/2014/main" id="{3365989E-74E9-4D9E-9CD0-28C3C5E789F6}"/>
+                <a16:creationId xmlns:a16="http://schemas.microsoft.com/office/drawing/2014/main" id="{F608F51B-FABD-42A4-9F55-A7D6CC7B1984}"/>
+              </a:ext>
+            </a:extLst>
+          </p:cNvPr>
+          <p:cNvCxnSpPr>
+            <a:cxnSpLocks/>
+            <a:endCxn id="271" idx="0"/>
+          </p:cNvCxnSpPr>
+          <p:nvPr/>
+        </p:nvCxnSpPr>
+        <p:spPr>
+          <a:xfrm flipH="1" flipV="1">
+            <a:off x="3623104" y="2107665"/>
+            <a:ext cx="478" cy="819876"/>
+          </a:xfrm>
+          <a:prstGeom prst="line">
+            <a:avLst/>
+          </a:prstGeom>
+          <a:ln w="6350">
+            <a:solidFill>
+              <a:srgbClr val="FF0000"/>
+            </a:solidFill>
+          </a:ln>
+        </p:spPr>
+        <p:style>
+          <a:lnRef idx="2">
+            <a:schemeClr val="accent2"/>
+          </a:lnRef>
+          <a:fillRef idx="0">
+            <a:schemeClr val="accent2"/>
+          </a:fillRef>
+          <a:effectRef idx="1">
+            <a:schemeClr val="accent2"/>
+          </a:effectRef>
+          <a:fontRef idx="minor">
+            <a:schemeClr val="tx1"/>
+          </a:fontRef>
+        </p:style>
+      </p:cxnSp>
+      <p:sp>
+        <p:nvSpPr>
+          <p:cNvPr id="271" name="Oval 270">
+            <a:extLst>
+              <a:ext uri="{FF2B5EF4-FFF2-40B4-BE49-F238E27FC236}">
+                <a16:creationId xmlns:a16="http://schemas.microsoft.com/office/drawing/2014/main" id="{FB3D313B-AE64-4611-932F-D9D00916CA32}"/>
+              </a:ext>
+            </a:extLst>
+          </p:cNvPr>
+          <p:cNvSpPr/>
+          <p:nvPr/>
+        </p:nvSpPr>
+        <p:spPr>
+          <a:xfrm>
+            <a:off x="3571762" y="2107665"/>
+            <a:ext cx="102683" cy="45719"/>
+          </a:xfrm>
+          <a:prstGeom prst="ellipse">
+            <a:avLst/>
+          </a:prstGeom>
+          <a:gradFill flip="none" rotWithShape="1">
+            <a:gsLst>
+              <a:gs pos="0">
+                <a:schemeClr val="tx1"/>
+              </a:gs>
+              <a:gs pos="100000">
+                <a:schemeClr val="accent1">
+                  <a:tint val="23500"/>
+                  <a:satMod val="160000"/>
+                </a:schemeClr>
+              </a:gs>
+            </a:gsLst>
+            <a:path path="circle">
+              <a:fillToRect l="100000" t="100000"/>
+            </a:path>
+            <a:tileRect r="-100000" b="-100000"/>
+          </a:gradFill>
+          <a:ln w="3175">
+            <a:solidFill>
+              <a:schemeClr val="tx1"/>
+            </a:solidFill>
+          </a:ln>
+        </p:spPr>
+        <p:style>
+          <a:lnRef idx="2">
+            <a:schemeClr val="accent1">
+              <a:shade val="50000"/>
+            </a:schemeClr>
+          </a:lnRef>
+          <a:fillRef idx="1">
+            <a:schemeClr val="accent1"/>
+          </a:fillRef>
+          <a:effectRef idx="0">
+            <a:schemeClr val="accent1"/>
+          </a:effectRef>
+          <a:fontRef idx="minor">
+            <a:schemeClr val="lt1"/>
+          </a:fontRef>
+        </p:style>
+        <p:txBody>
+          <a:bodyPr rtlCol="0" anchor="ctr"/>
+          <a:lstStyle/>
+          <a:p>
+            <a:pPr algn="ctr"/>
+            <a:endParaRPr lang="en-CA"/>
+          </a:p>
+        </p:txBody>
+      </p:sp>
+      <p:cxnSp>
+        <p:nvCxnSpPr>
+          <p:cNvPr id="273" name="Straight Connector 272">
+            <a:extLst>
+              <a:ext uri="{FF2B5EF4-FFF2-40B4-BE49-F238E27FC236}">
+                <a16:creationId xmlns:a16="http://schemas.microsoft.com/office/drawing/2014/main" id="{22766A1A-B0A9-47D8-8FFF-1FC9F440DA62}"/>
               </a:ext>
             </a:extLst>
           </p:cNvPr>
@@ -7019,9 +9529,90 @@
           <p:nvPr/>
         </p:nvCxnSpPr>
         <p:spPr>
-          <a:xfrm rot="13740000">
-            <a:off x="3391260" y="2928476"/>
-            <a:ext cx="111284" cy="0"/>
+          <a:xfrm flipV="1">
+            <a:off x="3618915" y="2419332"/>
+            <a:ext cx="1058367" cy="516298"/>
+          </a:xfrm>
+          <a:prstGeom prst="line">
+            <a:avLst/>
+          </a:prstGeom>
+          <a:ln w="6350">
+            <a:solidFill>
+              <a:srgbClr val="FF0000"/>
+            </a:solidFill>
+          </a:ln>
+        </p:spPr>
+        <p:style>
+          <a:lnRef idx="2">
+            <a:schemeClr val="accent2"/>
+          </a:lnRef>
+          <a:fillRef idx="0">
+            <a:schemeClr val="accent2"/>
+          </a:fillRef>
+          <a:effectRef idx="1">
+            <a:schemeClr val="accent2"/>
+          </a:effectRef>
+          <a:fontRef idx="minor">
+            <a:schemeClr val="tx1"/>
+          </a:fontRef>
+        </p:style>
+      </p:cxnSp>
+      <p:cxnSp>
+        <p:nvCxnSpPr>
+          <p:cNvPr id="258" name="Straight Connector 257">
+            <a:extLst>
+              <a:ext uri="{FF2B5EF4-FFF2-40B4-BE49-F238E27FC236}">
+                <a16:creationId xmlns:a16="http://schemas.microsoft.com/office/drawing/2014/main" id="{F00EDB6E-26DA-4E9E-AAE4-7DD08D3B7AEB}"/>
+              </a:ext>
+            </a:extLst>
+          </p:cNvPr>
+          <p:cNvCxnSpPr>
+            <a:cxnSpLocks/>
+          </p:cNvCxnSpPr>
+          <p:nvPr/>
+        </p:nvCxnSpPr>
+        <p:spPr>
+          <a:xfrm rot="2700000" flipH="1" flipV="1">
+            <a:off x="4620079" y="2425103"/>
+            <a:ext cx="113597" cy="0"/>
+          </a:xfrm>
+          <a:prstGeom prst="line">
+            <a:avLst/>
+          </a:prstGeom>
+        </p:spPr>
+        <p:style>
+          <a:lnRef idx="2">
+            <a:schemeClr val="dk1"/>
+          </a:lnRef>
+          <a:fillRef idx="0">
+            <a:schemeClr val="dk1"/>
+          </a:fillRef>
+          <a:effectRef idx="1">
+            <a:schemeClr val="dk1"/>
+          </a:effectRef>
+          <a:fontRef idx="minor">
+            <a:schemeClr val="tx1"/>
+          </a:fontRef>
+        </p:style>
+      </p:cxnSp>
+      <p:cxnSp>
+        <p:nvCxnSpPr>
+          <p:cNvPr id="252" name="Straight Connector 251">
+            <a:extLst>
+              <a:ext uri="{FF2B5EF4-FFF2-40B4-BE49-F238E27FC236}">
+                <a16:creationId xmlns:a16="http://schemas.microsoft.com/office/drawing/2014/main" id="{39BD85A5-BDA2-462E-ADD6-C84B05DD14FD}"/>
+              </a:ext>
+            </a:extLst>
+          </p:cNvPr>
+          <p:cNvCxnSpPr>
+            <a:cxnSpLocks/>
+          </p:cNvCxnSpPr>
+          <p:nvPr/>
+        </p:nvCxnSpPr>
+        <p:spPr>
+          <a:xfrm rot="2700000">
+            <a:off x="3568044" y="2935630"/>
+            <a:ext cx="113597" cy="0"/>
           </a:xfrm>
           <a:prstGeom prst="line">
             <a:avLst/>
@@ -7056,8 +9647,8 @@
         </p:nvSpPr>
         <p:spPr>
           <a:xfrm>
-            <a:off x="3991229" y="2573474"/>
-            <a:ext cx="48399" cy="221838"/>
+            <a:off x="4128484" y="2577807"/>
+            <a:ext cx="44751" cy="205118"/>
           </a:xfrm>
           <a:prstGeom prst="rect">
             <a:avLst/>
@@ -7098,411 +9689,42 @@
       </p:sp>
       <p:cxnSp>
         <p:nvCxnSpPr>
-          <p:cNvPr id="187" name="Straight Connector 186">
+          <p:cNvPr id="279" name="Straight Connector 278">
             <a:extLst>
               <a:ext uri="{FF2B5EF4-FFF2-40B4-BE49-F238E27FC236}">
-                <a16:creationId xmlns:a16="http://schemas.microsoft.com/office/drawing/2014/main" id="{5FF657A4-4D32-4C1A-9B61-B0FD4F836AA8}"/>
+                <a16:creationId xmlns:a16="http://schemas.microsoft.com/office/drawing/2014/main" id="{533B9583-45E5-4FFE-B053-AC48F9DC23C3}"/>
               </a:ext>
             </a:extLst>
           </p:cNvPr>
           <p:cNvCxnSpPr>
             <a:cxnSpLocks/>
-            <a:endCxn id="142" idx="2"/>
-          </p:cNvCxnSpPr>
-          <p:nvPr/>
-        </p:nvCxnSpPr>
-        <p:spPr>
-          <a:xfrm flipV="1">
-            <a:off x="4434855" y="1089749"/>
-            <a:ext cx="0" cy="199086"/>
-          </a:xfrm>
-          <a:prstGeom prst="line">
-            <a:avLst/>
-          </a:prstGeom>
-          <a:ln>
-            <a:solidFill>
-              <a:srgbClr val="FF0000"/>
-            </a:solidFill>
-          </a:ln>
-        </p:spPr>
-        <p:style>
-          <a:lnRef idx="2">
-            <a:schemeClr val="accent2"/>
-          </a:lnRef>
-          <a:fillRef idx="0">
-            <a:schemeClr val="accent2"/>
-          </a:fillRef>
-          <a:effectRef idx="1">
-            <a:schemeClr val="accent2"/>
-          </a:effectRef>
-          <a:fontRef idx="minor">
-            <a:schemeClr val="tx1"/>
-          </a:fontRef>
-        </p:style>
-      </p:cxnSp>
-      <p:cxnSp>
-        <p:nvCxnSpPr>
-          <p:cNvPr id="191" name="Straight Connector 190">
-            <a:extLst>
-              <a:ext uri="{FF2B5EF4-FFF2-40B4-BE49-F238E27FC236}">
-                <a16:creationId xmlns:a16="http://schemas.microsoft.com/office/drawing/2014/main" id="{B4B47270-3398-4980-9B8B-193A81AA33C4}"/>
-              </a:ext>
-            </a:extLst>
-          </p:cNvPr>
-          <p:cNvCxnSpPr>
-            <a:cxnSpLocks/>
-          </p:cNvCxnSpPr>
-          <p:nvPr/>
-        </p:nvCxnSpPr>
-        <p:spPr>
-          <a:xfrm flipV="1">
-            <a:off x="3445868" y="1961345"/>
-            <a:ext cx="0" cy="964259"/>
-          </a:xfrm>
-          <a:prstGeom prst="line">
-            <a:avLst/>
-          </a:prstGeom>
-          <a:ln>
-            <a:solidFill>
-              <a:srgbClr val="FF0000"/>
-            </a:solidFill>
-          </a:ln>
-        </p:spPr>
-        <p:style>
-          <a:lnRef idx="2">
-            <a:schemeClr val="accent2"/>
-          </a:lnRef>
-          <a:fillRef idx="0">
-            <a:schemeClr val="accent2"/>
-          </a:fillRef>
-          <a:effectRef idx="1">
-            <a:schemeClr val="accent2"/>
-          </a:effectRef>
-          <a:fontRef idx="minor">
-            <a:schemeClr val="tx1"/>
-          </a:fontRef>
-        </p:style>
-      </p:cxnSp>
-      <p:cxnSp>
-        <p:nvCxnSpPr>
-          <p:cNvPr id="189" name="Straight Connector 188">
-            <a:extLst>
-              <a:ext uri="{FF2B5EF4-FFF2-40B4-BE49-F238E27FC236}">
-                <a16:creationId xmlns:a16="http://schemas.microsoft.com/office/drawing/2014/main" id="{3FD5638E-4B22-4E71-A4AA-5BB96B770CEF}"/>
-              </a:ext>
-            </a:extLst>
-          </p:cNvPr>
-          <p:cNvCxnSpPr>
-            <a:cxnSpLocks/>
-          </p:cNvCxnSpPr>
-          <p:nvPr/>
-        </p:nvCxnSpPr>
-        <p:spPr>
-          <a:xfrm rot="2700000" flipH="1">
-            <a:off x="2496748" y="587609"/>
-            <a:ext cx="113597" cy="0"/>
-          </a:xfrm>
-          <a:prstGeom prst="line">
-            <a:avLst/>
-          </a:prstGeom>
-        </p:spPr>
-        <p:style>
-          <a:lnRef idx="2">
-            <a:schemeClr val="dk1"/>
-          </a:lnRef>
-          <a:fillRef idx="0">
-            <a:schemeClr val="dk1"/>
-          </a:fillRef>
-          <a:effectRef idx="1">
-            <a:schemeClr val="dk1"/>
-          </a:effectRef>
-          <a:fontRef idx="minor">
-            <a:schemeClr val="tx1"/>
-          </a:fontRef>
-        </p:style>
-      </p:cxnSp>
-      <p:sp>
-        <p:nvSpPr>
-          <p:cNvPr id="216" name="TextBox 215">
-            <a:extLst>
-              <a:ext uri="{FF2B5EF4-FFF2-40B4-BE49-F238E27FC236}">
-                <a16:creationId xmlns:a16="http://schemas.microsoft.com/office/drawing/2014/main" id="{97321F2F-9C5B-4B71-B55D-F9A55C00AE64}"/>
-              </a:ext>
-            </a:extLst>
-          </p:cNvPr>
-          <p:cNvSpPr txBox="1"/>
-          <p:nvPr/>
-        </p:nvSpPr>
-        <p:spPr>
-          <a:xfrm>
-            <a:off x="4324293" y="1590376"/>
-            <a:ext cx="934614" cy="273539"/>
-          </a:xfrm>
-          <a:prstGeom prst="rect">
-            <a:avLst/>
-          </a:prstGeom>
-          <a:noFill/>
-        </p:spPr>
-        <p:txBody>
-          <a:bodyPr wrap="square" rtlCol="0">
-            <a:spAutoFit/>
-          </a:bodyPr>
-          <a:lstStyle/>
-          <a:p>
-            <a:pPr algn="ctr"/>
-            <a:r>
-              <a:rPr lang="en-CA" sz="800" dirty="0"/>
-              <a:t>Delay stage</a:t>
-            </a:r>
-          </a:p>
-        </p:txBody>
-      </p:sp>
-      <p:cxnSp>
-        <p:nvCxnSpPr>
-          <p:cNvPr id="124" name="Straight Connector 123">
-            <a:extLst>
-              <a:ext uri="{FF2B5EF4-FFF2-40B4-BE49-F238E27FC236}">
-                <a16:creationId xmlns:a16="http://schemas.microsoft.com/office/drawing/2014/main" id="{665432E3-D76D-4C84-89FE-17D7A6CC4E87}"/>
-              </a:ext>
-            </a:extLst>
-          </p:cNvPr>
-          <p:cNvCxnSpPr>
-            <a:cxnSpLocks/>
-          </p:cNvCxnSpPr>
-          <p:nvPr/>
-        </p:nvCxnSpPr>
-        <p:spPr>
-          <a:xfrm flipV="1">
-            <a:off x="3443140" y="1288835"/>
-            <a:ext cx="0" cy="499845"/>
-          </a:xfrm>
-          <a:prstGeom prst="line">
-            <a:avLst/>
-          </a:prstGeom>
-          <a:ln>
-            <a:solidFill>
-              <a:srgbClr val="FF0000"/>
-            </a:solidFill>
-          </a:ln>
-        </p:spPr>
-        <p:style>
-          <a:lnRef idx="2">
-            <a:schemeClr val="accent2"/>
-          </a:lnRef>
-          <a:fillRef idx="0">
-            <a:schemeClr val="accent2"/>
-          </a:fillRef>
-          <a:effectRef idx="1">
-            <a:schemeClr val="accent2"/>
-          </a:effectRef>
-          <a:fontRef idx="minor">
-            <a:schemeClr val="tx1"/>
-          </a:fontRef>
-        </p:style>
-      </p:cxnSp>
-      <p:cxnSp>
-        <p:nvCxnSpPr>
-          <p:cNvPr id="161" name="Straight Connector 160">
-            <a:extLst>
-              <a:ext uri="{FF2B5EF4-FFF2-40B4-BE49-F238E27FC236}">
-                <a16:creationId xmlns:a16="http://schemas.microsoft.com/office/drawing/2014/main" id="{B27FF789-947B-49AA-B584-9CDF9DEAC2BF}"/>
-              </a:ext>
-            </a:extLst>
-          </p:cNvPr>
-          <p:cNvCxnSpPr>
-            <a:cxnSpLocks/>
+            <a:stCxn id="120" idx="6"/>
           </p:cNvCxnSpPr>
           <p:nvPr/>
         </p:nvCxnSpPr>
         <p:spPr>
           <a:xfrm>
-            <a:off x="1892753" y="1293974"/>
-            <a:ext cx="2542101" cy="0"/>
+            <a:off x="606032" y="2680365"/>
+            <a:ext cx="1134303" cy="138001"/>
           </a:xfrm>
           <a:prstGeom prst="line">
             <a:avLst/>
           </a:prstGeom>
-          <a:ln w="12700">
+          <a:ln w="6350">
             <a:solidFill>
-              <a:srgbClr val="FF0000"/>
+              <a:srgbClr val="7030A0"/>
             </a:solidFill>
           </a:ln>
         </p:spPr>
         <p:style>
-          <a:lnRef idx="2">
-            <a:schemeClr val="accent2"/>
+          <a:lnRef idx="1">
+            <a:schemeClr val="accent1"/>
           </a:lnRef>
           <a:fillRef idx="0">
-            <a:schemeClr val="accent2"/>
+            <a:schemeClr val="accent1"/>
           </a:fillRef>
-          <a:effectRef idx="1">
-            <a:schemeClr val="accent2"/>
-          </a:effectRef>
-          <a:fontRef idx="minor">
-            <a:schemeClr val="tx1"/>
-          </a:fontRef>
-        </p:style>
-      </p:cxnSp>
-      <p:cxnSp>
-        <p:nvCxnSpPr>
-          <p:cNvPr id="123" name="Straight Connector 122">
-            <a:extLst>
-              <a:ext uri="{FF2B5EF4-FFF2-40B4-BE49-F238E27FC236}">
-                <a16:creationId xmlns:a16="http://schemas.microsoft.com/office/drawing/2014/main" id="{360B1A8C-3A02-47DC-8036-B793D3034888}"/>
-              </a:ext>
-            </a:extLst>
-          </p:cNvPr>
-          <p:cNvCxnSpPr>
-            <a:cxnSpLocks/>
-          </p:cNvCxnSpPr>
-          <p:nvPr/>
-        </p:nvCxnSpPr>
-        <p:spPr>
-          <a:xfrm rot="18900000">
-            <a:off x="4381271" y="1293974"/>
-            <a:ext cx="113597" cy="0"/>
-          </a:xfrm>
-          <a:prstGeom prst="line">
-            <a:avLst/>
-          </a:prstGeom>
-        </p:spPr>
-        <p:style>
-          <a:lnRef idx="2">
-            <a:schemeClr val="dk1"/>
-          </a:lnRef>
-          <a:fillRef idx="0">
-            <a:schemeClr val="dk1"/>
-          </a:fillRef>
-          <a:effectRef idx="1">
-            <a:schemeClr val="dk1"/>
-          </a:effectRef>
-          <a:fontRef idx="minor">
-            <a:schemeClr val="tx1"/>
-          </a:fontRef>
-        </p:style>
-      </p:cxnSp>
-      <p:cxnSp>
-        <p:nvCxnSpPr>
-          <p:cNvPr id="144" name="Straight Connector 143">
-            <a:extLst>
-              <a:ext uri="{FF2B5EF4-FFF2-40B4-BE49-F238E27FC236}">
-                <a16:creationId xmlns:a16="http://schemas.microsoft.com/office/drawing/2014/main" id="{E87C88B9-67BC-4803-BFB1-4DC7C364B47B}"/>
-              </a:ext>
-            </a:extLst>
-          </p:cNvPr>
-          <p:cNvCxnSpPr>
-            <a:cxnSpLocks/>
-          </p:cNvCxnSpPr>
-          <p:nvPr/>
-        </p:nvCxnSpPr>
-        <p:spPr>
-          <a:xfrm rot="18900000">
-            <a:off x="3389949" y="1293974"/>
-            <a:ext cx="113597" cy="0"/>
-          </a:xfrm>
-          <a:prstGeom prst="line">
-            <a:avLst/>
-          </a:prstGeom>
-        </p:spPr>
-        <p:style>
-          <a:lnRef idx="2">
-            <a:schemeClr val="dk1"/>
-          </a:lnRef>
-          <a:fillRef idx="0">
-            <a:schemeClr val="dk1"/>
-          </a:fillRef>
-          <a:effectRef idx="1">
-            <a:schemeClr val="dk1"/>
-          </a:effectRef>
-          <a:fontRef idx="minor">
-            <a:schemeClr val="tx1"/>
-          </a:fontRef>
-        </p:style>
-      </p:cxnSp>
-      <p:cxnSp>
-        <p:nvCxnSpPr>
-          <p:cNvPr id="126" name="Straight Connector 125">
-            <a:extLst>
-              <a:ext uri="{FF2B5EF4-FFF2-40B4-BE49-F238E27FC236}">
-                <a16:creationId xmlns:a16="http://schemas.microsoft.com/office/drawing/2014/main" id="{7F945BF1-2900-4CD2-9332-F8072EAD7EF4}"/>
-              </a:ext>
-            </a:extLst>
-          </p:cNvPr>
-          <p:cNvCxnSpPr>
-            <a:cxnSpLocks/>
-            <a:stCxn id="157" idx="0"/>
-            <a:endCxn id="154" idx="1"/>
-          </p:cNvCxnSpPr>
-          <p:nvPr/>
-        </p:nvCxnSpPr>
-        <p:spPr>
-          <a:xfrm flipH="1" flipV="1">
-            <a:off x="2553927" y="1016606"/>
-            <a:ext cx="8061" cy="450408"/>
-          </a:xfrm>
-          <a:prstGeom prst="line">
-            <a:avLst/>
-          </a:prstGeom>
-          <a:ln>
-            <a:solidFill>
-              <a:schemeClr val="tx1"/>
-            </a:solidFill>
-          </a:ln>
-        </p:spPr>
-        <p:style>
-          <a:lnRef idx="2">
-            <a:schemeClr val="accent2"/>
-          </a:lnRef>
-          <a:fillRef idx="0">
-            <a:schemeClr val="accent2"/>
-          </a:fillRef>
-          <a:effectRef idx="1">
-            <a:schemeClr val="accent2"/>
-          </a:effectRef>
-          <a:fontRef idx="minor">
-            <a:schemeClr val="tx1"/>
-          </a:fontRef>
-        </p:style>
-      </p:cxnSp>
-      <p:cxnSp>
-        <p:nvCxnSpPr>
-          <p:cNvPr id="127" name="Straight Connector 126">
-            <a:extLst>
-              <a:ext uri="{FF2B5EF4-FFF2-40B4-BE49-F238E27FC236}">
-                <a16:creationId xmlns:a16="http://schemas.microsoft.com/office/drawing/2014/main" id="{9E441631-8DA9-43B4-84FE-D46C544133A5}"/>
-              </a:ext>
-            </a:extLst>
-          </p:cNvPr>
-          <p:cNvCxnSpPr>
-            <a:cxnSpLocks/>
-            <a:stCxn id="157" idx="2"/>
-            <a:endCxn id="19" idx="0"/>
-          </p:cNvCxnSpPr>
-          <p:nvPr/>
-        </p:nvCxnSpPr>
-        <p:spPr>
-          <a:xfrm>
-            <a:off x="2561988" y="2241843"/>
-            <a:ext cx="1553" cy="139077"/>
-          </a:xfrm>
-          <a:prstGeom prst="line">
-            <a:avLst/>
-          </a:prstGeom>
-          <a:ln>
-            <a:solidFill>
-              <a:schemeClr val="tx1"/>
-            </a:solidFill>
-          </a:ln>
-        </p:spPr>
-        <p:style>
-          <a:lnRef idx="2">
-            <a:schemeClr val="accent2"/>
-          </a:lnRef>
-          <a:fillRef idx="0">
-            <a:schemeClr val="accent2"/>
-          </a:fillRef>
-          <a:effectRef idx="1">
-            <a:schemeClr val="accent2"/>
+          <a:effectRef idx="0">
+            <a:schemeClr val="accent1"/>
           </a:effectRef>
           <a:fontRef idx="minor">
             <a:schemeClr val="tx1"/>
@@ -7525,7 +9747,7 @@
         </p:nvCxnSpPr>
         <p:spPr>
           <a:xfrm flipV="1">
-            <a:off x="1892753" y="1288835"/>
+            <a:off x="1746157" y="1293974"/>
             <a:ext cx="0" cy="322982"/>
           </a:xfrm>
           <a:prstGeom prst="line">
@@ -7568,7 +9790,7 @@
         </p:nvCxnSpPr>
         <p:spPr>
           <a:xfrm rot="18900000">
-            <a:off x="1835955" y="1293974"/>
+            <a:off x="1689359" y="1299113"/>
             <a:ext cx="113597" cy="0"/>
           </a:xfrm>
           <a:prstGeom prst="line">
@@ -7606,7 +9828,7 @@
         </p:nvCxnSpPr>
         <p:spPr>
           <a:xfrm flipV="1">
-            <a:off x="1892753" y="1615766"/>
+            <a:off x="1746157" y="1620905"/>
             <a:ext cx="0" cy="573166"/>
           </a:xfrm>
           <a:prstGeom prst="line">
@@ -7649,7 +9871,7 @@
         </p:nvCxnSpPr>
         <p:spPr>
           <a:xfrm flipV="1">
-            <a:off x="1892753" y="1611818"/>
+            <a:off x="1746157" y="1616957"/>
             <a:ext cx="0" cy="591310"/>
           </a:xfrm>
           <a:prstGeom prst="line">
@@ -7658,49 +9880,6 @@
           <a:ln w="12700">
             <a:solidFill>
               <a:srgbClr val="0070C0"/>
-            </a:solidFill>
-          </a:ln>
-        </p:spPr>
-        <p:style>
-          <a:lnRef idx="2">
-            <a:schemeClr val="accent2"/>
-          </a:lnRef>
-          <a:fillRef idx="0">
-            <a:schemeClr val="accent2"/>
-          </a:fillRef>
-          <a:effectRef idx="1">
-            <a:schemeClr val="accent2"/>
-          </a:effectRef>
-          <a:fontRef idx="minor">
-            <a:schemeClr val="tx1"/>
-          </a:fontRef>
-        </p:style>
-      </p:cxnSp>
-      <p:cxnSp>
-        <p:nvCxnSpPr>
-          <p:cNvPr id="159" name="Straight Connector 158">
-            <a:extLst>
-              <a:ext uri="{FF2B5EF4-FFF2-40B4-BE49-F238E27FC236}">
-                <a16:creationId xmlns:a16="http://schemas.microsoft.com/office/drawing/2014/main" id="{4859A13B-7E02-429E-B5A5-64A37A7B9C12}"/>
-              </a:ext>
-            </a:extLst>
-          </p:cNvPr>
-          <p:cNvCxnSpPr>
-            <a:cxnSpLocks/>
-          </p:cNvCxnSpPr>
-          <p:nvPr/>
-        </p:nvCxnSpPr>
-        <p:spPr>
-          <a:xfrm flipH="1" flipV="1">
-            <a:off x="1658992" y="2181161"/>
-            <a:ext cx="220621" cy="2833"/>
-          </a:xfrm>
-          <a:prstGeom prst="line">
-            <a:avLst/>
-          </a:prstGeom>
-          <a:ln w="25400">
-            <a:solidFill>
-              <a:srgbClr val="FF0000"/>
             </a:solidFill>
           </a:ln>
         </p:spPr>
@@ -7735,7 +9914,7 @@
         </p:nvCxnSpPr>
         <p:spPr>
           <a:xfrm>
-            <a:off x="1835955" y="1611818"/>
+            <a:off x="1689359" y="1616957"/>
             <a:ext cx="113597" cy="0"/>
           </a:xfrm>
           <a:prstGeom prst="line">
@@ -7772,9 +9951,9 @@
           <p:nvPr/>
         </p:nvCxnSpPr>
         <p:spPr>
-          <a:xfrm>
-            <a:off x="1892753" y="1919285"/>
-            <a:ext cx="0" cy="935483"/>
+          <a:xfrm flipH="1">
+            <a:off x="1746157" y="1924424"/>
+            <a:ext cx="1" cy="893942"/>
           </a:xfrm>
           <a:prstGeom prst="line">
             <a:avLst/>
@@ -7802,6 +9981,126 @@
       </p:cxnSp>
       <p:cxnSp>
         <p:nvCxnSpPr>
+          <p:cNvPr id="136" name="Straight Connector 135">
+            <a:extLst>
+              <a:ext uri="{FF2B5EF4-FFF2-40B4-BE49-F238E27FC236}">
+                <a16:creationId xmlns:a16="http://schemas.microsoft.com/office/drawing/2014/main" id="{0D3D4E44-B496-4D35-A58F-14A8BD9AFC79}"/>
+              </a:ext>
+            </a:extLst>
+          </p:cNvPr>
+          <p:cNvCxnSpPr>
+            <a:cxnSpLocks/>
+          </p:cNvCxnSpPr>
+          <p:nvPr/>
+        </p:nvCxnSpPr>
+        <p:spPr>
+          <a:xfrm>
+            <a:off x="1689359" y="1924424"/>
+            <a:ext cx="113597" cy="0"/>
+          </a:xfrm>
+          <a:prstGeom prst="line">
+            <a:avLst/>
+          </a:prstGeom>
+        </p:spPr>
+        <p:style>
+          <a:lnRef idx="2">
+            <a:schemeClr val="dk1"/>
+          </a:lnRef>
+          <a:fillRef idx="0">
+            <a:schemeClr val="dk1"/>
+          </a:fillRef>
+          <a:effectRef idx="1">
+            <a:schemeClr val="dk1"/>
+          </a:effectRef>
+          <a:fontRef idx="minor">
+            <a:schemeClr val="tx1"/>
+          </a:fontRef>
+        </p:style>
+      </p:cxnSp>
+      <p:cxnSp>
+        <p:nvCxnSpPr>
+          <p:cNvPr id="135" name="Straight Connector 134">
+            <a:extLst>
+              <a:ext uri="{FF2B5EF4-FFF2-40B4-BE49-F238E27FC236}">
+                <a16:creationId xmlns:a16="http://schemas.microsoft.com/office/drawing/2014/main" id="{04F8B36F-C834-4AF6-8A4E-2604F5AAC0F3}"/>
+              </a:ext>
+            </a:extLst>
+          </p:cNvPr>
+          <p:cNvCxnSpPr>
+            <a:cxnSpLocks/>
+          </p:cNvCxnSpPr>
+          <p:nvPr/>
+        </p:nvCxnSpPr>
+        <p:spPr>
+          <a:xfrm>
+            <a:off x="1689359" y="1770690"/>
+            <a:ext cx="113597" cy="0"/>
+          </a:xfrm>
+          <a:prstGeom prst="line">
+            <a:avLst/>
+          </a:prstGeom>
+        </p:spPr>
+        <p:style>
+          <a:lnRef idx="2">
+            <a:schemeClr val="dk1"/>
+          </a:lnRef>
+          <a:fillRef idx="0">
+            <a:schemeClr val="dk1"/>
+          </a:fillRef>
+          <a:effectRef idx="1">
+            <a:schemeClr val="dk1"/>
+          </a:effectRef>
+          <a:fontRef idx="minor">
+            <a:schemeClr val="tx1"/>
+          </a:fontRef>
+        </p:style>
+      </p:cxnSp>
+      <p:cxnSp>
+        <p:nvCxnSpPr>
+          <p:cNvPr id="159" name="Straight Connector 158">
+            <a:extLst>
+              <a:ext uri="{FF2B5EF4-FFF2-40B4-BE49-F238E27FC236}">
+                <a16:creationId xmlns:a16="http://schemas.microsoft.com/office/drawing/2014/main" id="{4859A13B-7E02-429E-B5A5-64A37A7B9C12}"/>
+              </a:ext>
+            </a:extLst>
+          </p:cNvPr>
+          <p:cNvCxnSpPr>
+            <a:cxnSpLocks/>
+            <a:endCxn id="152" idx="2"/>
+          </p:cNvCxnSpPr>
+          <p:nvPr/>
+        </p:nvCxnSpPr>
+        <p:spPr>
+          <a:xfrm flipH="1" flipV="1">
+            <a:off x="1247957" y="2178463"/>
+            <a:ext cx="502976" cy="5532"/>
+          </a:xfrm>
+          <a:prstGeom prst="line">
+            <a:avLst/>
+          </a:prstGeom>
+          <a:ln w="25400">
+            <a:solidFill>
+              <a:srgbClr val="FF0000"/>
+            </a:solidFill>
+          </a:ln>
+        </p:spPr>
+        <p:style>
+          <a:lnRef idx="2">
+            <a:schemeClr val="accent2"/>
+          </a:lnRef>
+          <a:fillRef idx="0">
+            <a:schemeClr val="accent2"/>
+          </a:fillRef>
+          <a:effectRef idx="1">
+            <a:schemeClr val="accent2"/>
+          </a:effectRef>
+          <a:fontRef idx="minor">
+            <a:schemeClr val="tx1"/>
+          </a:fontRef>
+        </p:style>
+      </p:cxnSp>
+      <p:cxnSp>
+        <p:nvCxnSpPr>
           <p:cNvPr id="162" name="Straight Connector 161">
             <a:extLst>
               <a:ext uri="{FF2B5EF4-FFF2-40B4-BE49-F238E27FC236}">
@@ -7811,13 +10110,14 @@
           </p:cNvPr>
           <p:cNvCxnSpPr>
             <a:cxnSpLocks/>
+            <a:endCxn id="152" idx="2"/>
           </p:cNvCxnSpPr>
           <p:nvPr/>
         </p:nvCxnSpPr>
         <p:spPr>
           <a:xfrm flipH="1" flipV="1">
-            <a:off x="1672840" y="2180096"/>
-            <a:ext cx="220621" cy="2833"/>
+            <a:off x="1247957" y="2178463"/>
+            <a:ext cx="519204" cy="4468"/>
           </a:xfrm>
           <a:prstGeom prst="line">
             <a:avLst/>
@@ -7857,7 +10157,7 @@
         </p:nvGrpSpPr>
         <p:grpSpPr>
           <a:xfrm flipH="1">
-            <a:off x="1625778" y="2149439"/>
+            <a:off x="1189910" y="2149439"/>
             <a:ext cx="58047" cy="58047"/>
             <a:chOff x="576210" y="1362884"/>
             <a:chExt cx="308990" cy="304476"/>
@@ -7983,89 +10283,13 @@
         </p:nvCxnSpPr>
         <p:spPr>
           <a:xfrm rot="18900000">
-            <a:off x="1835955" y="2188932"/>
+            <a:off x="1689359" y="2194071"/>
             <a:ext cx="113597" cy="0"/>
           </a:xfrm>
           <a:prstGeom prst="line">
             <a:avLst/>
           </a:prstGeom>
           <a:ln w="25400"/>
-        </p:spPr>
-        <p:style>
-          <a:lnRef idx="2">
-            <a:schemeClr val="dk1"/>
-          </a:lnRef>
-          <a:fillRef idx="0">
-            <a:schemeClr val="dk1"/>
-          </a:fillRef>
-          <a:effectRef idx="1">
-            <a:schemeClr val="dk1"/>
-          </a:effectRef>
-          <a:fontRef idx="minor">
-            <a:schemeClr val="tx1"/>
-          </a:fontRef>
-        </p:style>
-      </p:cxnSp>
-      <p:cxnSp>
-        <p:nvCxnSpPr>
-          <p:cNvPr id="136" name="Straight Connector 135">
-            <a:extLst>
-              <a:ext uri="{FF2B5EF4-FFF2-40B4-BE49-F238E27FC236}">
-                <a16:creationId xmlns:a16="http://schemas.microsoft.com/office/drawing/2014/main" id="{0D3D4E44-B496-4D35-A58F-14A8BD9AFC79}"/>
-              </a:ext>
-            </a:extLst>
-          </p:cNvPr>
-          <p:cNvCxnSpPr>
-            <a:cxnSpLocks/>
-          </p:cNvCxnSpPr>
-          <p:nvPr/>
-        </p:nvCxnSpPr>
-        <p:spPr>
-          <a:xfrm>
-            <a:off x="1835955" y="1919285"/>
-            <a:ext cx="113597" cy="0"/>
-          </a:xfrm>
-          <a:prstGeom prst="line">
-            <a:avLst/>
-          </a:prstGeom>
-        </p:spPr>
-        <p:style>
-          <a:lnRef idx="2">
-            <a:schemeClr val="dk1"/>
-          </a:lnRef>
-          <a:fillRef idx="0">
-            <a:schemeClr val="dk1"/>
-          </a:fillRef>
-          <a:effectRef idx="1">
-            <a:schemeClr val="dk1"/>
-          </a:effectRef>
-          <a:fontRef idx="minor">
-            <a:schemeClr val="tx1"/>
-          </a:fontRef>
-        </p:style>
-      </p:cxnSp>
-      <p:cxnSp>
-        <p:nvCxnSpPr>
-          <p:cNvPr id="135" name="Straight Connector 134">
-            <a:extLst>
-              <a:ext uri="{FF2B5EF4-FFF2-40B4-BE49-F238E27FC236}">
-                <a16:creationId xmlns:a16="http://schemas.microsoft.com/office/drawing/2014/main" id="{04F8B36F-C834-4AF6-8A4E-2604F5AAC0F3}"/>
-              </a:ext>
-            </a:extLst>
-          </p:cNvPr>
-          <p:cNvCxnSpPr>
-            <a:cxnSpLocks/>
-          </p:cNvCxnSpPr>
-          <p:nvPr/>
-        </p:nvCxnSpPr>
-        <p:spPr>
-          <a:xfrm>
-            <a:off x="1835955" y="1765551"/>
-            <a:ext cx="113597" cy="0"/>
-          </a:xfrm>
-          <a:prstGeom prst="line">
-            <a:avLst/>
-          </a:prstGeom>
         </p:spPr>
         <p:style>
           <a:lnRef idx="2">
@@ -8098,7 +10322,7 @@
         </p:nvCxnSpPr>
         <p:spPr>
           <a:xfrm rot="19140000">
-            <a:off x="1837112" y="2855467"/>
+            <a:off x="1689510" y="2822308"/>
             <a:ext cx="111284" cy="0"/>
           </a:xfrm>
           <a:prstGeom prst="line">
@@ -8122,10 +10346,10 @@
       </p:cxnSp>
       <p:sp>
         <p:nvSpPr>
-          <p:cNvPr id="8" name="Rectangle 7">
+          <p:cNvPr id="295" name="Rectangle 294">
             <a:extLst>
               <a:ext uri="{FF2B5EF4-FFF2-40B4-BE49-F238E27FC236}">
-                <a16:creationId xmlns:a16="http://schemas.microsoft.com/office/drawing/2014/main" id="{022BDC2F-2422-458A-AD57-3DC6BA338E3D}"/>
+                <a16:creationId xmlns:a16="http://schemas.microsoft.com/office/drawing/2014/main" id="{798E11E4-0366-4966-B6DA-ADD1C38DAB2C}"/>
               </a:ext>
             </a:extLst>
           </p:cNvPr>
@@ -8134,25 +10358,36 @@
         </p:nvSpPr>
         <p:spPr>
           <a:xfrm>
-            <a:off x="453562" y="2318483"/>
-            <a:ext cx="690349" cy="727478"/>
+            <a:off x="2790380" y="2343894"/>
+            <a:ext cx="175015" cy="45719"/>
           </a:xfrm>
           <a:prstGeom prst="rect">
             <a:avLst/>
           </a:prstGeom>
-          <a:noFill/>
+          <a:solidFill>
+            <a:schemeClr val="bg2">
+              <a:lumMod val="75000"/>
+            </a:schemeClr>
+          </a:solidFill>
+          <a:ln>
+            <a:solidFill>
+              <a:schemeClr val="bg2">
+                <a:lumMod val="50000"/>
+              </a:schemeClr>
+            </a:solidFill>
+          </a:ln>
         </p:spPr>
         <p:style>
           <a:lnRef idx="2">
-            <a:schemeClr val="accent3">
+            <a:schemeClr val="accent1">
               <a:shade val="50000"/>
             </a:schemeClr>
           </a:lnRef>
           <a:fillRef idx="1">
-            <a:schemeClr val="accent3"/>
+            <a:schemeClr val="accent1"/>
           </a:fillRef>
           <a:effectRef idx="0">
-            <a:schemeClr val="accent3"/>
+            <a:schemeClr val="accent1"/>
           </a:effectRef>
           <a:fontRef idx="minor">
             <a:schemeClr val="lt1"/>
@@ -8167,12 +10402,124 @@
           </a:p>
         </p:txBody>
       </p:sp>
+      <p:sp>
+        <p:nvSpPr>
+          <p:cNvPr id="296" name="Rectangle 295">
+            <a:extLst>
+              <a:ext uri="{FF2B5EF4-FFF2-40B4-BE49-F238E27FC236}">
+                <a16:creationId xmlns:a16="http://schemas.microsoft.com/office/drawing/2014/main" id="{1595FE99-3978-45A8-BB23-FC5FBC952638}"/>
+              </a:ext>
+            </a:extLst>
+          </p:cNvPr>
+          <p:cNvSpPr/>
+          <p:nvPr/>
+        </p:nvSpPr>
+        <p:spPr>
+          <a:xfrm>
+            <a:off x="2790380" y="2967862"/>
+            <a:ext cx="175015" cy="45719"/>
+          </a:xfrm>
+          <a:prstGeom prst="rect">
+            <a:avLst/>
+          </a:prstGeom>
+          <a:solidFill>
+            <a:schemeClr val="bg2">
+              <a:lumMod val="75000"/>
+            </a:schemeClr>
+          </a:solidFill>
+          <a:ln>
+            <a:solidFill>
+              <a:schemeClr val="bg2">
+                <a:lumMod val="50000"/>
+              </a:schemeClr>
+            </a:solidFill>
+          </a:ln>
+        </p:spPr>
+        <p:style>
+          <a:lnRef idx="2">
+            <a:schemeClr val="accent1">
+              <a:shade val="50000"/>
+            </a:schemeClr>
+          </a:lnRef>
+          <a:fillRef idx="1">
+            <a:schemeClr val="accent1"/>
+          </a:fillRef>
+          <a:effectRef idx="0">
+            <a:schemeClr val="accent1"/>
+          </a:effectRef>
+          <a:fontRef idx="minor">
+            <a:schemeClr val="lt1"/>
+          </a:fontRef>
+        </p:style>
+        <p:txBody>
+          <a:bodyPr rtlCol="0" anchor="ctr"/>
+          <a:lstStyle/>
+          <a:p>
+            <a:pPr algn="ctr"/>
+            <a:endParaRPr lang="en-CA"/>
+          </a:p>
+        </p:txBody>
+      </p:sp>
+      <p:sp>
+        <p:nvSpPr>
+          <p:cNvPr id="142" name="Rectangle 141">
+            <a:extLst>
+              <a:ext uri="{FF2B5EF4-FFF2-40B4-BE49-F238E27FC236}">
+                <a16:creationId xmlns:a16="http://schemas.microsoft.com/office/drawing/2014/main" id="{3E728E44-99B9-4687-B7E5-4D87E5DA7CCE}"/>
+              </a:ext>
+            </a:extLst>
+          </p:cNvPr>
+          <p:cNvSpPr/>
+          <p:nvPr/>
+        </p:nvSpPr>
+        <p:spPr>
+          <a:xfrm>
+            <a:off x="3208114" y="85471"/>
+            <a:ext cx="2453481" cy="1004278"/>
+          </a:xfrm>
+          <a:prstGeom prst="rect">
+            <a:avLst/>
+          </a:prstGeom>
+          <a:solidFill>
+            <a:srgbClr val="FFFFCC"/>
+          </a:solidFill>
+          <a:ln>
+            <a:solidFill>
+              <a:schemeClr val="tx1"/>
+            </a:solidFill>
+          </a:ln>
+        </p:spPr>
+        <p:style>
+          <a:lnRef idx="2">
+            <a:schemeClr val="accent1">
+              <a:shade val="50000"/>
+            </a:schemeClr>
+          </a:lnRef>
+          <a:fillRef idx="1">
+            <a:schemeClr val="accent1"/>
+          </a:fillRef>
+          <a:effectRef idx="0">
+            <a:schemeClr val="accent1"/>
+          </a:effectRef>
+          <a:fontRef idx="minor">
+            <a:schemeClr val="lt1"/>
+          </a:fontRef>
+        </p:style>
+        <p:txBody>
+          <a:bodyPr rtlCol="0" anchor="ctr"/>
+          <a:lstStyle/>
+          <a:p>
+            <a:pPr algn="ctr"/>
+            <a:endParaRPr lang="en-CA"/>
+          </a:p>
+        </p:txBody>
+      </p:sp>
       <p:grpSp>
         <p:nvGrpSpPr>
-          <p:cNvPr id="102" name="Group 101">
+          <p:cNvPr id="153" name="Group 152">
             <a:extLst>
               <a:ext uri="{FF2B5EF4-FFF2-40B4-BE49-F238E27FC236}">
-                <a16:creationId xmlns:a16="http://schemas.microsoft.com/office/drawing/2014/main" id="{1946E7B2-8F0B-46B4-A3F0-B194F13CFFE9}"/>
+                <a16:creationId xmlns:a16="http://schemas.microsoft.com/office/drawing/2014/main" id="{7C4A9FB6-9F59-403C-8068-85532A94EEBB}"/>
               </a:ext>
             </a:extLst>
           </p:cNvPr>
@@ -8180,874 +10527,161 @@
           <p:nvPr/>
         </p:nvGrpSpPr>
         <p:grpSpPr>
-          <a:xfrm>
-            <a:off x="3391375" y="1674742"/>
-            <a:ext cx="2102828" cy="292075"/>
-            <a:chOff x="3391375" y="1955744"/>
-            <a:chExt cx="2102828" cy="292075"/>
+          <a:xfrm rot="5400000">
+            <a:off x="3794364" y="1501586"/>
+            <a:ext cx="712993" cy="617095"/>
+            <a:chOff x="287686" y="1926654"/>
+            <a:chExt cx="647744" cy="560622"/>
           </a:xfrm>
         </p:grpSpPr>
-        <p:cxnSp>
-          <p:nvCxnSpPr>
-            <p:cNvPr id="195" name="Straight Connector 194">
+        <p:sp>
+          <p:nvSpPr>
+            <p:cNvPr id="155" name="Rectangle 154">
               <a:extLst>
                 <a:ext uri="{FF2B5EF4-FFF2-40B4-BE49-F238E27FC236}">
-                  <a16:creationId xmlns:a16="http://schemas.microsoft.com/office/drawing/2014/main" id="{82299EC1-12F7-4055-9D60-C6EE69DF7BA3}"/>
+                  <a16:creationId xmlns:a16="http://schemas.microsoft.com/office/drawing/2014/main" id="{CBD3C98E-11BC-4C24-A3A7-92B4B6CB82D5}"/>
                 </a:ext>
               </a:extLst>
             </p:cNvPr>
-            <p:cNvCxnSpPr>
-              <a:cxnSpLocks/>
-            </p:cNvCxnSpPr>
+            <p:cNvSpPr/>
             <p:nvPr/>
-          </p:nvCxnSpPr>
+          </p:nvSpPr>
           <p:spPr>
-            <a:xfrm flipH="1">
-              <a:off x="3450899" y="2075217"/>
-              <a:ext cx="755707" cy="4068"/>
+            <a:xfrm>
+              <a:off x="825211" y="1926654"/>
+              <a:ext cx="110219" cy="560622"/>
             </a:xfrm>
-            <a:prstGeom prst="line">
-              <a:avLst/>
-            </a:prstGeom>
-            <a:ln>
-              <a:solidFill>
-                <a:srgbClr val="FF0000"/>
-              </a:solidFill>
-            </a:ln>
-          </p:spPr>
-          <p:style>
-            <a:lnRef idx="2">
-              <a:schemeClr val="accent2"/>
-            </a:lnRef>
-            <a:fillRef idx="0">
-              <a:schemeClr val="accent2"/>
-            </a:fillRef>
-            <a:effectRef idx="1">
-              <a:schemeClr val="accent2"/>
-            </a:effectRef>
-            <a:fontRef idx="minor">
-              <a:schemeClr val="tx1"/>
-            </a:fontRef>
-          </p:style>
-        </p:cxnSp>
-        <p:cxnSp>
-          <p:nvCxnSpPr>
-            <p:cNvPr id="198" name="Straight Connector 197">
-              <a:extLst>
-                <a:ext uri="{FF2B5EF4-FFF2-40B4-BE49-F238E27FC236}">
-                  <a16:creationId xmlns:a16="http://schemas.microsoft.com/office/drawing/2014/main" id="{B699FA86-3663-414F-8B1B-BB1A685DB6C0}"/>
-                </a:ext>
-              </a:extLst>
-            </p:cNvPr>
-            <p:cNvCxnSpPr>
-              <a:cxnSpLocks/>
-            </p:cNvCxnSpPr>
-            <p:nvPr/>
-          </p:nvCxnSpPr>
-          <p:spPr>
-            <a:xfrm flipH="1">
-              <a:off x="3450899" y="2238902"/>
-              <a:ext cx="755673" cy="0"/>
-            </a:xfrm>
-            <a:prstGeom prst="line">
-              <a:avLst/>
-            </a:prstGeom>
-            <a:ln>
-              <a:solidFill>
-                <a:srgbClr val="FF0000"/>
-              </a:solidFill>
-            </a:ln>
-          </p:spPr>
-          <p:style>
-            <a:lnRef idx="2">
-              <a:schemeClr val="accent2"/>
-            </a:lnRef>
-            <a:fillRef idx="0">
-              <a:schemeClr val="accent2"/>
-            </a:fillRef>
-            <a:effectRef idx="1">
-              <a:schemeClr val="accent2"/>
-            </a:effectRef>
-            <a:fontRef idx="minor">
-              <a:schemeClr val="tx1"/>
-            </a:fontRef>
-          </p:style>
-        </p:cxnSp>
-        <p:cxnSp>
-          <p:nvCxnSpPr>
-            <p:cNvPr id="199" name="Straight Connector 198">
-              <a:extLst>
-                <a:ext uri="{FF2B5EF4-FFF2-40B4-BE49-F238E27FC236}">
-                  <a16:creationId xmlns:a16="http://schemas.microsoft.com/office/drawing/2014/main" id="{5C8110D9-DA17-4BC7-B13A-874B3B5D4C3E}"/>
-                </a:ext>
-              </a:extLst>
-            </p:cNvPr>
-            <p:cNvCxnSpPr>
-              <a:cxnSpLocks/>
-            </p:cNvCxnSpPr>
-            <p:nvPr/>
-          </p:nvCxnSpPr>
-          <p:spPr>
-            <a:xfrm flipV="1">
-              <a:off x="4203767" y="2069683"/>
-              <a:ext cx="0" cy="175782"/>
-            </a:xfrm>
-            <a:prstGeom prst="line">
-              <a:avLst/>
-            </a:prstGeom>
-            <a:ln>
-              <a:solidFill>
-                <a:srgbClr val="FF0000"/>
-              </a:solidFill>
-            </a:ln>
-          </p:spPr>
-          <p:style>
-            <a:lnRef idx="2">
-              <a:schemeClr val="accent2"/>
-            </a:lnRef>
-            <a:fillRef idx="0">
-              <a:schemeClr val="accent2"/>
-            </a:fillRef>
-            <a:effectRef idx="1">
-              <a:schemeClr val="accent2"/>
-            </a:effectRef>
-            <a:fontRef idx="minor">
-              <a:schemeClr val="tx1"/>
-            </a:fontRef>
-          </p:style>
-        </p:cxnSp>
-        <p:cxnSp>
-          <p:nvCxnSpPr>
-            <p:cNvPr id="202" name="Straight Connector 201">
-              <a:extLst>
-                <a:ext uri="{FF2B5EF4-FFF2-40B4-BE49-F238E27FC236}">
-                  <a16:creationId xmlns:a16="http://schemas.microsoft.com/office/drawing/2014/main" id="{0D9EE4AC-CD77-4BCB-8473-33AA8539E49C}"/>
-                </a:ext>
-              </a:extLst>
-            </p:cNvPr>
-            <p:cNvCxnSpPr>
-              <a:cxnSpLocks/>
-            </p:cNvCxnSpPr>
-            <p:nvPr/>
-          </p:nvCxnSpPr>
-          <p:spPr>
-            <a:xfrm flipV="1">
-              <a:off x="5368204" y="2069683"/>
-              <a:ext cx="0" cy="175782"/>
-            </a:xfrm>
-            <a:prstGeom prst="line">
-              <a:avLst/>
-            </a:prstGeom>
-            <a:ln>
-              <a:solidFill>
-                <a:srgbClr val="FF0000"/>
-              </a:solidFill>
-              <a:prstDash val="sysDot"/>
-            </a:ln>
-          </p:spPr>
-          <p:style>
-            <a:lnRef idx="2">
-              <a:schemeClr val="accent2"/>
-            </a:lnRef>
-            <a:fillRef idx="0">
-              <a:schemeClr val="accent2"/>
-            </a:fillRef>
-            <a:effectRef idx="1">
-              <a:schemeClr val="accent2"/>
-            </a:effectRef>
-            <a:fontRef idx="minor">
-              <a:schemeClr val="tx1"/>
-            </a:fontRef>
-          </p:style>
-        </p:cxnSp>
-        <p:cxnSp>
-          <p:nvCxnSpPr>
-            <p:cNvPr id="203" name="Straight Connector 202">
-              <a:extLst>
-                <a:ext uri="{FF2B5EF4-FFF2-40B4-BE49-F238E27FC236}">
-                  <a16:creationId xmlns:a16="http://schemas.microsoft.com/office/drawing/2014/main" id="{9CB12155-4A81-4FDA-AC68-46B51D05F3E2}"/>
-                </a:ext>
-              </a:extLst>
-            </p:cNvPr>
-            <p:cNvCxnSpPr>
-              <a:cxnSpLocks/>
-            </p:cNvCxnSpPr>
-            <p:nvPr/>
-          </p:nvCxnSpPr>
-          <p:spPr>
-            <a:xfrm flipH="1">
-              <a:off x="4203768" y="2075217"/>
-              <a:ext cx="1164436" cy="0"/>
-            </a:xfrm>
-            <a:prstGeom prst="line">
-              <a:avLst/>
-            </a:prstGeom>
-            <a:ln>
-              <a:solidFill>
-                <a:srgbClr val="FF0000"/>
-              </a:solidFill>
-              <a:prstDash val="sysDot"/>
-            </a:ln>
-          </p:spPr>
-          <p:style>
-            <a:lnRef idx="2">
-              <a:schemeClr val="accent2"/>
-            </a:lnRef>
-            <a:fillRef idx="0">
-              <a:schemeClr val="accent2"/>
-            </a:fillRef>
-            <a:effectRef idx="1">
-              <a:schemeClr val="accent2"/>
-            </a:effectRef>
-            <a:fontRef idx="minor">
-              <a:schemeClr val="tx1"/>
-            </a:fontRef>
-          </p:style>
-        </p:cxnSp>
-        <p:cxnSp>
-          <p:nvCxnSpPr>
-            <p:cNvPr id="206" name="Straight Connector 205">
-              <a:extLst>
-                <a:ext uri="{FF2B5EF4-FFF2-40B4-BE49-F238E27FC236}">
-                  <a16:creationId xmlns:a16="http://schemas.microsoft.com/office/drawing/2014/main" id="{43BD4F5F-480B-4DA5-9701-810194C7AA34}"/>
-                </a:ext>
-              </a:extLst>
-            </p:cNvPr>
-            <p:cNvCxnSpPr>
-              <a:cxnSpLocks/>
-            </p:cNvCxnSpPr>
-            <p:nvPr/>
-          </p:nvCxnSpPr>
-          <p:spPr>
-            <a:xfrm flipH="1">
-              <a:off x="4194037" y="2238902"/>
-              <a:ext cx="1174167" cy="0"/>
-            </a:xfrm>
-            <a:prstGeom prst="line">
-              <a:avLst/>
-            </a:prstGeom>
-            <a:ln>
-              <a:solidFill>
-                <a:srgbClr val="FF0000"/>
-              </a:solidFill>
-              <a:prstDash val="sysDot"/>
-            </a:ln>
-          </p:spPr>
-          <p:style>
-            <a:lnRef idx="2">
-              <a:schemeClr val="accent2"/>
-            </a:lnRef>
-            <a:fillRef idx="0">
-              <a:schemeClr val="accent2"/>
-            </a:fillRef>
-            <a:effectRef idx="1">
-              <a:schemeClr val="accent2"/>
-            </a:effectRef>
-            <a:fontRef idx="minor">
-              <a:schemeClr val="tx1"/>
-            </a:fontRef>
-          </p:style>
-        </p:cxnSp>
-        <p:grpSp>
-          <p:nvGrpSpPr>
-            <p:cNvPr id="182" name="Group 181">
-              <a:extLst>
-                <a:ext uri="{FF2B5EF4-FFF2-40B4-BE49-F238E27FC236}">
-                  <a16:creationId xmlns:a16="http://schemas.microsoft.com/office/drawing/2014/main" id="{342C3E6A-51E1-46D7-A9B4-9C4DA0A39C97}"/>
-                </a:ext>
-              </a:extLst>
-            </p:cNvPr>
-            <p:cNvGrpSpPr/>
-            <p:nvPr/>
-          </p:nvGrpSpPr>
-          <p:grpSpPr>
-            <a:xfrm>
-              <a:off x="4096929" y="1955744"/>
-              <a:ext cx="247084" cy="289189"/>
-              <a:chOff x="2986130" y="1596230"/>
-              <a:chExt cx="194607" cy="227770"/>
-            </a:xfrm>
-          </p:grpSpPr>
-          <p:cxnSp>
-            <p:nvCxnSpPr>
-              <p:cNvPr id="178" name="Straight Connector 177">
-                <a:extLst>
-                  <a:ext uri="{FF2B5EF4-FFF2-40B4-BE49-F238E27FC236}">
-                    <a16:creationId xmlns:a16="http://schemas.microsoft.com/office/drawing/2014/main" id="{72C8E453-6B14-43F4-B27E-BBA20BAACF1F}"/>
-                  </a:ext>
-                </a:extLst>
-              </p:cNvPr>
-              <p:cNvCxnSpPr>
-                <a:cxnSpLocks/>
-              </p:cNvCxnSpPr>
-              <p:nvPr/>
-            </p:nvCxnSpPr>
-            <p:spPr>
-              <a:xfrm rot="2700000">
-                <a:off x="3083434" y="1726696"/>
-                <a:ext cx="0" cy="194607"/>
-              </a:xfrm>
-              <a:prstGeom prst="line">
-                <a:avLst/>
-              </a:prstGeom>
-              <a:ln w="12700"/>
-            </p:spPr>
-            <p:style>
-              <a:lnRef idx="3">
-                <a:schemeClr val="dk1"/>
-              </a:lnRef>
-              <a:fillRef idx="0">
-                <a:schemeClr val="dk1"/>
-              </a:fillRef>
-              <a:effectRef idx="2">
-                <a:schemeClr val="dk1"/>
-              </a:effectRef>
-              <a:fontRef idx="minor">
-                <a:schemeClr val="tx1"/>
-              </a:fontRef>
-            </p:style>
-          </p:cxnSp>
-          <p:cxnSp>
-            <p:nvCxnSpPr>
-              <p:cNvPr id="181" name="Straight Connector 180">
-                <a:extLst>
-                  <a:ext uri="{FF2B5EF4-FFF2-40B4-BE49-F238E27FC236}">
-                    <a16:creationId xmlns:a16="http://schemas.microsoft.com/office/drawing/2014/main" id="{5FE3CA69-707E-46E6-B667-73E96F62E068}"/>
-                  </a:ext>
-                </a:extLst>
-              </p:cNvPr>
-              <p:cNvCxnSpPr>
-                <a:cxnSpLocks/>
-              </p:cNvCxnSpPr>
-              <p:nvPr/>
-            </p:nvCxnSpPr>
-            <p:spPr>
-              <a:xfrm rot="-2700000">
-                <a:off x="3086101" y="1596230"/>
-                <a:ext cx="0" cy="194607"/>
-              </a:xfrm>
-              <a:prstGeom prst="line">
-                <a:avLst/>
-              </a:prstGeom>
-              <a:ln w="12700"/>
-            </p:spPr>
-            <p:style>
-              <a:lnRef idx="3">
-                <a:schemeClr val="dk1"/>
-              </a:lnRef>
-              <a:fillRef idx="0">
-                <a:schemeClr val="dk1"/>
-              </a:fillRef>
-              <a:effectRef idx="2">
-                <a:schemeClr val="dk1"/>
-              </a:effectRef>
-              <a:fontRef idx="minor">
-                <a:schemeClr val="tx1"/>
-              </a:fontRef>
-            </p:style>
-          </p:cxnSp>
-        </p:grpSp>
-        <p:cxnSp>
-          <p:nvCxnSpPr>
-            <p:cNvPr id="192" name="Straight Connector 191">
-              <a:extLst>
-                <a:ext uri="{FF2B5EF4-FFF2-40B4-BE49-F238E27FC236}">
-                  <a16:creationId xmlns:a16="http://schemas.microsoft.com/office/drawing/2014/main" id="{4D2F5912-CF26-4A1E-AE18-9EC9515CC400}"/>
-                </a:ext>
-              </a:extLst>
-            </p:cNvPr>
-            <p:cNvCxnSpPr>
-              <a:cxnSpLocks/>
-            </p:cNvCxnSpPr>
-            <p:nvPr/>
-          </p:nvCxnSpPr>
-          <p:spPr>
-            <a:xfrm rot="2700000">
-              <a:off x="3391375" y="2080278"/>
-              <a:ext cx="113597" cy="0"/>
-            </a:xfrm>
-            <a:prstGeom prst="line">
+            <a:prstGeom prst="rect">
               <a:avLst/>
             </a:prstGeom>
           </p:spPr>
           <p:style>
             <a:lnRef idx="2">
-              <a:schemeClr val="dk1"/>
+              <a:schemeClr val="accent3">
+                <a:shade val="50000"/>
+              </a:schemeClr>
             </a:lnRef>
-            <a:fillRef idx="0">
-              <a:schemeClr val="dk1"/>
+            <a:fillRef idx="1">
+              <a:schemeClr val="accent3"/>
             </a:fillRef>
-            <a:effectRef idx="1">
-              <a:schemeClr val="dk1"/>
+            <a:effectRef idx="0">
+              <a:schemeClr val="accent3"/>
             </a:effectRef>
             <a:fontRef idx="minor">
-              <a:schemeClr val="tx1"/>
+              <a:schemeClr val="lt1"/>
             </a:fontRef>
           </p:style>
-        </p:cxnSp>
-        <p:cxnSp>
-          <p:nvCxnSpPr>
-            <p:cNvPr id="194" name="Straight Connector 193">
+          <p:txBody>
+            <a:bodyPr rtlCol="0" anchor="ctr"/>
+            <a:lstStyle/>
+            <a:p>
+              <a:pPr algn="ctr"/>
+              <a:endParaRPr lang="en-CA"/>
+            </a:p>
+          </p:txBody>
+        </p:sp>
+        <p:sp>
+          <p:nvSpPr>
+            <p:cNvPr id="156" name="Rectangle 155">
               <a:extLst>
                 <a:ext uri="{FF2B5EF4-FFF2-40B4-BE49-F238E27FC236}">
-                  <a16:creationId xmlns:a16="http://schemas.microsoft.com/office/drawing/2014/main" id="{E31F0DDF-2238-40CD-8D97-B82A995759D4}"/>
+                  <a16:creationId xmlns:a16="http://schemas.microsoft.com/office/drawing/2014/main" id="{CC7817B8-A978-4F08-ACF9-D122785608D2}"/>
                 </a:ext>
               </a:extLst>
             </p:cNvPr>
-            <p:cNvCxnSpPr>
-              <a:cxnSpLocks/>
-            </p:cNvCxnSpPr>
+            <p:cNvSpPr/>
             <p:nvPr/>
-          </p:nvCxnSpPr>
+          </p:nvSpPr>
           <p:spPr>
-            <a:xfrm rot="18900000">
-              <a:off x="3391375" y="2247819"/>
-              <a:ext cx="113597" cy="0"/>
+            <a:xfrm>
+              <a:off x="406774" y="1979300"/>
+              <a:ext cx="409568" cy="455330"/>
             </a:xfrm>
-            <a:prstGeom prst="line">
+            <a:prstGeom prst="rect">
+              <a:avLst/>
+            </a:prstGeom>
+            <a:solidFill>
+              <a:srgbClr val="A5A5A5"/>
+            </a:solidFill>
+          </p:spPr>
+          <p:style>
+            <a:lnRef idx="2">
+              <a:schemeClr val="accent3">
+                <a:shade val="50000"/>
+              </a:schemeClr>
+            </a:lnRef>
+            <a:fillRef idx="1">
+              <a:schemeClr val="accent3"/>
+            </a:fillRef>
+            <a:effectRef idx="0">
+              <a:schemeClr val="accent3"/>
+            </a:effectRef>
+            <a:fontRef idx="minor">
+              <a:schemeClr val="lt1"/>
+            </a:fontRef>
+          </p:style>
+          <p:txBody>
+            <a:bodyPr rtlCol="0" anchor="ctr"/>
+            <a:lstStyle/>
+            <a:p>
+              <a:pPr algn="ctr"/>
+              <a:endParaRPr lang="en-CA"/>
+            </a:p>
+          </p:txBody>
+        </p:sp>
+        <p:sp>
+          <p:nvSpPr>
+            <p:cNvPr id="158" name="Rectangle 157">
+              <a:extLst>
+                <a:ext uri="{FF2B5EF4-FFF2-40B4-BE49-F238E27FC236}">
+                  <a16:creationId xmlns:a16="http://schemas.microsoft.com/office/drawing/2014/main" id="{6C9DDE5D-9A9C-4AB6-A48F-CB48F8414842}"/>
+                </a:ext>
+              </a:extLst>
+            </p:cNvPr>
+            <p:cNvSpPr/>
+            <p:nvPr/>
+          </p:nvSpPr>
+          <p:spPr>
+            <a:xfrm>
+              <a:off x="287686" y="1926654"/>
+              <a:ext cx="110219" cy="560622"/>
+            </a:xfrm>
+            <a:prstGeom prst="rect">
               <a:avLst/>
             </a:prstGeom>
           </p:spPr>
           <p:style>
             <a:lnRef idx="2">
-              <a:schemeClr val="dk1"/>
+              <a:schemeClr val="accent3">
+                <a:shade val="50000"/>
+              </a:schemeClr>
             </a:lnRef>
-            <a:fillRef idx="0">
-              <a:schemeClr val="dk1"/>
+            <a:fillRef idx="1">
+              <a:schemeClr val="accent3"/>
             </a:fillRef>
-            <a:effectRef idx="1">
-              <a:schemeClr val="dk1"/>
+            <a:effectRef idx="0">
+              <a:schemeClr val="accent3"/>
             </a:effectRef>
             <a:fontRef idx="minor">
-              <a:schemeClr val="tx1"/>
+              <a:schemeClr val="lt1"/>
             </a:fontRef>
           </p:style>
-        </p:cxnSp>
-        <p:grpSp>
-          <p:nvGrpSpPr>
-            <p:cNvPr id="184" name="Group 183">
-              <a:extLst>
-                <a:ext uri="{FF2B5EF4-FFF2-40B4-BE49-F238E27FC236}">
-                  <a16:creationId xmlns:a16="http://schemas.microsoft.com/office/drawing/2014/main" id="{8D43CF6F-9BBC-485A-998E-D1E639091BA2}"/>
-                </a:ext>
-              </a:extLst>
-            </p:cNvPr>
-            <p:cNvGrpSpPr/>
-            <p:nvPr/>
-          </p:nvGrpSpPr>
-          <p:grpSpPr>
-            <a:xfrm>
-              <a:off x="5247119" y="1956276"/>
-              <a:ext cx="247084" cy="289189"/>
-              <a:chOff x="2986130" y="1596230"/>
-              <a:chExt cx="194607" cy="227770"/>
-            </a:xfrm>
-          </p:grpSpPr>
-          <p:cxnSp>
-            <p:nvCxnSpPr>
-              <p:cNvPr id="185" name="Straight Connector 184">
-                <a:extLst>
-                  <a:ext uri="{FF2B5EF4-FFF2-40B4-BE49-F238E27FC236}">
-                    <a16:creationId xmlns:a16="http://schemas.microsoft.com/office/drawing/2014/main" id="{EA6B389D-F546-41A7-8B82-8052EAF66715}"/>
-                  </a:ext>
-                </a:extLst>
-              </p:cNvPr>
-              <p:cNvCxnSpPr>
-                <a:cxnSpLocks/>
-              </p:cNvCxnSpPr>
-              <p:nvPr/>
-            </p:nvCxnSpPr>
-            <p:spPr>
-              <a:xfrm rot="2700000">
-                <a:off x="3083434" y="1726696"/>
-                <a:ext cx="0" cy="194607"/>
-              </a:xfrm>
-              <a:prstGeom prst="line">
-                <a:avLst/>
-              </a:prstGeom>
-              <a:ln w="12700">
-                <a:prstDash val="sysDot"/>
-              </a:ln>
-            </p:spPr>
-            <p:style>
-              <a:lnRef idx="3">
-                <a:schemeClr val="dk1"/>
-              </a:lnRef>
-              <a:fillRef idx="0">
-                <a:schemeClr val="dk1"/>
-              </a:fillRef>
-              <a:effectRef idx="2">
-                <a:schemeClr val="dk1"/>
-              </a:effectRef>
-              <a:fontRef idx="minor">
-                <a:schemeClr val="tx1"/>
-              </a:fontRef>
-            </p:style>
-          </p:cxnSp>
-          <p:cxnSp>
-            <p:nvCxnSpPr>
-              <p:cNvPr id="186" name="Straight Connector 185">
-                <a:extLst>
-                  <a:ext uri="{FF2B5EF4-FFF2-40B4-BE49-F238E27FC236}">
-                    <a16:creationId xmlns:a16="http://schemas.microsoft.com/office/drawing/2014/main" id="{71ED4F12-9846-45B8-9895-52668FDF2691}"/>
-                  </a:ext>
-                </a:extLst>
-              </p:cNvPr>
-              <p:cNvCxnSpPr>
-                <a:cxnSpLocks/>
-              </p:cNvCxnSpPr>
-              <p:nvPr/>
-            </p:nvCxnSpPr>
-            <p:spPr>
-              <a:xfrm rot="-2700000">
-                <a:off x="3086101" y="1596230"/>
-                <a:ext cx="0" cy="194607"/>
-              </a:xfrm>
-              <a:prstGeom prst="line">
-                <a:avLst/>
-              </a:prstGeom>
-              <a:ln w="12700">
-                <a:prstDash val="sysDot"/>
-              </a:ln>
-            </p:spPr>
-            <p:style>
-              <a:lnRef idx="3">
-                <a:schemeClr val="dk1"/>
-              </a:lnRef>
-              <a:fillRef idx="0">
-                <a:schemeClr val="dk1"/>
-              </a:fillRef>
-              <a:effectRef idx="2">
-                <a:schemeClr val="dk1"/>
-              </a:effectRef>
-              <a:fontRef idx="minor">
-                <a:schemeClr val="tx1"/>
-              </a:fontRef>
-            </p:style>
-          </p:cxnSp>
-        </p:grpSp>
+          <p:txBody>
+            <a:bodyPr rtlCol="0" anchor="ctr"/>
+            <a:lstStyle/>
+            <a:p>
+              <a:pPr algn="ctr"/>
+              <a:endParaRPr lang="en-CA"/>
+            </a:p>
+          </p:txBody>
+        </p:sp>
       </p:grpSp>
-      <p:cxnSp>
-        <p:nvCxnSpPr>
-          <p:cNvPr id="166" name="Straight Connector 165">
+      <p:sp>
+        <p:nvSpPr>
+          <p:cNvPr id="304" name="TextBox 303">
             <a:extLst>
               <a:ext uri="{FF2B5EF4-FFF2-40B4-BE49-F238E27FC236}">
-                <a16:creationId xmlns:a16="http://schemas.microsoft.com/office/drawing/2014/main" id="{A834FEEA-E30A-4136-A67C-8C3ABAE46017}"/>
-              </a:ext>
-            </a:extLst>
-          </p:cNvPr>
-          <p:cNvCxnSpPr>
-            <a:cxnSpLocks/>
-          </p:cNvCxnSpPr>
-          <p:nvPr/>
-        </p:nvCxnSpPr>
-        <p:spPr>
-          <a:xfrm>
-            <a:off x="2215097" y="658882"/>
-            <a:ext cx="188962" cy="0"/>
-          </a:xfrm>
-          <a:prstGeom prst="line">
-            <a:avLst/>
-          </a:prstGeom>
-          <a:ln w="6350">
-            <a:solidFill>
-              <a:srgbClr val="FF0000"/>
-            </a:solidFill>
-            <a:headEnd type="none" w="sm" len="sm"/>
-            <a:tailEnd type="triangle" w="sm" len="sm"/>
-          </a:ln>
-        </p:spPr>
-        <p:style>
-          <a:lnRef idx="2">
-            <a:schemeClr val="accent2"/>
-          </a:lnRef>
-          <a:fillRef idx="0">
-            <a:schemeClr val="accent2"/>
-          </a:fillRef>
-          <a:effectRef idx="1">
-            <a:schemeClr val="accent2"/>
-          </a:effectRef>
-          <a:fontRef idx="minor">
-            <a:schemeClr val="tx1"/>
-          </a:fontRef>
-        </p:style>
-      </p:cxnSp>
-      <p:cxnSp>
-        <p:nvCxnSpPr>
-          <p:cNvPr id="170" name="Straight Connector 169">
-            <a:extLst>
-              <a:ext uri="{FF2B5EF4-FFF2-40B4-BE49-F238E27FC236}">
-                <a16:creationId xmlns:a16="http://schemas.microsoft.com/office/drawing/2014/main" id="{FB34BFBD-86FC-488C-B698-B804C7A6286B}"/>
-              </a:ext>
-            </a:extLst>
-          </p:cNvPr>
-          <p:cNvCxnSpPr>
-            <a:cxnSpLocks/>
-          </p:cNvCxnSpPr>
-          <p:nvPr/>
-        </p:nvCxnSpPr>
-        <p:spPr>
-          <a:xfrm>
-            <a:off x="2646397" y="658882"/>
-            <a:ext cx="188962" cy="0"/>
-          </a:xfrm>
-          <a:prstGeom prst="line">
-            <a:avLst/>
-          </a:prstGeom>
-          <a:ln w="6350">
-            <a:solidFill>
-              <a:srgbClr val="FF0000"/>
-            </a:solidFill>
-            <a:headEnd type="none" w="sm" len="sm"/>
-            <a:tailEnd type="triangle" w="sm" len="sm"/>
-          </a:ln>
-        </p:spPr>
-        <p:style>
-          <a:lnRef idx="2">
-            <a:schemeClr val="accent2"/>
-          </a:lnRef>
-          <a:fillRef idx="0">
-            <a:schemeClr val="accent2"/>
-          </a:fillRef>
-          <a:effectRef idx="1">
-            <a:schemeClr val="accent2"/>
-          </a:effectRef>
-          <a:fontRef idx="minor">
-            <a:schemeClr val="tx1"/>
-          </a:fontRef>
-        </p:style>
-      </p:cxnSp>
-      <p:cxnSp>
-        <p:nvCxnSpPr>
-          <p:cNvPr id="171" name="Straight Connector 170">
-            <a:extLst>
-              <a:ext uri="{FF2B5EF4-FFF2-40B4-BE49-F238E27FC236}">
-                <a16:creationId xmlns:a16="http://schemas.microsoft.com/office/drawing/2014/main" id="{189D7119-4E7D-47A4-8BA6-E6CAED30FC04}"/>
-              </a:ext>
-            </a:extLst>
-          </p:cNvPr>
-          <p:cNvCxnSpPr>
-            <a:cxnSpLocks/>
-          </p:cNvCxnSpPr>
-          <p:nvPr/>
-        </p:nvCxnSpPr>
-        <p:spPr>
-          <a:xfrm rot="5400000">
-            <a:off x="2551916" y="753363"/>
-            <a:ext cx="188962" cy="0"/>
-          </a:xfrm>
-          <a:prstGeom prst="line">
-            <a:avLst/>
-          </a:prstGeom>
-          <a:ln w="6350">
-            <a:solidFill>
-              <a:srgbClr val="FF0000"/>
-            </a:solidFill>
-            <a:headEnd type="none" w="sm" len="sm"/>
-            <a:tailEnd type="triangle" w="sm" len="sm"/>
-          </a:ln>
-        </p:spPr>
-        <p:style>
-          <a:lnRef idx="2">
-            <a:schemeClr val="accent2"/>
-          </a:lnRef>
-          <a:fillRef idx="0">
-            <a:schemeClr val="accent2"/>
-          </a:fillRef>
-          <a:effectRef idx="1">
-            <a:schemeClr val="accent2"/>
-          </a:effectRef>
-          <a:fontRef idx="minor">
-            <a:schemeClr val="tx1"/>
-          </a:fontRef>
-        </p:style>
-      </p:cxnSp>
-      <p:cxnSp>
-        <p:nvCxnSpPr>
-          <p:cNvPr id="173" name="Straight Connector 172">
-            <a:extLst>
-              <a:ext uri="{FF2B5EF4-FFF2-40B4-BE49-F238E27FC236}">
-                <a16:creationId xmlns:a16="http://schemas.microsoft.com/office/drawing/2014/main" id="{88D66673-D8F8-48A7-B3B1-1FE23F8B6602}"/>
-              </a:ext>
-            </a:extLst>
-          </p:cNvPr>
-          <p:cNvCxnSpPr>
-            <a:cxnSpLocks/>
-          </p:cNvCxnSpPr>
-          <p:nvPr/>
-        </p:nvCxnSpPr>
-        <p:spPr>
-          <a:xfrm rot="10800000">
-            <a:off x="3163803" y="1392392"/>
-            <a:ext cx="188962" cy="0"/>
-          </a:xfrm>
-          <a:prstGeom prst="line">
-            <a:avLst/>
-          </a:prstGeom>
-          <a:ln w="6350">
-            <a:solidFill>
-              <a:srgbClr val="FF0000"/>
-            </a:solidFill>
-            <a:headEnd type="none" w="sm" len="sm"/>
-            <a:tailEnd type="triangle" w="sm" len="sm"/>
-          </a:ln>
-        </p:spPr>
-        <p:style>
-          <a:lnRef idx="2">
-            <a:schemeClr val="accent2"/>
-          </a:lnRef>
-          <a:fillRef idx="0">
-            <a:schemeClr val="accent2"/>
-          </a:fillRef>
-          <a:effectRef idx="1">
-            <a:schemeClr val="accent2"/>
-          </a:effectRef>
-          <a:fontRef idx="minor">
-            <a:schemeClr val="tx1"/>
-          </a:fontRef>
-        </p:style>
-      </p:cxnSp>
-      <p:cxnSp>
-        <p:nvCxnSpPr>
-          <p:cNvPr id="175" name="Straight Connector 174">
-            <a:extLst>
-              <a:ext uri="{FF2B5EF4-FFF2-40B4-BE49-F238E27FC236}">
-                <a16:creationId xmlns:a16="http://schemas.microsoft.com/office/drawing/2014/main" id="{FBA42729-110A-467F-A066-ACB5E50D32C8}"/>
-              </a:ext>
-            </a:extLst>
-          </p:cNvPr>
-          <p:cNvCxnSpPr>
-            <a:cxnSpLocks/>
-          </p:cNvCxnSpPr>
-          <p:nvPr/>
-        </p:nvCxnSpPr>
-        <p:spPr>
-          <a:xfrm rot="5400000">
-            <a:off x="3258284" y="1484651"/>
-            <a:ext cx="188962" cy="0"/>
-          </a:xfrm>
-          <a:prstGeom prst="line">
-            <a:avLst/>
-          </a:prstGeom>
-          <a:ln w="6350">
-            <a:solidFill>
-              <a:srgbClr val="FF0000"/>
-            </a:solidFill>
-            <a:headEnd type="none" w="sm" len="sm"/>
-            <a:tailEnd type="triangle" w="sm" len="sm"/>
-          </a:ln>
-        </p:spPr>
-        <p:style>
-          <a:lnRef idx="2">
-            <a:schemeClr val="accent2"/>
-          </a:lnRef>
-          <a:fillRef idx="0">
-            <a:schemeClr val="accent2"/>
-          </a:fillRef>
-          <a:effectRef idx="1">
-            <a:schemeClr val="accent2"/>
-          </a:effectRef>
-          <a:fontRef idx="minor">
-            <a:schemeClr val="tx1"/>
-          </a:fontRef>
-        </p:style>
-      </p:cxnSp>
-      <p:cxnSp>
-        <p:nvCxnSpPr>
-          <p:cNvPr id="176" name="Straight Connector 175">
-            <a:extLst>
-              <a:ext uri="{FF2B5EF4-FFF2-40B4-BE49-F238E27FC236}">
-                <a16:creationId xmlns:a16="http://schemas.microsoft.com/office/drawing/2014/main" id="{49E4F459-90E9-432D-8CBB-E719964F1584}"/>
-              </a:ext>
-            </a:extLst>
-          </p:cNvPr>
-          <p:cNvCxnSpPr>
-            <a:cxnSpLocks/>
-          </p:cNvCxnSpPr>
-          <p:nvPr/>
-        </p:nvCxnSpPr>
-        <p:spPr>
-          <a:xfrm>
-            <a:off x="3718548" y="1727145"/>
-            <a:ext cx="188962" cy="0"/>
-          </a:xfrm>
-          <a:prstGeom prst="line">
-            <a:avLst/>
-          </a:prstGeom>
-          <a:ln w="6350">
-            <a:solidFill>
-              <a:srgbClr val="FF0000"/>
-            </a:solidFill>
-            <a:headEnd type="none" w="sm" len="sm"/>
-            <a:tailEnd type="triangle" w="sm" len="sm"/>
-          </a:ln>
-        </p:spPr>
-        <p:style>
-          <a:lnRef idx="2">
-            <a:schemeClr val="accent2"/>
-          </a:lnRef>
-          <a:fillRef idx="0">
-            <a:schemeClr val="accent2"/>
-          </a:fillRef>
-          <a:effectRef idx="1">
-            <a:schemeClr val="accent2"/>
-          </a:effectRef>
-          <a:fontRef idx="minor">
-            <a:schemeClr val="tx1"/>
-          </a:fontRef>
-        </p:style>
-      </p:cxnSp>
-      <p:cxnSp>
-        <p:nvCxnSpPr>
-          <p:cNvPr id="177" name="Straight Connector 176">
-            <a:extLst>
-              <a:ext uri="{FF2B5EF4-FFF2-40B4-BE49-F238E27FC236}">
-                <a16:creationId xmlns:a16="http://schemas.microsoft.com/office/drawing/2014/main" id="{FFECFC45-21D8-4B49-947B-9C132E420DD8}"/>
-              </a:ext>
-            </a:extLst>
-          </p:cNvPr>
-          <p:cNvCxnSpPr>
-            <a:cxnSpLocks/>
-          </p:cNvCxnSpPr>
-          <p:nvPr/>
-        </p:nvCxnSpPr>
-        <p:spPr>
-          <a:xfrm flipH="1">
-            <a:off x="3732520" y="2044897"/>
-            <a:ext cx="188962" cy="0"/>
-          </a:xfrm>
-          <a:prstGeom prst="line">
-            <a:avLst/>
-          </a:prstGeom>
-          <a:ln w="6350">
-            <a:solidFill>
-              <a:srgbClr val="FF0000"/>
-            </a:solidFill>
-            <a:headEnd type="none" w="sm" len="sm"/>
-            <a:tailEnd type="triangle" w="sm" len="sm"/>
-          </a:ln>
-        </p:spPr>
-        <p:style>
-          <a:lnRef idx="2">
-            <a:schemeClr val="accent2"/>
-          </a:lnRef>
-          <a:fillRef idx="0">
-            <a:schemeClr val="accent2"/>
-          </a:fillRef>
-          <a:effectRef idx="1">
-            <a:schemeClr val="accent2"/>
-          </a:effectRef>
-          <a:fontRef idx="minor">
-            <a:schemeClr val="tx1"/>
-          </a:fontRef>
-        </p:style>
-      </p:cxnSp>
-      <p:sp>
-        <p:nvSpPr>
-          <p:cNvPr id="179" name="TextBox 178">
-            <a:extLst>
-              <a:ext uri="{FF2B5EF4-FFF2-40B4-BE49-F238E27FC236}">
-                <a16:creationId xmlns:a16="http://schemas.microsoft.com/office/drawing/2014/main" id="{30F15011-AA61-42D5-9446-7099F926E7AD}"/>
+                <a16:creationId xmlns:a16="http://schemas.microsoft.com/office/drawing/2014/main" id="{1CB1B9D8-D003-4282-A485-55650EB22536}"/>
               </a:ext>
             </a:extLst>
           </p:cNvPr>
@@ -9056,8 +10690,8 @@
         </p:nvSpPr>
         <p:spPr>
           <a:xfrm>
-            <a:off x="4079177" y="388212"/>
-            <a:ext cx="934614" cy="338554"/>
+            <a:off x="3727519" y="414307"/>
+            <a:ext cx="1463780" cy="338554"/>
           </a:xfrm>
           <a:prstGeom prst="rect">
             <a:avLst/>
@@ -9076,476 +10710,400 @@
               <a:t>Regenerative laser amplifier</a:t>
             </a:r>
           </a:p>
+          <a:p>
+            <a:pPr algn="ctr"/>
+            <a:r>
+              <a:rPr lang="en-CA" sz="800" dirty="0"/>
+              <a:t>35fs pulses, 3mJ, 1kHz</a:t>
+            </a:r>
+          </a:p>
         </p:txBody>
       </p:sp>
       <p:sp>
         <p:nvSpPr>
-          <p:cNvPr id="180" name="TextBox 179">
+          <p:cNvPr id="305" name="Oval 304">
             <a:extLst>
               <a:ext uri="{FF2B5EF4-FFF2-40B4-BE49-F238E27FC236}">
-                <a16:creationId xmlns:a16="http://schemas.microsoft.com/office/drawing/2014/main" id="{3370086E-B399-4CE1-80C2-12D0DDB80B8C}"/>
+                <a16:creationId xmlns:a16="http://schemas.microsoft.com/office/drawing/2014/main" id="{C28175B0-94F8-4E9F-B022-B25F03857A77}"/>
               </a:ext>
             </a:extLst>
           </p:cNvPr>
-          <p:cNvSpPr txBox="1"/>
+          <p:cNvSpPr/>
           <p:nvPr/>
         </p:nvSpPr>
         <p:spPr>
           <a:xfrm>
-            <a:off x="637504" y="388212"/>
-            <a:ext cx="934614" cy="338554"/>
+            <a:off x="834088" y="2648674"/>
+            <a:ext cx="45719" cy="59152"/>
           </a:xfrm>
-          <a:prstGeom prst="rect">
+          <a:prstGeom prst="ellipse">
             <a:avLst/>
           </a:prstGeom>
-          <a:noFill/>
+          <a:solidFill>
+            <a:srgbClr val="0070C0"/>
+          </a:solidFill>
+          <a:ln>
+            <a:noFill/>
+          </a:ln>
         </p:spPr>
+        <p:style>
+          <a:lnRef idx="2">
+            <a:schemeClr val="accent1">
+              <a:shade val="50000"/>
+            </a:schemeClr>
+          </a:lnRef>
+          <a:fillRef idx="1">
+            <a:schemeClr val="accent1"/>
+          </a:fillRef>
+          <a:effectRef idx="0">
+            <a:schemeClr val="accent1"/>
+          </a:effectRef>
+          <a:fontRef idx="minor">
+            <a:schemeClr val="lt1"/>
+          </a:fontRef>
+        </p:style>
         <p:txBody>
-          <a:bodyPr wrap="square" rtlCol="0">
-            <a:spAutoFit/>
-          </a:bodyPr>
+          <a:bodyPr rtlCol="0" anchor="ctr"/>
           <a:lstStyle/>
           <a:p>
             <a:pPr algn="ctr"/>
-            <a:r>
-              <a:rPr lang="en-CA" sz="800" dirty="0"/>
-              <a:t>Mode-locked oscillator</a:t>
-            </a:r>
+            <a:endParaRPr lang="en-CA"/>
           </a:p>
         </p:txBody>
       </p:sp>
       <p:sp>
         <p:nvSpPr>
-          <p:cNvPr id="183" name="TextBox 182">
+          <p:cNvPr id="307" name="Oval 306">
             <a:extLst>
               <a:ext uri="{FF2B5EF4-FFF2-40B4-BE49-F238E27FC236}">
-                <a16:creationId xmlns:a16="http://schemas.microsoft.com/office/drawing/2014/main" id="{DBE0B008-E137-46FA-9877-0E57C338B4E7}"/>
+                <a16:creationId xmlns:a16="http://schemas.microsoft.com/office/drawing/2014/main" id="{B8257160-EEFA-4BCF-994B-09F517CEF7DF}"/>
               </a:ext>
             </a:extLst>
           </p:cNvPr>
-          <p:cNvSpPr txBox="1"/>
+          <p:cNvSpPr/>
           <p:nvPr/>
         </p:nvSpPr>
         <p:spPr>
           <a:xfrm>
-            <a:off x="2101681" y="1669338"/>
-            <a:ext cx="907119" cy="461665"/>
+            <a:off x="1679496" y="2648674"/>
+            <a:ext cx="134590" cy="59152"/>
           </a:xfrm>
-          <a:prstGeom prst="rect">
+          <a:prstGeom prst="ellipse">
             <a:avLst/>
           </a:prstGeom>
-          <a:noFill/>
+          <a:solidFill>
+            <a:srgbClr val="0070C0"/>
+          </a:solidFill>
+          <a:ln>
+            <a:noFill/>
+          </a:ln>
         </p:spPr>
+        <p:style>
+          <a:lnRef idx="2">
+            <a:schemeClr val="accent1">
+              <a:shade val="50000"/>
+            </a:schemeClr>
+          </a:lnRef>
+          <a:fillRef idx="1">
+            <a:schemeClr val="accent1"/>
+          </a:fillRef>
+          <a:effectRef idx="0">
+            <a:schemeClr val="accent1"/>
+          </a:effectRef>
+          <a:fontRef idx="minor">
+            <a:schemeClr val="lt1"/>
+          </a:fontRef>
+        </p:style>
         <p:txBody>
-          <a:bodyPr wrap="square" rtlCol="0">
-            <a:spAutoFit/>
-          </a:bodyPr>
+          <a:bodyPr rtlCol="0" anchor="ctr"/>
           <a:lstStyle/>
           <a:p>
             <a:pPr algn="ctr"/>
-            <a:r>
-              <a:rPr lang="en-CA" sz="800" dirty="0"/>
-              <a:t>RF synchronization and amplification</a:t>
-            </a:r>
+            <a:endParaRPr lang="en-CA"/>
           </a:p>
         </p:txBody>
       </p:sp>
       <p:sp>
         <p:nvSpPr>
-          <p:cNvPr id="188" name="TextBox 187">
+          <p:cNvPr id="310" name="Oval 309">
             <a:extLst>
               <a:ext uri="{FF2B5EF4-FFF2-40B4-BE49-F238E27FC236}">
-                <a16:creationId xmlns:a16="http://schemas.microsoft.com/office/drawing/2014/main" id="{AC31FE93-22C9-43C5-8F66-120D8CADB085}"/>
+                <a16:creationId xmlns:a16="http://schemas.microsoft.com/office/drawing/2014/main" id="{40E639CE-107A-4017-B0F1-7577DC85B7AD}"/>
               </a:ext>
             </a:extLst>
           </p:cNvPr>
-          <p:cNvSpPr txBox="1"/>
+          <p:cNvSpPr/>
           <p:nvPr/>
         </p:nvSpPr>
         <p:spPr>
           <a:xfrm>
-            <a:off x="321175" y="1989450"/>
-            <a:ext cx="934614" cy="338554"/>
+            <a:off x="2775765" y="2648674"/>
+            <a:ext cx="206048" cy="59152"/>
           </a:xfrm>
-          <a:prstGeom prst="rect">
+          <a:prstGeom prst="ellipse">
             <a:avLst/>
           </a:prstGeom>
-          <a:noFill/>
+          <a:solidFill>
+            <a:srgbClr val="0070C0"/>
+          </a:solidFill>
+          <a:ln>
+            <a:noFill/>
+          </a:ln>
         </p:spPr>
+        <p:style>
+          <a:lnRef idx="2">
+            <a:schemeClr val="accent1">
+              <a:shade val="50000"/>
+            </a:schemeClr>
+          </a:lnRef>
+          <a:fillRef idx="1">
+            <a:schemeClr val="accent1"/>
+          </a:fillRef>
+          <a:effectRef idx="0">
+            <a:schemeClr val="accent1"/>
+          </a:effectRef>
+          <a:fontRef idx="minor">
+            <a:schemeClr val="lt1"/>
+          </a:fontRef>
+        </p:style>
         <p:txBody>
-          <a:bodyPr wrap="square" rtlCol="0">
-            <a:spAutoFit/>
-          </a:bodyPr>
+          <a:bodyPr rtlCol="0" anchor="ctr"/>
           <a:lstStyle/>
           <a:p>
             <a:pPr algn="ctr"/>
-            <a:r>
-              <a:rPr lang="en-CA" sz="800" dirty="0"/>
-              <a:t>Photoelectron gun</a:t>
-            </a:r>
+            <a:endParaRPr lang="en-CA"/>
           </a:p>
         </p:txBody>
       </p:sp>
       <p:sp>
         <p:nvSpPr>
-          <p:cNvPr id="190" name="TextBox 189">
+          <p:cNvPr id="312" name="Oval 311">
             <a:extLst>
               <a:ext uri="{FF2B5EF4-FFF2-40B4-BE49-F238E27FC236}">
-                <a16:creationId xmlns:a16="http://schemas.microsoft.com/office/drawing/2014/main" id="{D000DFFB-074B-49EA-A084-20EE1A2913DA}"/>
+                <a16:creationId xmlns:a16="http://schemas.microsoft.com/office/drawing/2014/main" id="{4F430E67-0A82-49D4-94D1-774CC06B2607}"/>
               </a:ext>
             </a:extLst>
           </p:cNvPr>
-          <p:cNvSpPr txBox="1"/>
+          <p:cNvSpPr/>
           <p:nvPr/>
         </p:nvSpPr>
         <p:spPr>
           <a:xfrm>
-            <a:off x="1214067" y="3027565"/>
-            <a:ext cx="548765" cy="276999"/>
+            <a:off x="3696427" y="2648674"/>
+            <a:ext cx="115520" cy="59152"/>
           </a:xfrm>
-          <a:prstGeom prst="rect">
+          <a:prstGeom prst="ellipse">
             <a:avLst/>
           </a:prstGeom>
-          <a:noFill/>
+          <a:solidFill>
+            <a:srgbClr val="0070C0"/>
+          </a:solidFill>
+          <a:ln>
+            <a:noFill/>
+          </a:ln>
         </p:spPr>
+        <p:style>
+          <a:lnRef idx="2">
+            <a:schemeClr val="accent1">
+              <a:shade val="50000"/>
+            </a:schemeClr>
+          </a:lnRef>
+          <a:fillRef idx="1">
+            <a:schemeClr val="accent1"/>
+          </a:fillRef>
+          <a:effectRef idx="0">
+            <a:schemeClr val="accent1"/>
+          </a:effectRef>
+          <a:fontRef idx="minor">
+            <a:schemeClr val="lt1"/>
+          </a:fontRef>
+        </p:style>
         <p:txBody>
-          <a:bodyPr wrap="square" rtlCol="0">
-            <a:spAutoFit/>
-          </a:bodyPr>
+          <a:bodyPr rtlCol="0" anchor="ctr"/>
           <a:lstStyle/>
           <a:p>
             <a:pPr algn="ctr"/>
-            <a:r>
-              <a:rPr lang="en-CA" sz="600" dirty="0"/>
-              <a:t>Solenoid lens</a:t>
-            </a:r>
+            <a:endParaRPr lang="en-CA"/>
           </a:p>
         </p:txBody>
       </p:sp>
       <p:sp>
         <p:nvSpPr>
-          <p:cNvPr id="193" name="TextBox 192">
+          <p:cNvPr id="313" name="Oval 312">
             <a:extLst>
               <a:ext uri="{FF2B5EF4-FFF2-40B4-BE49-F238E27FC236}">
-                <a16:creationId xmlns:a16="http://schemas.microsoft.com/office/drawing/2014/main" id="{52945ADF-0B9D-442F-BF74-A176020DB940}"/>
+                <a16:creationId xmlns:a16="http://schemas.microsoft.com/office/drawing/2014/main" id="{FECC75DB-A210-4860-B6F1-3F735A95B136}"/>
               </a:ext>
             </a:extLst>
           </p:cNvPr>
-          <p:cNvSpPr txBox="1"/>
+          <p:cNvSpPr/>
           <p:nvPr/>
         </p:nvSpPr>
         <p:spPr>
           <a:xfrm>
-            <a:off x="2846384" y="3022963"/>
-            <a:ext cx="548765" cy="276999"/>
+            <a:off x="4080443" y="2648674"/>
+            <a:ext cx="18000" cy="59152"/>
           </a:xfrm>
-          <a:prstGeom prst="rect">
+          <a:prstGeom prst="ellipse">
             <a:avLst/>
           </a:prstGeom>
-          <a:noFill/>
+          <a:solidFill>
+            <a:srgbClr val="0070C0"/>
+          </a:solidFill>
+          <a:ln>
+            <a:noFill/>
+          </a:ln>
         </p:spPr>
+        <p:style>
+          <a:lnRef idx="2">
+            <a:schemeClr val="accent1">
+              <a:shade val="50000"/>
+            </a:schemeClr>
+          </a:lnRef>
+          <a:fillRef idx="1">
+            <a:schemeClr val="accent1"/>
+          </a:fillRef>
+          <a:effectRef idx="0">
+            <a:schemeClr val="accent1"/>
+          </a:effectRef>
+          <a:fontRef idx="minor">
+            <a:schemeClr val="lt1"/>
+          </a:fontRef>
+        </p:style>
         <p:txBody>
-          <a:bodyPr wrap="square" rtlCol="0">
-            <a:spAutoFit/>
-          </a:bodyPr>
+          <a:bodyPr rtlCol="0" anchor="ctr"/>
           <a:lstStyle/>
           <a:p>
             <a:pPr algn="ctr"/>
-            <a:r>
-              <a:rPr lang="en-CA" sz="600" dirty="0"/>
-              <a:t>Solenoid lens</a:t>
-            </a:r>
+            <a:endParaRPr lang="en-CA"/>
           </a:p>
         </p:txBody>
       </p:sp>
-      <p:sp>
-        <p:nvSpPr>
-          <p:cNvPr id="196" name="TextBox 195">
+      <p:cxnSp>
+        <p:nvCxnSpPr>
+          <p:cNvPr id="317" name="Straight Connector 316">
             <a:extLst>
               <a:ext uri="{FF2B5EF4-FFF2-40B4-BE49-F238E27FC236}">
-                <a16:creationId xmlns:a16="http://schemas.microsoft.com/office/drawing/2014/main" id="{5D881F09-8533-43B6-9045-2C174D0C3491}"/>
+                <a16:creationId xmlns:a16="http://schemas.microsoft.com/office/drawing/2014/main" id="{28F65D69-05F6-4BEC-A8CC-09F8BE7FAE2C}"/>
               </a:ext>
             </a:extLst>
           </p:cNvPr>
-          <p:cNvSpPr txBox="1"/>
+          <p:cNvCxnSpPr>
+            <a:stCxn id="174" idx="3"/>
+          </p:cNvCxnSpPr>
           <p:nvPr/>
-        </p:nvSpPr>
+        </p:nvCxnSpPr>
         <p:spPr>
-          <a:xfrm>
-            <a:off x="2151941" y="2983523"/>
-            <a:ext cx="787109" cy="338554"/>
+          <a:xfrm flipV="1">
+            <a:off x="4173235" y="2531384"/>
+            <a:ext cx="1345725" cy="148982"/>
           </a:xfrm>
-          <a:prstGeom prst="rect">
+          <a:prstGeom prst="line">
             <a:avLst/>
           </a:prstGeom>
-          <a:noFill/>
+          <a:ln cmpd="sng">
+            <a:prstDash val="dash"/>
+          </a:ln>
         </p:spPr>
-        <p:txBody>
-          <a:bodyPr wrap="square" rtlCol="0">
-            <a:spAutoFit/>
-          </a:bodyPr>
-          <a:lstStyle/>
-          <a:p>
-            <a:pPr algn="ctr"/>
-            <a:r>
-              <a:rPr lang="en-CA" sz="800" dirty="0"/>
-              <a:t>Compression cavity</a:t>
-            </a:r>
-          </a:p>
-        </p:txBody>
-      </p:sp>
-      <p:sp>
-        <p:nvSpPr>
-          <p:cNvPr id="197" name="TextBox 196">
+        <p:style>
+          <a:lnRef idx="1">
+            <a:schemeClr val="accent1"/>
+          </a:lnRef>
+          <a:fillRef idx="0">
+            <a:schemeClr val="accent1"/>
+          </a:fillRef>
+          <a:effectRef idx="0">
+            <a:schemeClr val="accent1"/>
+          </a:effectRef>
+          <a:fontRef idx="minor">
+            <a:schemeClr val="tx1"/>
+          </a:fontRef>
+        </p:style>
+      </p:cxnSp>
+      <p:cxnSp>
+        <p:nvCxnSpPr>
+          <p:cNvPr id="318" name="Straight Connector 317">
             <a:extLst>
               <a:ext uri="{FF2B5EF4-FFF2-40B4-BE49-F238E27FC236}">
-                <a16:creationId xmlns:a16="http://schemas.microsoft.com/office/drawing/2014/main" id="{9A9A61C5-9D12-4A9D-A06C-7088BEA69C5B}"/>
+                <a16:creationId xmlns:a16="http://schemas.microsoft.com/office/drawing/2014/main" id="{06F34C2C-425A-40A8-8171-9EC9A3D289F7}"/>
               </a:ext>
             </a:extLst>
           </p:cNvPr>
-          <p:cNvSpPr txBox="1"/>
+          <p:cNvCxnSpPr>
+            <a:cxnSpLocks/>
+            <a:stCxn id="174" idx="3"/>
+          </p:cNvCxnSpPr>
           <p:nvPr/>
-        </p:nvSpPr>
+        </p:nvCxnSpPr>
         <p:spPr>
           <a:xfrm>
-            <a:off x="3526927" y="3236788"/>
-            <a:ext cx="978068" cy="215444"/>
+            <a:off x="4173235" y="2680366"/>
+            <a:ext cx="1345725" cy="155099"/>
           </a:xfrm>
-          <a:prstGeom prst="rect">
+          <a:prstGeom prst="line">
             <a:avLst/>
           </a:prstGeom>
-          <a:noFill/>
+          <a:ln>
+            <a:prstDash val="dash"/>
+          </a:ln>
         </p:spPr>
-        <p:txBody>
-          <a:bodyPr wrap="square" rtlCol="0">
-            <a:spAutoFit/>
-          </a:bodyPr>
-          <a:lstStyle/>
-          <a:p>
-            <a:pPr algn="ctr"/>
-            <a:r>
-              <a:rPr lang="en-CA" sz="800" dirty="0"/>
-              <a:t>Sample chamber</a:t>
-            </a:r>
-          </a:p>
-        </p:txBody>
-      </p:sp>
-      <p:sp>
-        <p:nvSpPr>
-          <p:cNvPr id="200" name="TextBox 199">
+        <p:style>
+          <a:lnRef idx="1">
+            <a:schemeClr val="accent1"/>
+          </a:lnRef>
+          <a:fillRef idx="0">
+            <a:schemeClr val="accent1"/>
+          </a:fillRef>
+          <a:effectRef idx="0">
+            <a:schemeClr val="accent1"/>
+          </a:effectRef>
+          <a:fontRef idx="minor">
+            <a:schemeClr val="tx1"/>
+          </a:fontRef>
+        </p:style>
+      </p:cxnSp>
+      <p:cxnSp>
+        <p:nvCxnSpPr>
+          <p:cNvPr id="320" name="Straight Connector 319">
             <a:extLst>
               <a:ext uri="{FF2B5EF4-FFF2-40B4-BE49-F238E27FC236}">
-                <a16:creationId xmlns:a16="http://schemas.microsoft.com/office/drawing/2014/main" id="{B5DE8A11-911A-42AA-A393-FC02A2541364}"/>
+                <a16:creationId xmlns:a16="http://schemas.microsoft.com/office/drawing/2014/main" id="{3211998C-ADB1-4F07-8F2C-D4D516C45A9E}"/>
               </a:ext>
             </a:extLst>
           </p:cNvPr>
-          <p:cNvSpPr txBox="1"/>
+          <p:cNvCxnSpPr>
+            <a:cxnSpLocks/>
+            <a:stCxn id="174" idx="3"/>
+          </p:cNvCxnSpPr>
           <p:nvPr/>
-        </p:nvSpPr>
+        </p:nvCxnSpPr>
         <p:spPr>
           <a:xfrm>
-            <a:off x="5008921" y="3113678"/>
-            <a:ext cx="548765" cy="338554"/>
+            <a:off x="4173235" y="2680366"/>
+            <a:ext cx="1345725" cy="0"/>
           </a:xfrm>
-          <a:prstGeom prst="rect">
+          <a:prstGeom prst="line">
             <a:avLst/>
           </a:prstGeom>
-          <a:noFill/>
+          <a:ln cmpd="sng">
+            <a:prstDash val="dash"/>
+          </a:ln>
         </p:spPr>
-        <p:txBody>
-          <a:bodyPr wrap="square" rtlCol="0">
-            <a:spAutoFit/>
-          </a:bodyPr>
-          <a:lstStyle/>
-          <a:p>
-            <a:pPr algn="ctr"/>
-            <a:r>
-              <a:rPr lang="en-CA" sz="800" dirty="0"/>
-              <a:t>Electron camera</a:t>
-            </a:r>
-          </a:p>
-        </p:txBody>
-      </p:sp>
-      <p:sp>
-        <p:nvSpPr>
-          <p:cNvPr id="201" name="TextBox 200">
-            <a:extLst>
-              <a:ext uri="{FF2B5EF4-FFF2-40B4-BE49-F238E27FC236}">
-                <a16:creationId xmlns:a16="http://schemas.microsoft.com/office/drawing/2014/main" id="{1C170E58-0188-4071-A9C2-DBE0A0A6969F}"/>
-              </a:ext>
-            </a:extLst>
-          </p:cNvPr>
-          <p:cNvSpPr txBox="1"/>
-          <p:nvPr/>
-        </p:nvSpPr>
-        <p:spPr>
-          <a:xfrm>
-            <a:off x="1157616" y="1673839"/>
-            <a:ext cx="665262" cy="184666"/>
-          </a:xfrm>
-          <a:prstGeom prst="rect">
-            <a:avLst/>
-          </a:prstGeom>
-          <a:noFill/>
-        </p:spPr>
-        <p:txBody>
-          <a:bodyPr wrap="square" rtlCol="0">
-            <a:spAutoFit/>
-          </a:bodyPr>
-          <a:lstStyle/>
-          <a:p>
-            <a:pPr algn="ctr"/>
-            <a:r>
-              <a:rPr lang="en-CA" sz="600" dirty="0"/>
-              <a:t>UV generation</a:t>
-            </a:r>
-          </a:p>
-        </p:txBody>
-      </p:sp>
-      <p:sp>
-        <p:nvSpPr>
-          <p:cNvPr id="204" name="TextBox 203">
-            <a:extLst>
-              <a:ext uri="{FF2B5EF4-FFF2-40B4-BE49-F238E27FC236}">
-                <a16:creationId xmlns:a16="http://schemas.microsoft.com/office/drawing/2014/main" id="{58969A27-E1DD-473C-9D71-809DBFDB28DA}"/>
-              </a:ext>
-            </a:extLst>
-          </p:cNvPr>
-          <p:cNvSpPr txBox="1"/>
-          <p:nvPr/>
-        </p:nvSpPr>
-        <p:spPr>
-          <a:xfrm>
-            <a:off x="1145605" y="1821802"/>
-            <a:ext cx="690349" cy="184666"/>
-          </a:xfrm>
-          <a:prstGeom prst="rect">
-            <a:avLst/>
-          </a:prstGeom>
-          <a:noFill/>
-        </p:spPr>
-        <p:txBody>
-          <a:bodyPr wrap="square" rtlCol="0">
-            <a:spAutoFit/>
-          </a:bodyPr>
-          <a:lstStyle/>
-          <a:p>
-            <a:pPr algn="ctr"/>
-            <a:r>
-              <a:rPr lang="en-CA" sz="600" dirty="0"/>
-              <a:t>Dichroic mirror</a:t>
-            </a:r>
-          </a:p>
-        </p:txBody>
-      </p:sp>
-      <p:sp>
-        <p:nvSpPr>
-          <p:cNvPr id="205" name="TextBox 204">
-            <a:extLst>
-              <a:ext uri="{FF2B5EF4-FFF2-40B4-BE49-F238E27FC236}">
-                <a16:creationId xmlns:a16="http://schemas.microsoft.com/office/drawing/2014/main" id="{86ADDE5C-7865-474B-BB01-5EE61534F060}"/>
-              </a:ext>
-            </a:extLst>
-          </p:cNvPr>
-          <p:cNvSpPr txBox="1"/>
-          <p:nvPr/>
-        </p:nvSpPr>
-        <p:spPr>
-          <a:xfrm>
-            <a:off x="1170692" y="1954264"/>
-            <a:ext cx="665262" cy="184666"/>
-          </a:xfrm>
-          <a:prstGeom prst="rect">
-            <a:avLst/>
-          </a:prstGeom>
-          <a:noFill/>
-        </p:spPr>
-        <p:txBody>
-          <a:bodyPr wrap="square" rtlCol="0">
-            <a:spAutoFit/>
-          </a:bodyPr>
-          <a:lstStyle/>
-          <a:p>
-            <a:pPr algn="ctr"/>
-            <a:r>
-              <a:rPr lang="en-CA" sz="600" dirty="0"/>
-              <a:t>Beam dump</a:t>
-            </a:r>
-          </a:p>
-        </p:txBody>
-      </p:sp>
-      <p:sp>
-        <p:nvSpPr>
-          <p:cNvPr id="207" name="TextBox 206">
-            <a:extLst>
-              <a:ext uri="{FF2B5EF4-FFF2-40B4-BE49-F238E27FC236}">
-                <a16:creationId xmlns:a16="http://schemas.microsoft.com/office/drawing/2014/main" id="{99028281-B577-41C2-A770-AEFFAB8F6ADA}"/>
-              </a:ext>
-            </a:extLst>
-          </p:cNvPr>
-          <p:cNvSpPr txBox="1"/>
-          <p:nvPr/>
-        </p:nvSpPr>
-        <p:spPr>
-          <a:xfrm>
-            <a:off x="2186522" y="344750"/>
-            <a:ext cx="690349" cy="184666"/>
-          </a:xfrm>
-          <a:prstGeom prst="rect">
-            <a:avLst/>
-          </a:prstGeom>
-          <a:noFill/>
-        </p:spPr>
-        <p:txBody>
-          <a:bodyPr wrap="square" rtlCol="0">
-            <a:spAutoFit/>
-          </a:bodyPr>
-          <a:lstStyle/>
-          <a:p>
-            <a:pPr algn="ctr"/>
-            <a:r>
-              <a:rPr lang="en-CA" sz="600" dirty="0"/>
-              <a:t>Beam splitter</a:t>
-            </a:r>
-          </a:p>
-        </p:txBody>
-      </p:sp>
-      <p:sp>
-        <p:nvSpPr>
-          <p:cNvPr id="208" name="TextBox 207">
-            <a:extLst>
-              <a:ext uri="{FF2B5EF4-FFF2-40B4-BE49-F238E27FC236}">
-                <a16:creationId xmlns:a16="http://schemas.microsoft.com/office/drawing/2014/main" id="{C190DB8B-1D5B-42D7-80C3-B4260FFCBC1F}"/>
-              </a:ext>
-            </a:extLst>
-          </p:cNvPr>
-          <p:cNvSpPr txBox="1"/>
-          <p:nvPr/>
-        </p:nvSpPr>
-        <p:spPr>
-          <a:xfrm>
-            <a:off x="3101058" y="1088339"/>
-            <a:ext cx="690349" cy="184666"/>
-          </a:xfrm>
-          <a:prstGeom prst="rect">
-            <a:avLst/>
-          </a:prstGeom>
-          <a:noFill/>
-        </p:spPr>
-        <p:txBody>
-          <a:bodyPr wrap="square" rtlCol="0">
-            <a:spAutoFit/>
-          </a:bodyPr>
-          <a:lstStyle/>
-          <a:p>
-            <a:pPr algn="ctr"/>
-            <a:r>
-              <a:rPr lang="en-CA" sz="600" dirty="0"/>
-              <a:t>Beam splitter</a:t>
-            </a:r>
-          </a:p>
-        </p:txBody>
-      </p:sp>
+        <p:style>
+          <a:lnRef idx="1">
+            <a:schemeClr val="accent1"/>
+          </a:lnRef>
+          <a:fillRef idx="0">
+            <a:schemeClr val="accent1"/>
+          </a:fillRef>
+          <a:effectRef idx="0">
+            <a:schemeClr val="accent1"/>
+          </a:effectRef>
+          <a:fontRef idx="minor">
+            <a:schemeClr val="tx1"/>
+          </a:fontRef>
+        </p:style>
+      </p:cxnSp>
     </p:spTree>
     <p:extLst>
       <p:ext uri="{BB962C8B-B14F-4D97-AF65-F5344CB8AC3E}">
